--- a/2d/main.pptx
+++ b/2d/main.pptx
@@ -6,7 +6,11 @@
   </p:sldMasterIdLst>
   <p:sldIdLst>
     <p:sldId id="256" r:id="rId2"/>
-    <p:sldId id="257" r:id="rId3"/>
+    <p:sldId id="260" r:id="rId3"/>
+    <p:sldId id="262" r:id="rId4"/>
+    <p:sldId id="257" r:id="rId5"/>
+    <p:sldId id="258" r:id="rId6"/>
+    <p:sldId id="259" r:id="rId7"/>
   </p:sldIdLst>
   <p:sldSz cx="12192000" cy="6858000"/>
   <p:notesSz cx="6858000" cy="9144000"/>
@@ -105,6 +109,11 @@
       </a:defRPr>
     </a:lvl9pPr>
   </p:defaultTextStyle>
+  <p:extLst>
+    <p:ext uri="{EFAFB233-063F-42B5-8137-9DF3F51BA10A}">
+      <p15:sldGuideLst xmlns:p15="http://schemas.microsoft.com/office/powerpoint/2012/main"/>
+    </p:ext>
+  </p:extLst>
 </p:presentation>
 </file>
 
@@ -255,7 +264,7 @@
           <a:p>
             <a:fld id="{528E7D60-6D11-405A-8EEF-73F5412858C5}" type="datetimeFigureOut">
               <a:rPr kumimoji="1" lang="ja-JP" altLang="en-US" smtClean="0"/>
-              <a:t>2024/8/12</a:t>
+              <a:t>2024/8/13</a:t>
             </a:fld>
             <a:endParaRPr kumimoji="1" lang="ja-JP" altLang="en-US"/>
           </a:p>
@@ -485,7 +494,7 @@
           <a:p>
             <a:fld id="{528E7D60-6D11-405A-8EEF-73F5412858C5}" type="datetimeFigureOut">
               <a:rPr kumimoji="1" lang="ja-JP" altLang="en-US" smtClean="0"/>
-              <a:t>2024/8/12</a:t>
+              <a:t>2024/8/13</a:t>
             </a:fld>
             <a:endParaRPr kumimoji="1" lang="ja-JP" altLang="en-US"/>
           </a:p>
@@ -725,7 +734,7 @@
           <a:p>
             <a:fld id="{528E7D60-6D11-405A-8EEF-73F5412858C5}" type="datetimeFigureOut">
               <a:rPr kumimoji="1" lang="ja-JP" altLang="en-US" smtClean="0"/>
-              <a:t>2024/8/12</a:t>
+              <a:t>2024/8/13</a:t>
             </a:fld>
             <a:endParaRPr kumimoji="1" lang="ja-JP" altLang="en-US"/>
           </a:p>
@@ -955,7 +964,7 @@
           <a:p>
             <a:fld id="{528E7D60-6D11-405A-8EEF-73F5412858C5}" type="datetimeFigureOut">
               <a:rPr kumimoji="1" lang="ja-JP" altLang="en-US" smtClean="0"/>
-              <a:t>2024/8/12</a:t>
+              <a:t>2024/8/13</a:t>
             </a:fld>
             <a:endParaRPr kumimoji="1" lang="ja-JP" altLang="en-US"/>
           </a:p>
@@ -1230,7 +1239,7 @@
           <a:p>
             <a:fld id="{528E7D60-6D11-405A-8EEF-73F5412858C5}" type="datetimeFigureOut">
               <a:rPr kumimoji="1" lang="ja-JP" altLang="en-US" smtClean="0"/>
-              <a:t>2024/8/12</a:t>
+              <a:t>2024/8/13</a:t>
             </a:fld>
             <a:endParaRPr kumimoji="1" lang="ja-JP" altLang="en-US"/>
           </a:p>
@@ -1559,7 +1568,7 @@
           <a:p>
             <a:fld id="{528E7D60-6D11-405A-8EEF-73F5412858C5}" type="datetimeFigureOut">
               <a:rPr kumimoji="1" lang="ja-JP" altLang="en-US" smtClean="0"/>
-              <a:t>2024/8/12</a:t>
+              <a:t>2024/8/13</a:t>
             </a:fld>
             <a:endParaRPr kumimoji="1" lang="ja-JP" altLang="en-US"/>
           </a:p>
@@ -2035,7 +2044,7 @@
           <a:p>
             <a:fld id="{528E7D60-6D11-405A-8EEF-73F5412858C5}" type="datetimeFigureOut">
               <a:rPr kumimoji="1" lang="ja-JP" altLang="en-US" smtClean="0"/>
-              <a:t>2024/8/12</a:t>
+              <a:t>2024/8/13</a:t>
             </a:fld>
             <a:endParaRPr kumimoji="1" lang="ja-JP" altLang="en-US"/>
           </a:p>
@@ -2176,7 +2185,7 @@
           <a:p>
             <a:fld id="{528E7D60-6D11-405A-8EEF-73F5412858C5}" type="datetimeFigureOut">
               <a:rPr kumimoji="1" lang="ja-JP" altLang="en-US" smtClean="0"/>
-              <a:t>2024/8/12</a:t>
+              <a:t>2024/8/13</a:t>
             </a:fld>
             <a:endParaRPr kumimoji="1" lang="ja-JP" altLang="en-US"/>
           </a:p>
@@ -2289,7 +2298,7 @@
           <a:p>
             <a:fld id="{528E7D60-6D11-405A-8EEF-73F5412858C5}" type="datetimeFigureOut">
               <a:rPr kumimoji="1" lang="ja-JP" altLang="en-US" smtClean="0"/>
-              <a:t>2024/8/12</a:t>
+              <a:t>2024/8/13</a:t>
             </a:fld>
             <a:endParaRPr kumimoji="1" lang="ja-JP" altLang="en-US"/>
           </a:p>
@@ -2632,7 +2641,7 @@
           <a:p>
             <a:fld id="{528E7D60-6D11-405A-8EEF-73F5412858C5}" type="datetimeFigureOut">
               <a:rPr kumimoji="1" lang="ja-JP" altLang="en-US" smtClean="0"/>
-              <a:t>2024/8/12</a:t>
+              <a:t>2024/8/13</a:t>
             </a:fld>
             <a:endParaRPr kumimoji="1" lang="ja-JP" altLang="en-US"/>
           </a:p>
@@ -2920,7 +2929,7 @@
           <a:p>
             <a:fld id="{528E7D60-6D11-405A-8EEF-73F5412858C5}" type="datetimeFigureOut">
               <a:rPr kumimoji="1" lang="ja-JP" altLang="en-US" smtClean="0"/>
-              <a:t>2024/8/12</a:t>
+              <a:t>2024/8/13</a:t>
             </a:fld>
             <a:endParaRPr kumimoji="1" lang="ja-JP" altLang="en-US"/>
           </a:p>
@@ -3193,7 +3202,7 @@
           <a:p>
             <a:fld id="{528E7D60-6D11-405A-8EEF-73F5412858C5}" type="datetimeFigureOut">
               <a:rPr kumimoji="1" lang="ja-JP" altLang="en-US" smtClean="0"/>
-              <a:t>2024/8/12</a:t>
+              <a:t>2024/8/13</a:t>
             </a:fld>
             <a:endParaRPr kumimoji="1" lang="ja-JP" altLang="en-US"/>
           </a:p>
@@ -4975,12 +4984,826 @@
           <a:chExt cx="0" cy="0"/>
         </a:xfrm>
       </p:grpSpPr>
+      <p:pic>
+        <p:nvPicPr>
+          <p:cNvPr id="5" name="図 4">
+            <a:extLst>
+              <a:ext uri="{FF2B5EF4-FFF2-40B4-BE49-F238E27FC236}">
+                <a16:creationId xmlns:a16="http://schemas.microsoft.com/office/drawing/2014/main" id="{265CD829-B96B-7B00-6B32-9A15A20ECC67}"/>
+              </a:ext>
+            </a:extLst>
+          </p:cNvPr>
+          <p:cNvPicPr>
+            <a:picLocks noChangeAspect="1"/>
+          </p:cNvPicPr>
+          <p:nvPr/>
+        </p:nvPicPr>
+        <p:blipFill>
+          <a:blip r:embed="rId2"/>
+          <a:stretch>
+            <a:fillRect/>
+          </a:stretch>
+        </p:blipFill>
+        <p:spPr>
+          <a:xfrm rot="1384403">
+            <a:off x="1479231" y="0"/>
+            <a:ext cx="9233537" cy="6858000"/>
+          </a:xfrm>
+          <a:prstGeom prst="rect">
+            <a:avLst/>
+          </a:prstGeom>
+        </p:spPr>
+      </p:pic>
+      <p:sp>
+        <p:nvSpPr>
+          <p:cNvPr id="65" name="フリーフォーム: 図形 64">
+            <a:extLst>
+              <a:ext uri="{FF2B5EF4-FFF2-40B4-BE49-F238E27FC236}">
+                <a16:creationId xmlns:a16="http://schemas.microsoft.com/office/drawing/2014/main" id="{A0F6FDDB-B7A8-0A18-71F4-82377E16DCDC}"/>
+              </a:ext>
+            </a:extLst>
+          </p:cNvPr>
+          <p:cNvSpPr/>
+          <p:nvPr/>
+        </p:nvSpPr>
+        <p:spPr>
+          <a:xfrm>
+            <a:off x="3568304" y="3895725"/>
+            <a:ext cx="1372395" cy="1066800"/>
+          </a:xfrm>
+          <a:custGeom>
+            <a:avLst/>
+            <a:gdLst>
+              <a:gd name="connsiteX0" fmla="*/ 1184274 w 1372395"/>
+              <a:gd name="connsiteY0" fmla="*/ 0 h 1066800"/>
+              <a:gd name="connsiteX1" fmla="*/ 1193799 w 1372395"/>
+              <a:gd name="connsiteY1" fmla="*/ 0 h 1066800"/>
+              <a:gd name="connsiteX2" fmla="*/ 1214515 w 1372395"/>
+              <a:gd name="connsiteY2" fmla="*/ 0 h 1066800"/>
+              <a:gd name="connsiteX3" fmla="*/ 1320499 w 1372395"/>
+              <a:gd name="connsiteY3" fmla="*/ 0 h 1066800"/>
+              <a:gd name="connsiteX4" fmla="*/ 1362868 w 1372395"/>
+              <a:gd name="connsiteY4" fmla="*/ 0 h 1066800"/>
+              <a:gd name="connsiteX5" fmla="*/ 1372394 w 1372395"/>
+              <a:gd name="connsiteY5" fmla="*/ 0 h 1066800"/>
+              <a:gd name="connsiteX6" fmla="*/ 1372394 w 1372395"/>
+              <a:gd name="connsiteY6" fmla="*/ 159544 h 1066800"/>
+              <a:gd name="connsiteX7" fmla="*/ 1372395 w 1372395"/>
+              <a:gd name="connsiteY7" fmla="*/ 159544 h 1066800"/>
+              <a:gd name="connsiteX8" fmla="*/ 1372395 w 1372395"/>
+              <a:gd name="connsiteY8" fmla="*/ 1066800 h 1066800"/>
+              <a:gd name="connsiteX9" fmla="*/ 169069 w 1372395"/>
+              <a:gd name="connsiteY9" fmla="*/ 1066800 h 1066800"/>
+              <a:gd name="connsiteX10" fmla="*/ 1 w 1372395"/>
+              <a:gd name="connsiteY10" fmla="*/ 1066800 h 1066800"/>
+              <a:gd name="connsiteX11" fmla="*/ 0 w 1372395"/>
+              <a:gd name="connsiteY11" fmla="*/ 1066800 h 1066800"/>
+              <a:gd name="connsiteX12" fmla="*/ 0 w 1372395"/>
+              <a:gd name="connsiteY12" fmla="*/ 23813 h 1066800"/>
+              <a:gd name="connsiteX13" fmla="*/ 169069 w 1372395"/>
+              <a:gd name="connsiteY13" fmla="*/ 23813 h 1066800"/>
+              <a:gd name="connsiteX14" fmla="*/ 169069 w 1372395"/>
+              <a:gd name="connsiteY14" fmla="*/ 159544 h 1066800"/>
+              <a:gd name="connsiteX15" fmla="*/ 1184274 w 1372395"/>
+              <a:gd name="connsiteY15" fmla="*/ 159544 h 1066800"/>
+            </a:gdLst>
+            <a:ahLst/>
+            <a:cxnLst>
+              <a:cxn ang="0">
+                <a:pos x="connsiteX0" y="connsiteY0"/>
+              </a:cxn>
+              <a:cxn ang="0">
+                <a:pos x="connsiteX1" y="connsiteY1"/>
+              </a:cxn>
+              <a:cxn ang="0">
+                <a:pos x="connsiteX2" y="connsiteY2"/>
+              </a:cxn>
+              <a:cxn ang="0">
+                <a:pos x="connsiteX3" y="connsiteY3"/>
+              </a:cxn>
+              <a:cxn ang="0">
+                <a:pos x="connsiteX4" y="connsiteY4"/>
+              </a:cxn>
+              <a:cxn ang="0">
+                <a:pos x="connsiteX5" y="connsiteY5"/>
+              </a:cxn>
+              <a:cxn ang="0">
+                <a:pos x="connsiteX6" y="connsiteY6"/>
+              </a:cxn>
+              <a:cxn ang="0">
+                <a:pos x="connsiteX7" y="connsiteY7"/>
+              </a:cxn>
+              <a:cxn ang="0">
+                <a:pos x="connsiteX8" y="connsiteY8"/>
+              </a:cxn>
+              <a:cxn ang="0">
+                <a:pos x="connsiteX9" y="connsiteY9"/>
+              </a:cxn>
+              <a:cxn ang="0">
+                <a:pos x="connsiteX10" y="connsiteY10"/>
+              </a:cxn>
+              <a:cxn ang="0">
+                <a:pos x="connsiteX11" y="connsiteY11"/>
+              </a:cxn>
+              <a:cxn ang="0">
+                <a:pos x="connsiteX12" y="connsiteY12"/>
+              </a:cxn>
+              <a:cxn ang="0">
+                <a:pos x="connsiteX13" y="connsiteY13"/>
+              </a:cxn>
+              <a:cxn ang="0">
+                <a:pos x="connsiteX14" y="connsiteY14"/>
+              </a:cxn>
+              <a:cxn ang="0">
+                <a:pos x="connsiteX15" y="connsiteY15"/>
+              </a:cxn>
+            </a:cxnLst>
+            <a:rect l="l" t="t" r="r" b="b"/>
+            <a:pathLst>
+              <a:path w="1372395" h="1066800">
+                <a:moveTo>
+                  <a:pt x="1184274" y="0"/>
+                </a:moveTo>
+                <a:lnTo>
+                  <a:pt x="1193799" y="0"/>
+                </a:lnTo>
+                <a:lnTo>
+                  <a:pt x="1214515" y="0"/>
+                </a:lnTo>
+                <a:lnTo>
+                  <a:pt x="1320499" y="0"/>
+                </a:lnTo>
+                <a:lnTo>
+                  <a:pt x="1362868" y="0"/>
+                </a:lnTo>
+                <a:lnTo>
+                  <a:pt x="1372394" y="0"/>
+                </a:lnTo>
+                <a:lnTo>
+                  <a:pt x="1372394" y="159544"/>
+                </a:lnTo>
+                <a:lnTo>
+                  <a:pt x="1372395" y="159544"/>
+                </a:lnTo>
+                <a:lnTo>
+                  <a:pt x="1372395" y="1066800"/>
+                </a:lnTo>
+                <a:lnTo>
+                  <a:pt x="169069" y="1066800"/>
+                </a:lnTo>
+                <a:lnTo>
+                  <a:pt x="1" y="1066800"/>
+                </a:lnTo>
+                <a:lnTo>
+                  <a:pt x="0" y="1066800"/>
+                </a:lnTo>
+                <a:lnTo>
+                  <a:pt x="0" y="23813"/>
+                </a:lnTo>
+                <a:lnTo>
+                  <a:pt x="169069" y="23813"/>
+                </a:lnTo>
+                <a:lnTo>
+                  <a:pt x="169069" y="159544"/>
+                </a:lnTo>
+                <a:lnTo>
+                  <a:pt x="1184274" y="159544"/>
+                </a:lnTo>
+                <a:close/>
+              </a:path>
+            </a:pathLst>
+          </a:custGeom>
+          <a:pattFill prst="wdDnDiag">
+            <a:fgClr>
+              <a:srgbClr val="C0C0C0"/>
+            </a:fgClr>
+            <a:bgClr>
+              <a:schemeClr val="bg1"/>
+            </a:bgClr>
+          </a:pattFill>
+          <a:ln w="3175">
+            <a:solidFill>
+              <a:srgbClr val="505050"/>
+            </a:solidFill>
+          </a:ln>
+        </p:spPr>
+        <p:style>
+          <a:lnRef idx="2">
+            <a:schemeClr val="accent1">
+              <a:shade val="15000"/>
+            </a:schemeClr>
+          </a:lnRef>
+          <a:fillRef idx="1">
+            <a:schemeClr val="accent1"/>
+          </a:fillRef>
+          <a:effectRef idx="0">
+            <a:schemeClr val="accent1"/>
+          </a:effectRef>
+          <a:fontRef idx="minor">
+            <a:schemeClr val="lt1"/>
+          </a:fontRef>
+        </p:style>
+        <p:txBody>
+          <a:bodyPr wrap="square" rtlCol="0" anchor="ctr">
+            <a:noAutofit/>
+          </a:bodyPr>
+          <a:lstStyle/>
+          <a:p>
+            <a:pPr algn="ctr"/>
+            <a:endParaRPr kumimoji="1" lang="ja-JP" altLang="en-US"/>
+          </a:p>
+        </p:txBody>
+      </p:sp>
+      <p:sp>
+        <p:nvSpPr>
+          <p:cNvPr id="2" name="正方形/長方形 1">
+            <a:extLst>
+              <a:ext uri="{FF2B5EF4-FFF2-40B4-BE49-F238E27FC236}">
+                <a16:creationId xmlns:a16="http://schemas.microsoft.com/office/drawing/2014/main" id="{B4F6457C-D802-A967-64A2-64E932844D4D}"/>
+              </a:ext>
+            </a:extLst>
+          </p:cNvPr>
+          <p:cNvSpPr/>
+          <p:nvPr/>
+        </p:nvSpPr>
+        <p:spPr>
+          <a:xfrm>
+            <a:off x="3779044" y="1631951"/>
+            <a:ext cx="2393156" cy="304800"/>
+          </a:xfrm>
+          <a:prstGeom prst="rect">
+            <a:avLst/>
+          </a:prstGeom>
+          <a:pattFill prst="wdDnDiag">
+            <a:fgClr>
+              <a:srgbClr val="C0C0C0"/>
+            </a:fgClr>
+            <a:bgClr>
+              <a:schemeClr val="bg1"/>
+            </a:bgClr>
+          </a:pattFill>
+          <a:ln w="3175">
+            <a:solidFill>
+              <a:srgbClr val="505050"/>
+            </a:solidFill>
+          </a:ln>
+        </p:spPr>
+        <p:style>
+          <a:lnRef idx="2">
+            <a:schemeClr val="accent1">
+              <a:shade val="15000"/>
+            </a:schemeClr>
+          </a:lnRef>
+          <a:fillRef idx="1">
+            <a:schemeClr val="accent1"/>
+          </a:fillRef>
+          <a:effectRef idx="0">
+            <a:schemeClr val="accent1"/>
+          </a:effectRef>
+          <a:fontRef idx="minor">
+            <a:schemeClr val="lt1"/>
+          </a:fontRef>
+        </p:style>
+        <p:txBody>
+          <a:bodyPr rtlCol="0" anchor="ctr"/>
+          <a:lstStyle/>
+          <a:p>
+            <a:pPr algn="ctr"/>
+            <a:endParaRPr kumimoji="1" lang="ja-JP" altLang="en-US"/>
+          </a:p>
+        </p:txBody>
+      </p:sp>
+      <p:sp>
+        <p:nvSpPr>
+          <p:cNvPr id="6" name="正方形/長方形 5">
+            <a:extLst>
+              <a:ext uri="{FF2B5EF4-FFF2-40B4-BE49-F238E27FC236}">
+                <a16:creationId xmlns:a16="http://schemas.microsoft.com/office/drawing/2014/main" id="{D8680B72-EEB9-2AAB-92BC-9637A5E42840}"/>
+              </a:ext>
+            </a:extLst>
+          </p:cNvPr>
+          <p:cNvSpPr/>
+          <p:nvPr/>
+        </p:nvSpPr>
+        <p:spPr>
+          <a:xfrm>
+            <a:off x="3502819" y="2002631"/>
+            <a:ext cx="169069" cy="1128713"/>
+          </a:xfrm>
+          <a:prstGeom prst="rect">
+            <a:avLst/>
+          </a:prstGeom>
+          <a:pattFill prst="wdDnDiag">
+            <a:fgClr>
+              <a:srgbClr val="C0C0C0"/>
+            </a:fgClr>
+            <a:bgClr>
+              <a:schemeClr val="bg1"/>
+            </a:bgClr>
+          </a:pattFill>
+          <a:ln w="3175">
+            <a:solidFill>
+              <a:schemeClr val="tx1"/>
+            </a:solidFill>
+          </a:ln>
+        </p:spPr>
+        <p:style>
+          <a:lnRef idx="2">
+            <a:schemeClr val="accent1">
+              <a:shade val="15000"/>
+            </a:schemeClr>
+          </a:lnRef>
+          <a:fillRef idx="1">
+            <a:schemeClr val="accent1"/>
+          </a:fillRef>
+          <a:effectRef idx="0">
+            <a:schemeClr val="accent1"/>
+          </a:effectRef>
+          <a:fontRef idx="minor">
+            <a:schemeClr val="lt1"/>
+          </a:fontRef>
+        </p:style>
+        <p:txBody>
+          <a:bodyPr rtlCol="0" anchor="ctr"/>
+          <a:lstStyle/>
+          <a:p>
+            <a:pPr algn="ctr"/>
+            <a:endParaRPr kumimoji="1" lang="ja-JP" altLang="en-US"/>
+          </a:p>
+        </p:txBody>
+      </p:sp>
+      <p:sp>
+        <p:nvSpPr>
+          <p:cNvPr id="10" name="フリーフォーム: 図形 9">
+            <a:extLst>
+              <a:ext uri="{FF2B5EF4-FFF2-40B4-BE49-F238E27FC236}">
+                <a16:creationId xmlns:a16="http://schemas.microsoft.com/office/drawing/2014/main" id="{74E41885-CAEC-1466-EB34-DA49D560B9B9}"/>
+              </a:ext>
+            </a:extLst>
+          </p:cNvPr>
+          <p:cNvSpPr/>
+          <p:nvPr/>
+        </p:nvSpPr>
+        <p:spPr>
+          <a:xfrm>
+            <a:off x="3738563" y="2817019"/>
+            <a:ext cx="916781" cy="389334"/>
+          </a:xfrm>
+          <a:custGeom>
+            <a:avLst/>
+            <a:gdLst>
+              <a:gd name="connsiteX0" fmla="*/ 0 w 916781"/>
+              <a:gd name="connsiteY0" fmla="*/ 0 h 389334"/>
+              <a:gd name="connsiteX1" fmla="*/ 916781 w 916781"/>
+              <a:gd name="connsiteY1" fmla="*/ 0 h 389334"/>
+              <a:gd name="connsiteX2" fmla="*/ 916781 w 916781"/>
+              <a:gd name="connsiteY2" fmla="*/ 129778 h 389334"/>
+              <a:gd name="connsiteX3" fmla="*/ 916781 w 916781"/>
+              <a:gd name="connsiteY3" fmla="*/ 259556 h 389334"/>
+              <a:gd name="connsiteX4" fmla="*/ 916781 w 916781"/>
+              <a:gd name="connsiteY4" fmla="*/ 389334 h 389334"/>
+              <a:gd name="connsiteX5" fmla="*/ 295275 w 916781"/>
+              <a:gd name="connsiteY5" fmla="*/ 389334 h 389334"/>
+              <a:gd name="connsiteX6" fmla="*/ 295275 w 916781"/>
+              <a:gd name="connsiteY6" fmla="*/ 259556 h 389334"/>
+              <a:gd name="connsiteX7" fmla="*/ 0 w 916781"/>
+              <a:gd name="connsiteY7" fmla="*/ 259556 h 389334"/>
+            </a:gdLst>
+            <a:ahLst/>
+            <a:cxnLst>
+              <a:cxn ang="0">
+                <a:pos x="connsiteX0" y="connsiteY0"/>
+              </a:cxn>
+              <a:cxn ang="0">
+                <a:pos x="connsiteX1" y="connsiteY1"/>
+              </a:cxn>
+              <a:cxn ang="0">
+                <a:pos x="connsiteX2" y="connsiteY2"/>
+              </a:cxn>
+              <a:cxn ang="0">
+                <a:pos x="connsiteX3" y="connsiteY3"/>
+              </a:cxn>
+              <a:cxn ang="0">
+                <a:pos x="connsiteX4" y="connsiteY4"/>
+              </a:cxn>
+              <a:cxn ang="0">
+                <a:pos x="connsiteX5" y="connsiteY5"/>
+              </a:cxn>
+              <a:cxn ang="0">
+                <a:pos x="connsiteX6" y="connsiteY6"/>
+              </a:cxn>
+              <a:cxn ang="0">
+                <a:pos x="connsiteX7" y="connsiteY7"/>
+              </a:cxn>
+            </a:cxnLst>
+            <a:rect l="l" t="t" r="r" b="b"/>
+            <a:pathLst>
+              <a:path w="916781" h="389334">
+                <a:moveTo>
+                  <a:pt x="0" y="0"/>
+                </a:moveTo>
+                <a:lnTo>
+                  <a:pt x="916781" y="0"/>
+                </a:lnTo>
+                <a:lnTo>
+                  <a:pt x="916781" y="129778"/>
+                </a:lnTo>
+                <a:lnTo>
+                  <a:pt x="916781" y="259556"/>
+                </a:lnTo>
+                <a:lnTo>
+                  <a:pt x="916781" y="389334"/>
+                </a:lnTo>
+                <a:lnTo>
+                  <a:pt x="295275" y="389334"/>
+                </a:lnTo>
+                <a:lnTo>
+                  <a:pt x="295275" y="259556"/>
+                </a:lnTo>
+                <a:lnTo>
+                  <a:pt x="0" y="259556"/>
+                </a:lnTo>
+                <a:close/>
+              </a:path>
+            </a:pathLst>
+          </a:custGeom>
+          <a:solidFill>
+            <a:schemeClr val="bg1">
+              <a:lumMod val="95000"/>
+            </a:schemeClr>
+          </a:solidFill>
+          <a:ln w="3175">
+            <a:solidFill>
+              <a:schemeClr val="tx1"/>
+            </a:solidFill>
+          </a:ln>
+        </p:spPr>
+        <p:style>
+          <a:lnRef idx="2">
+            <a:schemeClr val="accent1">
+              <a:shade val="15000"/>
+            </a:schemeClr>
+          </a:lnRef>
+          <a:fillRef idx="1">
+            <a:schemeClr val="accent1"/>
+          </a:fillRef>
+          <a:effectRef idx="0">
+            <a:schemeClr val="accent1"/>
+          </a:effectRef>
+          <a:fontRef idx="minor">
+            <a:schemeClr val="lt1"/>
+          </a:fontRef>
+        </p:style>
+        <p:txBody>
+          <a:bodyPr wrap="square" rtlCol="0" anchor="ctr">
+            <a:noAutofit/>
+          </a:bodyPr>
+          <a:lstStyle/>
+          <a:p>
+            <a:pPr algn="ctr"/>
+            <a:endParaRPr kumimoji="1" lang="ja-JP" altLang="en-US"/>
+          </a:p>
+        </p:txBody>
+      </p:sp>
+      <p:sp>
+        <p:nvSpPr>
+          <p:cNvPr id="17" name="正方形/長方形 16">
+            <a:extLst>
+              <a:ext uri="{FF2B5EF4-FFF2-40B4-BE49-F238E27FC236}">
+                <a16:creationId xmlns:a16="http://schemas.microsoft.com/office/drawing/2014/main" id="{2E921190-5F58-8D45-093E-F8B5ECFB005A}"/>
+              </a:ext>
+            </a:extLst>
+          </p:cNvPr>
+          <p:cNvSpPr/>
+          <p:nvPr/>
+        </p:nvSpPr>
+        <p:spPr>
+          <a:xfrm>
+            <a:off x="3779044" y="2116133"/>
+            <a:ext cx="876299" cy="269085"/>
+          </a:xfrm>
+          <a:prstGeom prst="rect">
+            <a:avLst/>
+          </a:prstGeom>
+          <a:solidFill>
+            <a:schemeClr val="bg1">
+              <a:lumMod val="95000"/>
+            </a:schemeClr>
+          </a:solidFill>
+          <a:ln w="3175">
+            <a:solidFill>
+              <a:schemeClr val="tx1"/>
+            </a:solidFill>
+          </a:ln>
+        </p:spPr>
+        <p:style>
+          <a:lnRef idx="2">
+            <a:schemeClr val="accent1">
+              <a:shade val="15000"/>
+            </a:schemeClr>
+          </a:lnRef>
+          <a:fillRef idx="1">
+            <a:schemeClr val="accent1"/>
+          </a:fillRef>
+          <a:effectRef idx="0">
+            <a:schemeClr val="accent1"/>
+          </a:effectRef>
+          <a:fontRef idx="minor">
+            <a:schemeClr val="lt1"/>
+          </a:fontRef>
+        </p:style>
+        <p:txBody>
+          <a:bodyPr rtlCol="0" anchor="ctr"/>
+          <a:lstStyle/>
+          <a:p>
+            <a:pPr algn="ctr"/>
+            <a:endParaRPr kumimoji="1" lang="ja-JP" altLang="en-US"/>
+          </a:p>
+        </p:txBody>
+      </p:sp>
+      <p:sp>
+        <p:nvSpPr>
+          <p:cNvPr id="34" name="正方形/長方形 33">
+            <a:extLst>
+              <a:ext uri="{FF2B5EF4-FFF2-40B4-BE49-F238E27FC236}">
+                <a16:creationId xmlns:a16="http://schemas.microsoft.com/office/drawing/2014/main" id="{705E69AE-11C1-C9E8-1DDE-3FC64BAFD525}"/>
+              </a:ext>
+            </a:extLst>
+          </p:cNvPr>
+          <p:cNvSpPr/>
+          <p:nvPr/>
+        </p:nvSpPr>
+        <p:spPr>
+          <a:xfrm>
+            <a:off x="5731670" y="2817019"/>
+            <a:ext cx="502444" cy="171451"/>
+          </a:xfrm>
+          <a:prstGeom prst="rect">
+            <a:avLst/>
+          </a:prstGeom>
+          <a:solidFill>
+            <a:schemeClr val="bg1">
+              <a:lumMod val="95000"/>
+            </a:schemeClr>
+          </a:solidFill>
+          <a:ln w="3175">
+            <a:solidFill>
+              <a:schemeClr val="tx1"/>
+            </a:solidFill>
+          </a:ln>
+        </p:spPr>
+        <p:style>
+          <a:lnRef idx="2">
+            <a:schemeClr val="accent1">
+              <a:shade val="15000"/>
+            </a:schemeClr>
+          </a:lnRef>
+          <a:fillRef idx="1">
+            <a:schemeClr val="accent1"/>
+          </a:fillRef>
+          <a:effectRef idx="0">
+            <a:schemeClr val="accent1"/>
+          </a:effectRef>
+          <a:fontRef idx="minor">
+            <a:schemeClr val="lt1"/>
+          </a:fontRef>
+        </p:style>
+        <p:txBody>
+          <a:bodyPr rtlCol="0" anchor="ctr"/>
+          <a:lstStyle/>
+          <a:p>
+            <a:pPr algn="ctr"/>
+            <a:endParaRPr kumimoji="1" lang="ja-JP" altLang="en-US"/>
+          </a:p>
+        </p:txBody>
+      </p:sp>
+      <p:sp>
+        <p:nvSpPr>
+          <p:cNvPr id="47" name="フリーフォーム: 図形 46">
+            <a:extLst>
+              <a:ext uri="{FF2B5EF4-FFF2-40B4-BE49-F238E27FC236}">
+                <a16:creationId xmlns:a16="http://schemas.microsoft.com/office/drawing/2014/main" id="{444EFE67-2899-5EDA-196E-FB82A7802053}"/>
+              </a:ext>
+            </a:extLst>
+          </p:cNvPr>
+          <p:cNvSpPr/>
+          <p:nvPr/>
+        </p:nvSpPr>
+        <p:spPr>
+          <a:xfrm>
+            <a:off x="5448301" y="1019175"/>
+            <a:ext cx="895349" cy="354807"/>
+          </a:xfrm>
+          <a:custGeom>
+            <a:avLst/>
+            <a:gdLst>
+              <a:gd name="connsiteX0" fmla="*/ 761999 w 895349"/>
+              <a:gd name="connsiteY0" fmla="*/ 0 h 354807"/>
+              <a:gd name="connsiteX1" fmla="*/ 895349 w 895349"/>
+              <a:gd name="connsiteY1" fmla="*/ 0 h 354807"/>
+              <a:gd name="connsiteX2" fmla="*/ 895349 w 895349"/>
+              <a:gd name="connsiteY2" fmla="*/ 230982 h 354807"/>
+              <a:gd name="connsiteX3" fmla="*/ 785813 w 895349"/>
+              <a:gd name="connsiteY3" fmla="*/ 230982 h 354807"/>
+              <a:gd name="connsiteX4" fmla="*/ 785813 w 895349"/>
+              <a:gd name="connsiteY4" fmla="*/ 258366 h 354807"/>
+              <a:gd name="connsiteX5" fmla="*/ 785813 w 895349"/>
+              <a:gd name="connsiteY5" fmla="*/ 261939 h 354807"/>
+              <a:gd name="connsiteX6" fmla="*/ 785814 w 895349"/>
+              <a:gd name="connsiteY6" fmla="*/ 261939 h 354807"/>
+              <a:gd name="connsiteX7" fmla="*/ 785814 w 895349"/>
+              <a:gd name="connsiteY7" fmla="*/ 354807 h 354807"/>
+              <a:gd name="connsiteX8" fmla="*/ 411956 w 895349"/>
+              <a:gd name="connsiteY8" fmla="*/ 354807 h 354807"/>
+              <a:gd name="connsiteX9" fmla="*/ 411956 w 895349"/>
+              <a:gd name="connsiteY9" fmla="*/ 309564 h 354807"/>
+              <a:gd name="connsiteX10" fmla="*/ 75604 w 895349"/>
+              <a:gd name="connsiteY10" fmla="*/ 309564 h 354807"/>
+              <a:gd name="connsiteX11" fmla="*/ 75604 w 895349"/>
+              <a:gd name="connsiteY11" fmla="*/ 261938 h 354807"/>
+              <a:gd name="connsiteX12" fmla="*/ 0 w 895349"/>
+              <a:gd name="connsiteY12" fmla="*/ 261938 h 354807"/>
+              <a:gd name="connsiteX13" fmla="*/ 0 w 895349"/>
+              <a:gd name="connsiteY13" fmla="*/ 119063 h 354807"/>
+              <a:gd name="connsiteX14" fmla="*/ 75604 w 895349"/>
+              <a:gd name="connsiteY14" fmla="*/ 119063 h 354807"/>
+              <a:gd name="connsiteX15" fmla="*/ 75604 w 895349"/>
+              <a:gd name="connsiteY15" fmla="*/ 64294 h 354807"/>
+              <a:gd name="connsiteX16" fmla="*/ 401240 w 895349"/>
+              <a:gd name="connsiteY16" fmla="*/ 64294 h 354807"/>
+              <a:gd name="connsiteX17" fmla="*/ 401240 w 895349"/>
+              <a:gd name="connsiteY17" fmla="*/ 27384 h 354807"/>
+              <a:gd name="connsiteX18" fmla="*/ 761999 w 895349"/>
+              <a:gd name="connsiteY18" fmla="*/ 27384 h 354807"/>
+            </a:gdLst>
+            <a:ahLst/>
+            <a:cxnLst>
+              <a:cxn ang="0">
+                <a:pos x="connsiteX0" y="connsiteY0"/>
+              </a:cxn>
+              <a:cxn ang="0">
+                <a:pos x="connsiteX1" y="connsiteY1"/>
+              </a:cxn>
+              <a:cxn ang="0">
+                <a:pos x="connsiteX2" y="connsiteY2"/>
+              </a:cxn>
+              <a:cxn ang="0">
+                <a:pos x="connsiteX3" y="connsiteY3"/>
+              </a:cxn>
+              <a:cxn ang="0">
+                <a:pos x="connsiteX4" y="connsiteY4"/>
+              </a:cxn>
+              <a:cxn ang="0">
+                <a:pos x="connsiteX5" y="connsiteY5"/>
+              </a:cxn>
+              <a:cxn ang="0">
+                <a:pos x="connsiteX6" y="connsiteY6"/>
+              </a:cxn>
+              <a:cxn ang="0">
+                <a:pos x="connsiteX7" y="connsiteY7"/>
+              </a:cxn>
+              <a:cxn ang="0">
+                <a:pos x="connsiteX8" y="connsiteY8"/>
+              </a:cxn>
+              <a:cxn ang="0">
+                <a:pos x="connsiteX9" y="connsiteY9"/>
+              </a:cxn>
+              <a:cxn ang="0">
+                <a:pos x="connsiteX10" y="connsiteY10"/>
+              </a:cxn>
+              <a:cxn ang="0">
+                <a:pos x="connsiteX11" y="connsiteY11"/>
+              </a:cxn>
+              <a:cxn ang="0">
+                <a:pos x="connsiteX12" y="connsiteY12"/>
+              </a:cxn>
+              <a:cxn ang="0">
+                <a:pos x="connsiteX13" y="connsiteY13"/>
+              </a:cxn>
+              <a:cxn ang="0">
+                <a:pos x="connsiteX14" y="connsiteY14"/>
+              </a:cxn>
+              <a:cxn ang="0">
+                <a:pos x="connsiteX15" y="connsiteY15"/>
+              </a:cxn>
+              <a:cxn ang="0">
+                <a:pos x="connsiteX16" y="connsiteY16"/>
+              </a:cxn>
+              <a:cxn ang="0">
+                <a:pos x="connsiteX17" y="connsiteY17"/>
+              </a:cxn>
+              <a:cxn ang="0">
+                <a:pos x="connsiteX18" y="connsiteY18"/>
+              </a:cxn>
+            </a:cxnLst>
+            <a:rect l="l" t="t" r="r" b="b"/>
+            <a:pathLst>
+              <a:path w="895349" h="354807">
+                <a:moveTo>
+                  <a:pt x="761999" y="0"/>
+                </a:moveTo>
+                <a:lnTo>
+                  <a:pt x="895349" y="0"/>
+                </a:lnTo>
+                <a:lnTo>
+                  <a:pt x="895349" y="230982"/>
+                </a:lnTo>
+                <a:lnTo>
+                  <a:pt x="785813" y="230982"/>
+                </a:lnTo>
+                <a:lnTo>
+                  <a:pt x="785813" y="258366"/>
+                </a:lnTo>
+                <a:lnTo>
+                  <a:pt x="785813" y="261939"/>
+                </a:lnTo>
+                <a:lnTo>
+                  <a:pt x="785814" y="261939"/>
+                </a:lnTo>
+                <a:lnTo>
+                  <a:pt x="785814" y="354807"/>
+                </a:lnTo>
+                <a:lnTo>
+                  <a:pt x="411956" y="354807"/>
+                </a:lnTo>
+                <a:lnTo>
+                  <a:pt x="411956" y="309564"/>
+                </a:lnTo>
+                <a:lnTo>
+                  <a:pt x="75604" y="309564"/>
+                </a:lnTo>
+                <a:lnTo>
+                  <a:pt x="75604" y="261938"/>
+                </a:lnTo>
+                <a:lnTo>
+                  <a:pt x="0" y="261938"/>
+                </a:lnTo>
+                <a:lnTo>
+                  <a:pt x="0" y="119063"/>
+                </a:lnTo>
+                <a:lnTo>
+                  <a:pt x="75604" y="119063"/>
+                </a:lnTo>
+                <a:lnTo>
+                  <a:pt x="75604" y="64294"/>
+                </a:lnTo>
+                <a:lnTo>
+                  <a:pt x="401240" y="64294"/>
+                </a:lnTo>
+                <a:lnTo>
+                  <a:pt x="401240" y="27384"/>
+                </a:lnTo>
+                <a:lnTo>
+                  <a:pt x="761999" y="27384"/>
+                </a:lnTo>
+                <a:close/>
+              </a:path>
+            </a:pathLst>
+          </a:custGeom>
+          <a:solidFill>
+            <a:schemeClr val="bg1">
+              <a:lumMod val="95000"/>
+            </a:schemeClr>
+          </a:solidFill>
+          <a:ln w="3175">
+            <a:solidFill>
+              <a:schemeClr val="tx1"/>
+            </a:solidFill>
+          </a:ln>
+        </p:spPr>
+        <p:style>
+          <a:lnRef idx="2">
+            <a:schemeClr val="accent1">
+              <a:shade val="15000"/>
+            </a:schemeClr>
+          </a:lnRef>
+          <a:fillRef idx="1">
+            <a:schemeClr val="accent1"/>
+          </a:fillRef>
+          <a:effectRef idx="0">
+            <a:schemeClr val="accent1"/>
+          </a:effectRef>
+          <a:fontRef idx="minor">
+            <a:schemeClr val="lt1"/>
+          </a:fontRef>
+        </p:style>
+        <p:txBody>
+          <a:bodyPr wrap="square" rtlCol="0" anchor="ctr">
+            <a:noAutofit/>
+          </a:bodyPr>
+          <a:lstStyle/>
+          <a:p>
+            <a:pPr algn="ctr"/>
+            <a:endParaRPr kumimoji="1" lang="ja-JP" altLang="en-US"/>
+          </a:p>
+        </p:txBody>
+      </p:sp>
       <p:grpSp>
         <p:nvGrpSpPr>
-          <p:cNvPr id="13" name="グループ化 12">
+          <p:cNvPr id="73" name="グループ化 72">
             <a:extLst>
               <a:ext uri="{FF2B5EF4-FFF2-40B4-BE49-F238E27FC236}">
-                <a16:creationId xmlns:a16="http://schemas.microsoft.com/office/drawing/2014/main" id="{091FA755-B928-483C-EED9-92463223DE0D}"/>
+                <a16:creationId xmlns:a16="http://schemas.microsoft.com/office/drawing/2014/main" id="{CEB78C03-1FC1-0DA2-71A8-5C0182651392}"/>
               </a:ext>
             </a:extLst>
           </p:cNvPr>
@@ -4989,18 +5812,18 @@
         </p:nvGrpSpPr>
         <p:grpSpPr>
           <a:xfrm>
-            <a:off x="3186546" y="298544"/>
-            <a:ext cx="4524086" cy="6260911"/>
-            <a:chOff x="3186546" y="298544"/>
-            <a:chExt cx="4524086" cy="6260911"/>
+            <a:off x="5731670" y="4271572"/>
+            <a:ext cx="223838" cy="526256"/>
+            <a:chOff x="2993431" y="3395662"/>
+            <a:chExt cx="223838" cy="526256"/>
           </a:xfrm>
         </p:grpSpPr>
         <p:sp>
           <p:nvSpPr>
-            <p:cNvPr id="6" name="正方形/長方形 5">
+            <p:cNvPr id="74" name="フリーフォーム: 図形 73">
               <a:extLst>
                 <a:ext uri="{FF2B5EF4-FFF2-40B4-BE49-F238E27FC236}">
-                  <a16:creationId xmlns:a16="http://schemas.microsoft.com/office/drawing/2014/main" id="{D8680B72-EEB9-2AAB-92BC-9637A5E42840}"/>
+                  <a16:creationId xmlns:a16="http://schemas.microsoft.com/office/drawing/2014/main" id="{1C10F944-F303-500B-46D0-E7F6725B34F0}"/>
                 </a:ext>
               </a:extLst>
             </p:cNvPr>
@@ -5009,10 +5832,7220 @@
           </p:nvSpPr>
           <p:spPr>
             <a:xfrm>
-              <a:off x="3186546" y="1864719"/>
-              <a:ext cx="269246" cy="1797500"/>
+              <a:off x="2993431" y="3395662"/>
+              <a:ext cx="223838" cy="526256"/>
             </a:xfrm>
-            <a:prstGeom prst="rect">
+            <a:custGeom>
+              <a:avLst/>
+              <a:gdLst>
+                <a:gd name="connsiteX0" fmla="*/ 0 w 247650"/>
+                <a:gd name="connsiteY0" fmla="*/ 583406 h 583406"/>
+                <a:gd name="connsiteX1" fmla="*/ 247650 w 247650"/>
+                <a:gd name="connsiteY1" fmla="*/ 0 h 583406"/>
+                <a:gd name="connsiteX2" fmla="*/ 245269 w 247650"/>
+                <a:gd name="connsiteY2" fmla="*/ 259556 h 583406"/>
+                <a:gd name="connsiteX3" fmla="*/ 59531 w 247650"/>
+                <a:gd name="connsiteY3" fmla="*/ 180975 h 583406"/>
+                <a:gd name="connsiteX4" fmla="*/ 59531 w 247650"/>
+                <a:gd name="connsiteY4" fmla="*/ 180975 h 583406"/>
+                <a:gd name="connsiteX0" fmla="*/ 0 w 223838"/>
+                <a:gd name="connsiteY0" fmla="*/ 526256 h 526256"/>
+                <a:gd name="connsiteX1" fmla="*/ 223838 w 223838"/>
+                <a:gd name="connsiteY1" fmla="*/ 0 h 526256"/>
+                <a:gd name="connsiteX2" fmla="*/ 221457 w 223838"/>
+                <a:gd name="connsiteY2" fmla="*/ 259556 h 526256"/>
+                <a:gd name="connsiteX3" fmla="*/ 35719 w 223838"/>
+                <a:gd name="connsiteY3" fmla="*/ 180975 h 526256"/>
+                <a:gd name="connsiteX4" fmla="*/ 35719 w 223838"/>
+                <a:gd name="connsiteY4" fmla="*/ 180975 h 526256"/>
+              </a:gdLst>
+              <a:ahLst/>
+              <a:cxnLst>
+                <a:cxn ang="0">
+                  <a:pos x="connsiteX0" y="connsiteY0"/>
+                </a:cxn>
+                <a:cxn ang="0">
+                  <a:pos x="connsiteX1" y="connsiteY1"/>
+                </a:cxn>
+                <a:cxn ang="0">
+                  <a:pos x="connsiteX2" y="connsiteY2"/>
+                </a:cxn>
+                <a:cxn ang="0">
+                  <a:pos x="connsiteX3" y="connsiteY3"/>
+                </a:cxn>
+                <a:cxn ang="0">
+                  <a:pos x="connsiteX4" y="connsiteY4"/>
+                </a:cxn>
+              </a:cxnLst>
+              <a:rect l="l" t="t" r="r" b="b"/>
+              <a:pathLst>
+                <a:path w="223838" h="526256">
+                  <a:moveTo>
+                    <a:pt x="0" y="526256"/>
+                  </a:moveTo>
+                  <a:lnTo>
+                    <a:pt x="223838" y="0"/>
+                  </a:lnTo>
+                  <a:cubicBezTo>
+                    <a:pt x="223044" y="86519"/>
+                    <a:pt x="222251" y="173037"/>
+                    <a:pt x="221457" y="259556"/>
+                  </a:cubicBezTo>
+                  <a:lnTo>
+                    <a:pt x="35719" y="180975"/>
+                  </a:lnTo>
+                  <a:lnTo>
+                    <a:pt x="35719" y="180975"/>
+                  </a:lnTo>
+                </a:path>
+              </a:pathLst>
+            </a:custGeom>
+            <a:noFill/>
+            <a:ln w="28575">
+              <a:solidFill>
+                <a:srgbClr val="505050"/>
+              </a:solidFill>
+            </a:ln>
+          </p:spPr>
+          <p:style>
+            <a:lnRef idx="2">
+              <a:schemeClr val="accent1">
+                <a:shade val="15000"/>
+              </a:schemeClr>
+            </a:lnRef>
+            <a:fillRef idx="1">
+              <a:schemeClr val="accent1"/>
+            </a:fillRef>
+            <a:effectRef idx="0">
+              <a:schemeClr val="accent1"/>
+            </a:effectRef>
+            <a:fontRef idx="minor">
+              <a:schemeClr val="lt1"/>
+            </a:fontRef>
+          </p:style>
+          <p:txBody>
+            <a:bodyPr rtlCol="0" anchor="ctr"/>
+            <a:lstStyle/>
+            <a:p>
+              <a:pPr algn="ctr"/>
+              <a:endParaRPr kumimoji="1" lang="ja-JP" altLang="en-US" dirty="0"/>
+            </a:p>
+          </p:txBody>
+        </p:sp>
+        <p:cxnSp>
+          <p:nvCxnSpPr>
+            <p:cNvPr id="75" name="直線コネクタ 74">
+              <a:extLst>
+                <a:ext uri="{FF2B5EF4-FFF2-40B4-BE49-F238E27FC236}">
+                  <a16:creationId xmlns:a16="http://schemas.microsoft.com/office/drawing/2014/main" id="{EBFDABDA-BE74-88FC-1BDF-CBAD8D8FFD9C}"/>
+                </a:ext>
+              </a:extLst>
+            </p:cNvPr>
+            <p:cNvCxnSpPr>
+              <a:cxnSpLocks/>
+            </p:cNvCxnSpPr>
+            <p:nvPr/>
+          </p:nvCxnSpPr>
+          <p:spPr>
+            <a:xfrm>
+              <a:off x="2993431" y="3656409"/>
+              <a:ext cx="197444" cy="82154"/>
+            </a:xfrm>
+            <a:prstGeom prst="line">
+              <a:avLst/>
+            </a:prstGeom>
+            <a:ln w="28575">
+              <a:solidFill>
+                <a:srgbClr val="505050"/>
+              </a:solidFill>
+            </a:ln>
+          </p:spPr>
+          <p:style>
+            <a:lnRef idx="1">
+              <a:schemeClr val="accent1"/>
+            </a:lnRef>
+            <a:fillRef idx="0">
+              <a:schemeClr val="accent1"/>
+            </a:fillRef>
+            <a:effectRef idx="0">
+              <a:schemeClr val="accent1"/>
+            </a:effectRef>
+            <a:fontRef idx="minor">
+              <a:schemeClr val="tx1"/>
+            </a:fontRef>
+          </p:style>
+        </p:cxnSp>
+      </p:grpSp>
+      <p:sp>
+        <p:nvSpPr>
+          <p:cNvPr id="42" name="フリーフォーム: 図形 41">
+            <a:extLst>
+              <a:ext uri="{FF2B5EF4-FFF2-40B4-BE49-F238E27FC236}">
+                <a16:creationId xmlns:a16="http://schemas.microsoft.com/office/drawing/2014/main" id="{A3B7857D-D970-6063-4499-A99DA6B24345}"/>
+              </a:ext>
+            </a:extLst>
+          </p:cNvPr>
+          <p:cNvSpPr/>
+          <p:nvPr/>
+        </p:nvSpPr>
+        <p:spPr>
+          <a:xfrm>
+            <a:off x="4707440" y="1396207"/>
+            <a:ext cx="317398" cy="235743"/>
+          </a:xfrm>
+          <a:custGeom>
+            <a:avLst/>
+            <a:gdLst>
+              <a:gd name="connsiteX0" fmla="*/ 56250 w 317398"/>
+              <a:gd name="connsiteY0" fmla="*/ 0 h 235743"/>
+              <a:gd name="connsiteX1" fmla="*/ 144755 w 317398"/>
+              <a:gd name="connsiteY1" fmla="*/ 0 h 235743"/>
+              <a:gd name="connsiteX2" fmla="*/ 144755 w 317398"/>
+              <a:gd name="connsiteY2" fmla="*/ 98319 h 235743"/>
+              <a:gd name="connsiteX3" fmla="*/ 317398 w 317398"/>
+              <a:gd name="connsiteY3" fmla="*/ 98319 h 235743"/>
+              <a:gd name="connsiteX4" fmla="*/ 317398 w 317398"/>
+              <a:gd name="connsiteY4" fmla="*/ 235743 h 235743"/>
+              <a:gd name="connsiteX5" fmla="*/ 144755 w 317398"/>
+              <a:gd name="connsiteY5" fmla="*/ 235743 h 235743"/>
+              <a:gd name="connsiteX6" fmla="*/ 97127 w 317398"/>
+              <a:gd name="connsiteY6" fmla="*/ 235743 h 235743"/>
+              <a:gd name="connsiteX7" fmla="*/ 0 w 317398"/>
+              <a:gd name="connsiteY7" fmla="*/ 235743 h 235743"/>
+            </a:gdLst>
+            <a:ahLst/>
+            <a:cxnLst>
+              <a:cxn ang="0">
+                <a:pos x="connsiteX0" y="connsiteY0"/>
+              </a:cxn>
+              <a:cxn ang="0">
+                <a:pos x="connsiteX1" y="connsiteY1"/>
+              </a:cxn>
+              <a:cxn ang="0">
+                <a:pos x="connsiteX2" y="connsiteY2"/>
+              </a:cxn>
+              <a:cxn ang="0">
+                <a:pos x="connsiteX3" y="connsiteY3"/>
+              </a:cxn>
+              <a:cxn ang="0">
+                <a:pos x="connsiteX4" y="connsiteY4"/>
+              </a:cxn>
+              <a:cxn ang="0">
+                <a:pos x="connsiteX5" y="connsiteY5"/>
+              </a:cxn>
+              <a:cxn ang="0">
+                <a:pos x="connsiteX6" y="connsiteY6"/>
+              </a:cxn>
+              <a:cxn ang="0">
+                <a:pos x="connsiteX7" y="connsiteY7"/>
+              </a:cxn>
+            </a:cxnLst>
+            <a:rect l="l" t="t" r="r" b="b"/>
+            <a:pathLst>
+              <a:path w="317398" h="235743">
+                <a:moveTo>
+                  <a:pt x="56250" y="0"/>
+                </a:moveTo>
+                <a:lnTo>
+                  <a:pt x="144755" y="0"/>
+                </a:lnTo>
+                <a:lnTo>
+                  <a:pt x="144755" y="98319"/>
+                </a:lnTo>
+                <a:lnTo>
+                  <a:pt x="317398" y="98319"/>
+                </a:lnTo>
+                <a:lnTo>
+                  <a:pt x="317398" y="235743"/>
+                </a:lnTo>
+                <a:lnTo>
+                  <a:pt x="144755" y="235743"/>
+                </a:lnTo>
+                <a:lnTo>
+                  <a:pt x="97127" y="235743"/>
+                </a:lnTo>
+                <a:lnTo>
+                  <a:pt x="0" y="235743"/>
+                </a:lnTo>
+                <a:close/>
+              </a:path>
+            </a:pathLst>
+          </a:custGeom>
+          <a:pattFill prst="wdDnDiag">
+            <a:fgClr>
+              <a:srgbClr val="C0C0C0"/>
+            </a:fgClr>
+            <a:bgClr>
+              <a:schemeClr val="bg1"/>
+            </a:bgClr>
+          </a:pattFill>
+          <a:ln w="3175">
+            <a:solidFill>
+              <a:srgbClr val="505050"/>
+            </a:solidFill>
+          </a:ln>
+        </p:spPr>
+        <p:style>
+          <a:lnRef idx="2">
+            <a:schemeClr val="accent1">
+              <a:shade val="15000"/>
+            </a:schemeClr>
+          </a:lnRef>
+          <a:fillRef idx="1">
+            <a:schemeClr val="accent1"/>
+          </a:fillRef>
+          <a:effectRef idx="0">
+            <a:schemeClr val="accent1"/>
+          </a:effectRef>
+          <a:fontRef idx="minor">
+            <a:schemeClr val="lt1"/>
+          </a:fontRef>
+        </p:style>
+        <p:txBody>
+          <a:bodyPr wrap="square" rtlCol="0" anchor="ctr">
+            <a:noAutofit/>
+          </a:bodyPr>
+          <a:lstStyle/>
+          <a:p>
+            <a:pPr algn="ctr"/>
+            <a:endParaRPr kumimoji="1" lang="ja-JP" altLang="en-US"/>
+          </a:p>
+        </p:txBody>
+      </p:sp>
+      <p:sp>
+        <p:nvSpPr>
+          <p:cNvPr id="13" name="正方形/長方形 12">
+            <a:extLst>
+              <a:ext uri="{FF2B5EF4-FFF2-40B4-BE49-F238E27FC236}">
+                <a16:creationId xmlns:a16="http://schemas.microsoft.com/office/drawing/2014/main" id="{5D2B90C5-053D-705B-74C5-FCC1CA054266}"/>
+              </a:ext>
+            </a:extLst>
+          </p:cNvPr>
+          <p:cNvSpPr/>
+          <p:nvPr/>
+        </p:nvSpPr>
+        <p:spPr>
+          <a:xfrm>
+            <a:off x="4693047" y="1936752"/>
+            <a:ext cx="159149" cy="488948"/>
+          </a:xfrm>
+          <a:prstGeom prst="rect">
+            <a:avLst/>
+          </a:prstGeom>
+          <a:pattFill prst="wdDnDiag">
+            <a:fgClr>
+              <a:srgbClr val="C0C0C0"/>
+            </a:fgClr>
+            <a:bgClr>
+              <a:schemeClr val="bg1"/>
+            </a:bgClr>
+          </a:pattFill>
+          <a:ln w="3175">
+            <a:solidFill>
+              <a:srgbClr val="505050"/>
+            </a:solidFill>
+          </a:ln>
+        </p:spPr>
+        <p:style>
+          <a:lnRef idx="2">
+            <a:schemeClr val="accent1">
+              <a:shade val="15000"/>
+            </a:schemeClr>
+          </a:lnRef>
+          <a:fillRef idx="1">
+            <a:schemeClr val="accent1"/>
+          </a:fillRef>
+          <a:effectRef idx="0">
+            <a:schemeClr val="accent1"/>
+          </a:effectRef>
+          <a:fontRef idx="minor">
+            <a:schemeClr val="lt1"/>
+          </a:fontRef>
+        </p:style>
+        <p:txBody>
+          <a:bodyPr rtlCol="0" anchor="ctr"/>
+          <a:lstStyle/>
+          <a:p>
+            <a:pPr algn="ctr"/>
+            <a:endParaRPr kumimoji="1" lang="ja-JP" altLang="en-US"/>
+          </a:p>
+        </p:txBody>
+      </p:sp>
+      <p:sp>
+        <p:nvSpPr>
+          <p:cNvPr id="14" name="正方形/長方形 13">
+            <a:extLst>
+              <a:ext uri="{FF2B5EF4-FFF2-40B4-BE49-F238E27FC236}">
+                <a16:creationId xmlns:a16="http://schemas.microsoft.com/office/drawing/2014/main" id="{98CBE124-A6B6-A10A-4BCF-112386DB90B2}"/>
+              </a:ext>
+            </a:extLst>
+          </p:cNvPr>
+          <p:cNvSpPr/>
+          <p:nvPr/>
+        </p:nvSpPr>
+        <p:spPr>
+          <a:xfrm>
+            <a:off x="3738563" y="2425700"/>
+            <a:ext cx="2525712" cy="269085"/>
+          </a:xfrm>
+          <a:prstGeom prst="rect">
+            <a:avLst/>
+          </a:prstGeom>
+          <a:pattFill prst="wdDnDiag">
+            <a:fgClr>
+              <a:srgbClr val="C0C0C0"/>
+            </a:fgClr>
+            <a:bgClr>
+              <a:schemeClr val="bg1"/>
+            </a:bgClr>
+          </a:pattFill>
+          <a:ln w="3175">
+            <a:solidFill>
+              <a:srgbClr val="505050"/>
+            </a:solidFill>
+          </a:ln>
+        </p:spPr>
+        <p:style>
+          <a:lnRef idx="2">
+            <a:schemeClr val="accent1">
+              <a:shade val="15000"/>
+            </a:schemeClr>
+          </a:lnRef>
+          <a:fillRef idx="1">
+            <a:schemeClr val="accent1"/>
+          </a:fillRef>
+          <a:effectRef idx="0">
+            <a:schemeClr val="accent1"/>
+          </a:effectRef>
+          <a:fontRef idx="minor">
+            <a:schemeClr val="lt1"/>
+          </a:fontRef>
+        </p:style>
+        <p:txBody>
+          <a:bodyPr rtlCol="0" anchor="ctr"/>
+          <a:lstStyle/>
+          <a:p>
+            <a:pPr algn="ctr"/>
+            <a:endParaRPr kumimoji="1" lang="ja-JP" altLang="en-US"/>
+          </a:p>
+        </p:txBody>
+      </p:sp>
+      <p:sp>
+        <p:nvSpPr>
+          <p:cNvPr id="15" name="正方形/長方形 14">
+            <a:extLst>
+              <a:ext uri="{FF2B5EF4-FFF2-40B4-BE49-F238E27FC236}">
+                <a16:creationId xmlns:a16="http://schemas.microsoft.com/office/drawing/2014/main" id="{3A4D67B4-BD7A-C13B-5E45-BC5F828C8833}"/>
+              </a:ext>
+            </a:extLst>
+          </p:cNvPr>
+          <p:cNvSpPr/>
+          <p:nvPr/>
+        </p:nvSpPr>
+        <p:spPr>
+          <a:xfrm>
+            <a:off x="4852196" y="2172495"/>
+            <a:ext cx="196054" cy="253204"/>
+          </a:xfrm>
+          <a:prstGeom prst="rect">
+            <a:avLst/>
+          </a:prstGeom>
+          <a:pattFill prst="wdDnDiag">
+            <a:fgClr>
+              <a:srgbClr val="C0C0C0"/>
+            </a:fgClr>
+            <a:bgClr>
+              <a:schemeClr val="bg1"/>
+            </a:bgClr>
+          </a:pattFill>
+          <a:ln w="3175">
+            <a:solidFill>
+              <a:srgbClr val="505050"/>
+            </a:solidFill>
+          </a:ln>
+        </p:spPr>
+        <p:style>
+          <a:lnRef idx="2">
+            <a:schemeClr val="accent1">
+              <a:shade val="15000"/>
+            </a:schemeClr>
+          </a:lnRef>
+          <a:fillRef idx="1">
+            <a:schemeClr val="accent1"/>
+          </a:fillRef>
+          <a:effectRef idx="0">
+            <a:schemeClr val="accent1"/>
+          </a:effectRef>
+          <a:fontRef idx="minor">
+            <a:schemeClr val="lt1"/>
+          </a:fontRef>
+        </p:style>
+        <p:txBody>
+          <a:bodyPr rtlCol="0" anchor="ctr"/>
+          <a:lstStyle/>
+          <a:p>
+            <a:pPr algn="ctr"/>
+            <a:endParaRPr kumimoji="1" lang="ja-JP" altLang="en-US"/>
+          </a:p>
+        </p:txBody>
+      </p:sp>
+      <p:sp>
+        <p:nvSpPr>
+          <p:cNvPr id="16" name="正方形/長方形 15">
+            <a:extLst>
+              <a:ext uri="{FF2B5EF4-FFF2-40B4-BE49-F238E27FC236}">
+                <a16:creationId xmlns:a16="http://schemas.microsoft.com/office/drawing/2014/main" id="{B68B9D81-BE77-11DA-1A34-79FB055E955D}"/>
+              </a:ext>
+            </a:extLst>
+          </p:cNvPr>
+          <p:cNvSpPr/>
+          <p:nvPr/>
+        </p:nvSpPr>
+        <p:spPr>
+          <a:xfrm>
+            <a:off x="5955508" y="2250675"/>
+            <a:ext cx="95248" cy="175024"/>
+          </a:xfrm>
+          <a:prstGeom prst="rect">
+            <a:avLst/>
+          </a:prstGeom>
+          <a:pattFill prst="wdDnDiag">
+            <a:fgClr>
+              <a:srgbClr val="C0C0C0"/>
+            </a:fgClr>
+            <a:bgClr>
+              <a:schemeClr val="bg1"/>
+            </a:bgClr>
+          </a:pattFill>
+          <a:ln w="3175">
+            <a:solidFill>
+              <a:srgbClr val="505050"/>
+            </a:solidFill>
+          </a:ln>
+        </p:spPr>
+        <p:style>
+          <a:lnRef idx="2">
+            <a:schemeClr val="accent1">
+              <a:shade val="15000"/>
+            </a:schemeClr>
+          </a:lnRef>
+          <a:fillRef idx="1">
+            <a:schemeClr val="accent1"/>
+          </a:fillRef>
+          <a:effectRef idx="0">
+            <a:schemeClr val="accent1"/>
+          </a:effectRef>
+          <a:fontRef idx="minor">
+            <a:schemeClr val="lt1"/>
+          </a:fontRef>
+        </p:style>
+        <p:txBody>
+          <a:bodyPr rtlCol="0" anchor="ctr"/>
+          <a:lstStyle/>
+          <a:p>
+            <a:pPr algn="ctr"/>
+            <a:endParaRPr kumimoji="1" lang="ja-JP" altLang="en-US"/>
+          </a:p>
+        </p:txBody>
+      </p:sp>
+      <p:sp>
+        <p:nvSpPr>
+          <p:cNvPr id="32" name="フリーフォーム: 図形 31">
+            <a:extLst>
+              <a:ext uri="{FF2B5EF4-FFF2-40B4-BE49-F238E27FC236}">
+                <a16:creationId xmlns:a16="http://schemas.microsoft.com/office/drawing/2014/main" id="{338529B6-6EA9-18CC-8256-18F9A9397850}"/>
+              </a:ext>
+            </a:extLst>
+          </p:cNvPr>
+          <p:cNvSpPr/>
+          <p:nvPr/>
+        </p:nvSpPr>
+        <p:spPr>
+          <a:xfrm>
+            <a:off x="4722019" y="2698753"/>
+            <a:ext cx="109537" cy="835022"/>
+          </a:xfrm>
+          <a:custGeom>
+            <a:avLst/>
+            <a:gdLst>
+              <a:gd name="connsiteX0" fmla="*/ 0 w 109537"/>
+              <a:gd name="connsiteY0" fmla="*/ 0 h 542128"/>
+              <a:gd name="connsiteX1" fmla="*/ 109537 w 109537"/>
+              <a:gd name="connsiteY1" fmla="*/ 0 h 542128"/>
+              <a:gd name="connsiteX2" fmla="*/ 109537 w 109537"/>
+              <a:gd name="connsiteY2" fmla="*/ 542128 h 542128"/>
+              <a:gd name="connsiteX3" fmla="*/ 0 w 109537"/>
+              <a:gd name="connsiteY3" fmla="*/ 542128 h 542128"/>
+              <a:gd name="connsiteX4" fmla="*/ 0 w 109537"/>
+              <a:gd name="connsiteY4" fmla="*/ 0 h 542128"/>
+            </a:gdLst>
+            <a:ahLst/>
+            <a:cxnLst>
+              <a:cxn ang="0">
+                <a:pos x="connsiteX0" y="connsiteY0"/>
+              </a:cxn>
+              <a:cxn ang="0">
+                <a:pos x="connsiteX1" y="connsiteY1"/>
+              </a:cxn>
+              <a:cxn ang="0">
+                <a:pos x="connsiteX2" y="connsiteY2"/>
+              </a:cxn>
+              <a:cxn ang="0">
+                <a:pos x="connsiteX3" y="connsiteY3"/>
+              </a:cxn>
+              <a:cxn ang="0">
+                <a:pos x="connsiteX4" y="connsiteY4"/>
+              </a:cxn>
+            </a:cxnLst>
+            <a:rect l="l" t="t" r="r" b="b"/>
+            <a:pathLst>
+              <a:path w="109537" h="542128">
+                <a:moveTo>
+                  <a:pt x="0" y="0"/>
+                </a:moveTo>
+                <a:lnTo>
+                  <a:pt x="109537" y="0"/>
+                </a:lnTo>
+                <a:lnTo>
+                  <a:pt x="109537" y="542128"/>
+                </a:lnTo>
+                <a:lnTo>
+                  <a:pt x="0" y="542128"/>
+                </a:lnTo>
+                <a:lnTo>
+                  <a:pt x="0" y="0"/>
+                </a:lnTo>
+                <a:close/>
+              </a:path>
+            </a:pathLst>
+          </a:custGeom>
+          <a:pattFill prst="wdDnDiag">
+            <a:fgClr>
+              <a:srgbClr val="C0C0C0"/>
+            </a:fgClr>
+            <a:bgClr>
+              <a:schemeClr val="bg1"/>
+            </a:bgClr>
+          </a:pattFill>
+          <a:ln w="3175">
+            <a:solidFill>
+              <a:srgbClr val="505050"/>
+            </a:solidFill>
+          </a:ln>
+        </p:spPr>
+        <p:style>
+          <a:lnRef idx="2">
+            <a:schemeClr val="accent1">
+              <a:shade val="15000"/>
+            </a:schemeClr>
+          </a:lnRef>
+          <a:fillRef idx="1">
+            <a:schemeClr val="accent1"/>
+          </a:fillRef>
+          <a:effectRef idx="0">
+            <a:schemeClr val="accent1"/>
+          </a:effectRef>
+          <a:fontRef idx="minor">
+            <a:schemeClr val="lt1"/>
+          </a:fontRef>
+        </p:style>
+        <p:txBody>
+          <a:bodyPr wrap="square" rtlCol="0" anchor="ctr">
+            <a:noAutofit/>
+          </a:bodyPr>
+          <a:lstStyle/>
+          <a:p>
+            <a:pPr algn="ctr"/>
+            <a:endParaRPr kumimoji="1" lang="ja-JP" altLang="en-US"/>
+          </a:p>
+        </p:txBody>
+      </p:sp>
+      <p:sp>
+        <p:nvSpPr>
+          <p:cNvPr id="33" name="フリーフォーム: 図形 32">
+            <a:extLst>
+              <a:ext uri="{FF2B5EF4-FFF2-40B4-BE49-F238E27FC236}">
+                <a16:creationId xmlns:a16="http://schemas.microsoft.com/office/drawing/2014/main" id="{F36E061F-C6F4-6199-8870-038C2E56A371}"/>
+              </a:ext>
+            </a:extLst>
+          </p:cNvPr>
+          <p:cNvSpPr/>
+          <p:nvPr/>
+        </p:nvSpPr>
+        <p:spPr>
+          <a:xfrm>
+            <a:off x="3738562" y="3240881"/>
+            <a:ext cx="983457" cy="338147"/>
+          </a:xfrm>
+          <a:custGeom>
+            <a:avLst/>
+            <a:gdLst>
+              <a:gd name="connsiteX0" fmla="*/ 0 w 983457"/>
+              <a:gd name="connsiteY0" fmla="*/ 0 h 338147"/>
+              <a:gd name="connsiteX1" fmla="*/ 109537 w 983457"/>
+              <a:gd name="connsiteY1" fmla="*/ 0 h 338147"/>
+              <a:gd name="connsiteX2" fmla="*/ 785812 w 983457"/>
+              <a:gd name="connsiteY2" fmla="*/ 0 h 338147"/>
+              <a:gd name="connsiteX3" fmla="*/ 983457 w 983457"/>
+              <a:gd name="connsiteY3" fmla="*/ 0 h 338147"/>
+              <a:gd name="connsiteX4" fmla="*/ 983457 w 983457"/>
+              <a:gd name="connsiteY4" fmla="*/ 292894 h 338147"/>
+              <a:gd name="connsiteX5" fmla="*/ 785812 w 983457"/>
+              <a:gd name="connsiteY5" fmla="*/ 292894 h 338147"/>
+              <a:gd name="connsiteX6" fmla="*/ 785812 w 983457"/>
+              <a:gd name="connsiteY6" fmla="*/ 338147 h 338147"/>
+              <a:gd name="connsiteX7" fmla="*/ 109537 w 983457"/>
+              <a:gd name="connsiteY7" fmla="*/ 338147 h 338147"/>
+              <a:gd name="connsiteX8" fmla="*/ 109537 w 983457"/>
+              <a:gd name="connsiteY8" fmla="*/ 292894 h 338147"/>
+              <a:gd name="connsiteX9" fmla="*/ 0 w 983457"/>
+              <a:gd name="connsiteY9" fmla="*/ 292894 h 338147"/>
+            </a:gdLst>
+            <a:ahLst/>
+            <a:cxnLst>
+              <a:cxn ang="0">
+                <a:pos x="connsiteX0" y="connsiteY0"/>
+              </a:cxn>
+              <a:cxn ang="0">
+                <a:pos x="connsiteX1" y="connsiteY1"/>
+              </a:cxn>
+              <a:cxn ang="0">
+                <a:pos x="connsiteX2" y="connsiteY2"/>
+              </a:cxn>
+              <a:cxn ang="0">
+                <a:pos x="connsiteX3" y="connsiteY3"/>
+              </a:cxn>
+              <a:cxn ang="0">
+                <a:pos x="connsiteX4" y="connsiteY4"/>
+              </a:cxn>
+              <a:cxn ang="0">
+                <a:pos x="connsiteX5" y="connsiteY5"/>
+              </a:cxn>
+              <a:cxn ang="0">
+                <a:pos x="connsiteX6" y="connsiteY6"/>
+              </a:cxn>
+              <a:cxn ang="0">
+                <a:pos x="connsiteX7" y="connsiteY7"/>
+              </a:cxn>
+              <a:cxn ang="0">
+                <a:pos x="connsiteX8" y="connsiteY8"/>
+              </a:cxn>
+              <a:cxn ang="0">
+                <a:pos x="connsiteX9" y="connsiteY9"/>
+              </a:cxn>
+            </a:cxnLst>
+            <a:rect l="l" t="t" r="r" b="b"/>
+            <a:pathLst>
+              <a:path w="983457" h="338147">
+                <a:moveTo>
+                  <a:pt x="0" y="0"/>
+                </a:moveTo>
+                <a:lnTo>
+                  <a:pt x="109537" y="0"/>
+                </a:lnTo>
+                <a:lnTo>
+                  <a:pt x="785812" y="0"/>
+                </a:lnTo>
+                <a:lnTo>
+                  <a:pt x="983457" y="0"/>
+                </a:lnTo>
+                <a:lnTo>
+                  <a:pt x="983457" y="292894"/>
+                </a:lnTo>
+                <a:lnTo>
+                  <a:pt x="785812" y="292894"/>
+                </a:lnTo>
+                <a:lnTo>
+                  <a:pt x="785812" y="338147"/>
+                </a:lnTo>
+                <a:lnTo>
+                  <a:pt x="109537" y="338147"/>
+                </a:lnTo>
+                <a:lnTo>
+                  <a:pt x="109537" y="292894"/>
+                </a:lnTo>
+                <a:lnTo>
+                  <a:pt x="0" y="292894"/>
+                </a:lnTo>
+                <a:close/>
+              </a:path>
+            </a:pathLst>
+          </a:custGeom>
+          <a:pattFill prst="wdDnDiag">
+            <a:fgClr>
+              <a:srgbClr val="C0C0C0"/>
+            </a:fgClr>
+            <a:bgClr>
+              <a:schemeClr val="bg1"/>
+            </a:bgClr>
+          </a:pattFill>
+          <a:ln w="3175">
+            <a:solidFill>
+              <a:srgbClr val="505050"/>
+            </a:solidFill>
+          </a:ln>
+        </p:spPr>
+        <p:style>
+          <a:lnRef idx="2">
+            <a:schemeClr val="accent1">
+              <a:shade val="15000"/>
+            </a:schemeClr>
+          </a:lnRef>
+          <a:fillRef idx="1">
+            <a:schemeClr val="accent1"/>
+          </a:fillRef>
+          <a:effectRef idx="0">
+            <a:schemeClr val="accent1"/>
+          </a:effectRef>
+          <a:fontRef idx="minor">
+            <a:schemeClr val="lt1"/>
+          </a:fontRef>
+        </p:style>
+        <p:txBody>
+          <a:bodyPr wrap="square" rtlCol="0" anchor="ctr">
+            <a:noAutofit/>
+          </a:bodyPr>
+          <a:lstStyle/>
+          <a:p>
+            <a:pPr algn="ctr"/>
+            <a:endParaRPr kumimoji="1" lang="ja-JP" altLang="en-US"/>
+          </a:p>
+        </p:txBody>
+      </p:sp>
+      <p:sp>
+        <p:nvSpPr>
+          <p:cNvPr id="19" name="正方形/長方形 18">
+            <a:extLst>
+              <a:ext uri="{FF2B5EF4-FFF2-40B4-BE49-F238E27FC236}">
+                <a16:creationId xmlns:a16="http://schemas.microsoft.com/office/drawing/2014/main" id="{A4C9F10D-7088-6760-F3C1-8FFB7F0B6666}"/>
+              </a:ext>
+            </a:extLst>
+          </p:cNvPr>
+          <p:cNvSpPr/>
+          <p:nvPr/>
+        </p:nvSpPr>
+        <p:spPr>
+          <a:xfrm>
+            <a:off x="4831556" y="2916241"/>
+            <a:ext cx="452438" cy="267492"/>
+          </a:xfrm>
+          <a:prstGeom prst="rect">
+            <a:avLst/>
+          </a:prstGeom>
+          <a:pattFill prst="wdDnDiag">
+            <a:fgClr>
+              <a:srgbClr val="C0C0C0"/>
+            </a:fgClr>
+            <a:bgClr>
+              <a:schemeClr val="bg1"/>
+            </a:bgClr>
+          </a:pattFill>
+          <a:ln w="3175">
+            <a:solidFill>
+              <a:srgbClr val="505050"/>
+            </a:solidFill>
+          </a:ln>
+        </p:spPr>
+        <p:style>
+          <a:lnRef idx="2">
+            <a:schemeClr val="accent1">
+              <a:shade val="15000"/>
+            </a:schemeClr>
+          </a:lnRef>
+          <a:fillRef idx="1">
+            <a:schemeClr val="accent1"/>
+          </a:fillRef>
+          <a:effectRef idx="0">
+            <a:schemeClr val="accent1"/>
+          </a:effectRef>
+          <a:fontRef idx="minor">
+            <a:schemeClr val="lt1"/>
+          </a:fontRef>
+        </p:style>
+        <p:txBody>
+          <a:bodyPr rtlCol="0" anchor="ctr"/>
+          <a:lstStyle/>
+          <a:p>
+            <a:pPr algn="ctr"/>
+            <a:endParaRPr kumimoji="1" lang="ja-JP" altLang="en-US"/>
+          </a:p>
+        </p:txBody>
+      </p:sp>
+      <p:sp>
+        <p:nvSpPr>
+          <p:cNvPr id="53" name="フリーフォーム: 図形 52">
+            <a:extLst>
+              <a:ext uri="{FF2B5EF4-FFF2-40B4-BE49-F238E27FC236}">
+                <a16:creationId xmlns:a16="http://schemas.microsoft.com/office/drawing/2014/main" id="{1C31E4BA-C5C2-2E3B-9C5C-5EF0F38D82B3}"/>
+              </a:ext>
+            </a:extLst>
+          </p:cNvPr>
+          <p:cNvSpPr/>
+          <p:nvPr/>
+        </p:nvSpPr>
+        <p:spPr>
+          <a:xfrm>
+            <a:off x="4831556" y="3183733"/>
+            <a:ext cx="1457324" cy="350042"/>
+          </a:xfrm>
+          <a:custGeom>
+            <a:avLst/>
+            <a:gdLst>
+              <a:gd name="connsiteX0" fmla="*/ 535782 w 1457324"/>
+              <a:gd name="connsiteY0" fmla="*/ 0 h 350042"/>
+              <a:gd name="connsiteX1" fmla="*/ 1457324 w 1457324"/>
+              <a:gd name="connsiteY1" fmla="*/ 0 h 350042"/>
+              <a:gd name="connsiteX2" fmla="*/ 1457324 w 1457324"/>
+              <a:gd name="connsiteY2" fmla="*/ 292894 h 350042"/>
+              <a:gd name="connsiteX3" fmla="*/ 1457324 w 1457324"/>
+              <a:gd name="connsiteY3" fmla="*/ 347670 h 350042"/>
+              <a:gd name="connsiteX4" fmla="*/ 1457324 w 1457324"/>
+              <a:gd name="connsiteY4" fmla="*/ 350042 h 350042"/>
+              <a:gd name="connsiteX5" fmla="*/ 0 w 1457324"/>
+              <a:gd name="connsiteY5" fmla="*/ 350042 h 350042"/>
+              <a:gd name="connsiteX6" fmla="*/ 0 w 1457324"/>
+              <a:gd name="connsiteY6" fmla="*/ 57148 h 350042"/>
+              <a:gd name="connsiteX7" fmla="*/ 535782 w 1457324"/>
+              <a:gd name="connsiteY7" fmla="*/ 57148 h 350042"/>
+            </a:gdLst>
+            <a:ahLst/>
+            <a:cxnLst>
+              <a:cxn ang="0">
+                <a:pos x="connsiteX0" y="connsiteY0"/>
+              </a:cxn>
+              <a:cxn ang="0">
+                <a:pos x="connsiteX1" y="connsiteY1"/>
+              </a:cxn>
+              <a:cxn ang="0">
+                <a:pos x="connsiteX2" y="connsiteY2"/>
+              </a:cxn>
+              <a:cxn ang="0">
+                <a:pos x="connsiteX3" y="connsiteY3"/>
+              </a:cxn>
+              <a:cxn ang="0">
+                <a:pos x="connsiteX4" y="connsiteY4"/>
+              </a:cxn>
+              <a:cxn ang="0">
+                <a:pos x="connsiteX5" y="connsiteY5"/>
+              </a:cxn>
+              <a:cxn ang="0">
+                <a:pos x="connsiteX6" y="connsiteY6"/>
+              </a:cxn>
+              <a:cxn ang="0">
+                <a:pos x="connsiteX7" y="connsiteY7"/>
+              </a:cxn>
+            </a:cxnLst>
+            <a:rect l="l" t="t" r="r" b="b"/>
+            <a:pathLst>
+              <a:path w="1457324" h="350042">
+                <a:moveTo>
+                  <a:pt x="535782" y="0"/>
+                </a:moveTo>
+                <a:lnTo>
+                  <a:pt x="1457324" y="0"/>
+                </a:lnTo>
+                <a:lnTo>
+                  <a:pt x="1457324" y="292894"/>
+                </a:lnTo>
+                <a:lnTo>
+                  <a:pt x="1457324" y="347670"/>
+                </a:lnTo>
+                <a:lnTo>
+                  <a:pt x="1457324" y="350042"/>
+                </a:lnTo>
+                <a:lnTo>
+                  <a:pt x="0" y="350042"/>
+                </a:lnTo>
+                <a:lnTo>
+                  <a:pt x="0" y="57148"/>
+                </a:lnTo>
+                <a:lnTo>
+                  <a:pt x="535782" y="57148"/>
+                </a:lnTo>
+                <a:close/>
+              </a:path>
+            </a:pathLst>
+          </a:custGeom>
+          <a:pattFill prst="wdDnDiag">
+            <a:fgClr>
+              <a:srgbClr val="C0C0C0"/>
+            </a:fgClr>
+            <a:bgClr>
+              <a:schemeClr val="bg1"/>
+            </a:bgClr>
+          </a:pattFill>
+          <a:ln w="3175">
+            <a:solidFill>
+              <a:srgbClr val="505050"/>
+            </a:solidFill>
+          </a:ln>
+        </p:spPr>
+        <p:style>
+          <a:lnRef idx="2">
+            <a:schemeClr val="accent1">
+              <a:shade val="15000"/>
+            </a:schemeClr>
+          </a:lnRef>
+          <a:fillRef idx="1">
+            <a:schemeClr val="accent1"/>
+          </a:fillRef>
+          <a:effectRef idx="0">
+            <a:schemeClr val="accent1"/>
+          </a:effectRef>
+          <a:fontRef idx="minor">
+            <a:schemeClr val="lt1"/>
+          </a:fontRef>
+        </p:style>
+        <p:txBody>
+          <a:bodyPr wrap="square" rtlCol="0" anchor="ctr">
+            <a:noAutofit/>
+          </a:bodyPr>
+          <a:lstStyle/>
+          <a:p>
+            <a:pPr algn="ctr"/>
+            <a:endParaRPr kumimoji="1" lang="ja-JP" altLang="en-US"/>
+          </a:p>
+        </p:txBody>
+      </p:sp>
+      <p:sp>
+        <p:nvSpPr>
+          <p:cNvPr id="50" name="フリーフォーム: 図形 49">
+            <a:extLst>
+              <a:ext uri="{FF2B5EF4-FFF2-40B4-BE49-F238E27FC236}">
+                <a16:creationId xmlns:a16="http://schemas.microsoft.com/office/drawing/2014/main" id="{AF217881-BD75-A4B8-5709-A8696B946969}"/>
+              </a:ext>
+            </a:extLst>
+          </p:cNvPr>
+          <p:cNvSpPr/>
+          <p:nvPr/>
+        </p:nvSpPr>
+        <p:spPr>
+          <a:xfrm>
+            <a:off x="5755612" y="3086100"/>
+            <a:ext cx="278475" cy="97632"/>
+          </a:xfrm>
+          <a:custGeom>
+            <a:avLst/>
+            <a:gdLst>
+              <a:gd name="connsiteX0" fmla="*/ 0 w 921542"/>
+              <a:gd name="connsiteY0" fmla="*/ 0 h 57148"/>
+              <a:gd name="connsiteX1" fmla="*/ 921542 w 921542"/>
+              <a:gd name="connsiteY1" fmla="*/ 0 h 57148"/>
+              <a:gd name="connsiteX2" fmla="*/ 921542 w 921542"/>
+              <a:gd name="connsiteY2" fmla="*/ 57148 h 57148"/>
+              <a:gd name="connsiteX3" fmla="*/ 0 w 921542"/>
+              <a:gd name="connsiteY3" fmla="*/ 57148 h 57148"/>
+              <a:gd name="connsiteX4" fmla="*/ 0 w 921542"/>
+              <a:gd name="connsiteY4" fmla="*/ 0 h 57148"/>
+            </a:gdLst>
+            <a:ahLst/>
+            <a:cxnLst>
+              <a:cxn ang="0">
+                <a:pos x="connsiteX0" y="connsiteY0"/>
+              </a:cxn>
+              <a:cxn ang="0">
+                <a:pos x="connsiteX1" y="connsiteY1"/>
+              </a:cxn>
+              <a:cxn ang="0">
+                <a:pos x="connsiteX2" y="connsiteY2"/>
+              </a:cxn>
+              <a:cxn ang="0">
+                <a:pos x="connsiteX3" y="connsiteY3"/>
+              </a:cxn>
+              <a:cxn ang="0">
+                <a:pos x="connsiteX4" y="connsiteY4"/>
+              </a:cxn>
+            </a:cxnLst>
+            <a:rect l="l" t="t" r="r" b="b"/>
+            <a:pathLst>
+              <a:path w="921542" h="57148">
+                <a:moveTo>
+                  <a:pt x="0" y="0"/>
+                </a:moveTo>
+                <a:lnTo>
+                  <a:pt x="921542" y="0"/>
+                </a:lnTo>
+                <a:lnTo>
+                  <a:pt x="921542" y="57148"/>
+                </a:lnTo>
+                <a:lnTo>
+                  <a:pt x="0" y="57148"/>
+                </a:lnTo>
+                <a:lnTo>
+                  <a:pt x="0" y="0"/>
+                </a:lnTo>
+                <a:close/>
+              </a:path>
+            </a:pathLst>
+          </a:custGeom>
+          <a:pattFill prst="wdDnDiag">
+            <a:fgClr>
+              <a:srgbClr val="C0C0C0"/>
+            </a:fgClr>
+            <a:bgClr>
+              <a:schemeClr val="bg1"/>
+            </a:bgClr>
+          </a:pattFill>
+          <a:ln w="3175">
+            <a:solidFill>
+              <a:srgbClr val="505050"/>
+            </a:solidFill>
+          </a:ln>
+        </p:spPr>
+        <p:style>
+          <a:lnRef idx="2">
+            <a:schemeClr val="accent1">
+              <a:shade val="15000"/>
+            </a:schemeClr>
+          </a:lnRef>
+          <a:fillRef idx="1">
+            <a:schemeClr val="accent1"/>
+          </a:fillRef>
+          <a:effectRef idx="0">
+            <a:schemeClr val="accent1"/>
+          </a:effectRef>
+          <a:fontRef idx="minor">
+            <a:schemeClr val="lt1"/>
+          </a:fontRef>
+        </p:style>
+        <p:txBody>
+          <a:bodyPr wrap="square" rtlCol="0" anchor="ctr">
+            <a:noAutofit/>
+          </a:bodyPr>
+          <a:lstStyle/>
+          <a:p>
+            <a:pPr algn="ctr"/>
+            <a:endParaRPr kumimoji="1" lang="ja-JP" altLang="en-US"/>
+          </a:p>
+        </p:txBody>
+      </p:sp>
+      <p:sp>
+        <p:nvSpPr>
+          <p:cNvPr id="61" name="フリーフォーム: 図形 60">
+            <a:extLst>
+              <a:ext uri="{FF2B5EF4-FFF2-40B4-BE49-F238E27FC236}">
+                <a16:creationId xmlns:a16="http://schemas.microsoft.com/office/drawing/2014/main" id="{39BB9AD3-9558-D7DB-BD72-28E87CED9E42}"/>
+              </a:ext>
+            </a:extLst>
+          </p:cNvPr>
+          <p:cNvSpPr/>
+          <p:nvPr/>
+        </p:nvSpPr>
+        <p:spPr>
+          <a:xfrm>
+            <a:off x="4722017" y="3533775"/>
+            <a:ext cx="166787" cy="361950"/>
+          </a:xfrm>
+          <a:custGeom>
+            <a:avLst/>
+            <a:gdLst>
+              <a:gd name="connsiteX0" fmla="*/ 0 w 166787"/>
+              <a:gd name="connsiteY0" fmla="*/ 0 h 361950"/>
+              <a:gd name="connsiteX1" fmla="*/ 105984 w 166787"/>
+              <a:gd name="connsiteY1" fmla="*/ 0 h 361950"/>
+              <a:gd name="connsiteX2" fmla="*/ 166787 w 166787"/>
+              <a:gd name="connsiteY2" fmla="*/ 361950 h 361950"/>
+              <a:gd name="connsiteX3" fmla="*/ 60803 w 166787"/>
+              <a:gd name="connsiteY3" fmla="*/ 361950 h 361950"/>
+              <a:gd name="connsiteX4" fmla="*/ 0 w 166787"/>
+              <a:gd name="connsiteY4" fmla="*/ 0 h 361950"/>
+            </a:gdLst>
+            <a:ahLst/>
+            <a:cxnLst>
+              <a:cxn ang="0">
+                <a:pos x="connsiteX0" y="connsiteY0"/>
+              </a:cxn>
+              <a:cxn ang="0">
+                <a:pos x="connsiteX1" y="connsiteY1"/>
+              </a:cxn>
+              <a:cxn ang="0">
+                <a:pos x="connsiteX2" y="connsiteY2"/>
+              </a:cxn>
+              <a:cxn ang="0">
+                <a:pos x="connsiteX3" y="connsiteY3"/>
+              </a:cxn>
+              <a:cxn ang="0">
+                <a:pos x="connsiteX4" y="connsiteY4"/>
+              </a:cxn>
+            </a:cxnLst>
+            <a:rect l="l" t="t" r="r" b="b"/>
+            <a:pathLst>
+              <a:path w="166787" h="361950">
+                <a:moveTo>
+                  <a:pt x="0" y="0"/>
+                </a:moveTo>
+                <a:lnTo>
+                  <a:pt x="105984" y="0"/>
+                </a:lnTo>
+                <a:lnTo>
+                  <a:pt x="166787" y="361950"/>
+                </a:lnTo>
+                <a:lnTo>
+                  <a:pt x="60803" y="361950"/>
+                </a:lnTo>
+                <a:lnTo>
+                  <a:pt x="0" y="0"/>
+                </a:lnTo>
+                <a:close/>
+              </a:path>
+            </a:pathLst>
+          </a:custGeom>
+          <a:pattFill prst="wdDnDiag">
+            <a:fgClr>
+              <a:srgbClr val="C0C0C0"/>
+            </a:fgClr>
+            <a:bgClr>
+              <a:schemeClr val="bg1"/>
+            </a:bgClr>
+          </a:pattFill>
+          <a:ln w="3175">
+            <a:solidFill>
+              <a:srgbClr val="505050"/>
+            </a:solidFill>
+          </a:ln>
+        </p:spPr>
+        <p:style>
+          <a:lnRef idx="2">
+            <a:schemeClr val="accent1">
+              <a:shade val="15000"/>
+            </a:schemeClr>
+          </a:lnRef>
+          <a:fillRef idx="1">
+            <a:schemeClr val="accent1"/>
+          </a:fillRef>
+          <a:effectRef idx="0">
+            <a:schemeClr val="accent1"/>
+          </a:effectRef>
+          <a:fontRef idx="minor">
+            <a:schemeClr val="lt1"/>
+          </a:fontRef>
+        </p:style>
+        <p:txBody>
+          <a:bodyPr wrap="square" rtlCol="0" anchor="ctr">
+            <a:noAutofit/>
+          </a:bodyPr>
+          <a:lstStyle/>
+          <a:p>
+            <a:pPr algn="ctr"/>
+            <a:endParaRPr kumimoji="1" lang="ja-JP" altLang="en-US"/>
+          </a:p>
+        </p:txBody>
+      </p:sp>
+    </p:spTree>
+    <p:extLst>
+      <p:ext uri="{BB962C8B-B14F-4D97-AF65-F5344CB8AC3E}">
+        <p14:creationId xmlns:p14="http://schemas.microsoft.com/office/powerpoint/2010/main" val="2070832166"/>
+      </p:ext>
+    </p:extLst>
+  </p:cSld>
+  <p:clrMapOvr>
+    <a:masterClrMapping/>
+  </p:clrMapOvr>
+</p:sld>
+</file>
+
+<file path=ppt/slides/slide3.xml><?xml version="1.0" encoding="utf-8"?>
+<p:sld xmlns:a="http://schemas.openxmlformats.org/drawingml/2006/main" xmlns:r="http://schemas.openxmlformats.org/officeDocument/2006/relationships" xmlns:p="http://schemas.openxmlformats.org/presentationml/2006/main">
+  <p:cSld>
+    <p:spTree>
+      <p:nvGrpSpPr>
+        <p:cNvPr id="1" name=""/>
+        <p:cNvGrpSpPr/>
+        <p:nvPr/>
+      </p:nvGrpSpPr>
+      <p:grpSpPr>
+        <a:xfrm>
+          <a:off x="0" y="0"/>
+          <a:ext cx="0" cy="0"/>
+          <a:chOff x="0" y="0"/>
+          <a:chExt cx="0" cy="0"/>
+        </a:xfrm>
+      </p:grpSpPr>
+      <p:sp>
+        <p:nvSpPr>
+          <p:cNvPr id="4" name="フリーフォーム: 図形 3">
+            <a:extLst>
+              <a:ext uri="{FF2B5EF4-FFF2-40B4-BE49-F238E27FC236}">
+                <a16:creationId xmlns:a16="http://schemas.microsoft.com/office/drawing/2014/main" id="{CE9295A1-A236-2859-DF02-99997139F95A}"/>
+              </a:ext>
+            </a:extLst>
+          </p:cNvPr>
+          <p:cNvSpPr/>
+          <p:nvPr/>
+        </p:nvSpPr>
+        <p:spPr>
+          <a:xfrm>
+            <a:off x="4168659" y="4716152"/>
+            <a:ext cx="1952183" cy="1517485"/>
+          </a:xfrm>
+          <a:custGeom>
+            <a:avLst/>
+            <a:gdLst>
+              <a:gd name="connsiteX0" fmla="*/ 1184274 w 1372395"/>
+              <a:gd name="connsiteY0" fmla="*/ 0 h 1066800"/>
+              <a:gd name="connsiteX1" fmla="*/ 1193799 w 1372395"/>
+              <a:gd name="connsiteY1" fmla="*/ 0 h 1066800"/>
+              <a:gd name="connsiteX2" fmla="*/ 1214515 w 1372395"/>
+              <a:gd name="connsiteY2" fmla="*/ 0 h 1066800"/>
+              <a:gd name="connsiteX3" fmla="*/ 1320499 w 1372395"/>
+              <a:gd name="connsiteY3" fmla="*/ 0 h 1066800"/>
+              <a:gd name="connsiteX4" fmla="*/ 1362868 w 1372395"/>
+              <a:gd name="connsiteY4" fmla="*/ 0 h 1066800"/>
+              <a:gd name="connsiteX5" fmla="*/ 1372394 w 1372395"/>
+              <a:gd name="connsiteY5" fmla="*/ 0 h 1066800"/>
+              <a:gd name="connsiteX6" fmla="*/ 1372394 w 1372395"/>
+              <a:gd name="connsiteY6" fmla="*/ 159544 h 1066800"/>
+              <a:gd name="connsiteX7" fmla="*/ 1372395 w 1372395"/>
+              <a:gd name="connsiteY7" fmla="*/ 159544 h 1066800"/>
+              <a:gd name="connsiteX8" fmla="*/ 1372395 w 1372395"/>
+              <a:gd name="connsiteY8" fmla="*/ 1066800 h 1066800"/>
+              <a:gd name="connsiteX9" fmla="*/ 169069 w 1372395"/>
+              <a:gd name="connsiteY9" fmla="*/ 1066800 h 1066800"/>
+              <a:gd name="connsiteX10" fmla="*/ 1 w 1372395"/>
+              <a:gd name="connsiteY10" fmla="*/ 1066800 h 1066800"/>
+              <a:gd name="connsiteX11" fmla="*/ 0 w 1372395"/>
+              <a:gd name="connsiteY11" fmla="*/ 1066800 h 1066800"/>
+              <a:gd name="connsiteX12" fmla="*/ 0 w 1372395"/>
+              <a:gd name="connsiteY12" fmla="*/ 23813 h 1066800"/>
+              <a:gd name="connsiteX13" fmla="*/ 169069 w 1372395"/>
+              <a:gd name="connsiteY13" fmla="*/ 23813 h 1066800"/>
+              <a:gd name="connsiteX14" fmla="*/ 169069 w 1372395"/>
+              <a:gd name="connsiteY14" fmla="*/ 159544 h 1066800"/>
+              <a:gd name="connsiteX15" fmla="*/ 1184274 w 1372395"/>
+              <a:gd name="connsiteY15" fmla="*/ 159544 h 1066800"/>
+            </a:gdLst>
+            <a:ahLst/>
+            <a:cxnLst>
+              <a:cxn ang="0">
+                <a:pos x="connsiteX0" y="connsiteY0"/>
+              </a:cxn>
+              <a:cxn ang="0">
+                <a:pos x="connsiteX1" y="connsiteY1"/>
+              </a:cxn>
+              <a:cxn ang="0">
+                <a:pos x="connsiteX2" y="connsiteY2"/>
+              </a:cxn>
+              <a:cxn ang="0">
+                <a:pos x="connsiteX3" y="connsiteY3"/>
+              </a:cxn>
+              <a:cxn ang="0">
+                <a:pos x="connsiteX4" y="connsiteY4"/>
+              </a:cxn>
+              <a:cxn ang="0">
+                <a:pos x="connsiteX5" y="connsiteY5"/>
+              </a:cxn>
+              <a:cxn ang="0">
+                <a:pos x="connsiteX6" y="connsiteY6"/>
+              </a:cxn>
+              <a:cxn ang="0">
+                <a:pos x="connsiteX7" y="connsiteY7"/>
+              </a:cxn>
+              <a:cxn ang="0">
+                <a:pos x="connsiteX8" y="connsiteY8"/>
+              </a:cxn>
+              <a:cxn ang="0">
+                <a:pos x="connsiteX9" y="connsiteY9"/>
+              </a:cxn>
+              <a:cxn ang="0">
+                <a:pos x="connsiteX10" y="connsiteY10"/>
+              </a:cxn>
+              <a:cxn ang="0">
+                <a:pos x="connsiteX11" y="connsiteY11"/>
+              </a:cxn>
+              <a:cxn ang="0">
+                <a:pos x="connsiteX12" y="connsiteY12"/>
+              </a:cxn>
+              <a:cxn ang="0">
+                <a:pos x="connsiteX13" y="connsiteY13"/>
+              </a:cxn>
+              <a:cxn ang="0">
+                <a:pos x="connsiteX14" y="connsiteY14"/>
+              </a:cxn>
+              <a:cxn ang="0">
+                <a:pos x="connsiteX15" y="connsiteY15"/>
+              </a:cxn>
+            </a:cxnLst>
+            <a:rect l="l" t="t" r="r" b="b"/>
+            <a:pathLst>
+              <a:path w="1372395" h="1066800">
+                <a:moveTo>
+                  <a:pt x="1184274" y="0"/>
+                </a:moveTo>
+                <a:lnTo>
+                  <a:pt x="1193799" y="0"/>
+                </a:lnTo>
+                <a:lnTo>
+                  <a:pt x="1214515" y="0"/>
+                </a:lnTo>
+                <a:lnTo>
+                  <a:pt x="1320499" y="0"/>
+                </a:lnTo>
+                <a:lnTo>
+                  <a:pt x="1362868" y="0"/>
+                </a:lnTo>
+                <a:lnTo>
+                  <a:pt x="1372394" y="0"/>
+                </a:lnTo>
+                <a:lnTo>
+                  <a:pt x="1372394" y="159544"/>
+                </a:lnTo>
+                <a:lnTo>
+                  <a:pt x="1372395" y="159544"/>
+                </a:lnTo>
+                <a:lnTo>
+                  <a:pt x="1372395" y="1066800"/>
+                </a:lnTo>
+                <a:lnTo>
+                  <a:pt x="169069" y="1066800"/>
+                </a:lnTo>
+                <a:lnTo>
+                  <a:pt x="1" y="1066800"/>
+                </a:lnTo>
+                <a:lnTo>
+                  <a:pt x="0" y="1066800"/>
+                </a:lnTo>
+                <a:lnTo>
+                  <a:pt x="0" y="23813"/>
+                </a:lnTo>
+                <a:lnTo>
+                  <a:pt x="169069" y="23813"/>
+                </a:lnTo>
+                <a:lnTo>
+                  <a:pt x="169069" y="159544"/>
+                </a:lnTo>
+                <a:lnTo>
+                  <a:pt x="1184274" y="159544"/>
+                </a:lnTo>
+                <a:close/>
+              </a:path>
+            </a:pathLst>
+          </a:custGeom>
+          <a:solidFill>
+            <a:srgbClr val="F8F8F8"/>
+          </a:solidFill>
+          <a:ln w="3175">
+            <a:solidFill>
+              <a:srgbClr val="505050"/>
+            </a:solidFill>
+          </a:ln>
+        </p:spPr>
+        <p:style>
+          <a:lnRef idx="2">
+            <a:schemeClr val="accent1">
+              <a:shade val="15000"/>
+            </a:schemeClr>
+          </a:lnRef>
+          <a:fillRef idx="1">
+            <a:schemeClr val="accent1"/>
+          </a:fillRef>
+          <a:effectRef idx="0">
+            <a:schemeClr val="accent1"/>
+          </a:effectRef>
+          <a:fontRef idx="minor">
+            <a:schemeClr val="lt1"/>
+          </a:fontRef>
+        </p:style>
+        <p:txBody>
+          <a:bodyPr wrap="square" rtlCol="0" anchor="ctr">
+            <a:noAutofit/>
+          </a:bodyPr>
+          <a:lstStyle/>
+          <a:p>
+            <a:pPr algn="ctr"/>
+            <a:endParaRPr kumimoji="1" lang="ja-JP" altLang="en-US"/>
+          </a:p>
+        </p:txBody>
+      </p:sp>
+      <p:sp>
+        <p:nvSpPr>
+          <p:cNvPr id="5" name="正方形/長方形 4">
+            <a:extLst>
+              <a:ext uri="{FF2B5EF4-FFF2-40B4-BE49-F238E27FC236}">
+                <a16:creationId xmlns:a16="http://schemas.microsoft.com/office/drawing/2014/main" id="{4B76873D-55A1-B775-7121-DA11C72CCC3B}"/>
+              </a:ext>
+            </a:extLst>
+          </p:cNvPr>
+          <p:cNvSpPr/>
+          <p:nvPr/>
+        </p:nvSpPr>
+        <p:spPr>
+          <a:xfrm>
+            <a:off x="4468429" y="1496014"/>
+            <a:ext cx="3404179" cy="433567"/>
+          </a:xfrm>
+          <a:prstGeom prst="rect">
+            <a:avLst/>
+          </a:prstGeom>
+          <a:solidFill>
+            <a:srgbClr val="F8F8F8"/>
+          </a:solidFill>
+          <a:ln w="3175">
+            <a:solidFill>
+              <a:srgbClr val="505050"/>
+            </a:solidFill>
+          </a:ln>
+        </p:spPr>
+        <p:style>
+          <a:lnRef idx="2">
+            <a:schemeClr val="accent1">
+              <a:shade val="15000"/>
+            </a:schemeClr>
+          </a:lnRef>
+          <a:fillRef idx="1">
+            <a:schemeClr val="accent1"/>
+          </a:fillRef>
+          <a:effectRef idx="0">
+            <a:schemeClr val="accent1"/>
+          </a:effectRef>
+          <a:fontRef idx="minor">
+            <a:schemeClr val="lt1"/>
+          </a:fontRef>
+        </p:style>
+        <p:txBody>
+          <a:bodyPr rtlCol="0" anchor="ctr"/>
+          <a:lstStyle/>
+          <a:p>
+            <a:pPr algn="ctr"/>
+            <a:endParaRPr kumimoji="1" lang="ja-JP" altLang="en-US"/>
+          </a:p>
+        </p:txBody>
+      </p:sp>
+      <p:sp>
+        <p:nvSpPr>
+          <p:cNvPr id="6" name="正方形/長方形 5">
+            <a:extLst>
+              <a:ext uri="{FF2B5EF4-FFF2-40B4-BE49-F238E27FC236}">
+                <a16:creationId xmlns:a16="http://schemas.microsoft.com/office/drawing/2014/main" id="{1F15D238-4268-D5A1-6353-7BC0CBD2A287}"/>
+              </a:ext>
+            </a:extLst>
+          </p:cNvPr>
+          <p:cNvSpPr/>
+          <p:nvPr/>
+        </p:nvSpPr>
+        <p:spPr>
+          <a:xfrm>
+            <a:off x="4075509" y="2023293"/>
+            <a:ext cx="240495" cy="1605554"/>
+          </a:xfrm>
+          <a:prstGeom prst="rect">
+            <a:avLst/>
+          </a:prstGeom>
+          <a:solidFill>
+            <a:srgbClr val="F8F8F8"/>
+          </a:solidFill>
+          <a:ln w="3175">
+            <a:solidFill>
+              <a:schemeClr val="tx1"/>
+            </a:solidFill>
+          </a:ln>
+        </p:spPr>
+        <p:style>
+          <a:lnRef idx="2">
+            <a:schemeClr val="accent1">
+              <a:shade val="15000"/>
+            </a:schemeClr>
+          </a:lnRef>
+          <a:fillRef idx="1">
+            <a:schemeClr val="accent1"/>
+          </a:fillRef>
+          <a:effectRef idx="0">
+            <a:schemeClr val="accent1"/>
+          </a:effectRef>
+          <a:fontRef idx="minor">
+            <a:schemeClr val="lt1"/>
+          </a:fontRef>
+        </p:style>
+        <p:txBody>
+          <a:bodyPr rtlCol="0" anchor="ctr"/>
+          <a:lstStyle/>
+          <a:p>
+            <a:pPr algn="ctr"/>
+            <a:endParaRPr kumimoji="1" lang="ja-JP" altLang="en-US"/>
+          </a:p>
+        </p:txBody>
+      </p:sp>
+      <p:sp>
+        <p:nvSpPr>
+          <p:cNvPr id="7" name="フリーフォーム: 図形 6">
+            <a:extLst>
+              <a:ext uri="{FF2B5EF4-FFF2-40B4-BE49-F238E27FC236}">
+                <a16:creationId xmlns:a16="http://schemas.microsoft.com/office/drawing/2014/main" id="{F09D8E00-BEFB-EA61-B03F-DD6AC6283212}"/>
+              </a:ext>
+            </a:extLst>
+          </p:cNvPr>
+          <p:cNvSpPr/>
+          <p:nvPr/>
+        </p:nvSpPr>
+        <p:spPr>
+          <a:xfrm>
+            <a:off x="4410846" y="3181731"/>
+            <a:ext cx="1304088" cy="521636"/>
+          </a:xfrm>
+          <a:custGeom>
+            <a:avLst/>
+            <a:gdLst>
+              <a:gd name="connsiteX0" fmla="*/ 0 w 916781"/>
+              <a:gd name="connsiteY0" fmla="*/ 0 h 389334"/>
+              <a:gd name="connsiteX1" fmla="*/ 916781 w 916781"/>
+              <a:gd name="connsiteY1" fmla="*/ 0 h 389334"/>
+              <a:gd name="connsiteX2" fmla="*/ 916781 w 916781"/>
+              <a:gd name="connsiteY2" fmla="*/ 129778 h 389334"/>
+              <a:gd name="connsiteX3" fmla="*/ 916781 w 916781"/>
+              <a:gd name="connsiteY3" fmla="*/ 259556 h 389334"/>
+              <a:gd name="connsiteX4" fmla="*/ 916781 w 916781"/>
+              <a:gd name="connsiteY4" fmla="*/ 389334 h 389334"/>
+              <a:gd name="connsiteX5" fmla="*/ 295275 w 916781"/>
+              <a:gd name="connsiteY5" fmla="*/ 389334 h 389334"/>
+              <a:gd name="connsiteX6" fmla="*/ 295275 w 916781"/>
+              <a:gd name="connsiteY6" fmla="*/ 259556 h 389334"/>
+              <a:gd name="connsiteX7" fmla="*/ 0 w 916781"/>
+              <a:gd name="connsiteY7" fmla="*/ 259556 h 389334"/>
+            </a:gdLst>
+            <a:ahLst/>
+            <a:cxnLst>
+              <a:cxn ang="0">
+                <a:pos x="connsiteX0" y="connsiteY0"/>
+              </a:cxn>
+              <a:cxn ang="0">
+                <a:pos x="connsiteX1" y="connsiteY1"/>
+              </a:cxn>
+              <a:cxn ang="0">
+                <a:pos x="connsiteX2" y="connsiteY2"/>
+              </a:cxn>
+              <a:cxn ang="0">
+                <a:pos x="connsiteX3" y="connsiteY3"/>
+              </a:cxn>
+              <a:cxn ang="0">
+                <a:pos x="connsiteX4" y="connsiteY4"/>
+              </a:cxn>
+              <a:cxn ang="0">
+                <a:pos x="connsiteX5" y="connsiteY5"/>
+              </a:cxn>
+              <a:cxn ang="0">
+                <a:pos x="connsiteX6" y="connsiteY6"/>
+              </a:cxn>
+              <a:cxn ang="0">
+                <a:pos x="connsiteX7" y="connsiteY7"/>
+              </a:cxn>
+            </a:cxnLst>
+            <a:rect l="l" t="t" r="r" b="b"/>
+            <a:pathLst>
+              <a:path w="916781" h="389334">
+                <a:moveTo>
+                  <a:pt x="0" y="0"/>
+                </a:moveTo>
+                <a:lnTo>
+                  <a:pt x="916781" y="0"/>
+                </a:lnTo>
+                <a:lnTo>
+                  <a:pt x="916781" y="129778"/>
+                </a:lnTo>
+                <a:lnTo>
+                  <a:pt x="916781" y="259556"/>
+                </a:lnTo>
+                <a:lnTo>
+                  <a:pt x="916781" y="389334"/>
+                </a:lnTo>
+                <a:lnTo>
+                  <a:pt x="295275" y="389334"/>
+                </a:lnTo>
+                <a:lnTo>
+                  <a:pt x="295275" y="259556"/>
+                </a:lnTo>
+                <a:lnTo>
+                  <a:pt x="0" y="259556"/>
+                </a:lnTo>
+                <a:close/>
+              </a:path>
+            </a:pathLst>
+          </a:custGeom>
+          <a:solidFill>
+            <a:srgbClr val="F8F8F8"/>
+          </a:solidFill>
+          <a:ln w="3175">
+            <a:solidFill>
+              <a:schemeClr val="tx1"/>
+            </a:solidFill>
+          </a:ln>
+        </p:spPr>
+        <p:style>
+          <a:lnRef idx="2">
+            <a:schemeClr val="accent1">
+              <a:shade val="15000"/>
+            </a:schemeClr>
+          </a:lnRef>
+          <a:fillRef idx="1">
+            <a:schemeClr val="accent1"/>
+          </a:fillRef>
+          <a:effectRef idx="0">
+            <a:schemeClr val="accent1"/>
+          </a:effectRef>
+          <a:fontRef idx="minor">
+            <a:schemeClr val="lt1"/>
+          </a:fontRef>
+        </p:style>
+        <p:txBody>
+          <a:bodyPr wrap="square" rtlCol="0" anchor="ctr">
+            <a:noAutofit/>
+          </a:bodyPr>
+          <a:lstStyle/>
+          <a:p>
+            <a:pPr algn="ctr"/>
+            <a:endParaRPr kumimoji="1" lang="ja-JP" altLang="en-US"/>
+          </a:p>
+        </p:txBody>
+      </p:sp>
+      <p:sp>
+        <p:nvSpPr>
+          <p:cNvPr id="8" name="正方形/長方形 7">
+            <a:extLst>
+              <a:ext uri="{FF2B5EF4-FFF2-40B4-BE49-F238E27FC236}">
+                <a16:creationId xmlns:a16="http://schemas.microsoft.com/office/drawing/2014/main" id="{9C4FA904-030E-E41A-F6B5-346CF4F6F728}"/>
+              </a:ext>
+            </a:extLst>
+          </p:cNvPr>
+          <p:cNvSpPr/>
+          <p:nvPr/>
+        </p:nvSpPr>
+        <p:spPr>
+          <a:xfrm>
+            <a:off x="4458903" y="2175220"/>
+            <a:ext cx="1246504" cy="382764"/>
+          </a:xfrm>
+          <a:prstGeom prst="rect">
+            <a:avLst/>
+          </a:prstGeom>
+          <a:solidFill>
+            <a:srgbClr val="F8F8F8"/>
+          </a:solidFill>
+          <a:ln w="3175">
+            <a:solidFill>
+              <a:schemeClr val="tx1"/>
+            </a:solidFill>
+          </a:ln>
+        </p:spPr>
+        <p:style>
+          <a:lnRef idx="2">
+            <a:schemeClr val="accent1">
+              <a:shade val="15000"/>
+            </a:schemeClr>
+          </a:lnRef>
+          <a:fillRef idx="1">
+            <a:schemeClr val="accent1"/>
+          </a:fillRef>
+          <a:effectRef idx="0">
+            <a:schemeClr val="accent1"/>
+          </a:effectRef>
+          <a:fontRef idx="minor">
+            <a:schemeClr val="lt1"/>
+          </a:fontRef>
+        </p:style>
+        <p:txBody>
+          <a:bodyPr rtlCol="0" anchor="ctr"/>
+          <a:lstStyle/>
+          <a:p>
+            <a:pPr algn="ctr"/>
+            <a:endParaRPr kumimoji="1" lang="ja-JP" altLang="en-US"/>
+          </a:p>
+        </p:txBody>
+      </p:sp>
+      <p:sp>
+        <p:nvSpPr>
+          <p:cNvPr id="9" name="正方形/長方形 8">
+            <a:extLst>
+              <a:ext uri="{FF2B5EF4-FFF2-40B4-BE49-F238E27FC236}">
+                <a16:creationId xmlns:a16="http://schemas.microsoft.com/office/drawing/2014/main" id="{9E759846-FD0D-72BE-7435-923EAB995DA4}"/>
+              </a:ext>
+            </a:extLst>
+          </p:cNvPr>
+          <p:cNvSpPr/>
+          <p:nvPr/>
+        </p:nvSpPr>
+        <p:spPr>
+          <a:xfrm>
+            <a:off x="7245970" y="3181731"/>
+            <a:ext cx="714709" cy="243883"/>
+          </a:xfrm>
+          <a:prstGeom prst="rect">
+            <a:avLst/>
+          </a:prstGeom>
+          <a:solidFill>
+            <a:srgbClr val="F8F8F8"/>
+          </a:solidFill>
+          <a:ln w="3175">
+            <a:solidFill>
+              <a:schemeClr val="tx1"/>
+            </a:solidFill>
+          </a:ln>
+        </p:spPr>
+        <p:style>
+          <a:lnRef idx="2">
+            <a:schemeClr val="accent1">
+              <a:shade val="15000"/>
+            </a:schemeClr>
+          </a:lnRef>
+          <a:fillRef idx="1">
+            <a:schemeClr val="accent1"/>
+          </a:fillRef>
+          <a:effectRef idx="0">
+            <a:schemeClr val="accent1"/>
+          </a:effectRef>
+          <a:fontRef idx="minor">
+            <a:schemeClr val="lt1"/>
+          </a:fontRef>
+        </p:style>
+        <p:txBody>
+          <a:bodyPr rtlCol="0" anchor="ctr"/>
+          <a:lstStyle/>
+          <a:p>
+            <a:pPr algn="ctr"/>
+            <a:endParaRPr kumimoji="1" lang="ja-JP" altLang="en-US"/>
+          </a:p>
+        </p:txBody>
+      </p:sp>
+      <p:sp>
+        <p:nvSpPr>
+          <p:cNvPr id="10" name="フリーフォーム: 図形 9">
+            <a:extLst>
+              <a:ext uri="{FF2B5EF4-FFF2-40B4-BE49-F238E27FC236}">
+                <a16:creationId xmlns:a16="http://schemas.microsoft.com/office/drawing/2014/main" id="{00EF9F46-B8D5-FD43-B7EE-6D4F3209FEBE}"/>
+              </a:ext>
+            </a:extLst>
+          </p:cNvPr>
+          <p:cNvSpPr/>
+          <p:nvPr/>
+        </p:nvSpPr>
+        <p:spPr>
+          <a:xfrm>
+            <a:off x="6842888" y="624362"/>
+            <a:ext cx="1273602" cy="504700"/>
+          </a:xfrm>
+          <a:custGeom>
+            <a:avLst/>
+            <a:gdLst>
+              <a:gd name="connsiteX0" fmla="*/ 761999 w 895349"/>
+              <a:gd name="connsiteY0" fmla="*/ 0 h 354807"/>
+              <a:gd name="connsiteX1" fmla="*/ 895349 w 895349"/>
+              <a:gd name="connsiteY1" fmla="*/ 0 h 354807"/>
+              <a:gd name="connsiteX2" fmla="*/ 895349 w 895349"/>
+              <a:gd name="connsiteY2" fmla="*/ 230982 h 354807"/>
+              <a:gd name="connsiteX3" fmla="*/ 785813 w 895349"/>
+              <a:gd name="connsiteY3" fmla="*/ 230982 h 354807"/>
+              <a:gd name="connsiteX4" fmla="*/ 785813 w 895349"/>
+              <a:gd name="connsiteY4" fmla="*/ 258366 h 354807"/>
+              <a:gd name="connsiteX5" fmla="*/ 785813 w 895349"/>
+              <a:gd name="connsiteY5" fmla="*/ 261939 h 354807"/>
+              <a:gd name="connsiteX6" fmla="*/ 785814 w 895349"/>
+              <a:gd name="connsiteY6" fmla="*/ 261939 h 354807"/>
+              <a:gd name="connsiteX7" fmla="*/ 785814 w 895349"/>
+              <a:gd name="connsiteY7" fmla="*/ 354807 h 354807"/>
+              <a:gd name="connsiteX8" fmla="*/ 411956 w 895349"/>
+              <a:gd name="connsiteY8" fmla="*/ 354807 h 354807"/>
+              <a:gd name="connsiteX9" fmla="*/ 411956 w 895349"/>
+              <a:gd name="connsiteY9" fmla="*/ 309564 h 354807"/>
+              <a:gd name="connsiteX10" fmla="*/ 75604 w 895349"/>
+              <a:gd name="connsiteY10" fmla="*/ 309564 h 354807"/>
+              <a:gd name="connsiteX11" fmla="*/ 75604 w 895349"/>
+              <a:gd name="connsiteY11" fmla="*/ 261938 h 354807"/>
+              <a:gd name="connsiteX12" fmla="*/ 0 w 895349"/>
+              <a:gd name="connsiteY12" fmla="*/ 261938 h 354807"/>
+              <a:gd name="connsiteX13" fmla="*/ 0 w 895349"/>
+              <a:gd name="connsiteY13" fmla="*/ 119063 h 354807"/>
+              <a:gd name="connsiteX14" fmla="*/ 75604 w 895349"/>
+              <a:gd name="connsiteY14" fmla="*/ 119063 h 354807"/>
+              <a:gd name="connsiteX15" fmla="*/ 75604 w 895349"/>
+              <a:gd name="connsiteY15" fmla="*/ 64294 h 354807"/>
+              <a:gd name="connsiteX16" fmla="*/ 401240 w 895349"/>
+              <a:gd name="connsiteY16" fmla="*/ 64294 h 354807"/>
+              <a:gd name="connsiteX17" fmla="*/ 401240 w 895349"/>
+              <a:gd name="connsiteY17" fmla="*/ 27384 h 354807"/>
+              <a:gd name="connsiteX18" fmla="*/ 761999 w 895349"/>
+              <a:gd name="connsiteY18" fmla="*/ 27384 h 354807"/>
+            </a:gdLst>
+            <a:ahLst/>
+            <a:cxnLst>
+              <a:cxn ang="0">
+                <a:pos x="connsiteX0" y="connsiteY0"/>
+              </a:cxn>
+              <a:cxn ang="0">
+                <a:pos x="connsiteX1" y="connsiteY1"/>
+              </a:cxn>
+              <a:cxn ang="0">
+                <a:pos x="connsiteX2" y="connsiteY2"/>
+              </a:cxn>
+              <a:cxn ang="0">
+                <a:pos x="connsiteX3" y="connsiteY3"/>
+              </a:cxn>
+              <a:cxn ang="0">
+                <a:pos x="connsiteX4" y="connsiteY4"/>
+              </a:cxn>
+              <a:cxn ang="0">
+                <a:pos x="connsiteX5" y="connsiteY5"/>
+              </a:cxn>
+              <a:cxn ang="0">
+                <a:pos x="connsiteX6" y="connsiteY6"/>
+              </a:cxn>
+              <a:cxn ang="0">
+                <a:pos x="connsiteX7" y="connsiteY7"/>
+              </a:cxn>
+              <a:cxn ang="0">
+                <a:pos x="connsiteX8" y="connsiteY8"/>
+              </a:cxn>
+              <a:cxn ang="0">
+                <a:pos x="connsiteX9" y="connsiteY9"/>
+              </a:cxn>
+              <a:cxn ang="0">
+                <a:pos x="connsiteX10" y="connsiteY10"/>
+              </a:cxn>
+              <a:cxn ang="0">
+                <a:pos x="connsiteX11" y="connsiteY11"/>
+              </a:cxn>
+              <a:cxn ang="0">
+                <a:pos x="connsiteX12" y="connsiteY12"/>
+              </a:cxn>
+              <a:cxn ang="0">
+                <a:pos x="connsiteX13" y="connsiteY13"/>
+              </a:cxn>
+              <a:cxn ang="0">
+                <a:pos x="connsiteX14" y="connsiteY14"/>
+              </a:cxn>
+              <a:cxn ang="0">
+                <a:pos x="connsiteX15" y="connsiteY15"/>
+              </a:cxn>
+              <a:cxn ang="0">
+                <a:pos x="connsiteX16" y="connsiteY16"/>
+              </a:cxn>
+              <a:cxn ang="0">
+                <a:pos x="connsiteX17" y="connsiteY17"/>
+              </a:cxn>
+              <a:cxn ang="0">
+                <a:pos x="connsiteX18" y="connsiteY18"/>
+              </a:cxn>
+            </a:cxnLst>
+            <a:rect l="l" t="t" r="r" b="b"/>
+            <a:pathLst>
+              <a:path w="895349" h="354807">
+                <a:moveTo>
+                  <a:pt x="761999" y="0"/>
+                </a:moveTo>
+                <a:lnTo>
+                  <a:pt x="895349" y="0"/>
+                </a:lnTo>
+                <a:lnTo>
+                  <a:pt x="895349" y="230982"/>
+                </a:lnTo>
+                <a:lnTo>
+                  <a:pt x="785813" y="230982"/>
+                </a:lnTo>
+                <a:lnTo>
+                  <a:pt x="785813" y="258366"/>
+                </a:lnTo>
+                <a:lnTo>
+                  <a:pt x="785813" y="261939"/>
+                </a:lnTo>
+                <a:lnTo>
+                  <a:pt x="785814" y="261939"/>
+                </a:lnTo>
+                <a:lnTo>
+                  <a:pt x="785814" y="354807"/>
+                </a:lnTo>
+                <a:lnTo>
+                  <a:pt x="411956" y="354807"/>
+                </a:lnTo>
+                <a:lnTo>
+                  <a:pt x="411956" y="309564"/>
+                </a:lnTo>
+                <a:lnTo>
+                  <a:pt x="75604" y="309564"/>
+                </a:lnTo>
+                <a:lnTo>
+                  <a:pt x="75604" y="261938"/>
+                </a:lnTo>
+                <a:lnTo>
+                  <a:pt x="0" y="261938"/>
+                </a:lnTo>
+                <a:lnTo>
+                  <a:pt x="0" y="119063"/>
+                </a:lnTo>
+                <a:lnTo>
+                  <a:pt x="75604" y="119063"/>
+                </a:lnTo>
+                <a:lnTo>
+                  <a:pt x="75604" y="64294"/>
+                </a:lnTo>
+                <a:lnTo>
+                  <a:pt x="401240" y="64294"/>
+                </a:lnTo>
+                <a:lnTo>
+                  <a:pt x="401240" y="27384"/>
+                </a:lnTo>
+                <a:lnTo>
+                  <a:pt x="761999" y="27384"/>
+                </a:lnTo>
+                <a:close/>
+              </a:path>
+            </a:pathLst>
+          </a:custGeom>
+          <a:solidFill>
+            <a:srgbClr val="F8F8F8"/>
+          </a:solidFill>
+          <a:ln w="3175">
+            <a:solidFill>
+              <a:schemeClr val="tx1"/>
+            </a:solidFill>
+          </a:ln>
+        </p:spPr>
+        <p:style>
+          <a:lnRef idx="2">
+            <a:schemeClr val="accent1">
+              <a:shade val="15000"/>
+            </a:schemeClr>
+          </a:lnRef>
+          <a:fillRef idx="1">
+            <a:schemeClr val="accent1"/>
+          </a:fillRef>
+          <a:effectRef idx="0">
+            <a:schemeClr val="accent1"/>
+          </a:effectRef>
+          <a:fontRef idx="minor">
+            <a:schemeClr val="lt1"/>
+          </a:fontRef>
+        </p:style>
+        <p:txBody>
+          <a:bodyPr wrap="square" rtlCol="0" anchor="ctr">
+            <a:noAutofit/>
+          </a:bodyPr>
+          <a:lstStyle/>
+          <a:p>
+            <a:pPr algn="ctr"/>
+            <a:endParaRPr kumimoji="1" lang="ja-JP" altLang="en-US"/>
+          </a:p>
+        </p:txBody>
+      </p:sp>
+      <p:grpSp>
+        <p:nvGrpSpPr>
+          <p:cNvPr id="11" name="グループ化 10">
+            <a:extLst>
+              <a:ext uri="{FF2B5EF4-FFF2-40B4-BE49-F238E27FC236}">
+                <a16:creationId xmlns:a16="http://schemas.microsoft.com/office/drawing/2014/main" id="{C615D988-8E6F-77F4-17A6-B8A7C94EFEB8}"/>
+              </a:ext>
+            </a:extLst>
+          </p:cNvPr>
+          <p:cNvGrpSpPr/>
+          <p:nvPr/>
+        </p:nvGrpSpPr>
+        <p:grpSpPr>
+          <a:xfrm>
+            <a:off x="7245970" y="5250781"/>
+            <a:ext cx="318402" cy="748580"/>
+            <a:chOff x="2993431" y="3395662"/>
+            <a:chExt cx="223838" cy="526256"/>
+          </a:xfrm>
+          <a:solidFill>
+            <a:srgbClr val="F8F8F8"/>
+          </a:solidFill>
+        </p:grpSpPr>
+        <p:sp>
+          <p:nvSpPr>
+            <p:cNvPr id="12" name="フリーフォーム: 図形 11">
+              <a:extLst>
+                <a:ext uri="{FF2B5EF4-FFF2-40B4-BE49-F238E27FC236}">
+                  <a16:creationId xmlns:a16="http://schemas.microsoft.com/office/drawing/2014/main" id="{EDECDB21-BCF5-F1BB-D02C-8C114A09EDA4}"/>
+                </a:ext>
+              </a:extLst>
+            </p:cNvPr>
+            <p:cNvSpPr/>
+            <p:nvPr/>
+          </p:nvSpPr>
+          <p:spPr>
+            <a:xfrm>
+              <a:off x="2993431" y="3395662"/>
+              <a:ext cx="223838" cy="526256"/>
+            </a:xfrm>
+            <a:custGeom>
+              <a:avLst/>
+              <a:gdLst>
+                <a:gd name="connsiteX0" fmla="*/ 0 w 247650"/>
+                <a:gd name="connsiteY0" fmla="*/ 583406 h 583406"/>
+                <a:gd name="connsiteX1" fmla="*/ 247650 w 247650"/>
+                <a:gd name="connsiteY1" fmla="*/ 0 h 583406"/>
+                <a:gd name="connsiteX2" fmla="*/ 245269 w 247650"/>
+                <a:gd name="connsiteY2" fmla="*/ 259556 h 583406"/>
+                <a:gd name="connsiteX3" fmla="*/ 59531 w 247650"/>
+                <a:gd name="connsiteY3" fmla="*/ 180975 h 583406"/>
+                <a:gd name="connsiteX4" fmla="*/ 59531 w 247650"/>
+                <a:gd name="connsiteY4" fmla="*/ 180975 h 583406"/>
+                <a:gd name="connsiteX0" fmla="*/ 0 w 223838"/>
+                <a:gd name="connsiteY0" fmla="*/ 526256 h 526256"/>
+                <a:gd name="connsiteX1" fmla="*/ 223838 w 223838"/>
+                <a:gd name="connsiteY1" fmla="*/ 0 h 526256"/>
+                <a:gd name="connsiteX2" fmla="*/ 221457 w 223838"/>
+                <a:gd name="connsiteY2" fmla="*/ 259556 h 526256"/>
+                <a:gd name="connsiteX3" fmla="*/ 35719 w 223838"/>
+                <a:gd name="connsiteY3" fmla="*/ 180975 h 526256"/>
+                <a:gd name="connsiteX4" fmla="*/ 35719 w 223838"/>
+                <a:gd name="connsiteY4" fmla="*/ 180975 h 526256"/>
+              </a:gdLst>
+              <a:ahLst/>
+              <a:cxnLst>
+                <a:cxn ang="0">
+                  <a:pos x="connsiteX0" y="connsiteY0"/>
+                </a:cxn>
+                <a:cxn ang="0">
+                  <a:pos x="connsiteX1" y="connsiteY1"/>
+                </a:cxn>
+                <a:cxn ang="0">
+                  <a:pos x="connsiteX2" y="connsiteY2"/>
+                </a:cxn>
+                <a:cxn ang="0">
+                  <a:pos x="connsiteX3" y="connsiteY3"/>
+                </a:cxn>
+                <a:cxn ang="0">
+                  <a:pos x="connsiteX4" y="connsiteY4"/>
+                </a:cxn>
+              </a:cxnLst>
+              <a:rect l="l" t="t" r="r" b="b"/>
+              <a:pathLst>
+                <a:path w="223838" h="526256">
+                  <a:moveTo>
+                    <a:pt x="0" y="526256"/>
+                  </a:moveTo>
+                  <a:lnTo>
+                    <a:pt x="223838" y="0"/>
+                  </a:lnTo>
+                  <a:cubicBezTo>
+                    <a:pt x="223044" y="86519"/>
+                    <a:pt x="222251" y="173037"/>
+                    <a:pt x="221457" y="259556"/>
+                  </a:cubicBezTo>
+                  <a:lnTo>
+                    <a:pt x="35719" y="180975"/>
+                  </a:lnTo>
+                  <a:lnTo>
+                    <a:pt x="35719" y="180975"/>
+                  </a:lnTo>
+                </a:path>
+              </a:pathLst>
+            </a:custGeom>
+            <a:grpFill/>
+            <a:ln w="28575">
+              <a:solidFill>
+                <a:srgbClr val="505050"/>
+              </a:solidFill>
+            </a:ln>
+          </p:spPr>
+          <p:style>
+            <a:lnRef idx="2">
+              <a:schemeClr val="accent1">
+                <a:shade val="15000"/>
+              </a:schemeClr>
+            </a:lnRef>
+            <a:fillRef idx="1">
+              <a:schemeClr val="accent1"/>
+            </a:fillRef>
+            <a:effectRef idx="0">
+              <a:schemeClr val="accent1"/>
+            </a:effectRef>
+            <a:fontRef idx="minor">
+              <a:schemeClr val="lt1"/>
+            </a:fontRef>
+          </p:style>
+          <p:txBody>
+            <a:bodyPr rtlCol="0" anchor="ctr"/>
+            <a:lstStyle/>
+            <a:p>
+              <a:pPr algn="ctr"/>
+              <a:endParaRPr kumimoji="1" lang="ja-JP" altLang="en-US" dirty="0"/>
+            </a:p>
+          </p:txBody>
+        </p:sp>
+        <p:cxnSp>
+          <p:nvCxnSpPr>
+            <p:cNvPr id="13" name="直線コネクタ 12">
+              <a:extLst>
+                <a:ext uri="{FF2B5EF4-FFF2-40B4-BE49-F238E27FC236}">
+                  <a16:creationId xmlns:a16="http://schemas.microsoft.com/office/drawing/2014/main" id="{DA5D4F30-6A4E-0761-5841-2C34F0132735}"/>
+                </a:ext>
+              </a:extLst>
+            </p:cNvPr>
+            <p:cNvCxnSpPr>
+              <a:cxnSpLocks/>
+            </p:cNvCxnSpPr>
+            <p:nvPr/>
+          </p:nvCxnSpPr>
+          <p:spPr>
+            <a:xfrm>
+              <a:off x="2993431" y="3656409"/>
+              <a:ext cx="197444" cy="82154"/>
+            </a:xfrm>
+            <a:prstGeom prst="line">
+              <a:avLst/>
+            </a:prstGeom>
+            <a:grpFill/>
+            <a:ln w="28575">
+              <a:solidFill>
+                <a:srgbClr val="505050"/>
+              </a:solidFill>
+            </a:ln>
+          </p:spPr>
+          <p:style>
+            <a:lnRef idx="1">
+              <a:schemeClr val="accent1"/>
+            </a:lnRef>
+            <a:fillRef idx="0">
+              <a:schemeClr val="accent1"/>
+            </a:fillRef>
+            <a:effectRef idx="0">
+              <a:schemeClr val="accent1"/>
+            </a:effectRef>
+            <a:fontRef idx="minor">
+              <a:schemeClr val="tx1"/>
+            </a:fontRef>
+          </p:style>
+        </p:cxnSp>
+      </p:grpSp>
+      <p:sp>
+        <p:nvSpPr>
+          <p:cNvPr id="14" name="フリーフォーム: 図形 13">
+            <a:extLst>
+              <a:ext uri="{FF2B5EF4-FFF2-40B4-BE49-F238E27FC236}">
+                <a16:creationId xmlns:a16="http://schemas.microsoft.com/office/drawing/2014/main" id="{7BC85F50-66A9-48E8-FB5E-A791029D9912}"/>
+              </a:ext>
+            </a:extLst>
+          </p:cNvPr>
+          <p:cNvSpPr/>
+          <p:nvPr/>
+        </p:nvSpPr>
+        <p:spPr>
+          <a:xfrm>
+            <a:off x="5789040" y="1160677"/>
+            <a:ext cx="451487" cy="335336"/>
+          </a:xfrm>
+          <a:custGeom>
+            <a:avLst/>
+            <a:gdLst>
+              <a:gd name="connsiteX0" fmla="*/ 56250 w 317398"/>
+              <a:gd name="connsiteY0" fmla="*/ 0 h 235743"/>
+              <a:gd name="connsiteX1" fmla="*/ 144755 w 317398"/>
+              <a:gd name="connsiteY1" fmla="*/ 0 h 235743"/>
+              <a:gd name="connsiteX2" fmla="*/ 144755 w 317398"/>
+              <a:gd name="connsiteY2" fmla="*/ 98319 h 235743"/>
+              <a:gd name="connsiteX3" fmla="*/ 317398 w 317398"/>
+              <a:gd name="connsiteY3" fmla="*/ 98319 h 235743"/>
+              <a:gd name="connsiteX4" fmla="*/ 317398 w 317398"/>
+              <a:gd name="connsiteY4" fmla="*/ 235743 h 235743"/>
+              <a:gd name="connsiteX5" fmla="*/ 144755 w 317398"/>
+              <a:gd name="connsiteY5" fmla="*/ 235743 h 235743"/>
+              <a:gd name="connsiteX6" fmla="*/ 97127 w 317398"/>
+              <a:gd name="connsiteY6" fmla="*/ 235743 h 235743"/>
+              <a:gd name="connsiteX7" fmla="*/ 0 w 317398"/>
+              <a:gd name="connsiteY7" fmla="*/ 235743 h 235743"/>
+            </a:gdLst>
+            <a:ahLst/>
+            <a:cxnLst>
+              <a:cxn ang="0">
+                <a:pos x="connsiteX0" y="connsiteY0"/>
+              </a:cxn>
+              <a:cxn ang="0">
+                <a:pos x="connsiteX1" y="connsiteY1"/>
+              </a:cxn>
+              <a:cxn ang="0">
+                <a:pos x="connsiteX2" y="connsiteY2"/>
+              </a:cxn>
+              <a:cxn ang="0">
+                <a:pos x="connsiteX3" y="connsiteY3"/>
+              </a:cxn>
+              <a:cxn ang="0">
+                <a:pos x="connsiteX4" y="connsiteY4"/>
+              </a:cxn>
+              <a:cxn ang="0">
+                <a:pos x="connsiteX5" y="connsiteY5"/>
+              </a:cxn>
+              <a:cxn ang="0">
+                <a:pos x="connsiteX6" y="connsiteY6"/>
+              </a:cxn>
+              <a:cxn ang="0">
+                <a:pos x="connsiteX7" y="connsiteY7"/>
+              </a:cxn>
+            </a:cxnLst>
+            <a:rect l="l" t="t" r="r" b="b"/>
+            <a:pathLst>
+              <a:path w="317398" h="235743">
+                <a:moveTo>
+                  <a:pt x="56250" y="0"/>
+                </a:moveTo>
+                <a:lnTo>
+                  <a:pt x="144755" y="0"/>
+                </a:lnTo>
+                <a:lnTo>
+                  <a:pt x="144755" y="98319"/>
+                </a:lnTo>
+                <a:lnTo>
+                  <a:pt x="317398" y="98319"/>
+                </a:lnTo>
+                <a:lnTo>
+                  <a:pt x="317398" y="235743"/>
+                </a:lnTo>
+                <a:lnTo>
+                  <a:pt x="144755" y="235743"/>
+                </a:lnTo>
+                <a:lnTo>
+                  <a:pt x="97127" y="235743"/>
+                </a:lnTo>
+                <a:lnTo>
+                  <a:pt x="0" y="235743"/>
+                </a:lnTo>
+                <a:close/>
+              </a:path>
+            </a:pathLst>
+          </a:custGeom>
+          <a:solidFill>
+            <a:srgbClr val="F8F8F8"/>
+          </a:solidFill>
+          <a:ln w="3175">
+            <a:solidFill>
+              <a:srgbClr val="505050"/>
+            </a:solidFill>
+          </a:ln>
+        </p:spPr>
+        <p:style>
+          <a:lnRef idx="2">
+            <a:schemeClr val="accent1">
+              <a:shade val="15000"/>
+            </a:schemeClr>
+          </a:lnRef>
+          <a:fillRef idx="1">
+            <a:schemeClr val="accent1"/>
+          </a:fillRef>
+          <a:effectRef idx="0">
+            <a:schemeClr val="accent1"/>
+          </a:effectRef>
+          <a:fontRef idx="minor">
+            <a:schemeClr val="lt1"/>
+          </a:fontRef>
+        </p:style>
+        <p:txBody>
+          <a:bodyPr wrap="square" rtlCol="0" anchor="ctr">
+            <a:noAutofit/>
+          </a:bodyPr>
+          <a:lstStyle/>
+          <a:p>
+            <a:pPr algn="ctr"/>
+            <a:endParaRPr kumimoji="1" lang="ja-JP" altLang="en-US"/>
+          </a:p>
+        </p:txBody>
+      </p:sp>
+      <p:sp>
+        <p:nvSpPr>
+          <p:cNvPr id="25" name="フリーフォーム: 図形 24">
+            <a:extLst>
+              <a:ext uri="{FF2B5EF4-FFF2-40B4-BE49-F238E27FC236}">
+                <a16:creationId xmlns:a16="http://schemas.microsoft.com/office/drawing/2014/main" id="{DA7270D5-F8EF-9A31-FDB6-E82B6ECF7EBD}"/>
+              </a:ext>
+            </a:extLst>
+          </p:cNvPr>
+          <p:cNvSpPr/>
+          <p:nvPr/>
+        </p:nvSpPr>
+        <p:spPr>
+          <a:xfrm>
+            <a:off x="4410846" y="2625094"/>
+            <a:ext cx="1357720" cy="382764"/>
+          </a:xfrm>
+          <a:custGeom>
+            <a:avLst/>
+            <a:gdLst>
+              <a:gd name="connsiteX0" fmla="*/ 0 w 1357720"/>
+              <a:gd name="connsiteY0" fmla="*/ 0 h 382764"/>
+              <a:gd name="connsiteX1" fmla="*/ 1357720 w 1357720"/>
+              <a:gd name="connsiteY1" fmla="*/ 0 h 382764"/>
+              <a:gd name="connsiteX2" fmla="*/ 1357720 w 1357720"/>
+              <a:gd name="connsiteY2" fmla="*/ 382764 h 382764"/>
+              <a:gd name="connsiteX3" fmla="*/ 0 w 1357720"/>
+              <a:gd name="connsiteY3" fmla="*/ 382764 h 382764"/>
+              <a:gd name="connsiteX4" fmla="*/ 0 w 1357720"/>
+              <a:gd name="connsiteY4" fmla="*/ 0 h 382764"/>
+            </a:gdLst>
+            <a:ahLst/>
+            <a:cxnLst>
+              <a:cxn ang="0">
+                <a:pos x="connsiteX0" y="connsiteY0"/>
+              </a:cxn>
+              <a:cxn ang="0">
+                <a:pos x="connsiteX1" y="connsiteY1"/>
+              </a:cxn>
+              <a:cxn ang="0">
+                <a:pos x="connsiteX2" y="connsiteY2"/>
+              </a:cxn>
+              <a:cxn ang="0">
+                <a:pos x="connsiteX3" y="connsiteY3"/>
+              </a:cxn>
+              <a:cxn ang="0">
+                <a:pos x="connsiteX4" y="connsiteY4"/>
+              </a:cxn>
+            </a:cxnLst>
+            <a:rect l="l" t="t" r="r" b="b"/>
+            <a:pathLst>
+              <a:path w="1357720" h="382764">
+                <a:moveTo>
+                  <a:pt x="0" y="0"/>
+                </a:moveTo>
+                <a:lnTo>
+                  <a:pt x="1357720" y="0"/>
+                </a:lnTo>
+                <a:lnTo>
+                  <a:pt x="1357720" y="382764"/>
+                </a:lnTo>
+                <a:lnTo>
+                  <a:pt x="0" y="382764"/>
+                </a:lnTo>
+                <a:lnTo>
+                  <a:pt x="0" y="0"/>
+                </a:lnTo>
+                <a:close/>
+              </a:path>
+            </a:pathLst>
+          </a:custGeom>
+          <a:solidFill>
+            <a:srgbClr val="F8F8F8"/>
+          </a:solidFill>
+          <a:ln w="3175">
+            <a:solidFill>
+              <a:srgbClr val="505050"/>
+            </a:solidFill>
+          </a:ln>
+        </p:spPr>
+        <p:style>
+          <a:lnRef idx="2">
+            <a:schemeClr val="accent1">
+              <a:shade val="15000"/>
+            </a:schemeClr>
+          </a:lnRef>
+          <a:fillRef idx="1">
+            <a:schemeClr val="accent1"/>
+          </a:fillRef>
+          <a:effectRef idx="0">
+            <a:schemeClr val="accent1"/>
+          </a:effectRef>
+          <a:fontRef idx="minor">
+            <a:schemeClr val="lt1"/>
+          </a:fontRef>
+        </p:style>
+        <p:txBody>
+          <a:bodyPr wrap="square" rtlCol="0" anchor="ctr">
+            <a:noAutofit/>
+          </a:bodyPr>
+          <a:lstStyle/>
+          <a:p>
+            <a:pPr algn="ctr"/>
+            <a:endParaRPr kumimoji="1" lang="ja-JP" altLang="en-US"/>
+          </a:p>
+        </p:txBody>
+      </p:sp>
+      <p:sp>
+        <p:nvSpPr>
+          <p:cNvPr id="3" name="フリーフォーム: 図形 2">
+            <a:extLst>
+              <a:ext uri="{FF2B5EF4-FFF2-40B4-BE49-F238E27FC236}">
+                <a16:creationId xmlns:a16="http://schemas.microsoft.com/office/drawing/2014/main" id="{458D079F-6F9B-D910-F091-CEDB5BD356DB}"/>
+              </a:ext>
+            </a:extLst>
+          </p:cNvPr>
+          <p:cNvSpPr/>
+          <p:nvPr/>
+        </p:nvSpPr>
+        <p:spPr>
+          <a:xfrm>
+            <a:off x="5994950" y="2625094"/>
+            <a:ext cx="2008631" cy="382764"/>
+          </a:xfrm>
+          <a:custGeom>
+            <a:avLst/>
+            <a:gdLst>
+              <a:gd name="connsiteX0" fmla="*/ 0 w 2008631"/>
+              <a:gd name="connsiteY0" fmla="*/ 0 h 382764"/>
+              <a:gd name="connsiteX1" fmla="*/ 2008631 w 2008631"/>
+              <a:gd name="connsiteY1" fmla="*/ 0 h 382764"/>
+              <a:gd name="connsiteX2" fmla="*/ 2008631 w 2008631"/>
+              <a:gd name="connsiteY2" fmla="*/ 382764 h 382764"/>
+              <a:gd name="connsiteX3" fmla="*/ 0 w 2008631"/>
+              <a:gd name="connsiteY3" fmla="*/ 382764 h 382764"/>
+              <a:gd name="connsiteX4" fmla="*/ 0 w 2008631"/>
+              <a:gd name="connsiteY4" fmla="*/ 0 h 382764"/>
+            </a:gdLst>
+            <a:ahLst/>
+            <a:cxnLst>
+              <a:cxn ang="0">
+                <a:pos x="connsiteX0" y="connsiteY0"/>
+              </a:cxn>
+              <a:cxn ang="0">
+                <a:pos x="connsiteX1" y="connsiteY1"/>
+              </a:cxn>
+              <a:cxn ang="0">
+                <a:pos x="connsiteX2" y="connsiteY2"/>
+              </a:cxn>
+              <a:cxn ang="0">
+                <a:pos x="connsiteX3" y="connsiteY3"/>
+              </a:cxn>
+              <a:cxn ang="0">
+                <a:pos x="connsiteX4" y="connsiteY4"/>
+              </a:cxn>
+            </a:cxnLst>
+            <a:rect l="l" t="t" r="r" b="b"/>
+            <a:pathLst>
+              <a:path w="2008631" h="382764">
+                <a:moveTo>
+                  <a:pt x="0" y="0"/>
+                </a:moveTo>
+                <a:lnTo>
+                  <a:pt x="2008631" y="0"/>
+                </a:lnTo>
+                <a:lnTo>
+                  <a:pt x="2008631" y="382764"/>
+                </a:lnTo>
+                <a:lnTo>
+                  <a:pt x="0" y="382764"/>
+                </a:lnTo>
+                <a:lnTo>
+                  <a:pt x="0" y="0"/>
+                </a:lnTo>
+                <a:close/>
+              </a:path>
+            </a:pathLst>
+          </a:custGeom>
+          <a:solidFill>
+            <a:srgbClr val="F8F8F8"/>
+          </a:solidFill>
+          <a:ln w="3175">
+            <a:solidFill>
+              <a:srgbClr val="505050"/>
+            </a:solidFill>
+          </a:ln>
+        </p:spPr>
+        <p:style>
+          <a:lnRef idx="2">
+            <a:schemeClr val="accent1">
+              <a:shade val="15000"/>
+            </a:schemeClr>
+          </a:lnRef>
+          <a:fillRef idx="1">
+            <a:schemeClr val="accent1"/>
+          </a:fillRef>
+          <a:effectRef idx="0">
+            <a:schemeClr val="accent1"/>
+          </a:effectRef>
+          <a:fontRef idx="minor">
+            <a:schemeClr val="lt1"/>
+          </a:fontRef>
+        </p:style>
+        <p:txBody>
+          <a:bodyPr wrap="square" rtlCol="0" anchor="ctr">
+            <a:noAutofit/>
+          </a:bodyPr>
+          <a:lstStyle/>
+          <a:p>
+            <a:pPr algn="ctr"/>
+            <a:endParaRPr kumimoji="1" lang="ja-JP" altLang="en-US"/>
+          </a:p>
+        </p:txBody>
+      </p:sp>
+      <p:sp>
+        <p:nvSpPr>
+          <p:cNvPr id="17" name="正方形/長方形 16">
+            <a:extLst>
+              <a:ext uri="{FF2B5EF4-FFF2-40B4-BE49-F238E27FC236}">
+                <a16:creationId xmlns:a16="http://schemas.microsoft.com/office/drawing/2014/main" id="{E4D98C07-69E7-DCAD-10A2-CAD05666A625}"/>
+              </a:ext>
+            </a:extLst>
+          </p:cNvPr>
+          <p:cNvSpPr/>
+          <p:nvPr/>
+        </p:nvSpPr>
+        <p:spPr>
+          <a:xfrm>
+            <a:off x="5994950" y="2264919"/>
+            <a:ext cx="278880" cy="360174"/>
+          </a:xfrm>
+          <a:prstGeom prst="rect">
+            <a:avLst/>
+          </a:prstGeom>
+          <a:solidFill>
+            <a:srgbClr val="F8F8F8"/>
+          </a:solidFill>
+          <a:ln w="3175">
+            <a:solidFill>
+              <a:srgbClr val="505050"/>
+            </a:solidFill>
+          </a:ln>
+        </p:spPr>
+        <p:style>
+          <a:lnRef idx="2">
+            <a:schemeClr val="accent1">
+              <a:shade val="15000"/>
+            </a:schemeClr>
+          </a:lnRef>
+          <a:fillRef idx="1">
+            <a:schemeClr val="accent1"/>
+          </a:fillRef>
+          <a:effectRef idx="0">
+            <a:schemeClr val="accent1"/>
+          </a:effectRef>
+          <a:fontRef idx="minor">
+            <a:schemeClr val="lt1"/>
+          </a:fontRef>
+        </p:style>
+        <p:txBody>
+          <a:bodyPr rtlCol="0" anchor="ctr"/>
+          <a:lstStyle/>
+          <a:p>
+            <a:pPr algn="ctr"/>
+            <a:endParaRPr kumimoji="1" lang="ja-JP" altLang="en-US"/>
+          </a:p>
+        </p:txBody>
+      </p:sp>
+      <p:sp>
+        <p:nvSpPr>
+          <p:cNvPr id="18" name="正方形/長方形 17">
+            <a:extLst>
+              <a:ext uri="{FF2B5EF4-FFF2-40B4-BE49-F238E27FC236}">
+                <a16:creationId xmlns:a16="http://schemas.microsoft.com/office/drawing/2014/main" id="{469C8D6D-CD57-2553-99DF-5DBC9B1E8D19}"/>
+              </a:ext>
+            </a:extLst>
+          </p:cNvPr>
+          <p:cNvSpPr/>
+          <p:nvPr/>
+        </p:nvSpPr>
+        <p:spPr>
+          <a:xfrm>
+            <a:off x="7564372" y="2376127"/>
+            <a:ext cx="135487" cy="248965"/>
+          </a:xfrm>
+          <a:prstGeom prst="rect">
+            <a:avLst/>
+          </a:prstGeom>
+          <a:solidFill>
+            <a:srgbClr val="F8F8F8"/>
+          </a:solidFill>
+          <a:ln w="3175">
+            <a:solidFill>
+              <a:srgbClr val="505050"/>
+            </a:solidFill>
+          </a:ln>
+        </p:spPr>
+        <p:style>
+          <a:lnRef idx="2">
+            <a:schemeClr val="accent1">
+              <a:shade val="15000"/>
+            </a:schemeClr>
+          </a:lnRef>
+          <a:fillRef idx="1">
+            <a:schemeClr val="accent1"/>
+          </a:fillRef>
+          <a:effectRef idx="0">
+            <a:schemeClr val="accent1"/>
+          </a:effectRef>
+          <a:fontRef idx="minor">
+            <a:schemeClr val="lt1"/>
+          </a:fontRef>
+        </p:style>
+        <p:txBody>
+          <a:bodyPr rtlCol="0" anchor="ctr"/>
+          <a:lstStyle/>
+          <a:p>
+            <a:pPr algn="ctr"/>
+            <a:endParaRPr kumimoji="1" lang="ja-JP" altLang="en-US"/>
+          </a:p>
+        </p:txBody>
+      </p:sp>
+      <p:sp>
+        <p:nvSpPr>
+          <p:cNvPr id="20" name="フリーフォーム: 図形 19">
+            <a:extLst>
+              <a:ext uri="{FF2B5EF4-FFF2-40B4-BE49-F238E27FC236}">
+                <a16:creationId xmlns:a16="http://schemas.microsoft.com/office/drawing/2014/main" id="{4BE1CE1C-3A4F-740E-4536-284C03D87F27}"/>
+              </a:ext>
+            </a:extLst>
+          </p:cNvPr>
+          <p:cNvSpPr/>
+          <p:nvPr/>
+        </p:nvSpPr>
+        <p:spPr>
+          <a:xfrm>
+            <a:off x="4410845" y="3784660"/>
+            <a:ext cx="1398933" cy="481002"/>
+          </a:xfrm>
+          <a:custGeom>
+            <a:avLst/>
+            <a:gdLst>
+              <a:gd name="connsiteX0" fmla="*/ 0 w 983457"/>
+              <a:gd name="connsiteY0" fmla="*/ 0 h 338147"/>
+              <a:gd name="connsiteX1" fmla="*/ 109537 w 983457"/>
+              <a:gd name="connsiteY1" fmla="*/ 0 h 338147"/>
+              <a:gd name="connsiteX2" fmla="*/ 785812 w 983457"/>
+              <a:gd name="connsiteY2" fmla="*/ 0 h 338147"/>
+              <a:gd name="connsiteX3" fmla="*/ 983457 w 983457"/>
+              <a:gd name="connsiteY3" fmla="*/ 0 h 338147"/>
+              <a:gd name="connsiteX4" fmla="*/ 983457 w 983457"/>
+              <a:gd name="connsiteY4" fmla="*/ 292894 h 338147"/>
+              <a:gd name="connsiteX5" fmla="*/ 785812 w 983457"/>
+              <a:gd name="connsiteY5" fmla="*/ 292894 h 338147"/>
+              <a:gd name="connsiteX6" fmla="*/ 785812 w 983457"/>
+              <a:gd name="connsiteY6" fmla="*/ 338147 h 338147"/>
+              <a:gd name="connsiteX7" fmla="*/ 109537 w 983457"/>
+              <a:gd name="connsiteY7" fmla="*/ 338147 h 338147"/>
+              <a:gd name="connsiteX8" fmla="*/ 109537 w 983457"/>
+              <a:gd name="connsiteY8" fmla="*/ 292894 h 338147"/>
+              <a:gd name="connsiteX9" fmla="*/ 0 w 983457"/>
+              <a:gd name="connsiteY9" fmla="*/ 292894 h 338147"/>
+            </a:gdLst>
+            <a:ahLst/>
+            <a:cxnLst>
+              <a:cxn ang="0">
+                <a:pos x="connsiteX0" y="connsiteY0"/>
+              </a:cxn>
+              <a:cxn ang="0">
+                <a:pos x="connsiteX1" y="connsiteY1"/>
+              </a:cxn>
+              <a:cxn ang="0">
+                <a:pos x="connsiteX2" y="connsiteY2"/>
+              </a:cxn>
+              <a:cxn ang="0">
+                <a:pos x="connsiteX3" y="connsiteY3"/>
+              </a:cxn>
+              <a:cxn ang="0">
+                <a:pos x="connsiteX4" y="connsiteY4"/>
+              </a:cxn>
+              <a:cxn ang="0">
+                <a:pos x="connsiteX5" y="connsiteY5"/>
+              </a:cxn>
+              <a:cxn ang="0">
+                <a:pos x="connsiteX6" y="connsiteY6"/>
+              </a:cxn>
+              <a:cxn ang="0">
+                <a:pos x="connsiteX7" y="connsiteY7"/>
+              </a:cxn>
+              <a:cxn ang="0">
+                <a:pos x="connsiteX8" y="connsiteY8"/>
+              </a:cxn>
+              <a:cxn ang="0">
+                <a:pos x="connsiteX9" y="connsiteY9"/>
+              </a:cxn>
+            </a:cxnLst>
+            <a:rect l="l" t="t" r="r" b="b"/>
+            <a:pathLst>
+              <a:path w="983457" h="338147">
+                <a:moveTo>
+                  <a:pt x="0" y="0"/>
+                </a:moveTo>
+                <a:lnTo>
+                  <a:pt x="109537" y="0"/>
+                </a:lnTo>
+                <a:lnTo>
+                  <a:pt x="785812" y="0"/>
+                </a:lnTo>
+                <a:lnTo>
+                  <a:pt x="983457" y="0"/>
+                </a:lnTo>
+                <a:lnTo>
+                  <a:pt x="983457" y="292894"/>
+                </a:lnTo>
+                <a:lnTo>
+                  <a:pt x="785812" y="292894"/>
+                </a:lnTo>
+                <a:lnTo>
+                  <a:pt x="785812" y="338147"/>
+                </a:lnTo>
+                <a:lnTo>
+                  <a:pt x="109537" y="338147"/>
+                </a:lnTo>
+                <a:lnTo>
+                  <a:pt x="109537" y="292894"/>
+                </a:lnTo>
+                <a:lnTo>
+                  <a:pt x="0" y="292894"/>
+                </a:lnTo>
+                <a:close/>
+              </a:path>
+            </a:pathLst>
+          </a:custGeom>
+          <a:solidFill>
+            <a:srgbClr val="F8F8F8"/>
+          </a:solidFill>
+          <a:ln w="3175">
+            <a:solidFill>
+              <a:srgbClr val="505050"/>
+            </a:solidFill>
+          </a:ln>
+        </p:spPr>
+        <p:style>
+          <a:lnRef idx="2">
+            <a:schemeClr val="accent1">
+              <a:shade val="15000"/>
+            </a:schemeClr>
+          </a:lnRef>
+          <a:fillRef idx="1">
+            <a:schemeClr val="accent1"/>
+          </a:fillRef>
+          <a:effectRef idx="0">
+            <a:schemeClr val="accent1"/>
+          </a:effectRef>
+          <a:fontRef idx="minor">
+            <a:schemeClr val="lt1"/>
+          </a:fontRef>
+        </p:style>
+        <p:txBody>
+          <a:bodyPr wrap="square" rtlCol="0" anchor="ctr">
+            <a:noAutofit/>
+          </a:bodyPr>
+          <a:lstStyle/>
+          <a:p>
+            <a:pPr algn="ctr"/>
+            <a:endParaRPr kumimoji="1" lang="ja-JP" altLang="en-US"/>
+          </a:p>
+        </p:txBody>
+      </p:sp>
+      <p:sp>
+        <p:nvSpPr>
+          <p:cNvPr id="21" name="正方形/長方形 20">
+            <a:extLst>
+              <a:ext uri="{FF2B5EF4-FFF2-40B4-BE49-F238E27FC236}">
+                <a16:creationId xmlns:a16="http://schemas.microsoft.com/office/drawing/2014/main" id="{954F589C-8577-7D02-F96F-E42E39BA7665}"/>
+              </a:ext>
+            </a:extLst>
+          </p:cNvPr>
+          <p:cNvSpPr/>
+          <p:nvPr/>
+        </p:nvSpPr>
+        <p:spPr>
+          <a:xfrm>
+            <a:off x="5965590" y="3322871"/>
+            <a:ext cx="643577" cy="380498"/>
+          </a:xfrm>
+          <a:prstGeom prst="rect">
+            <a:avLst/>
+          </a:prstGeom>
+          <a:solidFill>
+            <a:srgbClr val="F8F8F8"/>
+          </a:solidFill>
+          <a:ln w="3175">
+            <a:solidFill>
+              <a:srgbClr val="505050"/>
+            </a:solidFill>
+          </a:ln>
+        </p:spPr>
+        <p:style>
+          <a:lnRef idx="2">
+            <a:schemeClr val="accent1">
+              <a:shade val="15000"/>
+            </a:schemeClr>
+          </a:lnRef>
+          <a:fillRef idx="1">
+            <a:schemeClr val="accent1"/>
+          </a:fillRef>
+          <a:effectRef idx="0">
+            <a:schemeClr val="accent1"/>
+          </a:effectRef>
+          <a:fontRef idx="minor">
+            <a:schemeClr val="lt1"/>
+          </a:fontRef>
+        </p:style>
+        <p:txBody>
+          <a:bodyPr rtlCol="0" anchor="ctr"/>
+          <a:lstStyle/>
+          <a:p>
+            <a:pPr algn="ctr"/>
+            <a:endParaRPr kumimoji="1" lang="ja-JP" altLang="en-US"/>
+          </a:p>
+        </p:txBody>
+      </p:sp>
+      <p:sp>
+        <p:nvSpPr>
+          <p:cNvPr id="22" name="フリーフォーム: 図形 21">
+            <a:extLst>
+              <a:ext uri="{FF2B5EF4-FFF2-40B4-BE49-F238E27FC236}">
+                <a16:creationId xmlns:a16="http://schemas.microsoft.com/office/drawing/2014/main" id="{0B43C102-45AF-BE7D-8F08-0C31E6292F94}"/>
+              </a:ext>
+            </a:extLst>
+          </p:cNvPr>
+          <p:cNvSpPr/>
+          <p:nvPr/>
+        </p:nvSpPr>
+        <p:spPr>
+          <a:xfrm>
+            <a:off x="5965590" y="3703369"/>
+            <a:ext cx="2072992" cy="497922"/>
+          </a:xfrm>
+          <a:custGeom>
+            <a:avLst/>
+            <a:gdLst>
+              <a:gd name="connsiteX0" fmla="*/ 535782 w 1457324"/>
+              <a:gd name="connsiteY0" fmla="*/ 0 h 350042"/>
+              <a:gd name="connsiteX1" fmla="*/ 1457324 w 1457324"/>
+              <a:gd name="connsiteY1" fmla="*/ 0 h 350042"/>
+              <a:gd name="connsiteX2" fmla="*/ 1457324 w 1457324"/>
+              <a:gd name="connsiteY2" fmla="*/ 292894 h 350042"/>
+              <a:gd name="connsiteX3" fmla="*/ 1457324 w 1457324"/>
+              <a:gd name="connsiteY3" fmla="*/ 347670 h 350042"/>
+              <a:gd name="connsiteX4" fmla="*/ 1457324 w 1457324"/>
+              <a:gd name="connsiteY4" fmla="*/ 350042 h 350042"/>
+              <a:gd name="connsiteX5" fmla="*/ 0 w 1457324"/>
+              <a:gd name="connsiteY5" fmla="*/ 350042 h 350042"/>
+              <a:gd name="connsiteX6" fmla="*/ 0 w 1457324"/>
+              <a:gd name="connsiteY6" fmla="*/ 57148 h 350042"/>
+              <a:gd name="connsiteX7" fmla="*/ 535782 w 1457324"/>
+              <a:gd name="connsiteY7" fmla="*/ 57148 h 350042"/>
+            </a:gdLst>
+            <a:ahLst/>
+            <a:cxnLst>
+              <a:cxn ang="0">
+                <a:pos x="connsiteX0" y="connsiteY0"/>
+              </a:cxn>
+              <a:cxn ang="0">
+                <a:pos x="connsiteX1" y="connsiteY1"/>
+              </a:cxn>
+              <a:cxn ang="0">
+                <a:pos x="connsiteX2" y="connsiteY2"/>
+              </a:cxn>
+              <a:cxn ang="0">
+                <a:pos x="connsiteX3" y="connsiteY3"/>
+              </a:cxn>
+              <a:cxn ang="0">
+                <a:pos x="connsiteX4" y="connsiteY4"/>
+              </a:cxn>
+              <a:cxn ang="0">
+                <a:pos x="connsiteX5" y="connsiteY5"/>
+              </a:cxn>
+              <a:cxn ang="0">
+                <a:pos x="connsiteX6" y="connsiteY6"/>
+              </a:cxn>
+              <a:cxn ang="0">
+                <a:pos x="connsiteX7" y="connsiteY7"/>
+              </a:cxn>
+            </a:cxnLst>
+            <a:rect l="l" t="t" r="r" b="b"/>
+            <a:pathLst>
+              <a:path w="1457324" h="350042">
+                <a:moveTo>
+                  <a:pt x="535782" y="0"/>
+                </a:moveTo>
+                <a:lnTo>
+                  <a:pt x="1457324" y="0"/>
+                </a:lnTo>
+                <a:lnTo>
+                  <a:pt x="1457324" y="292894"/>
+                </a:lnTo>
+                <a:lnTo>
+                  <a:pt x="1457324" y="347670"/>
+                </a:lnTo>
+                <a:lnTo>
+                  <a:pt x="1457324" y="350042"/>
+                </a:lnTo>
+                <a:lnTo>
+                  <a:pt x="0" y="350042"/>
+                </a:lnTo>
+                <a:lnTo>
+                  <a:pt x="0" y="57148"/>
+                </a:lnTo>
+                <a:lnTo>
+                  <a:pt x="535782" y="57148"/>
+                </a:lnTo>
+                <a:close/>
+              </a:path>
+            </a:pathLst>
+          </a:custGeom>
+          <a:solidFill>
+            <a:srgbClr val="F8F8F8"/>
+          </a:solidFill>
+          <a:ln w="3175">
+            <a:solidFill>
+              <a:srgbClr val="505050"/>
+            </a:solidFill>
+          </a:ln>
+        </p:spPr>
+        <p:style>
+          <a:lnRef idx="2">
+            <a:schemeClr val="accent1">
+              <a:shade val="15000"/>
+            </a:schemeClr>
+          </a:lnRef>
+          <a:fillRef idx="1">
+            <a:schemeClr val="accent1"/>
+          </a:fillRef>
+          <a:effectRef idx="0">
+            <a:schemeClr val="accent1"/>
+          </a:effectRef>
+          <a:fontRef idx="minor">
+            <a:schemeClr val="lt1"/>
+          </a:fontRef>
+        </p:style>
+        <p:txBody>
+          <a:bodyPr wrap="square" rtlCol="0" anchor="ctr">
+            <a:noAutofit/>
+          </a:bodyPr>
+          <a:lstStyle/>
+          <a:p>
+            <a:pPr algn="ctr"/>
+            <a:endParaRPr kumimoji="1" lang="ja-JP" altLang="en-US"/>
+          </a:p>
+        </p:txBody>
+      </p:sp>
+      <p:sp>
+        <p:nvSpPr>
+          <p:cNvPr id="23" name="フリーフォーム: 図形 22">
+            <a:extLst>
+              <a:ext uri="{FF2B5EF4-FFF2-40B4-BE49-F238E27FC236}">
+                <a16:creationId xmlns:a16="http://schemas.microsoft.com/office/drawing/2014/main" id="{41B2DD78-098A-27FF-7522-F0BCED192650}"/>
+              </a:ext>
+            </a:extLst>
+          </p:cNvPr>
+          <p:cNvSpPr/>
+          <p:nvPr/>
+        </p:nvSpPr>
+        <p:spPr>
+          <a:xfrm>
+            <a:off x="7280027" y="3564489"/>
+            <a:ext cx="396121" cy="138878"/>
+          </a:xfrm>
+          <a:custGeom>
+            <a:avLst/>
+            <a:gdLst>
+              <a:gd name="connsiteX0" fmla="*/ 0 w 921542"/>
+              <a:gd name="connsiteY0" fmla="*/ 0 h 57148"/>
+              <a:gd name="connsiteX1" fmla="*/ 921542 w 921542"/>
+              <a:gd name="connsiteY1" fmla="*/ 0 h 57148"/>
+              <a:gd name="connsiteX2" fmla="*/ 921542 w 921542"/>
+              <a:gd name="connsiteY2" fmla="*/ 57148 h 57148"/>
+              <a:gd name="connsiteX3" fmla="*/ 0 w 921542"/>
+              <a:gd name="connsiteY3" fmla="*/ 57148 h 57148"/>
+              <a:gd name="connsiteX4" fmla="*/ 0 w 921542"/>
+              <a:gd name="connsiteY4" fmla="*/ 0 h 57148"/>
+            </a:gdLst>
+            <a:ahLst/>
+            <a:cxnLst>
+              <a:cxn ang="0">
+                <a:pos x="connsiteX0" y="connsiteY0"/>
+              </a:cxn>
+              <a:cxn ang="0">
+                <a:pos x="connsiteX1" y="connsiteY1"/>
+              </a:cxn>
+              <a:cxn ang="0">
+                <a:pos x="connsiteX2" y="connsiteY2"/>
+              </a:cxn>
+              <a:cxn ang="0">
+                <a:pos x="connsiteX3" y="connsiteY3"/>
+              </a:cxn>
+              <a:cxn ang="0">
+                <a:pos x="connsiteX4" y="connsiteY4"/>
+              </a:cxn>
+            </a:cxnLst>
+            <a:rect l="l" t="t" r="r" b="b"/>
+            <a:pathLst>
+              <a:path w="921542" h="57148">
+                <a:moveTo>
+                  <a:pt x="0" y="0"/>
+                </a:moveTo>
+                <a:lnTo>
+                  <a:pt x="921542" y="0"/>
+                </a:lnTo>
+                <a:lnTo>
+                  <a:pt x="921542" y="57148"/>
+                </a:lnTo>
+                <a:lnTo>
+                  <a:pt x="0" y="57148"/>
+                </a:lnTo>
+                <a:lnTo>
+                  <a:pt x="0" y="0"/>
+                </a:lnTo>
+                <a:close/>
+              </a:path>
+            </a:pathLst>
+          </a:custGeom>
+          <a:solidFill>
+            <a:srgbClr val="F8F8F8"/>
+          </a:solidFill>
+          <a:ln w="3175">
+            <a:solidFill>
+              <a:srgbClr val="505050"/>
+            </a:solidFill>
+          </a:ln>
+        </p:spPr>
+        <p:style>
+          <a:lnRef idx="2">
+            <a:schemeClr val="accent1">
+              <a:shade val="15000"/>
+            </a:schemeClr>
+          </a:lnRef>
+          <a:fillRef idx="1">
+            <a:schemeClr val="accent1"/>
+          </a:fillRef>
+          <a:effectRef idx="0">
+            <a:schemeClr val="accent1"/>
+          </a:effectRef>
+          <a:fontRef idx="minor">
+            <a:schemeClr val="lt1"/>
+          </a:fontRef>
+        </p:style>
+        <p:txBody>
+          <a:bodyPr wrap="square" rtlCol="0" anchor="ctr">
+            <a:noAutofit/>
+          </a:bodyPr>
+          <a:lstStyle/>
+          <a:p>
+            <a:pPr algn="ctr"/>
+            <a:endParaRPr kumimoji="1" lang="ja-JP" altLang="en-US"/>
+          </a:p>
+        </p:txBody>
+      </p:sp>
+      <p:sp>
+        <p:nvSpPr>
+          <p:cNvPr id="29" name="フリーフォーム: 図形 28">
+            <a:extLst>
+              <a:ext uri="{FF2B5EF4-FFF2-40B4-BE49-F238E27FC236}">
+                <a16:creationId xmlns:a16="http://schemas.microsoft.com/office/drawing/2014/main" id="{A50865C1-F3E6-0F45-4E42-004ED5854A6C}"/>
+              </a:ext>
+            </a:extLst>
+          </p:cNvPr>
+          <p:cNvSpPr/>
+          <p:nvPr/>
+        </p:nvSpPr>
+        <p:spPr>
+          <a:xfrm>
+            <a:off x="5768566" y="1929583"/>
+            <a:ext cx="286953" cy="2786568"/>
+          </a:xfrm>
+          <a:custGeom>
+            <a:avLst/>
+            <a:gdLst>
+              <a:gd name="connsiteX0" fmla="*/ 0 w 286953"/>
+              <a:gd name="connsiteY0" fmla="*/ 0 h 2786568"/>
+              <a:gd name="connsiteX1" fmla="*/ 226384 w 286953"/>
+              <a:gd name="connsiteY1" fmla="*/ 0 h 2786568"/>
+              <a:gd name="connsiteX2" fmla="*/ 226384 w 286953"/>
+              <a:gd name="connsiteY2" fmla="*/ 1078275 h 2786568"/>
+              <a:gd name="connsiteX3" fmla="*/ 197024 w 286953"/>
+              <a:gd name="connsiteY3" fmla="*/ 1078275 h 2786568"/>
+              <a:gd name="connsiteX4" fmla="*/ 197024 w 286953"/>
+              <a:gd name="connsiteY4" fmla="*/ 2271707 h 2786568"/>
+              <a:gd name="connsiteX5" fmla="*/ 197366 w 286953"/>
+              <a:gd name="connsiteY5" fmla="*/ 2271707 h 2786568"/>
+              <a:gd name="connsiteX6" fmla="*/ 286953 w 286953"/>
+              <a:gd name="connsiteY6" fmla="*/ 2786568 h 2786568"/>
+              <a:gd name="connsiteX7" fmla="*/ 130796 w 286953"/>
+              <a:gd name="connsiteY7" fmla="*/ 2786568 h 2786568"/>
+              <a:gd name="connsiteX8" fmla="*/ 41209 w 286953"/>
+              <a:gd name="connsiteY8" fmla="*/ 2271707 h 2786568"/>
+              <a:gd name="connsiteX9" fmla="*/ 41212 w 286953"/>
+              <a:gd name="connsiteY9" fmla="*/ 2271707 h 2786568"/>
+              <a:gd name="connsiteX10" fmla="*/ 41212 w 286953"/>
+              <a:gd name="connsiteY10" fmla="*/ 1078275 h 2786568"/>
+              <a:gd name="connsiteX11" fmla="*/ 0 w 286953"/>
+              <a:gd name="connsiteY11" fmla="*/ 1078275 h 2786568"/>
+            </a:gdLst>
+            <a:ahLst/>
+            <a:cxnLst>
+              <a:cxn ang="0">
+                <a:pos x="connsiteX0" y="connsiteY0"/>
+              </a:cxn>
+              <a:cxn ang="0">
+                <a:pos x="connsiteX1" y="connsiteY1"/>
+              </a:cxn>
+              <a:cxn ang="0">
+                <a:pos x="connsiteX2" y="connsiteY2"/>
+              </a:cxn>
+              <a:cxn ang="0">
+                <a:pos x="connsiteX3" y="connsiteY3"/>
+              </a:cxn>
+              <a:cxn ang="0">
+                <a:pos x="connsiteX4" y="connsiteY4"/>
+              </a:cxn>
+              <a:cxn ang="0">
+                <a:pos x="connsiteX5" y="connsiteY5"/>
+              </a:cxn>
+              <a:cxn ang="0">
+                <a:pos x="connsiteX6" y="connsiteY6"/>
+              </a:cxn>
+              <a:cxn ang="0">
+                <a:pos x="connsiteX7" y="connsiteY7"/>
+              </a:cxn>
+              <a:cxn ang="0">
+                <a:pos x="connsiteX8" y="connsiteY8"/>
+              </a:cxn>
+              <a:cxn ang="0">
+                <a:pos x="connsiteX9" y="connsiteY9"/>
+              </a:cxn>
+              <a:cxn ang="0">
+                <a:pos x="connsiteX10" y="connsiteY10"/>
+              </a:cxn>
+              <a:cxn ang="0">
+                <a:pos x="connsiteX11" y="connsiteY11"/>
+              </a:cxn>
+            </a:cxnLst>
+            <a:rect l="l" t="t" r="r" b="b"/>
+            <a:pathLst>
+              <a:path w="286953" h="2786568">
+                <a:moveTo>
+                  <a:pt x="0" y="0"/>
+                </a:moveTo>
+                <a:lnTo>
+                  <a:pt x="226384" y="0"/>
+                </a:lnTo>
+                <a:lnTo>
+                  <a:pt x="226384" y="1078275"/>
+                </a:lnTo>
+                <a:lnTo>
+                  <a:pt x="197024" y="1078275"/>
+                </a:lnTo>
+                <a:lnTo>
+                  <a:pt x="197024" y="2271707"/>
+                </a:lnTo>
+                <a:lnTo>
+                  <a:pt x="197366" y="2271707"/>
+                </a:lnTo>
+                <a:lnTo>
+                  <a:pt x="286953" y="2786568"/>
+                </a:lnTo>
+                <a:lnTo>
+                  <a:pt x="130796" y="2786568"/>
+                </a:lnTo>
+                <a:lnTo>
+                  <a:pt x="41209" y="2271707"/>
+                </a:lnTo>
+                <a:lnTo>
+                  <a:pt x="41212" y="2271707"/>
+                </a:lnTo>
+                <a:lnTo>
+                  <a:pt x="41212" y="1078275"/>
+                </a:lnTo>
+                <a:lnTo>
+                  <a:pt x="0" y="1078275"/>
+                </a:lnTo>
+                <a:close/>
+              </a:path>
+            </a:pathLst>
+          </a:custGeom>
+          <a:solidFill>
+            <a:srgbClr val="F8F8F8"/>
+          </a:solidFill>
+          <a:ln w="0" cap="rnd">
+            <a:solidFill>
+              <a:srgbClr val="505050"/>
+            </a:solidFill>
+            <a:round/>
+          </a:ln>
+        </p:spPr>
+        <p:style>
+          <a:lnRef idx="2">
+            <a:schemeClr val="accent1">
+              <a:shade val="15000"/>
+            </a:schemeClr>
+          </a:lnRef>
+          <a:fillRef idx="1">
+            <a:schemeClr val="accent1"/>
+          </a:fillRef>
+          <a:effectRef idx="0">
+            <a:schemeClr val="accent1"/>
+          </a:effectRef>
+          <a:fontRef idx="minor">
+            <a:schemeClr val="lt1"/>
+          </a:fontRef>
+        </p:style>
+        <p:txBody>
+          <a:bodyPr wrap="square" rtlCol="0" anchor="ctr">
+            <a:noAutofit/>
+          </a:bodyPr>
+          <a:lstStyle/>
+          <a:p>
+            <a:pPr algn="ctr"/>
+            <a:endParaRPr kumimoji="1" lang="ja-JP" altLang="en-US"/>
+          </a:p>
+        </p:txBody>
+      </p:sp>
+      <p:sp>
+        <p:nvSpPr>
+          <p:cNvPr id="30" name="正方形/長方形 29">
+            <a:extLst>
+              <a:ext uri="{FF2B5EF4-FFF2-40B4-BE49-F238E27FC236}">
+                <a16:creationId xmlns:a16="http://schemas.microsoft.com/office/drawing/2014/main" id="{90C9566F-C90C-E5DA-BF45-EFE807AFF963}"/>
+              </a:ext>
+            </a:extLst>
+          </p:cNvPr>
+          <p:cNvSpPr/>
+          <p:nvPr/>
+        </p:nvSpPr>
+        <p:spPr>
+          <a:xfrm>
+            <a:off x="4544058" y="1640682"/>
+            <a:ext cx="496477" cy="288900"/>
+          </a:xfrm>
+          <a:prstGeom prst="rect">
+            <a:avLst/>
+          </a:prstGeom>
+          <a:solidFill>
+            <a:srgbClr val="F8F8F8"/>
+          </a:solidFill>
+          <a:ln w="3175">
+            <a:solidFill>
+              <a:schemeClr val="tx1"/>
+            </a:solidFill>
+          </a:ln>
+        </p:spPr>
+        <p:style>
+          <a:lnRef idx="2">
+            <a:schemeClr val="accent1">
+              <a:shade val="15000"/>
+            </a:schemeClr>
+          </a:lnRef>
+          <a:fillRef idx="1">
+            <a:schemeClr val="accent1"/>
+          </a:fillRef>
+          <a:effectRef idx="0">
+            <a:schemeClr val="accent1"/>
+          </a:effectRef>
+          <a:fontRef idx="minor">
+            <a:schemeClr val="lt1"/>
+          </a:fontRef>
+        </p:style>
+        <p:txBody>
+          <a:bodyPr rtlCol="0" anchor="ctr"/>
+          <a:lstStyle/>
+          <a:p>
+            <a:pPr algn="ctr"/>
+            <a:endParaRPr kumimoji="1" lang="ja-JP" altLang="en-US"/>
+          </a:p>
+        </p:txBody>
+      </p:sp>
+      <p:sp>
+        <p:nvSpPr>
+          <p:cNvPr id="33" name="正方形/長方形 32">
+            <a:extLst>
+              <a:ext uri="{FF2B5EF4-FFF2-40B4-BE49-F238E27FC236}">
+                <a16:creationId xmlns:a16="http://schemas.microsoft.com/office/drawing/2014/main" id="{06CBEC45-2061-61AA-6892-D58D4756224B}"/>
+              </a:ext>
+            </a:extLst>
+          </p:cNvPr>
+          <p:cNvSpPr/>
+          <p:nvPr/>
+        </p:nvSpPr>
+        <p:spPr>
+          <a:xfrm>
+            <a:off x="5040535" y="1640681"/>
+            <a:ext cx="496477" cy="288900"/>
+          </a:xfrm>
+          <a:prstGeom prst="rect">
+            <a:avLst/>
+          </a:prstGeom>
+          <a:solidFill>
+            <a:srgbClr val="F8F8F8"/>
+          </a:solidFill>
+          <a:ln w="3175">
+            <a:solidFill>
+              <a:schemeClr val="tx1"/>
+            </a:solidFill>
+          </a:ln>
+        </p:spPr>
+        <p:style>
+          <a:lnRef idx="2">
+            <a:schemeClr val="accent1">
+              <a:shade val="15000"/>
+            </a:schemeClr>
+          </a:lnRef>
+          <a:fillRef idx="1">
+            <a:schemeClr val="accent1"/>
+          </a:fillRef>
+          <a:effectRef idx="0">
+            <a:schemeClr val="accent1"/>
+          </a:effectRef>
+          <a:fontRef idx="minor">
+            <a:schemeClr val="lt1"/>
+          </a:fontRef>
+        </p:style>
+        <p:txBody>
+          <a:bodyPr rtlCol="0" anchor="ctr"/>
+          <a:lstStyle/>
+          <a:p>
+            <a:pPr algn="ctr"/>
+            <a:endParaRPr kumimoji="1" lang="ja-JP" altLang="en-US"/>
+          </a:p>
+        </p:txBody>
+      </p:sp>
+      <p:grpSp>
+        <p:nvGrpSpPr>
+          <p:cNvPr id="49" name="グループ化 48">
+            <a:extLst>
+              <a:ext uri="{FF2B5EF4-FFF2-40B4-BE49-F238E27FC236}">
+                <a16:creationId xmlns:a16="http://schemas.microsoft.com/office/drawing/2014/main" id="{93862C5C-F4E3-5A14-4FF1-6587E73E80EF}"/>
+              </a:ext>
+            </a:extLst>
+          </p:cNvPr>
+          <p:cNvGrpSpPr/>
+          <p:nvPr/>
+        </p:nvGrpSpPr>
+        <p:grpSpPr>
+          <a:xfrm>
+            <a:off x="5535586" y="1640682"/>
+            <a:ext cx="232980" cy="288900"/>
+            <a:chOff x="5535586" y="1640682"/>
+            <a:chExt cx="232980" cy="288900"/>
+          </a:xfrm>
+        </p:grpSpPr>
+        <p:sp>
+          <p:nvSpPr>
+            <p:cNvPr id="36" name="フリーフォーム: 図形 35">
+              <a:extLst>
+                <a:ext uri="{FF2B5EF4-FFF2-40B4-BE49-F238E27FC236}">
+                  <a16:creationId xmlns:a16="http://schemas.microsoft.com/office/drawing/2014/main" id="{87942E0C-07CC-6D5E-907B-925CDD9187D9}"/>
+                </a:ext>
+              </a:extLst>
+            </p:cNvPr>
+            <p:cNvSpPr/>
+            <p:nvPr/>
+          </p:nvSpPr>
+          <p:spPr>
+            <a:xfrm>
+              <a:off x="5652077" y="1640683"/>
+              <a:ext cx="116489" cy="288899"/>
+            </a:xfrm>
+            <a:custGeom>
+              <a:avLst/>
+              <a:gdLst>
+                <a:gd name="connsiteX0" fmla="*/ 0 w 116489"/>
+                <a:gd name="connsiteY0" fmla="*/ 0 h 288899"/>
+                <a:gd name="connsiteX1" fmla="*/ 116489 w 116489"/>
+                <a:gd name="connsiteY1" fmla="*/ 0 h 288899"/>
+                <a:gd name="connsiteX2" fmla="*/ 116489 w 116489"/>
+                <a:gd name="connsiteY2" fmla="*/ 288899 h 288899"/>
+                <a:gd name="connsiteX3" fmla="*/ 0 w 116489"/>
+                <a:gd name="connsiteY3" fmla="*/ 288899 h 288899"/>
+              </a:gdLst>
+              <a:ahLst/>
+              <a:cxnLst>
+                <a:cxn ang="0">
+                  <a:pos x="connsiteX0" y="connsiteY0"/>
+                </a:cxn>
+                <a:cxn ang="0">
+                  <a:pos x="connsiteX1" y="connsiteY1"/>
+                </a:cxn>
+                <a:cxn ang="0">
+                  <a:pos x="connsiteX2" y="connsiteY2"/>
+                </a:cxn>
+                <a:cxn ang="0">
+                  <a:pos x="connsiteX3" y="connsiteY3"/>
+                </a:cxn>
+              </a:cxnLst>
+              <a:rect l="l" t="t" r="r" b="b"/>
+              <a:pathLst>
+                <a:path w="116489" h="288899">
+                  <a:moveTo>
+                    <a:pt x="0" y="0"/>
+                  </a:moveTo>
+                  <a:lnTo>
+                    <a:pt x="116489" y="0"/>
+                  </a:lnTo>
+                  <a:lnTo>
+                    <a:pt x="116489" y="288899"/>
+                  </a:lnTo>
+                  <a:lnTo>
+                    <a:pt x="0" y="288899"/>
+                  </a:lnTo>
+                  <a:close/>
+                </a:path>
+              </a:pathLst>
+            </a:custGeom>
+            <a:solidFill>
+              <a:srgbClr val="F8F8F8"/>
+            </a:solidFill>
+            <a:ln w="3175">
+              <a:solidFill>
+                <a:schemeClr val="tx1"/>
+              </a:solidFill>
+            </a:ln>
+          </p:spPr>
+          <p:style>
+            <a:lnRef idx="2">
+              <a:schemeClr val="accent1">
+                <a:shade val="15000"/>
+              </a:schemeClr>
+            </a:lnRef>
+            <a:fillRef idx="1">
+              <a:schemeClr val="accent1"/>
+            </a:fillRef>
+            <a:effectRef idx="0">
+              <a:schemeClr val="accent1"/>
+            </a:effectRef>
+            <a:fontRef idx="minor">
+              <a:schemeClr val="lt1"/>
+            </a:fontRef>
+          </p:style>
+          <p:txBody>
+            <a:bodyPr wrap="square" rtlCol="0" anchor="ctr">
+              <a:noAutofit/>
+            </a:bodyPr>
+            <a:lstStyle/>
+            <a:p>
+              <a:pPr algn="ctr"/>
+              <a:endParaRPr kumimoji="1" lang="ja-JP" altLang="en-US"/>
+            </a:p>
+          </p:txBody>
+        </p:sp>
+        <p:sp>
+          <p:nvSpPr>
+            <p:cNvPr id="37" name="フリーフォーム: 図形 36">
+              <a:extLst>
+                <a:ext uri="{FF2B5EF4-FFF2-40B4-BE49-F238E27FC236}">
+                  <a16:creationId xmlns:a16="http://schemas.microsoft.com/office/drawing/2014/main" id="{FF7DCFC2-4432-8709-DFD2-B590558B76B1}"/>
+                </a:ext>
+              </a:extLst>
+            </p:cNvPr>
+            <p:cNvSpPr/>
+            <p:nvPr/>
+          </p:nvSpPr>
+          <p:spPr>
+            <a:xfrm>
+              <a:off x="5535588" y="1640682"/>
+              <a:ext cx="116489" cy="288899"/>
+            </a:xfrm>
+            <a:custGeom>
+              <a:avLst/>
+              <a:gdLst>
+                <a:gd name="connsiteX0" fmla="*/ 0 w 116489"/>
+                <a:gd name="connsiteY0" fmla="*/ 0 h 288899"/>
+                <a:gd name="connsiteX1" fmla="*/ 116489 w 116489"/>
+                <a:gd name="connsiteY1" fmla="*/ 0 h 288899"/>
+                <a:gd name="connsiteX2" fmla="*/ 116489 w 116489"/>
+                <a:gd name="connsiteY2" fmla="*/ 288899 h 288899"/>
+                <a:gd name="connsiteX3" fmla="*/ 0 w 116489"/>
+                <a:gd name="connsiteY3" fmla="*/ 288899 h 288899"/>
+              </a:gdLst>
+              <a:ahLst/>
+              <a:cxnLst>
+                <a:cxn ang="0">
+                  <a:pos x="connsiteX0" y="connsiteY0"/>
+                </a:cxn>
+                <a:cxn ang="0">
+                  <a:pos x="connsiteX1" y="connsiteY1"/>
+                </a:cxn>
+                <a:cxn ang="0">
+                  <a:pos x="connsiteX2" y="connsiteY2"/>
+                </a:cxn>
+                <a:cxn ang="0">
+                  <a:pos x="connsiteX3" y="connsiteY3"/>
+                </a:cxn>
+              </a:cxnLst>
+              <a:rect l="l" t="t" r="r" b="b"/>
+              <a:pathLst>
+                <a:path w="116489" h="288899">
+                  <a:moveTo>
+                    <a:pt x="0" y="0"/>
+                  </a:moveTo>
+                  <a:lnTo>
+                    <a:pt x="116489" y="0"/>
+                  </a:lnTo>
+                  <a:lnTo>
+                    <a:pt x="116489" y="288899"/>
+                  </a:lnTo>
+                  <a:lnTo>
+                    <a:pt x="0" y="288899"/>
+                  </a:lnTo>
+                  <a:close/>
+                </a:path>
+              </a:pathLst>
+            </a:custGeom>
+            <a:solidFill>
+              <a:srgbClr val="F8F8F8"/>
+            </a:solidFill>
+            <a:ln w="3175">
+              <a:solidFill>
+                <a:schemeClr val="tx1"/>
+              </a:solidFill>
+            </a:ln>
+          </p:spPr>
+          <p:style>
+            <a:lnRef idx="2">
+              <a:schemeClr val="accent1">
+                <a:shade val="15000"/>
+              </a:schemeClr>
+            </a:lnRef>
+            <a:fillRef idx="1">
+              <a:schemeClr val="accent1"/>
+            </a:fillRef>
+            <a:effectRef idx="0">
+              <a:schemeClr val="accent1"/>
+            </a:effectRef>
+            <a:fontRef idx="minor">
+              <a:schemeClr val="lt1"/>
+            </a:fontRef>
+          </p:style>
+          <p:txBody>
+            <a:bodyPr wrap="square" rtlCol="0" anchor="ctr">
+              <a:noAutofit/>
+            </a:bodyPr>
+            <a:lstStyle/>
+            <a:p>
+              <a:pPr algn="ctr"/>
+              <a:endParaRPr kumimoji="1" lang="ja-JP" altLang="en-US"/>
+            </a:p>
+          </p:txBody>
+        </p:sp>
+        <p:cxnSp>
+          <p:nvCxnSpPr>
+            <p:cNvPr id="39" name="直線コネクタ 38">
+              <a:extLst>
+                <a:ext uri="{FF2B5EF4-FFF2-40B4-BE49-F238E27FC236}">
+                  <a16:creationId xmlns:a16="http://schemas.microsoft.com/office/drawing/2014/main" id="{ECA921F1-AF46-D97F-4EFE-4E6A26781479}"/>
+                </a:ext>
+              </a:extLst>
+            </p:cNvPr>
+            <p:cNvCxnSpPr/>
+            <p:nvPr/>
+          </p:nvCxnSpPr>
+          <p:spPr>
+            <a:xfrm>
+              <a:off x="5535588" y="1692262"/>
+              <a:ext cx="116489" cy="0"/>
+            </a:xfrm>
+            <a:prstGeom prst="line">
+              <a:avLst/>
+            </a:prstGeom>
+            <a:ln w="3175">
+              <a:solidFill>
+                <a:srgbClr val="505050"/>
+              </a:solidFill>
+            </a:ln>
+          </p:spPr>
+          <p:style>
+            <a:lnRef idx="1">
+              <a:schemeClr val="accent1"/>
+            </a:lnRef>
+            <a:fillRef idx="0">
+              <a:schemeClr val="accent1"/>
+            </a:fillRef>
+            <a:effectRef idx="0">
+              <a:schemeClr val="accent1"/>
+            </a:effectRef>
+            <a:fontRef idx="minor">
+              <a:schemeClr val="tx1"/>
+            </a:fontRef>
+          </p:style>
+        </p:cxnSp>
+        <p:cxnSp>
+          <p:nvCxnSpPr>
+            <p:cNvPr id="40" name="直線コネクタ 39">
+              <a:extLst>
+                <a:ext uri="{FF2B5EF4-FFF2-40B4-BE49-F238E27FC236}">
+                  <a16:creationId xmlns:a16="http://schemas.microsoft.com/office/drawing/2014/main" id="{E60760E7-8AE2-8318-C616-0BBB949291B2}"/>
+                </a:ext>
+              </a:extLst>
+            </p:cNvPr>
+            <p:cNvCxnSpPr/>
+            <p:nvPr/>
+          </p:nvCxnSpPr>
+          <p:spPr>
+            <a:xfrm>
+              <a:off x="5535588" y="1785131"/>
+              <a:ext cx="116489" cy="0"/>
+            </a:xfrm>
+            <a:prstGeom prst="line">
+              <a:avLst/>
+            </a:prstGeom>
+            <a:ln w="3175">
+              <a:solidFill>
+                <a:srgbClr val="505050"/>
+              </a:solidFill>
+            </a:ln>
+          </p:spPr>
+          <p:style>
+            <a:lnRef idx="1">
+              <a:schemeClr val="accent1"/>
+            </a:lnRef>
+            <a:fillRef idx="0">
+              <a:schemeClr val="accent1"/>
+            </a:fillRef>
+            <a:effectRef idx="0">
+              <a:schemeClr val="accent1"/>
+            </a:effectRef>
+            <a:fontRef idx="minor">
+              <a:schemeClr val="tx1"/>
+            </a:fontRef>
+          </p:style>
+        </p:cxnSp>
+        <p:cxnSp>
+          <p:nvCxnSpPr>
+            <p:cNvPr id="41" name="直線コネクタ 40">
+              <a:extLst>
+                <a:ext uri="{FF2B5EF4-FFF2-40B4-BE49-F238E27FC236}">
+                  <a16:creationId xmlns:a16="http://schemas.microsoft.com/office/drawing/2014/main" id="{8192E549-05D0-AB8C-3950-2FF6D8BB896B}"/>
+                </a:ext>
+              </a:extLst>
+            </p:cNvPr>
+            <p:cNvCxnSpPr/>
+            <p:nvPr/>
+          </p:nvCxnSpPr>
+          <p:spPr>
+            <a:xfrm>
+              <a:off x="5535587" y="1830374"/>
+              <a:ext cx="116489" cy="0"/>
+            </a:xfrm>
+            <a:prstGeom prst="line">
+              <a:avLst/>
+            </a:prstGeom>
+            <a:ln w="3175">
+              <a:solidFill>
+                <a:srgbClr val="505050"/>
+              </a:solidFill>
+            </a:ln>
+          </p:spPr>
+          <p:style>
+            <a:lnRef idx="1">
+              <a:schemeClr val="accent1"/>
+            </a:lnRef>
+            <a:fillRef idx="0">
+              <a:schemeClr val="accent1"/>
+            </a:fillRef>
+            <a:effectRef idx="0">
+              <a:schemeClr val="accent1"/>
+            </a:effectRef>
+            <a:fontRef idx="minor">
+              <a:schemeClr val="tx1"/>
+            </a:fontRef>
+          </p:style>
+        </p:cxnSp>
+        <p:cxnSp>
+          <p:nvCxnSpPr>
+            <p:cNvPr id="42" name="直線コネクタ 41">
+              <a:extLst>
+                <a:ext uri="{FF2B5EF4-FFF2-40B4-BE49-F238E27FC236}">
+                  <a16:creationId xmlns:a16="http://schemas.microsoft.com/office/drawing/2014/main" id="{5EAA012C-D7A8-AC2D-E119-8EBF8625A2C9}"/>
+                </a:ext>
+              </a:extLst>
+            </p:cNvPr>
+            <p:cNvCxnSpPr/>
+            <p:nvPr/>
+          </p:nvCxnSpPr>
+          <p:spPr>
+            <a:xfrm>
+              <a:off x="5535587" y="1880380"/>
+              <a:ext cx="116489" cy="0"/>
+            </a:xfrm>
+            <a:prstGeom prst="line">
+              <a:avLst/>
+            </a:prstGeom>
+            <a:ln w="3175">
+              <a:solidFill>
+                <a:srgbClr val="505050"/>
+              </a:solidFill>
+            </a:ln>
+          </p:spPr>
+          <p:style>
+            <a:lnRef idx="1">
+              <a:schemeClr val="accent1"/>
+            </a:lnRef>
+            <a:fillRef idx="0">
+              <a:schemeClr val="accent1"/>
+            </a:fillRef>
+            <a:effectRef idx="0">
+              <a:schemeClr val="accent1"/>
+            </a:effectRef>
+            <a:fontRef idx="minor">
+              <a:schemeClr val="tx1"/>
+            </a:fontRef>
+          </p:style>
+        </p:cxnSp>
+        <p:cxnSp>
+          <p:nvCxnSpPr>
+            <p:cNvPr id="43" name="直線コネクタ 42">
+              <a:extLst>
+                <a:ext uri="{FF2B5EF4-FFF2-40B4-BE49-F238E27FC236}">
+                  <a16:creationId xmlns:a16="http://schemas.microsoft.com/office/drawing/2014/main" id="{9D998DE4-98E1-4D2A-D17C-366942C68A1F}"/>
+                </a:ext>
+              </a:extLst>
+            </p:cNvPr>
+            <p:cNvCxnSpPr/>
+            <p:nvPr/>
+          </p:nvCxnSpPr>
+          <p:spPr>
+            <a:xfrm>
+              <a:off x="5535586" y="1735125"/>
+              <a:ext cx="116489" cy="0"/>
+            </a:xfrm>
+            <a:prstGeom prst="line">
+              <a:avLst/>
+            </a:prstGeom>
+            <a:ln w="3175">
+              <a:solidFill>
+                <a:srgbClr val="505050"/>
+              </a:solidFill>
+            </a:ln>
+          </p:spPr>
+          <p:style>
+            <a:lnRef idx="1">
+              <a:schemeClr val="accent1"/>
+            </a:lnRef>
+            <a:fillRef idx="0">
+              <a:schemeClr val="accent1"/>
+            </a:fillRef>
+            <a:effectRef idx="0">
+              <a:schemeClr val="accent1"/>
+            </a:effectRef>
+            <a:fontRef idx="minor">
+              <a:schemeClr val="tx1"/>
+            </a:fontRef>
+          </p:style>
+        </p:cxnSp>
+        <p:cxnSp>
+          <p:nvCxnSpPr>
+            <p:cNvPr id="44" name="直線コネクタ 43">
+              <a:extLst>
+                <a:ext uri="{FF2B5EF4-FFF2-40B4-BE49-F238E27FC236}">
+                  <a16:creationId xmlns:a16="http://schemas.microsoft.com/office/drawing/2014/main" id="{37146215-FF9D-DC8D-F4D1-C2A0CFE812BC}"/>
+                </a:ext>
+              </a:extLst>
+            </p:cNvPr>
+            <p:cNvCxnSpPr/>
+            <p:nvPr/>
+          </p:nvCxnSpPr>
+          <p:spPr>
+            <a:xfrm>
+              <a:off x="5647162" y="1692262"/>
+              <a:ext cx="116489" cy="0"/>
+            </a:xfrm>
+            <a:prstGeom prst="line">
+              <a:avLst/>
+            </a:prstGeom>
+            <a:ln w="3175">
+              <a:solidFill>
+                <a:srgbClr val="505050"/>
+              </a:solidFill>
+            </a:ln>
+          </p:spPr>
+          <p:style>
+            <a:lnRef idx="1">
+              <a:schemeClr val="accent1"/>
+            </a:lnRef>
+            <a:fillRef idx="0">
+              <a:schemeClr val="accent1"/>
+            </a:fillRef>
+            <a:effectRef idx="0">
+              <a:schemeClr val="accent1"/>
+            </a:effectRef>
+            <a:fontRef idx="minor">
+              <a:schemeClr val="tx1"/>
+            </a:fontRef>
+          </p:style>
+        </p:cxnSp>
+        <p:cxnSp>
+          <p:nvCxnSpPr>
+            <p:cNvPr id="45" name="直線コネクタ 44">
+              <a:extLst>
+                <a:ext uri="{FF2B5EF4-FFF2-40B4-BE49-F238E27FC236}">
+                  <a16:creationId xmlns:a16="http://schemas.microsoft.com/office/drawing/2014/main" id="{2CCC963A-9A95-1A29-423B-4A27C6818657}"/>
+                </a:ext>
+              </a:extLst>
+            </p:cNvPr>
+            <p:cNvCxnSpPr/>
+            <p:nvPr/>
+          </p:nvCxnSpPr>
+          <p:spPr>
+            <a:xfrm>
+              <a:off x="5647162" y="1785131"/>
+              <a:ext cx="116489" cy="0"/>
+            </a:xfrm>
+            <a:prstGeom prst="line">
+              <a:avLst/>
+            </a:prstGeom>
+            <a:ln w="3175">
+              <a:solidFill>
+                <a:srgbClr val="505050"/>
+              </a:solidFill>
+            </a:ln>
+          </p:spPr>
+          <p:style>
+            <a:lnRef idx="1">
+              <a:schemeClr val="accent1"/>
+            </a:lnRef>
+            <a:fillRef idx="0">
+              <a:schemeClr val="accent1"/>
+            </a:fillRef>
+            <a:effectRef idx="0">
+              <a:schemeClr val="accent1"/>
+            </a:effectRef>
+            <a:fontRef idx="minor">
+              <a:schemeClr val="tx1"/>
+            </a:fontRef>
+          </p:style>
+        </p:cxnSp>
+        <p:cxnSp>
+          <p:nvCxnSpPr>
+            <p:cNvPr id="46" name="直線コネクタ 45">
+              <a:extLst>
+                <a:ext uri="{FF2B5EF4-FFF2-40B4-BE49-F238E27FC236}">
+                  <a16:creationId xmlns:a16="http://schemas.microsoft.com/office/drawing/2014/main" id="{E0D4F129-2ED4-EF6F-0B3C-1234A7B33AA9}"/>
+                </a:ext>
+              </a:extLst>
+            </p:cNvPr>
+            <p:cNvCxnSpPr/>
+            <p:nvPr/>
+          </p:nvCxnSpPr>
+          <p:spPr>
+            <a:xfrm>
+              <a:off x="5647161" y="1830374"/>
+              <a:ext cx="116489" cy="0"/>
+            </a:xfrm>
+            <a:prstGeom prst="line">
+              <a:avLst/>
+            </a:prstGeom>
+            <a:ln w="3175">
+              <a:solidFill>
+                <a:srgbClr val="505050"/>
+              </a:solidFill>
+            </a:ln>
+          </p:spPr>
+          <p:style>
+            <a:lnRef idx="1">
+              <a:schemeClr val="accent1"/>
+            </a:lnRef>
+            <a:fillRef idx="0">
+              <a:schemeClr val="accent1"/>
+            </a:fillRef>
+            <a:effectRef idx="0">
+              <a:schemeClr val="accent1"/>
+            </a:effectRef>
+            <a:fontRef idx="minor">
+              <a:schemeClr val="tx1"/>
+            </a:fontRef>
+          </p:style>
+        </p:cxnSp>
+        <p:cxnSp>
+          <p:nvCxnSpPr>
+            <p:cNvPr id="47" name="直線コネクタ 46">
+              <a:extLst>
+                <a:ext uri="{FF2B5EF4-FFF2-40B4-BE49-F238E27FC236}">
+                  <a16:creationId xmlns:a16="http://schemas.microsoft.com/office/drawing/2014/main" id="{E8674C57-961C-ED3F-8502-57BD405B881B}"/>
+                </a:ext>
+              </a:extLst>
+            </p:cNvPr>
+            <p:cNvCxnSpPr/>
+            <p:nvPr/>
+          </p:nvCxnSpPr>
+          <p:spPr>
+            <a:xfrm>
+              <a:off x="5647161" y="1880380"/>
+              <a:ext cx="116489" cy="0"/>
+            </a:xfrm>
+            <a:prstGeom prst="line">
+              <a:avLst/>
+            </a:prstGeom>
+            <a:ln w="3175">
+              <a:solidFill>
+                <a:srgbClr val="505050"/>
+              </a:solidFill>
+            </a:ln>
+          </p:spPr>
+          <p:style>
+            <a:lnRef idx="1">
+              <a:schemeClr val="accent1"/>
+            </a:lnRef>
+            <a:fillRef idx="0">
+              <a:schemeClr val="accent1"/>
+            </a:fillRef>
+            <a:effectRef idx="0">
+              <a:schemeClr val="accent1"/>
+            </a:effectRef>
+            <a:fontRef idx="minor">
+              <a:schemeClr val="tx1"/>
+            </a:fontRef>
+          </p:style>
+        </p:cxnSp>
+        <p:cxnSp>
+          <p:nvCxnSpPr>
+            <p:cNvPr id="48" name="直線コネクタ 47">
+              <a:extLst>
+                <a:ext uri="{FF2B5EF4-FFF2-40B4-BE49-F238E27FC236}">
+                  <a16:creationId xmlns:a16="http://schemas.microsoft.com/office/drawing/2014/main" id="{92BF0E5F-E54F-B367-9DBB-F6FDE4CC9647}"/>
+                </a:ext>
+              </a:extLst>
+            </p:cNvPr>
+            <p:cNvCxnSpPr/>
+            <p:nvPr/>
+          </p:nvCxnSpPr>
+          <p:spPr>
+            <a:xfrm>
+              <a:off x="5647160" y="1735125"/>
+              <a:ext cx="116489" cy="0"/>
+            </a:xfrm>
+            <a:prstGeom prst="line">
+              <a:avLst/>
+            </a:prstGeom>
+            <a:ln w="3175">
+              <a:solidFill>
+                <a:srgbClr val="505050"/>
+              </a:solidFill>
+            </a:ln>
+          </p:spPr>
+          <p:style>
+            <a:lnRef idx="1">
+              <a:schemeClr val="accent1"/>
+            </a:lnRef>
+            <a:fillRef idx="0">
+              <a:schemeClr val="accent1"/>
+            </a:fillRef>
+            <a:effectRef idx="0">
+              <a:schemeClr val="accent1"/>
+            </a:effectRef>
+            <a:fontRef idx="minor">
+              <a:schemeClr val="tx1"/>
+            </a:fontRef>
+          </p:style>
+        </p:cxnSp>
+      </p:grpSp>
+      <p:grpSp>
+        <p:nvGrpSpPr>
+          <p:cNvPr id="50" name="グループ化 49">
+            <a:extLst>
+              <a:ext uri="{FF2B5EF4-FFF2-40B4-BE49-F238E27FC236}">
+                <a16:creationId xmlns:a16="http://schemas.microsoft.com/office/drawing/2014/main" id="{FC98E778-32CB-B0BD-6A3F-ADC8BCCEB2DD}"/>
+              </a:ext>
+            </a:extLst>
+          </p:cNvPr>
+          <p:cNvGrpSpPr/>
+          <p:nvPr/>
+        </p:nvGrpSpPr>
+        <p:grpSpPr>
+          <a:xfrm rot="16200000">
+            <a:off x="6017900" y="2369277"/>
+            <a:ext cx="232980" cy="278880"/>
+            <a:chOff x="5535586" y="1640682"/>
+            <a:chExt cx="232980" cy="288900"/>
+          </a:xfrm>
+        </p:grpSpPr>
+        <p:sp>
+          <p:nvSpPr>
+            <p:cNvPr id="51" name="フリーフォーム: 図形 50">
+              <a:extLst>
+                <a:ext uri="{FF2B5EF4-FFF2-40B4-BE49-F238E27FC236}">
+                  <a16:creationId xmlns:a16="http://schemas.microsoft.com/office/drawing/2014/main" id="{0982138A-2BAA-86C5-86E7-05687F410F32}"/>
+                </a:ext>
+              </a:extLst>
+            </p:cNvPr>
+            <p:cNvSpPr/>
+            <p:nvPr/>
+          </p:nvSpPr>
+          <p:spPr>
+            <a:xfrm>
+              <a:off x="5652077" y="1640683"/>
+              <a:ext cx="116489" cy="288899"/>
+            </a:xfrm>
+            <a:custGeom>
+              <a:avLst/>
+              <a:gdLst>
+                <a:gd name="connsiteX0" fmla="*/ 0 w 116489"/>
+                <a:gd name="connsiteY0" fmla="*/ 0 h 288899"/>
+                <a:gd name="connsiteX1" fmla="*/ 116489 w 116489"/>
+                <a:gd name="connsiteY1" fmla="*/ 0 h 288899"/>
+                <a:gd name="connsiteX2" fmla="*/ 116489 w 116489"/>
+                <a:gd name="connsiteY2" fmla="*/ 288899 h 288899"/>
+                <a:gd name="connsiteX3" fmla="*/ 0 w 116489"/>
+                <a:gd name="connsiteY3" fmla="*/ 288899 h 288899"/>
+              </a:gdLst>
+              <a:ahLst/>
+              <a:cxnLst>
+                <a:cxn ang="0">
+                  <a:pos x="connsiteX0" y="connsiteY0"/>
+                </a:cxn>
+                <a:cxn ang="0">
+                  <a:pos x="connsiteX1" y="connsiteY1"/>
+                </a:cxn>
+                <a:cxn ang="0">
+                  <a:pos x="connsiteX2" y="connsiteY2"/>
+                </a:cxn>
+                <a:cxn ang="0">
+                  <a:pos x="connsiteX3" y="connsiteY3"/>
+                </a:cxn>
+              </a:cxnLst>
+              <a:rect l="l" t="t" r="r" b="b"/>
+              <a:pathLst>
+                <a:path w="116489" h="288899">
+                  <a:moveTo>
+                    <a:pt x="0" y="0"/>
+                  </a:moveTo>
+                  <a:lnTo>
+                    <a:pt x="116489" y="0"/>
+                  </a:lnTo>
+                  <a:lnTo>
+                    <a:pt x="116489" y="288899"/>
+                  </a:lnTo>
+                  <a:lnTo>
+                    <a:pt x="0" y="288899"/>
+                  </a:lnTo>
+                  <a:close/>
+                </a:path>
+              </a:pathLst>
+            </a:custGeom>
+            <a:solidFill>
+              <a:srgbClr val="F8F8F8"/>
+            </a:solidFill>
+            <a:ln w="3175">
+              <a:solidFill>
+                <a:schemeClr val="tx1"/>
+              </a:solidFill>
+            </a:ln>
+          </p:spPr>
+          <p:style>
+            <a:lnRef idx="2">
+              <a:schemeClr val="accent1">
+                <a:shade val="15000"/>
+              </a:schemeClr>
+            </a:lnRef>
+            <a:fillRef idx="1">
+              <a:schemeClr val="accent1"/>
+            </a:fillRef>
+            <a:effectRef idx="0">
+              <a:schemeClr val="accent1"/>
+            </a:effectRef>
+            <a:fontRef idx="minor">
+              <a:schemeClr val="lt1"/>
+            </a:fontRef>
+          </p:style>
+          <p:txBody>
+            <a:bodyPr wrap="square" rtlCol="0" anchor="ctr">
+              <a:noAutofit/>
+            </a:bodyPr>
+            <a:lstStyle/>
+            <a:p>
+              <a:pPr algn="ctr"/>
+              <a:endParaRPr kumimoji="1" lang="ja-JP" altLang="en-US"/>
+            </a:p>
+          </p:txBody>
+        </p:sp>
+        <p:sp>
+          <p:nvSpPr>
+            <p:cNvPr id="52" name="フリーフォーム: 図形 51">
+              <a:extLst>
+                <a:ext uri="{FF2B5EF4-FFF2-40B4-BE49-F238E27FC236}">
+                  <a16:creationId xmlns:a16="http://schemas.microsoft.com/office/drawing/2014/main" id="{31655692-5AE5-CAD6-D034-7A475552F80F}"/>
+                </a:ext>
+              </a:extLst>
+            </p:cNvPr>
+            <p:cNvSpPr/>
+            <p:nvPr/>
+          </p:nvSpPr>
+          <p:spPr>
+            <a:xfrm>
+              <a:off x="5535588" y="1640682"/>
+              <a:ext cx="116489" cy="288899"/>
+            </a:xfrm>
+            <a:custGeom>
+              <a:avLst/>
+              <a:gdLst>
+                <a:gd name="connsiteX0" fmla="*/ 0 w 116489"/>
+                <a:gd name="connsiteY0" fmla="*/ 0 h 288899"/>
+                <a:gd name="connsiteX1" fmla="*/ 116489 w 116489"/>
+                <a:gd name="connsiteY1" fmla="*/ 0 h 288899"/>
+                <a:gd name="connsiteX2" fmla="*/ 116489 w 116489"/>
+                <a:gd name="connsiteY2" fmla="*/ 288899 h 288899"/>
+                <a:gd name="connsiteX3" fmla="*/ 0 w 116489"/>
+                <a:gd name="connsiteY3" fmla="*/ 288899 h 288899"/>
+              </a:gdLst>
+              <a:ahLst/>
+              <a:cxnLst>
+                <a:cxn ang="0">
+                  <a:pos x="connsiteX0" y="connsiteY0"/>
+                </a:cxn>
+                <a:cxn ang="0">
+                  <a:pos x="connsiteX1" y="connsiteY1"/>
+                </a:cxn>
+                <a:cxn ang="0">
+                  <a:pos x="connsiteX2" y="connsiteY2"/>
+                </a:cxn>
+                <a:cxn ang="0">
+                  <a:pos x="connsiteX3" y="connsiteY3"/>
+                </a:cxn>
+              </a:cxnLst>
+              <a:rect l="l" t="t" r="r" b="b"/>
+              <a:pathLst>
+                <a:path w="116489" h="288899">
+                  <a:moveTo>
+                    <a:pt x="0" y="0"/>
+                  </a:moveTo>
+                  <a:lnTo>
+                    <a:pt x="116489" y="0"/>
+                  </a:lnTo>
+                  <a:lnTo>
+                    <a:pt x="116489" y="288899"/>
+                  </a:lnTo>
+                  <a:lnTo>
+                    <a:pt x="0" y="288899"/>
+                  </a:lnTo>
+                  <a:close/>
+                </a:path>
+              </a:pathLst>
+            </a:custGeom>
+            <a:solidFill>
+              <a:srgbClr val="F8F8F8"/>
+            </a:solidFill>
+            <a:ln w="3175">
+              <a:solidFill>
+                <a:schemeClr val="tx1"/>
+              </a:solidFill>
+            </a:ln>
+          </p:spPr>
+          <p:style>
+            <a:lnRef idx="2">
+              <a:schemeClr val="accent1">
+                <a:shade val="15000"/>
+              </a:schemeClr>
+            </a:lnRef>
+            <a:fillRef idx="1">
+              <a:schemeClr val="accent1"/>
+            </a:fillRef>
+            <a:effectRef idx="0">
+              <a:schemeClr val="accent1"/>
+            </a:effectRef>
+            <a:fontRef idx="minor">
+              <a:schemeClr val="lt1"/>
+            </a:fontRef>
+          </p:style>
+          <p:txBody>
+            <a:bodyPr wrap="square" rtlCol="0" anchor="ctr">
+              <a:noAutofit/>
+            </a:bodyPr>
+            <a:lstStyle/>
+            <a:p>
+              <a:pPr algn="ctr"/>
+              <a:endParaRPr kumimoji="1" lang="ja-JP" altLang="en-US"/>
+            </a:p>
+          </p:txBody>
+        </p:sp>
+        <p:cxnSp>
+          <p:nvCxnSpPr>
+            <p:cNvPr id="53" name="直線コネクタ 52">
+              <a:extLst>
+                <a:ext uri="{FF2B5EF4-FFF2-40B4-BE49-F238E27FC236}">
+                  <a16:creationId xmlns:a16="http://schemas.microsoft.com/office/drawing/2014/main" id="{AAC1894E-5174-96F7-079F-E4966DF62119}"/>
+                </a:ext>
+              </a:extLst>
+            </p:cNvPr>
+            <p:cNvCxnSpPr/>
+            <p:nvPr/>
+          </p:nvCxnSpPr>
+          <p:spPr>
+            <a:xfrm>
+              <a:off x="5535588" y="1692262"/>
+              <a:ext cx="116489" cy="0"/>
+            </a:xfrm>
+            <a:prstGeom prst="line">
+              <a:avLst/>
+            </a:prstGeom>
+            <a:ln w="3175">
+              <a:solidFill>
+                <a:srgbClr val="505050"/>
+              </a:solidFill>
+            </a:ln>
+          </p:spPr>
+          <p:style>
+            <a:lnRef idx="1">
+              <a:schemeClr val="accent1"/>
+            </a:lnRef>
+            <a:fillRef idx="0">
+              <a:schemeClr val="accent1"/>
+            </a:fillRef>
+            <a:effectRef idx="0">
+              <a:schemeClr val="accent1"/>
+            </a:effectRef>
+            <a:fontRef idx="minor">
+              <a:schemeClr val="tx1"/>
+            </a:fontRef>
+          </p:style>
+        </p:cxnSp>
+        <p:cxnSp>
+          <p:nvCxnSpPr>
+            <p:cNvPr id="54" name="直線コネクタ 53">
+              <a:extLst>
+                <a:ext uri="{FF2B5EF4-FFF2-40B4-BE49-F238E27FC236}">
+                  <a16:creationId xmlns:a16="http://schemas.microsoft.com/office/drawing/2014/main" id="{B81872B8-4D72-DE04-ABC9-1FDC0D206242}"/>
+                </a:ext>
+              </a:extLst>
+            </p:cNvPr>
+            <p:cNvCxnSpPr/>
+            <p:nvPr/>
+          </p:nvCxnSpPr>
+          <p:spPr>
+            <a:xfrm>
+              <a:off x="5535588" y="1785131"/>
+              <a:ext cx="116489" cy="0"/>
+            </a:xfrm>
+            <a:prstGeom prst="line">
+              <a:avLst/>
+            </a:prstGeom>
+            <a:ln w="3175">
+              <a:solidFill>
+                <a:srgbClr val="505050"/>
+              </a:solidFill>
+            </a:ln>
+          </p:spPr>
+          <p:style>
+            <a:lnRef idx="1">
+              <a:schemeClr val="accent1"/>
+            </a:lnRef>
+            <a:fillRef idx="0">
+              <a:schemeClr val="accent1"/>
+            </a:fillRef>
+            <a:effectRef idx="0">
+              <a:schemeClr val="accent1"/>
+            </a:effectRef>
+            <a:fontRef idx="minor">
+              <a:schemeClr val="tx1"/>
+            </a:fontRef>
+          </p:style>
+        </p:cxnSp>
+        <p:cxnSp>
+          <p:nvCxnSpPr>
+            <p:cNvPr id="55" name="直線コネクタ 54">
+              <a:extLst>
+                <a:ext uri="{FF2B5EF4-FFF2-40B4-BE49-F238E27FC236}">
+                  <a16:creationId xmlns:a16="http://schemas.microsoft.com/office/drawing/2014/main" id="{79FD1F58-343E-302B-A84E-51C6A3F3754F}"/>
+                </a:ext>
+              </a:extLst>
+            </p:cNvPr>
+            <p:cNvCxnSpPr/>
+            <p:nvPr/>
+          </p:nvCxnSpPr>
+          <p:spPr>
+            <a:xfrm>
+              <a:off x="5535587" y="1830374"/>
+              <a:ext cx="116489" cy="0"/>
+            </a:xfrm>
+            <a:prstGeom prst="line">
+              <a:avLst/>
+            </a:prstGeom>
+            <a:ln w="3175">
+              <a:solidFill>
+                <a:srgbClr val="505050"/>
+              </a:solidFill>
+            </a:ln>
+          </p:spPr>
+          <p:style>
+            <a:lnRef idx="1">
+              <a:schemeClr val="accent1"/>
+            </a:lnRef>
+            <a:fillRef idx="0">
+              <a:schemeClr val="accent1"/>
+            </a:fillRef>
+            <a:effectRef idx="0">
+              <a:schemeClr val="accent1"/>
+            </a:effectRef>
+            <a:fontRef idx="minor">
+              <a:schemeClr val="tx1"/>
+            </a:fontRef>
+          </p:style>
+        </p:cxnSp>
+        <p:cxnSp>
+          <p:nvCxnSpPr>
+            <p:cNvPr id="56" name="直線コネクタ 55">
+              <a:extLst>
+                <a:ext uri="{FF2B5EF4-FFF2-40B4-BE49-F238E27FC236}">
+                  <a16:creationId xmlns:a16="http://schemas.microsoft.com/office/drawing/2014/main" id="{8EE801A2-BFDB-7F90-AD2C-B2EECCF00D81}"/>
+                </a:ext>
+              </a:extLst>
+            </p:cNvPr>
+            <p:cNvCxnSpPr/>
+            <p:nvPr/>
+          </p:nvCxnSpPr>
+          <p:spPr>
+            <a:xfrm>
+              <a:off x="5535587" y="1880380"/>
+              <a:ext cx="116489" cy="0"/>
+            </a:xfrm>
+            <a:prstGeom prst="line">
+              <a:avLst/>
+            </a:prstGeom>
+            <a:ln w="3175">
+              <a:solidFill>
+                <a:srgbClr val="505050"/>
+              </a:solidFill>
+            </a:ln>
+          </p:spPr>
+          <p:style>
+            <a:lnRef idx="1">
+              <a:schemeClr val="accent1"/>
+            </a:lnRef>
+            <a:fillRef idx="0">
+              <a:schemeClr val="accent1"/>
+            </a:fillRef>
+            <a:effectRef idx="0">
+              <a:schemeClr val="accent1"/>
+            </a:effectRef>
+            <a:fontRef idx="minor">
+              <a:schemeClr val="tx1"/>
+            </a:fontRef>
+          </p:style>
+        </p:cxnSp>
+        <p:cxnSp>
+          <p:nvCxnSpPr>
+            <p:cNvPr id="57" name="直線コネクタ 56">
+              <a:extLst>
+                <a:ext uri="{FF2B5EF4-FFF2-40B4-BE49-F238E27FC236}">
+                  <a16:creationId xmlns:a16="http://schemas.microsoft.com/office/drawing/2014/main" id="{745CF531-DE30-73FC-ED3F-0096F0BFB52A}"/>
+                </a:ext>
+              </a:extLst>
+            </p:cNvPr>
+            <p:cNvCxnSpPr/>
+            <p:nvPr/>
+          </p:nvCxnSpPr>
+          <p:spPr>
+            <a:xfrm>
+              <a:off x="5535586" y="1735125"/>
+              <a:ext cx="116489" cy="0"/>
+            </a:xfrm>
+            <a:prstGeom prst="line">
+              <a:avLst/>
+            </a:prstGeom>
+            <a:ln w="3175">
+              <a:solidFill>
+                <a:srgbClr val="505050"/>
+              </a:solidFill>
+            </a:ln>
+          </p:spPr>
+          <p:style>
+            <a:lnRef idx="1">
+              <a:schemeClr val="accent1"/>
+            </a:lnRef>
+            <a:fillRef idx="0">
+              <a:schemeClr val="accent1"/>
+            </a:fillRef>
+            <a:effectRef idx="0">
+              <a:schemeClr val="accent1"/>
+            </a:effectRef>
+            <a:fontRef idx="minor">
+              <a:schemeClr val="tx1"/>
+            </a:fontRef>
+          </p:style>
+        </p:cxnSp>
+        <p:cxnSp>
+          <p:nvCxnSpPr>
+            <p:cNvPr id="58" name="直線コネクタ 57">
+              <a:extLst>
+                <a:ext uri="{FF2B5EF4-FFF2-40B4-BE49-F238E27FC236}">
+                  <a16:creationId xmlns:a16="http://schemas.microsoft.com/office/drawing/2014/main" id="{08DC27EF-9162-9AFC-075F-51CBD99092D2}"/>
+                </a:ext>
+              </a:extLst>
+            </p:cNvPr>
+            <p:cNvCxnSpPr/>
+            <p:nvPr/>
+          </p:nvCxnSpPr>
+          <p:spPr>
+            <a:xfrm>
+              <a:off x="5647162" y="1692262"/>
+              <a:ext cx="116489" cy="0"/>
+            </a:xfrm>
+            <a:prstGeom prst="line">
+              <a:avLst/>
+            </a:prstGeom>
+            <a:ln w="3175">
+              <a:solidFill>
+                <a:srgbClr val="505050"/>
+              </a:solidFill>
+            </a:ln>
+          </p:spPr>
+          <p:style>
+            <a:lnRef idx="1">
+              <a:schemeClr val="accent1"/>
+            </a:lnRef>
+            <a:fillRef idx="0">
+              <a:schemeClr val="accent1"/>
+            </a:fillRef>
+            <a:effectRef idx="0">
+              <a:schemeClr val="accent1"/>
+            </a:effectRef>
+            <a:fontRef idx="minor">
+              <a:schemeClr val="tx1"/>
+            </a:fontRef>
+          </p:style>
+        </p:cxnSp>
+        <p:cxnSp>
+          <p:nvCxnSpPr>
+            <p:cNvPr id="59" name="直線コネクタ 58">
+              <a:extLst>
+                <a:ext uri="{FF2B5EF4-FFF2-40B4-BE49-F238E27FC236}">
+                  <a16:creationId xmlns:a16="http://schemas.microsoft.com/office/drawing/2014/main" id="{12A29443-FC15-81AA-7143-D32A928135C2}"/>
+                </a:ext>
+              </a:extLst>
+            </p:cNvPr>
+            <p:cNvCxnSpPr/>
+            <p:nvPr/>
+          </p:nvCxnSpPr>
+          <p:spPr>
+            <a:xfrm>
+              <a:off x="5647162" y="1785131"/>
+              <a:ext cx="116489" cy="0"/>
+            </a:xfrm>
+            <a:prstGeom prst="line">
+              <a:avLst/>
+            </a:prstGeom>
+            <a:ln w="3175">
+              <a:solidFill>
+                <a:srgbClr val="505050"/>
+              </a:solidFill>
+            </a:ln>
+          </p:spPr>
+          <p:style>
+            <a:lnRef idx="1">
+              <a:schemeClr val="accent1"/>
+            </a:lnRef>
+            <a:fillRef idx="0">
+              <a:schemeClr val="accent1"/>
+            </a:fillRef>
+            <a:effectRef idx="0">
+              <a:schemeClr val="accent1"/>
+            </a:effectRef>
+            <a:fontRef idx="minor">
+              <a:schemeClr val="tx1"/>
+            </a:fontRef>
+          </p:style>
+        </p:cxnSp>
+        <p:cxnSp>
+          <p:nvCxnSpPr>
+            <p:cNvPr id="60" name="直線コネクタ 59">
+              <a:extLst>
+                <a:ext uri="{FF2B5EF4-FFF2-40B4-BE49-F238E27FC236}">
+                  <a16:creationId xmlns:a16="http://schemas.microsoft.com/office/drawing/2014/main" id="{1FE80475-1AE8-77B5-5E24-18F8ABC77129}"/>
+                </a:ext>
+              </a:extLst>
+            </p:cNvPr>
+            <p:cNvCxnSpPr/>
+            <p:nvPr/>
+          </p:nvCxnSpPr>
+          <p:spPr>
+            <a:xfrm>
+              <a:off x="5647161" y="1830374"/>
+              <a:ext cx="116489" cy="0"/>
+            </a:xfrm>
+            <a:prstGeom prst="line">
+              <a:avLst/>
+            </a:prstGeom>
+            <a:ln w="3175">
+              <a:solidFill>
+                <a:srgbClr val="505050"/>
+              </a:solidFill>
+            </a:ln>
+          </p:spPr>
+          <p:style>
+            <a:lnRef idx="1">
+              <a:schemeClr val="accent1"/>
+            </a:lnRef>
+            <a:fillRef idx="0">
+              <a:schemeClr val="accent1"/>
+            </a:fillRef>
+            <a:effectRef idx="0">
+              <a:schemeClr val="accent1"/>
+            </a:effectRef>
+            <a:fontRef idx="minor">
+              <a:schemeClr val="tx1"/>
+            </a:fontRef>
+          </p:style>
+        </p:cxnSp>
+        <p:cxnSp>
+          <p:nvCxnSpPr>
+            <p:cNvPr id="61" name="直線コネクタ 60">
+              <a:extLst>
+                <a:ext uri="{FF2B5EF4-FFF2-40B4-BE49-F238E27FC236}">
+                  <a16:creationId xmlns:a16="http://schemas.microsoft.com/office/drawing/2014/main" id="{F4BF4E5D-6C76-487E-C39D-BF7E4F90ACF9}"/>
+                </a:ext>
+              </a:extLst>
+            </p:cNvPr>
+            <p:cNvCxnSpPr/>
+            <p:nvPr/>
+          </p:nvCxnSpPr>
+          <p:spPr>
+            <a:xfrm>
+              <a:off x="5647161" y="1880380"/>
+              <a:ext cx="116489" cy="0"/>
+            </a:xfrm>
+            <a:prstGeom prst="line">
+              <a:avLst/>
+            </a:prstGeom>
+            <a:ln w="3175">
+              <a:solidFill>
+                <a:srgbClr val="505050"/>
+              </a:solidFill>
+            </a:ln>
+          </p:spPr>
+          <p:style>
+            <a:lnRef idx="1">
+              <a:schemeClr val="accent1"/>
+            </a:lnRef>
+            <a:fillRef idx="0">
+              <a:schemeClr val="accent1"/>
+            </a:fillRef>
+            <a:effectRef idx="0">
+              <a:schemeClr val="accent1"/>
+            </a:effectRef>
+            <a:fontRef idx="minor">
+              <a:schemeClr val="tx1"/>
+            </a:fontRef>
+          </p:style>
+        </p:cxnSp>
+        <p:cxnSp>
+          <p:nvCxnSpPr>
+            <p:cNvPr id="62" name="直線コネクタ 61">
+              <a:extLst>
+                <a:ext uri="{FF2B5EF4-FFF2-40B4-BE49-F238E27FC236}">
+                  <a16:creationId xmlns:a16="http://schemas.microsoft.com/office/drawing/2014/main" id="{47197B15-4972-75DD-34EB-C2F3321E3094}"/>
+                </a:ext>
+              </a:extLst>
+            </p:cNvPr>
+            <p:cNvCxnSpPr/>
+            <p:nvPr/>
+          </p:nvCxnSpPr>
+          <p:spPr>
+            <a:xfrm>
+              <a:off x="5647160" y="1735125"/>
+              <a:ext cx="116489" cy="0"/>
+            </a:xfrm>
+            <a:prstGeom prst="line">
+              <a:avLst/>
+            </a:prstGeom>
+            <a:ln w="3175">
+              <a:solidFill>
+                <a:srgbClr val="505050"/>
+              </a:solidFill>
+            </a:ln>
+          </p:spPr>
+          <p:style>
+            <a:lnRef idx="1">
+              <a:schemeClr val="accent1"/>
+            </a:lnRef>
+            <a:fillRef idx="0">
+              <a:schemeClr val="accent1"/>
+            </a:fillRef>
+            <a:effectRef idx="0">
+              <a:schemeClr val="accent1"/>
+            </a:effectRef>
+            <a:fontRef idx="minor">
+              <a:schemeClr val="tx1"/>
+            </a:fontRef>
+          </p:style>
+        </p:cxnSp>
+      </p:grpSp>
+      <p:grpSp>
+        <p:nvGrpSpPr>
+          <p:cNvPr id="76" name="グループ化 75">
+            <a:extLst>
+              <a:ext uri="{FF2B5EF4-FFF2-40B4-BE49-F238E27FC236}">
+                <a16:creationId xmlns:a16="http://schemas.microsoft.com/office/drawing/2014/main" id="{C3328F60-3412-5E97-F897-F92A3DB5FFB9}"/>
+              </a:ext>
+            </a:extLst>
+          </p:cNvPr>
+          <p:cNvGrpSpPr/>
+          <p:nvPr/>
+        </p:nvGrpSpPr>
+        <p:grpSpPr>
+          <a:xfrm>
+            <a:off x="6770880" y="1639547"/>
+            <a:ext cx="232980" cy="288900"/>
+            <a:chOff x="5535586" y="1640682"/>
+            <a:chExt cx="232980" cy="288900"/>
+          </a:xfrm>
+        </p:grpSpPr>
+        <p:sp>
+          <p:nvSpPr>
+            <p:cNvPr id="77" name="フリーフォーム: 図形 76">
+              <a:extLst>
+                <a:ext uri="{FF2B5EF4-FFF2-40B4-BE49-F238E27FC236}">
+                  <a16:creationId xmlns:a16="http://schemas.microsoft.com/office/drawing/2014/main" id="{E77A7308-0703-5536-450D-5C4319EE8D56}"/>
+                </a:ext>
+              </a:extLst>
+            </p:cNvPr>
+            <p:cNvSpPr/>
+            <p:nvPr/>
+          </p:nvSpPr>
+          <p:spPr>
+            <a:xfrm>
+              <a:off x="5652077" y="1640683"/>
+              <a:ext cx="116489" cy="288899"/>
+            </a:xfrm>
+            <a:custGeom>
+              <a:avLst/>
+              <a:gdLst>
+                <a:gd name="connsiteX0" fmla="*/ 0 w 116489"/>
+                <a:gd name="connsiteY0" fmla="*/ 0 h 288899"/>
+                <a:gd name="connsiteX1" fmla="*/ 116489 w 116489"/>
+                <a:gd name="connsiteY1" fmla="*/ 0 h 288899"/>
+                <a:gd name="connsiteX2" fmla="*/ 116489 w 116489"/>
+                <a:gd name="connsiteY2" fmla="*/ 288899 h 288899"/>
+                <a:gd name="connsiteX3" fmla="*/ 0 w 116489"/>
+                <a:gd name="connsiteY3" fmla="*/ 288899 h 288899"/>
+              </a:gdLst>
+              <a:ahLst/>
+              <a:cxnLst>
+                <a:cxn ang="0">
+                  <a:pos x="connsiteX0" y="connsiteY0"/>
+                </a:cxn>
+                <a:cxn ang="0">
+                  <a:pos x="connsiteX1" y="connsiteY1"/>
+                </a:cxn>
+                <a:cxn ang="0">
+                  <a:pos x="connsiteX2" y="connsiteY2"/>
+                </a:cxn>
+                <a:cxn ang="0">
+                  <a:pos x="connsiteX3" y="connsiteY3"/>
+                </a:cxn>
+              </a:cxnLst>
+              <a:rect l="l" t="t" r="r" b="b"/>
+              <a:pathLst>
+                <a:path w="116489" h="288899">
+                  <a:moveTo>
+                    <a:pt x="0" y="0"/>
+                  </a:moveTo>
+                  <a:lnTo>
+                    <a:pt x="116489" y="0"/>
+                  </a:lnTo>
+                  <a:lnTo>
+                    <a:pt x="116489" y="288899"/>
+                  </a:lnTo>
+                  <a:lnTo>
+                    <a:pt x="0" y="288899"/>
+                  </a:lnTo>
+                  <a:close/>
+                </a:path>
+              </a:pathLst>
+            </a:custGeom>
+            <a:solidFill>
+              <a:srgbClr val="F8F8F8"/>
+            </a:solidFill>
+            <a:ln w="3175">
+              <a:solidFill>
+                <a:schemeClr val="tx1"/>
+              </a:solidFill>
+            </a:ln>
+          </p:spPr>
+          <p:style>
+            <a:lnRef idx="2">
+              <a:schemeClr val="accent1">
+                <a:shade val="15000"/>
+              </a:schemeClr>
+            </a:lnRef>
+            <a:fillRef idx="1">
+              <a:schemeClr val="accent1"/>
+            </a:fillRef>
+            <a:effectRef idx="0">
+              <a:schemeClr val="accent1"/>
+            </a:effectRef>
+            <a:fontRef idx="minor">
+              <a:schemeClr val="lt1"/>
+            </a:fontRef>
+          </p:style>
+          <p:txBody>
+            <a:bodyPr wrap="square" rtlCol="0" anchor="ctr">
+              <a:noAutofit/>
+            </a:bodyPr>
+            <a:lstStyle/>
+            <a:p>
+              <a:pPr algn="ctr"/>
+              <a:endParaRPr kumimoji="1" lang="ja-JP" altLang="en-US"/>
+            </a:p>
+          </p:txBody>
+        </p:sp>
+        <p:sp>
+          <p:nvSpPr>
+            <p:cNvPr id="78" name="フリーフォーム: 図形 77">
+              <a:extLst>
+                <a:ext uri="{FF2B5EF4-FFF2-40B4-BE49-F238E27FC236}">
+                  <a16:creationId xmlns:a16="http://schemas.microsoft.com/office/drawing/2014/main" id="{801C3F62-1C37-C193-5C29-3073DD2DCDC3}"/>
+                </a:ext>
+              </a:extLst>
+            </p:cNvPr>
+            <p:cNvSpPr/>
+            <p:nvPr/>
+          </p:nvSpPr>
+          <p:spPr>
+            <a:xfrm>
+              <a:off x="5535588" y="1640682"/>
+              <a:ext cx="116489" cy="288899"/>
+            </a:xfrm>
+            <a:custGeom>
+              <a:avLst/>
+              <a:gdLst>
+                <a:gd name="connsiteX0" fmla="*/ 0 w 116489"/>
+                <a:gd name="connsiteY0" fmla="*/ 0 h 288899"/>
+                <a:gd name="connsiteX1" fmla="*/ 116489 w 116489"/>
+                <a:gd name="connsiteY1" fmla="*/ 0 h 288899"/>
+                <a:gd name="connsiteX2" fmla="*/ 116489 w 116489"/>
+                <a:gd name="connsiteY2" fmla="*/ 288899 h 288899"/>
+                <a:gd name="connsiteX3" fmla="*/ 0 w 116489"/>
+                <a:gd name="connsiteY3" fmla="*/ 288899 h 288899"/>
+              </a:gdLst>
+              <a:ahLst/>
+              <a:cxnLst>
+                <a:cxn ang="0">
+                  <a:pos x="connsiteX0" y="connsiteY0"/>
+                </a:cxn>
+                <a:cxn ang="0">
+                  <a:pos x="connsiteX1" y="connsiteY1"/>
+                </a:cxn>
+                <a:cxn ang="0">
+                  <a:pos x="connsiteX2" y="connsiteY2"/>
+                </a:cxn>
+                <a:cxn ang="0">
+                  <a:pos x="connsiteX3" y="connsiteY3"/>
+                </a:cxn>
+              </a:cxnLst>
+              <a:rect l="l" t="t" r="r" b="b"/>
+              <a:pathLst>
+                <a:path w="116489" h="288899">
+                  <a:moveTo>
+                    <a:pt x="0" y="0"/>
+                  </a:moveTo>
+                  <a:lnTo>
+                    <a:pt x="116489" y="0"/>
+                  </a:lnTo>
+                  <a:lnTo>
+                    <a:pt x="116489" y="288899"/>
+                  </a:lnTo>
+                  <a:lnTo>
+                    <a:pt x="0" y="288899"/>
+                  </a:lnTo>
+                  <a:close/>
+                </a:path>
+              </a:pathLst>
+            </a:custGeom>
+            <a:solidFill>
+              <a:srgbClr val="F8F8F8"/>
+            </a:solidFill>
+            <a:ln w="3175">
+              <a:solidFill>
+                <a:schemeClr val="tx1"/>
+              </a:solidFill>
+            </a:ln>
+          </p:spPr>
+          <p:style>
+            <a:lnRef idx="2">
+              <a:schemeClr val="accent1">
+                <a:shade val="15000"/>
+              </a:schemeClr>
+            </a:lnRef>
+            <a:fillRef idx="1">
+              <a:schemeClr val="accent1"/>
+            </a:fillRef>
+            <a:effectRef idx="0">
+              <a:schemeClr val="accent1"/>
+            </a:effectRef>
+            <a:fontRef idx="minor">
+              <a:schemeClr val="lt1"/>
+            </a:fontRef>
+          </p:style>
+          <p:txBody>
+            <a:bodyPr wrap="square" rtlCol="0" anchor="ctr">
+              <a:noAutofit/>
+            </a:bodyPr>
+            <a:lstStyle/>
+            <a:p>
+              <a:pPr algn="ctr"/>
+              <a:endParaRPr kumimoji="1" lang="ja-JP" altLang="en-US"/>
+            </a:p>
+          </p:txBody>
+        </p:sp>
+        <p:cxnSp>
+          <p:nvCxnSpPr>
+            <p:cNvPr id="79" name="直線コネクタ 78">
+              <a:extLst>
+                <a:ext uri="{FF2B5EF4-FFF2-40B4-BE49-F238E27FC236}">
+                  <a16:creationId xmlns:a16="http://schemas.microsoft.com/office/drawing/2014/main" id="{C447EB3F-523A-C8C9-B754-164BC63EEE30}"/>
+                </a:ext>
+              </a:extLst>
+            </p:cNvPr>
+            <p:cNvCxnSpPr/>
+            <p:nvPr/>
+          </p:nvCxnSpPr>
+          <p:spPr>
+            <a:xfrm>
+              <a:off x="5535588" y="1692262"/>
+              <a:ext cx="116489" cy="0"/>
+            </a:xfrm>
+            <a:prstGeom prst="line">
+              <a:avLst/>
+            </a:prstGeom>
+            <a:ln w="3175">
+              <a:solidFill>
+                <a:srgbClr val="505050"/>
+              </a:solidFill>
+            </a:ln>
+          </p:spPr>
+          <p:style>
+            <a:lnRef idx="1">
+              <a:schemeClr val="accent1"/>
+            </a:lnRef>
+            <a:fillRef idx="0">
+              <a:schemeClr val="accent1"/>
+            </a:fillRef>
+            <a:effectRef idx="0">
+              <a:schemeClr val="accent1"/>
+            </a:effectRef>
+            <a:fontRef idx="minor">
+              <a:schemeClr val="tx1"/>
+            </a:fontRef>
+          </p:style>
+        </p:cxnSp>
+        <p:cxnSp>
+          <p:nvCxnSpPr>
+            <p:cNvPr id="80" name="直線コネクタ 79">
+              <a:extLst>
+                <a:ext uri="{FF2B5EF4-FFF2-40B4-BE49-F238E27FC236}">
+                  <a16:creationId xmlns:a16="http://schemas.microsoft.com/office/drawing/2014/main" id="{5BE853F2-1CE3-6225-C3D7-FDB5BE8863C4}"/>
+                </a:ext>
+              </a:extLst>
+            </p:cNvPr>
+            <p:cNvCxnSpPr/>
+            <p:nvPr/>
+          </p:nvCxnSpPr>
+          <p:spPr>
+            <a:xfrm>
+              <a:off x="5535588" y="1785131"/>
+              <a:ext cx="116489" cy="0"/>
+            </a:xfrm>
+            <a:prstGeom prst="line">
+              <a:avLst/>
+            </a:prstGeom>
+            <a:ln w="3175">
+              <a:solidFill>
+                <a:srgbClr val="505050"/>
+              </a:solidFill>
+            </a:ln>
+          </p:spPr>
+          <p:style>
+            <a:lnRef idx="1">
+              <a:schemeClr val="accent1"/>
+            </a:lnRef>
+            <a:fillRef idx="0">
+              <a:schemeClr val="accent1"/>
+            </a:fillRef>
+            <a:effectRef idx="0">
+              <a:schemeClr val="accent1"/>
+            </a:effectRef>
+            <a:fontRef idx="minor">
+              <a:schemeClr val="tx1"/>
+            </a:fontRef>
+          </p:style>
+        </p:cxnSp>
+        <p:cxnSp>
+          <p:nvCxnSpPr>
+            <p:cNvPr id="81" name="直線コネクタ 80">
+              <a:extLst>
+                <a:ext uri="{FF2B5EF4-FFF2-40B4-BE49-F238E27FC236}">
+                  <a16:creationId xmlns:a16="http://schemas.microsoft.com/office/drawing/2014/main" id="{BEC428F3-546D-F7C4-738F-32CF60E69BCF}"/>
+                </a:ext>
+              </a:extLst>
+            </p:cNvPr>
+            <p:cNvCxnSpPr/>
+            <p:nvPr/>
+          </p:nvCxnSpPr>
+          <p:spPr>
+            <a:xfrm>
+              <a:off x="5535587" y="1830374"/>
+              <a:ext cx="116489" cy="0"/>
+            </a:xfrm>
+            <a:prstGeom prst="line">
+              <a:avLst/>
+            </a:prstGeom>
+            <a:ln w="3175">
+              <a:solidFill>
+                <a:srgbClr val="505050"/>
+              </a:solidFill>
+            </a:ln>
+          </p:spPr>
+          <p:style>
+            <a:lnRef idx="1">
+              <a:schemeClr val="accent1"/>
+            </a:lnRef>
+            <a:fillRef idx="0">
+              <a:schemeClr val="accent1"/>
+            </a:fillRef>
+            <a:effectRef idx="0">
+              <a:schemeClr val="accent1"/>
+            </a:effectRef>
+            <a:fontRef idx="minor">
+              <a:schemeClr val="tx1"/>
+            </a:fontRef>
+          </p:style>
+        </p:cxnSp>
+        <p:cxnSp>
+          <p:nvCxnSpPr>
+            <p:cNvPr id="82" name="直線コネクタ 81">
+              <a:extLst>
+                <a:ext uri="{FF2B5EF4-FFF2-40B4-BE49-F238E27FC236}">
+                  <a16:creationId xmlns:a16="http://schemas.microsoft.com/office/drawing/2014/main" id="{4F0ADB65-D37E-B647-F36E-45D1F0E3F952}"/>
+                </a:ext>
+              </a:extLst>
+            </p:cNvPr>
+            <p:cNvCxnSpPr/>
+            <p:nvPr/>
+          </p:nvCxnSpPr>
+          <p:spPr>
+            <a:xfrm>
+              <a:off x="5535587" y="1880380"/>
+              <a:ext cx="116489" cy="0"/>
+            </a:xfrm>
+            <a:prstGeom prst="line">
+              <a:avLst/>
+            </a:prstGeom>
+            <a:ln w="3175">
+              <a:solidFill>
+                <a:srgbClr val="505050"/>
+              </a:solidFill>
+            </a:ln>
+          </p:spPr>
+          <p:style>
+            <a:lnRef idx="1">
+              <a:schemeClr val="accent1"/>
+            </a:lnRef>
+            <a:fillRef idx="0">
+              <a:schemeClr val="accent1"/>
+            </a:fillRef>
+            <a:effectRef idx="0">
+              <a:schemeClr val="accent1"/>
+            </a:effectRef>
+            <a:fontRef idx="minor">
+              <a:schemeClr val="tx1"/>
+            </a:fontRef>
+          </p:style>
+        </p:cxnSp>
+        <p:cxnSp>
+          <p:nvCxnSpPr>
+            <p:cNvPr id="83" name="直線コネクタ 82">
+              <a:extLst>
+                <a:ext uri="{FF2B5EF4-FFF2-40B4-BE49-F238E27FC236}">
+                  <a16:creationId xmlns:a16="http://schemas.microsoft.com/office/drawing/2014/main" id="{DE74B00E-A6B8-41BE-4460-2B3E2C0FF943}"/>
+                </a:ext>
+              </a:extLst>
+            </p:cNvPr>
+            <p:cNvCxnSpPr/>
+            <p:nvPr/>
+          </p:nvCxnSpPr>
+          <p:spPr>
+            <a:xfrm>
+              <a:off x="5535586" y="1735125"/>
+              <a:ext cx="116489" cy="0"/>
+            </a:xfrm>
+            <a:prstGeom prst="line">
+              <a:avLst/>
+            </a:prstGeom>
+            <a:ln w="3175">
+              <a:solidFill>
+                <a:srgbClr val="505050"/>
+              </a:solidFill>
+            </a:ln>
+          </p:spPr>
+          <p:style>
+            <a:lnRef idx="1">
+              <a:schemeClr val="accent1"/>
+            </a:lnRef>
+            <a:fillRef idx="0">
+              <a:schemeClr val="accent1"/>
+            </a:fillRef>
+            <a:effectRef idx="0">
+              <a:schemeClr val="accent1"/>
+            </a:effectRef>
+            <a:fontRef idx="minor">
+              <a:schemeClr val="tx1"/>
+            </a:fontRef>
+          </p:style>
+        </p:cxnSp>
+        <p:cxnSp>
+          <p:nvCxnSpPr>
+            <p:cNvPr id="84" name="直線コネクタ 83">
+              <a:extLst>
+                <a:ext uri="{FF2B5EF4-FFF2-40B4-BE49-F238E27FC236}">
+                  <a16:creationId xmlns:a16="http://schemas.microsoft.com/office/drawing/2014/main" id="{B3BE9908-1A42-3F07-3C4D-F5229DF7D360}"/>
+                </a:ext>
+              </a:extLst>
+            </p:cNvPr>
+            <p:cNvCxnSpPr/>
+            <p:nvPr/>
+          </p:nvCxnSpPr>
+          <p:spPr>
+            <a:xfrm>
+              <a:off x="5647162" y="1692262"/>
+              <a:ext cx="116489" cy="0"/>
+            </a:xfrm>
+            <a:prstGeom prst="line">
+              <a:avLst/>
+            </a:prstGeom>
+            <a:ln w="3175">
+              <a:solidFill>
+                <a:srgbClr val="505050"/>
+              </a:solidFill>
+            </a:ln>
+          </p:spPr>
+          <p:style>
+            <a:lnRef idx="1">
+              <a:schemeClr val="accent1"/>
+            </a:lnRef>
+            <a:fillRef idx="0">
+              <a:schemeClr val="accent1"/>
+            </a:fillRef>
+            <a:effectRef idx="0">
+              <a:schemeClr val="accent1"/>
+            </a:effectRef>
+            <a:fontRef idx="minor">
+              <a:schemeClr val="tx1"/>
+            </a:fontRef>
+          </p:style>
+        </p:cxnSp>
+        <p:cxnSp>
+          <p:nvCxnSpPr>
+            <p:cNvPr id="85" name="直線コネクタ 84">
+              <a:extLst>
+                <a:ext uri="{FF2B5EF4-FFF2-40B4-BE49-F238E27FC236}">
+                  <a16:creationId xmlns:a16="http://schemas.microsoft.com/office/drawing/2014/main" id="{A948AB61-341E-D577-3805-20F902DF42B0}"/>
+                </a:ext>
+              </a:extLst>
+            </p:cNvPr>
+            <p:cNvCxnSpPr/>
+            <p:nvPr/>
+          </p:nvCxnSpPr>
+          <p:spPr>
+            <a:xfrm>
+              <a:off x="5647162" y="1785131"/>
+              <a:ext cx="116489" cy="0"/>
+            </a:xfrm>
+            <a:prstGeom prst="line">
+              <a:avLst/>
+            </a:prstGeom>
+            <a:ln w="3175">
+              <a:solidFill>
+                <a:srgbClr val="505050"/>
+              </a:solidFill>
+            </a:ln>
+          </p:spPr>
+          <p:style>
+            <a:lnRef idx="1">
+              <a:schemeClr val="accent1"/>
+            </a:lnRef>
+            <a:fillRef idx="0">
+              <a:schemeClr val="accent1"/>
+            </a:fillRef>
+            <a:effectRef idx="0">
+              <a:schemeClr val="accent1"/>
+            </a:effectRef>
+            <a:fontRef idx="minor">
+              <a:schemeClr val="tx1"/>
+            </a:fontRef>
+          </p:style>
+        </p:cxnSp>
+        <p:cxnSp>
+          <p:nvCxnSpPr>
+            <p:cNvPr id="86" name="直線コネクタ 85">
+              <a:extLst>
+                <a:ext uri="{FF2B5EF4-FFF2-40B4-BE49-F238E27FC236}">
+                  <a16:creationId xmlns:a16="http://schemas.microsoft.com/office/drawing/2014/main" id="{D6FC770F-79A8-F996-4713-E2277F5C1132}"/>
+                </a:ext>
+              </a:extLst>
+            </p:cNvPr>
+            <p:cNvCxnSpPr/>
+            <p:nvPr/>
+          </p:nvCxnSpPr>
+          <p:spPr>
+            <a:xfrm>
+              <a:off x="5647161" y="1830374"/>
+              <a:ext cx="116489" cy="0"/>
+            </a:xfrm>
+            <a:prstGeom prst="line">
+              <a:avLst/>
+            </a:prstGeom>
+            <a:ln w="3175">
+              <a:solidFill>
+                <a:srgbClr val="505050"/>
+              </a:solidFill>
+            </a:ln>
+          </p:spPr>
+          <p:style>
+            <a:lnRef idx="1">
+              <a:schemeClr val="accent1"/>
+            </a:lnRef>
+            <a:fillRef idx="0">
+              <a:schemeClr val="accent1"/>
+            </a:fillRef>
+            <a:effectRef idx="0">
+              <a:schemeClr val="accent1"/>
+            </a:effectRef>
+            <a:fontRef idx="minor">
+              <a:schemeClr val="tx1"/>
+            </a:fontRef>
+          </p:style>
+        </p:cxnSp>
+        <p:cxnSp>
+          <p:nvCxnSpPr>
+            <p:cNvPr id="87" name="直線コネクタ 86">
+              <a:extLst>
+                <a:ext uri="{FF2B5EF4-FFF2-40B4-BE49-F238E27FC236}">
+                  <a16:creationId xmlns:a16="http://schemas.microsoft.com/office/drawing/2014/main" id="{1D12AB77-DFB9-4922-FF41-822158659041}"/>
+                </a:ext>
+              </a:extLst>
+            </p:cNvPr>
+            <p:cNvCxnSpPr/>
+            <p:nvPr/>
+          </p:nvCxnSpPr>
+          <p:spPr>
+            <a:xfrm>
+              <a:off x="5647161" y="1880380"/>
+              <a:ext cx="116489" cy="0"/>
+            </a:xfrm>
+            <a:prstGeom prst="line">
+              <a:avLst/>
+            </a:prstGeom>
+            <a:ln w="3175">
+              <a:solidFill>
+                <a:srgbClr val="505050"/>
+              </a:solidFill>
+            </a:ln>
+          </p:spPr>
+          <p:style>
+            <a:lnRef idx="1">
+              <a:schemeClr val="accent1"/>
+            </a:lnRef>
+            <a:fillRef idx="0">
+              <a:schemeClr val="accent1"/>
+            </a:fillRef>
+            <a:effectRef idx="0">
+              <a:schemeClr val="accent1"/>
+            </a:effectRef>
+            <a:fontRef idx="minor">
+              <a:schemeClr val="tx1"/>
+            </a:fontRef>
+          </p:style>
+        </p:cxnSp>
+        <p:cxnSp>
+          <p:nvCxnSpPr>
+            <p:cNvPr id="88" name="直線コネクタ 87">
+              <a:extLst>
+                <a:ext uri="{FF2B5EF4-FFF2-40B4-BE49-F238E27FC236}">
+                  <a16:creationId xmlns:a16="http://schemas.microsoft.com/office/drawing/2014/main" id="{37DEF575-A6DE-A3E0-5822-72977476CC46}"/>
+                </a:ext>
+              </a:extLst>
+            </p:cNvPr>
+            <p:cNvCxnSpPr/>
+            <p:nvPr/>
+          </p:nvCxnSpPr>
+          <p:spPr>
+            <a:xfrm>
+              <a:off x="5647160" y="1735125"/>
+              <a:ext cx="116489" cy="0"/>
+            </a:xfrm>
+            <a:prstGeom prst="line">
+              <a:avLst/>
+            </a:prstGeom>
+            <a:ln w="3175">
+              <a:solidFill>
+                <a:srgbClr val="505050"/>
+              </a:solidFill>
+            </a:ln>
+          </p:spPr>
+          <p:style>
+            <a:lnRef idx="1">
+              <a:schemeClr val="accent1"/>
+            </a:lnRef>
+            <a:fillRef idx="0">
+              <a:schemeClr val="accent1"/>
+            </a:fillRef>
+            <a:effectRef idx="0">
+              <a:schemeClr val="accent1"/>
+            </a:effectRef>
+            <a:fontRef idx="minor">
+              <a:schemeClr val="tx1"/>
+            </a:fontRef>
+          </p:style>
+        </p:cxnSp>
+      </p:grpSp>
+      <p:sp>
+        <p:nvSpPr>
+          <p:cNvPr id="89" name="正方形/長方形 88">
+            <a:extLst>
+              <a:ext uri="{FF2B5EF4-FFF2-40B4-BE49-F238E27FC236}">
+                <a16:creationId xmlns:a16="http://schemas.microsoft.com/office/drawing/2014/main" id="{358D7903-C8EF-C35F-19F7-D11D92EB6074}"/>
+              </a:ext>
+            </a:extLst>
+          </p:cNvPr>
+          <p:cNvSpPr/>
+          <p:nvPr/>
+        </p:nvSpPr>
+        <p:spPr>
+          <a:xfrm>
+            <a:off x="7375418" y="1496230"/>
+            <a:ext cx="496477" cy="433349"/>
+          </a:xfrm>
+          <a:prstGeom prst="rect">
+            <a:avLst/>
+          </a:prstGeom>
+          <a:solidFill>
+            <a:srgbClr val="F8F8F8"/>
+          </a:solidFill>
+          <a:ln w="3175">
+            <a:solidFill>
+              <a:schemeClr val="tx1"/>
+            </a:solidFill>
+          </a:ln>
+        </p:spPr>
+        <p:style>
+          <a:lnRef idx="2">
+            <a:schemeClr val="accent1">
+              <a:shade val="15000"/>
+            </a:schemeClr>
+          </a:lnRef>
+          <a:fillRef idx="1">
+            <a:schemeClr val="accent1"/>
+          </a:fillRef>
+          <a:effectRef idx="0">
+            <a:schemeClr val="accent1"/>
+          </a:effectRef>
+          <a:fontRef idx="minor">
+            <a:schemeClr val="lt1"/>
+          </a:fontRef>
+        </p:style>
+        <p:txBody>
+          <a:bodyPr rtlCol="0" anchor="ctr"/>
+          <a:lstStyle/>
+          <a:p>
+            <a:pPr algn="ctr"/>
+            <a:endParaRPr kumimoji="1" lang="ja-JP" altLang="en-US"/>
+          </a:p>
+        </p:txBody>
+      </p:sp>
+      <p:sp>
+        <p:nvSpPr>
+          <p:cNvPr id="91" name="正方形/長方形 90">
+            <a:extLst>
+              <a:ext uri="{FF2B5EF4-FFF2-40B4-BE49-F238E27FC236}">
+                <a16:creationId xmlns:a16="http://schemas.microsoft.com/office/drawing/2014/main" id="{5F91DF83-C15D-07F8-E1AE-C28D502E9525}"/>
+              </a:ext>
+            </a:extLst>
+          </p:cNvPr>
+          <p:cNvSpPr/>
+          <p:nvPr/>
+        </p:nvSpPr>
+        <p:spPr>
+          <a:xfrm>
+            <a:off x="5992965" y="1640681"/>
+            <a:ext cx="116154" cy="288900"/>
+          </a:xfrm>
+          <a:prstGeom prst="rect">
+            <a:avLst/>
+          </a:prstGeom>
+          <a:solidFill>
+            <a:srgbClr val="F8F8F8"/>
+          </a:solidFill>
+          <a:ln w="3175">
+            <a:solidFill>
+              <a:schemeClr val="tx1"/>
+            </a:solidFill>
+          </a:ln>
+        </p:spPr>
+        <p:style>
+          <a:lnRef idx="2">
+            <a:schemeClr val="accent1">
+              <a:shade val="15000"/>
+            </a:schemeClr>
+          </a:lnRef>
+          <a:fillRef idx="1">
+            <a:schemeClr val="accent1"/>
+          </a:fillRef>
+          <a:effectRef idx="0">
+            <a:schemeClr val="accent1"/>
+          </a:effectRef>
+          <a:fontRef idx="minor">
+            <a:schemeClr val="lt1"/>
+          </a:fontRef>
+        </p:style>
+        <p:txBody>
+          <a:bodyPr rtlCol="0" anchor="ctr"/>
+          <a:lstStyle/>
+          <a:p>
+            <a:pPr algn="ctr"/>
+            <a:endParaRPr kumimoji="1" lang="ja-JP" altLang="en-US"/>
+          </a:p>
+        </p:txBody>
+      </p:sp>
+      <p:sp>
+        <p:nvSpPr>
+          <p:cNvPr id="92" name="正方形/長方形 91">
+            <a:extLst>
+              <a:ext uri="{FF2B5EF4-FFF2-40B4-BE49-F238E27FC236}">
+                <a16:creationId xmlns:a16="http://schemas.microsoft.com/office/drawing/2014/main" id="{1090C9CD-692D-844D-9369-7D8E0F033357}"/>
+              </a:ext>
+            </a:extLst>
+          </p:cNvPr>
+          <p:cNvSpPr/>
+          <p:nvPr/>
+        </p:nvSpPr>
+        <p:spPr>
+          <a:xfrm>
+            <a:off x="6109156" y="1639547"/>
+            <a:ext cx="661722" cy="288900"/>
+          </a:xfrm>
+          <a:prstGeom prst="rect">
+            <a:avLst/>
+          </a:prstGeom>
+          <a:solidFill>
+            <a:srgbClr val="F8F8F8"/>
+          </a:solidFill>
+          <a:ln w="3175">
+            <a:solidFill>
+              <a:schemeClr val="tx1"/>
+            </a:solidFill>
+          </a:ln>
+        </p:spPr>
+        <p:style>
+          <a:lnRef idx="2">
+            <a:schemeClr val="accent1">
+              <a:shade val="15000"/>
+            </a:schemeClr>
+          </a:lnRef>
+          <a:fillRef idx="1">
+            <a:schemeClr val="accent1"/>
+          </a:fillRef>
+          <a:effectRef idx="0">
+            <a:schemeClr val="accent1"/>
+          </a:effectRef>
+          <a:fontRef idx="minor">
+            <a:schemeClr val="lt1"/>
+          </a:fontRef>
+        </p:style>
+        <p:txBody>
+          <a:bodyPr rtlCol="0" anchor="ctr"/>
+          <a:lstStyle/>
+          <a:p>
+            <a:pPr algn="ctr"/>
+            <a:endParaRPr kumimoji="1" lang="ja-JP" altLang="en-US"/>
+          </a:p>
+        </p:txBody>
+      </p:sp>
+      <p:sp>
+        <p:nvSpPr>
+          <p:cNvPr id="93" name="正方形/長方形 92">
+            <a:extLst>
+              <a:ext uri="{FF2B5EF4-FFF2-40B4-BE49-F238E27FC236}">
+                <a16:creationId xmlns:a16="http://schemas.microsoft.com/office/drawing/2014/main" id="{6F377A69-8776-97DF-1E7A-19CE94D8B518}"/>
+              </a:ext>
+            </a:extLst>
+          </p:cNvPr>
+          <p:cNvSpPr/>
+          <p:nvPr/>
+        </p:nvSpPr>
+        <p:spPr>
+          <a:xfrm>
+            <a:off x="7003694" y="1639547"/>
+            <a:ext cx="140919" cy="288900"/>
+          </a:xfrm>
+          <a:prstGeom prst="rect">
+            <a:avLst/>
+          </a:prstGeom>
+          <a:solidFill>
+            <a:srgbClr val="F8F8F8"/>
+          </a:solidFill>
+          <a:ln w="3175">
+            <a:solidFill>
+              <a:schemeClr val="tx1"/>
+            </a:solidFill>
+          </a:ln>
+        </p:spPr>
+        <p:style>
+          <a:lnRef idx="2">
+            <a:schemeClr val="accent1">
+              <a:shade val="15000"/>
+            </a:schemeClr>
+          </a:lnRef>
+          <a:fillRef idx="1">
+            <a:schemeClr val="accent1"/>
+          </a:fillRef>
+          <a:effectRef idx="0">
+            <a:schemeClr val="accent1"/>
+          </a:effectRef>
+          <a:fontRef idx="minor">
+            <a:schemeClr val="lt1"/>
+          </a:fontRef>
+        </p:style>
+        <p:txBody>
+          <a:bodyPr rtlCol="0" anchor="ctr"/>
+          <a:lstStyle/>
+          <a:p>
+            <a:pPr algn="ctr"/>
+            <a:endParaRPr kumimoji="1" lang="ja-JP" altLang="en-US"/>
+          </a:p>
+        </p:txBody>
+      </p:sp>
+      <p:sp>
+        <p:nvSpPr>
+          <p:cNvPr id="94" name="正方形/長方形 93">
+            <a:extLst>
+              <a:ext uri="{FF2B5EF4-FFF2-40B4-BE49-F238E27FC236}">
+                <a16:creationId xmlns:a16="http://schemas.microsoft.com/office/drawing/2014/main" id="{8C03D0E7-C53F-E598-BF55-8C4FA97B3E55}"/>
+              </a:ext>
+            </a:extLst>
+          </p:cNvPr>
+          <p:cNvSpPr/>
+          <p:nvPr/>
+        </p:nvSpPr>
+        <p:spPr>
+          <a:xfrm>
+            <a:off x="7143864" y="1640679"/>
+            <a:ext cx="230685" cy="288900"/>
+          </a:xfrm>
+          <a:prstGeom prst="rect">
+            <a:avLst/>
+          </a:prstGeom>
+          <a:solidFill>
+            <a:srgbClr val="F8F8F8"/>
+          </a:solidFill>
+          <a:ln w="3175">
+            <a:solidFill>
+              <a:schemeClr val="tx1"/>
+            </a:solidFill>
+          </a:ln>
+        </p:spPr>
+        <p:style>
+          <a:lnRef idx="2">
+            <a:schemeClr val="accent1">
+              <a:shade val="15000"/>
+            </a:schemeClr>
+          </a:lnRef>
+          <a:fillRef idx="1">
+            <a:schemeClr val="accent1"/>
+          </a:fillRef>
+          <a:effectRef idx="0">
+            <a:schemeClr val="accent1"/>
+          </a:effectRef>
+          <a:fontRef idx="minor">
+            <a:schemeClr val="lt1"/>
+          </a:fontRef>
+        </p:style>
+        <p:txBody>
+          <a:bodyPr rtlCol="0" anchor="ctr"/>
+          <a:lstStyle/>
+          <a:p>
+            <a:pPr algn="ctr"/>
+            <a:endParaRPr kumimoji="1" lang="ja-JP" altLang="en-US"/>
+          </a:p>
+        </p:txBody>
+      </p:sp>
+      <p:sp>
+        <p:nvSpPr>
+          <p:cNvPr id="95" name="正方形/長方形 94">
+            <a:extLst>
+              <a:ext uri="{FF2B5EF4-FFF2-40B4-BE49-F238E27FC236}">
+                <a16:creationId xmlns:a16="http://schemas.microsoft.com/office/drawing/2014/main" id="{878D5849-9F81-7A62-564E-C48F0F2A7645}"/>
+              </a:ext>
+            </a:extLst>
+          </p:cNvPr>
+          <p:cNvSpPr/>
+          <p:nvPr/>
+        </p:nvSpPr>
+        <p:spPr>
+          <a:xfrm>
+            <a:off x="5992965" y="2752400"/>
+            <a:ext cx="382179" cy="255571"/>
+          </a:xfrm>
+          <a:prstGeom prst="rect">
+            <a:avLst/>
+          </a:prstGeom>
+          <a:solidFill>
+            <a:srgbClr val="F8F8F8"/>
+          </a:solidFill>
+          <a:ln w="3175">
+            <a:solidFill>
+              <a:schemeClr val="tx1"/>
+            </a:solidFill>
+          </a:ln>
+        </p:spPr>
+        <p:style>
+          <a:lnRef idx="2">
+            <a:schemeClr val="accent1">
+              <a:shade val="15000"/>
+            </a:schemeClr>
+          </a:lnRef>
+          <a:fillRef idx="1">
+            <a:schemeClr val="accent1"/>
+          </a:fillRef>
+          <a:effectRef idx="0">
+            <a:schemeClr val="accent1"/>
+          </a:effectRef>
+          <a:fontRef idx="minor">
+            <a:schemeClr val="lt1"/>
+          </a:fontRef>
+        </p:style>
+        <p:txBody>
+          <a:bodyPr rtlCol="0" anchor="ctr"/>
+          <a:lstStyle/>
+          <a:p>
+            <a:pPr algn="ctr"/>
+            <a:endParaRPr kumimoji="1" lang="ja-JP" altLang="en-US"/>
+          </a:p>
+        </p:txBody>
+      </p:sp>
+      <p:sp>
+        <p:nvSpPr>
+          <p:cNvPr id="96" name="正方形/長方形 95">
+            <a:extLst>
+              <a:ext uri="{FF2B5EF4-FFF2-40B4-BE49-F238E27FC236}">
+                <a16:creationId xmlns:a16="http://schemas.microsoft.com/office/drawing/2014/main" id="{1204CF1E-7032-A187-1366-562BD88062D4}"/>
+              </a:ext>
+            </a:extLst>
+          </p:cNvPr>
+          <p:cNvSpPr/>
+          <p:nvPr/>
+        </p:nvSpPr>
+        <p:spPr>
+          <a:xfrm>
+            <a:off x="6375511" y="2751833"/>
+            <a:ext cx="407394" cy="255571"/>
+          </a:xfrm>
+          <a:prstGeom prst="rect">
+            <a:avLst/>
+          </a:prstGeom>
+          <a:solidFill>
+            <a:srgbClr val="F8F8F8"/>
+          </a:solidFill>
+          <a:ln w="3175">
+            <a:solidFill>
+              <a:schemeClr val="tx1"/>
+            </a:solidFill>
+          </a:ln>
+        </p:spPr>
+        <p:style>
+          <a:lnRef idx="2">
+            <a:schemeClr val="accent1">
+              <a:shade val="15000"/>
+            </a:schemeClr>
+          </a:lnRef>
+          <a:fillRef idx="1">
+            <a:schemeClr val="accent1"/>
+          </a:fillRef>
+          <a:effectRef idx="0">
+            <a:schemeClr val="accent1"/>
+          </a:effectRef>
+          <a:fontRef idx="minor">
+            <a:schemeClr val="lt1"/>
+          </a:fontRef>
+        </p:style>
+        <p:txBody>
+          <a:bodyPr rtlCol="0" anchor="ctr"/>
+          <a:lstStyle/>
+          <a:p>
+            <a:pPr algn="ctr"/>
+            <a:endParaRPr kumimoji="1" lang="ja-JP" altLang="en-US"/>
+          </a:p>
+        </p:txBody>
+      </p:sp>
+      <p:sp>
+        <p:nvSpPr>
+          <p:cNvPr id="98" name="正方形/長方形 97">
+            <a:extLst>
+              <a:ext uri="{FF2B5EF4-FFF2-40B4-BE49-F238E27FC236}">
+                <a16:creationId xmlns:a16="http://schemas.microsoft.com/office/drawing/2014/main" id="{0FD0884F-4CEE-84AD-B9B3-9E2767D53C9A}"/>
+              </a:ext>
+            </a:extLst>
+          </p:cNvPr>
+          <p:cNvSpPr/>
+          <p:nvPr/>
+        </p:nvSpPr>
+        <p:spPr>
+          <a:xfrm>
+            <a:off x="6780649" y="2751834"/>
+            <a:ext cx="407666" cy="255571"/>
+          </a:xfrm>
+          <a:prstGeom prst="rect">
+            <a:avLst/>
+          </a:prstGeom>
+          <a:solidFill>
+            <a:srgbClr val="F8F8F8"/>
+          </a:solidFill>
+          <a:ln w="3175">
+            <a:solidFill>
+              <a:schemeClr val="tx1"/>
+            </a:solidFill>
+          </a:ln>
+        </p:spPr>
+        <p:style>
+          <a:lnRef idx="2">
+            <a:schemeClr val="accent1">
+              <a:shade val="15000"/>
+            </a:schemeClr>
+          </a:lnRef>
+          <a:fillRef idx="1">
+            <a:schemeClr val="accent1"/>
+          </a:fillRef>
+          <a:effectRef idx="0">
+            <a:schemeClr val="accent1"/>
+          </a:effectRef>
+          <a:fontRef idx="minor">
+            <a:schemeClr val="lt1"/>
+          </a:fontRef>
+        </p:style>
+        <p:txBody>
+          <a:bodyPr rtlCol="0" anchor="ctr"/>
+          <a:lstStyle/>
+          <a:p>
+            <a:pPr algn="ctr"/>
+            <a:endParaRPr kumimoji="1" lang="ja-JP" altLang="en-US"/>
+          </a:p>
+        </p:txBody>
+      </p:sp>
+      <p:sp>
+        <p:nvSpPr>
+          <p:cNvPr id="99" name="正方形/長方形 98">
+            <a:extLst>
+              <a:ext uri="{FF2B5EF4-FFF2-40B4-BE49-F238E27FC236}">
+                <a16:creationId xmlns:a16="http://schemas.microsoft.com/office/drawing/2014/main" id="{25AAF8D0-8939-D7FB-4626-3D6A83B17C54}"/>
+              </a:ext>
+            </a:extLst>
+          </p:cNvPr>
+          <p:cNvSpPr/>
+          <p:nvPr/>
+        </p:nvSpPr>
+        <p:spPr>
+          <a:xfrm>
+            <a:off x="7188293" y="2752287"/>
+            <a:ext cx="407644" cy="255571"/>
+          </a:xfrm>
+          <a:prstGeom prst="rect">
+            <a:avLst/>
+          </a:prstGeom>
+          <a:solidFill>
+            <a:srgbClr val="F8F8F8"/>
+          </a:solidFill>
+          <a:ln w="3175">
+            <a:solidFill>
+              <a:schemeClr val="tx1"/>
+            </a:solidFill>
+          </a:ln>
+        </p:spPr>
+        <p:style>
+          <a:lnRef idx="2">
+            <a:schemeClr val="accent1">
+              <a:shade val="15000"/>
+            </a:schemeClr>
+          </a:lnRef>
+          <a:fillRef idx="1">
+            <a:schemeClr val="accent1"/>
+          </a:fillRef>
+          <a:effectRef idx="0">
+            <a:schemeClr val="accent1"/>
+          </a:effectRef>
+          <a:fontRef idx="minor">
+            <a:schemeClr val="lt1"/>
+          </a:fontRef>
+        </p:style>
+        <p:txBody>
+          <a:bodyPr rtlCol="0" anchor="ctr"/>
+          <a:lstStyle/>
+          <a:p>
+            <a:pPr algn="ctr"/>
+            <a:endParaRPr kumimoji="1" lang="ja-JP" altLang="en-US"/>
+          </a:p>
+        </p:txBody>
+      </p:sp>
+      <p:sp>
+        <p:nvSpPr>
+          <p:cNvPr id="100" name="正方形/長方形 99">
+            <a:extLst>
+              <a:ext uri="{FF2B5EF4-FFF2-40B4-BE49-F238E27FC236}">
+                <a16:creationId xmlns:a16="http://schemas.microsoft.com/office/drawing/2014/main" id="{B20171F1-B38D-C534-5ADE-35ECA9CDC10E}"/>
+              </a:ext>
+            </a:extLst>
+          </p:cNvPr>
+          <p:cNvSpPr/>
+          <p:nvPr/>
+        </p:nvSpPr>
+        <p:spPr>
+          <a:xfrm>
+            <a:off x="7596188" y="2752740"/>
+            <a:ext cx="407644" cy="255571"/>
+          </a:xfrm>
+          <a:prstGeom prst="rect">
+            <a:avLst/>
+          </a:prstGeom>
+          <a:solidFill>
+            <a:srgbClr val="F8F8F8"/>
+          </a:solidFill>
+          <a:ln w="3175">
+            <a:solidFill>
+              <a:schemeClr val="tx1"/>
+            </a:solidFill>
+          </a:ln>
+        </p:spPr>
+        <p:style>
+          <a:lnRef idx="2">
+            <a:schemeClr val="accent1">
+              <a:shade val="15000"/>
+            </a:schemeClr>
+          </a:lnRef>
+          <a:fillRef idx="1">
+            <a:schemeClr val="accent1"/>
+          </a:fillRef>
+          <a:effectRef idx="0">
+            <a:schemeClr val="accent1"/>
+          </a:effectRef>
+          <a:fontRef idx="minor">
+            <a:schemeClr val="lt1"/>
+          </a:fontRef>
+        </p:style>
+        <p:txBody>
+          <a:bodyPr rtlCol="0" anchor="ctr"/>
+          <a:lstStyle/>
+          <a:p>
+            <a:pPr algn="ctr"/>
+            <a:endParaRPr kumimoji="1" lang="ja-JP" altLang="en-US"/>
+          </a:p>
+        </p:txBody>
+      </p:sp>
+      <p:sp>
+        <p:nvSpPr>
+          <p:cNvPr id="106" name="正方形/長方形 105">
+            <a:extLst>
+              <a:ext uri="{FF2B5EF4-FFF2-40B4-BE49-F238E27FC236}">
+                <a16:creationId xmlns:a16="http://schemas.microsoft.com/office/drawing/2014/main" id="{33A08755-AFA0-E51F-13EB-A44BC3D7E20A}"/>
+              </a:ext>
+            </a:extLst>
+          </p:cNvPr>
+          <p:cNvSpPr/>
+          <p:nvPr/>
+        </p:nvSpPr>
+        <p:spPr>
+          <a:xfrm>
+            <a:off x="4410349" y="2751833"/>
+            <a:ext cx="342625" cy="255571"/>
+          </a:xfrm>
+          <a:prstGeom prst="rect">
+            <a:avLst/>
+          </a:prstGeom>
+          <a:solidFill>
+            <a:srgbClr val="F8F8F8"/>
+          </a:solidFill>
+          <a:ln w="3175">
+            <a:solidFill>
+              <a:schemeClr val="tx1"/>
+            </a:solidFill>
+          </a:ln>
+        </p:spPr>
+        <p:style>
+          <a:lnRef idx="2">
+            <a:schemeClr val="accent1">
+              <a:shade val="15000"/>
+            </a:schemeClr>
+          </a:lnRef>
+          <a:fillRef idx="1">
+            <a:schemeClr val="accent1"/>
+          </a:fillRef>
+          <a:effectRef idx="0">
+            <a:schemeClr val="accent1"/>
+          </a:effectRef>
+          <a:fontRef idx="minor">
+            <a:schemeClr val="lt1"/>
+          </a:fontRef>
+        </p:style>
+        <p:txBody>
+          <a:bodyPr rtlCol="0" anchor="ctr"/>
+          <a:lstStyle/>
+          <a:p>
+            <a:pPr algn="ctr"/>
+            <a:endParaRPr kumimoji="1" lang="ja-JP" altLang="en-US"/>
+          </a:p>
+        </p:txBody>
+      </p:sp>
+      <p:sp>
+        <p:nvSpPr>
+          <p:cNvPr id="108" name="正方形/長方形 107">
+            <a:extLst>
+              <a:ext uri="{FF2B5EF4-FFF2-40B4-BE49-F238E27FC236}">
+                <a16:creationId xmlns:a16="http://schemas.microsoft.com/office/drawing/2014/main" id="{4A7C2106-38CD-4778-8806-F6FDCB41A500}"/>
+              </a:ext>
+            </a:extLst>
+          </p:cNvPr>
+          <p:cNvSpPr/>
+          <p:nvPr/>
+        </p:nvSpPr>
+        <p:spPr>
+          <a:xfrm>
+            <a:off x="4753112" y="2751833"/>
+            <a:ext cx="342625" cy="255572"/>
+          </a:xfrm>
+          <a:prstGeom prst="rect">
+            <a:avLst/>
+          </a:prstGeom>
+          <a:solidFill>
+            <a:srgbClr val="F8F8F8"/>
+          </a:solidFill>
+          <a:ln w="3175">
+            <a:solidFill>
+              <a:schemeClr val="tx1"/>
+            </a:solidFill>
+          </a:ln>
+        </p:spPr>
+        <p:style>
+          <a:lnRef idx="2">
+            <a:schemeClr val="accent1">
+              <a:shade val="15000"/>
+            </a:schemeClr>
+          </a:lnRef>
+          <a:fillRef idx="1">
+            <a:schemeClr val="accent1"/>
+          </a:fillRef>
+          <a:effectRef idx="0">
+            <a:schemeClr val="accent1"/>
+          </a:effectRef>
+          <a:fontRef idx="minor">
+            <a:schemeClr val="lt1"/>
+          </a:fontRef>
+        </p:style>
+        <p:txBody>
+          <a:bodyPr rtlCol="0" anchor="ctr"/>
+          <a:lstStyle/>
+          <a:p>
+            <a:pPr algn="ctr"/>
+            <a:endParaRPr kumimoji="1" lang="ja-JP" altLang="en-US"/>
+          </a:p>
+        </p:txBody>
+      </p:sp>
+      <p:sp>
+        <p:nvSpPr>
+          <p:cNvPr id="109" name="正方形/長方形 108">
+            <a:extLst>
+              <a:ext uri="{FF2B5EF4-FFF2-40B4-BE49-F238E27FC236}">
+                <a16:creationId xmlns:a16="http://schemas.microsoft.com/office/drawing/2014/main" id="{53DC7460-D699-5043-B96C-ABB42953CD5C}"/>
+              </a:ext>
+            </a:extLst>
+          </p:cNvPr>
+          <p:cNvSpPr/>
+          <p:nvPr/>
+        </p:nvSpPr>
+        <p:spPr>
+          <a:xfrm>
+            <a:off x="5095875" y="2753761"/>
+            <a:ext cx="342625" cy="253643"/>
+          </a:xfrm>
+          <a:prstGeom prst="rect">
+            <a:avLst/>
+          </a:prstGeom>
+          <a:solidFill>
+            <a:srgbClr val="F8F8F8"/>
+          </a:solidFill>
+          <a:ln w="3175">
+            <a:solidFill>
+              <a:schemeClr val="tx1"/>
+            </a:solidFill>
+          </a:ln>
+        </p:spPr>
+        <p:style>
+          <a:lnRef idx="2">
+            <a:schemeClr val="accent1">
+              <a:shade val="15000"/>
+            </a:schemeClr>
+          </a:lnRef>
+          <a:fillRef idx="1">
+            <a:schemeClr val="accent1"/>
+          </a:fillRef>
+          <a:effectRef idx="0">
+            <a:schemeClr val="accent1"/>
+          </a:effectRef>
+          <a:fontRef idx="minor">
+            <a:schemeClr val="lt1"/>
+          </a:fontRef>
+        </p:style>
+        <p:txBody>
+          <a:bodyPr rtlCol="0" anchor="ctr"/>
+          <a:lstStyle/>
+          <a:p>
+            <a:pPr algn="ctr"/>
+            <a:endParaRPr kumimoji="1" lang="ja-JP" altLang="en-US"/>
+          </a:p>
+        </p:txBody>
+      </p:sp>
+      <p:sp>
+        <p:nvSpPr>
+          <p:cNvPr id="110" name="正方形/長方形 109">
+            <a:extLst>
+              <a:ext uri="{FF2B5EF4-FFF2-40B4-BE49-F238E27FC236}">
+                <a16:creationId xmlns:a16="http://schemas.microsoft.com/office/drawing/2014/main" id="{3502C73C-E358-4341-9623-44D68F270F21}"/>
+              </a:ext>
+            </a:extLst>
+          </p:cNvPr>
+          <p:cNvSpPr/>
+          <p:nvPr/>
+        </p:nvSpPr>
+        <p:spPr>
+          <a:xfrm>
+            <a:off x="5438638" y="2753761"/>
+            <a:ext cx="329561" cy="253643"/>
+          </a:xfrm>
+          <a:prstGeom prst="rect">
+            <a:avLst/>
+          </a:prstGeom>
+          <a:solidFill>
+            <a:srgbClr val="F8F8F8"/>
+          </a:solidFill>
+          <a:ln w="3175">
+            <a:solidFill>
+              <a:schemeClr val="tx1"/>
+            </a:solidFill>
+          </a:ln>
+        </p:spPr>
+        <p:style>
+          <a:lnRef idx="2">
+            <a:schemeClr val="accent1">
+              <a:shade val="15000"/>
+            </a:schemeClr>
+          </a:lnRef>
+          <a:fillRef idx="1">
+            <a:schemeClr val="accent1"/>
+          </a:fillRef>
+          <a:effectRef idx="0">
+            <a:schemeClr val="accent1"/>
+          </a:effectRef>
+          <a:fontRef idx="minor">
+            <a:schemeClr val="lt1"/>
+          </a:fontRef>
+        </p:style>
+        <p:txBody>
+          <a:bodyPr rtlCol="0" anchor="ctr"/>
+          <a:lstStyle/>
+          <a:p>
+            <a:pPr algn="ctr"/>
+            <a:endParaRPr kumimoji="1" lang="ja-JP" altLang="en-US"/>
+          </a:p>
+        </p:txBody>
+      </p:sp>
+    </p:spTree>
+    <p:extLst>
+      <p:ext uri="{BB962C8B-B14F-4D97-AF65-F5344CB8AC3E}">
+        <p14:creationId xmlns:p14="http://schemas.microsoft.com/office/powerpoint/2010/main" val="3855129257"/>
+      </p:ext>
+    </p:extLst>
+  </p:cSld>
+  <p:clrMapOvr>
+    <a:masterClrMapping/>
+  </p:clrMapOvr>
+</p:sld>
+</file>
+
+<file path=ppt/slides/slide4.xml><?xml version="1.0" encoding="utf-8"?>
+<p:sld xmlns:a="http://schemas.openxmlformats.org/drawingml/2006/main" xmlns:r="http://schemas.openxmlformats.org/officeDocument/2006/relationships" xmlns:p="http://schemas.openxmlformats.org/presentationml/2006/main">
+  <p:cSld>
+    <p:spTree>
+      <p:nvGrpSpPr>
+        <p:cNvPr id="1" name=""/>
+        <p:cNvGrpSpPr/>
+        <p:nvPr/>
+      </p:nvGrpSpPr>
+      <p:grpSpPr>
+        <a:xfrm>
+          <a:off x="0" y="0"/>
+          <a:ext cx="0" cy="0"/>
+          <a:chOff x="0" y="0"/>
+          <a:chExt cx="0" cy="0"/>
+        </a:xfrm>
+      </p:grpSpPr>
+      <p:sp>
+        <p:nvSpPr>
+          <p:cNvPr id="2" name="正方形/長方形 1">
+            <a:extLst>
+              <a:ext uri="{FF2B5EF4-FFF2-40B4-BE49-F238E27FC236}">
+                <a16:creationId xmlns:a16="http://schemas.microsoft.com/office/drawing/2014/main" id="{DF3F8849-4A7D-BF52-0078-E339606F605B}"/>
+              </a:ext>
+            </a:extLst>
+          </p:cNvPr>
+          <p:cNvSpPr/>
+          <p:nvPr/>
+        </p:nvSpPr>
+        <p:spPr>
+          <a:xfrm>
+            <a:off x="3186546" y="298543"/>
+            <a:ext cx="4524086" cy="6260911"/>
+          </a:xfrm>
+          <a:prstGeom prst="rect">
+            <a:avLst/>
+          </a:prstGeom>
+          <a:solidFill>
+            <a:schemeClr val="bg1"/>
+          </a:solidFill>
+          <a:ln>
+            <a:noFill/>
+          </a:ln>
+        </p:spPr>
+        <p:style>
+          <a:lnRef idx="2">
+            <a:schemeClr val="accent1">
+              <a:shade val="15000"/>
+            </a:schemeClr>
+          </a:lnRef>
+          <a:fillRef idx="1">
+            <a:schemeClr val="accent1"/>
+          </a:fillRef>
+          <a:effectRef idx="0">
+            <a:schemeClr val="accent1"/>
+          </a:effectRef>
+          <a:fontRef idx="minor">
+            <a:schemeClr val="lt1"/>
+          </a:fontRef>
+        </p:style>
+        <p:txBody>
+          <a:bodyPr rtlCol="0" anchor="ctr"/>
+          <a:lstStyle/>
+          <a:p>
+            <a:pPr algn="ctr"/>
+            <a:endParaRPr kumimoji="1" lang="ja-JP" altLang="en-US"/>
+          </a:p>
+        </p:txBody>
+      </p:sp>
+      <p:sp>
+        <p:nvSpPr>
+          <p:cNvPr id="6" name="正方形/長方形 5">
+            <a:extLst>
+              <a:ext uri="{FF2B5EF4-FFF2-40B4-BE49-F238E27FC236}">
+                <a16:creationId xmlns:a16="http://schemas.microsoft.com/office/drawing/2014/main" id="{D8680B72-EEB9-2AAB-92BC-9637A5E42840}"/>
+              </a:ext>
+            </a:extLst>
+          </p:cNvPr>
+          <p:cNvSpPr/>
+          <p:nvPr/>
+        </p:nvSpPr>
+        <p:spPr>
+          <a:xfrm>
+            <a:off x="3186546" y="1864719"/>
+            <a:ext cx="269246" cy="1797500"/>
+          </a:xfrm>
+          <a:prstGeom prst="rect">
+            <a:avLst/>
+          </a:prstGeom>
+          <a:solidFill>
+            <a:srgbClr val="F8F8F8"/>
+          </a:solidFill>
+          <a:ln w="6350">
+            <a:solidFill>
+              <a:srgbClr val="505050"/>
+            </a:solidFill>
+          </a:ln>
+        </p:spPr>
+        <p:style>
+          <a:lnRef idx="2">
+            <a:schemeClr val="accent1">
+              <a:shade val="15000"/>
+            </a:schemeClr>
+          </a:lnRef>
+          <a:fillRef idx="1">
+            <a:schemeClr val="accent1"/>
+          </a:fillRef>
+          <a:effectRef idx="0">
+            <a:schemeClr val="accent1"/>
+          </a:effectRef>
+          <a:fontRef idx="minor">
+            <a:schemeClr val="lt1"/>
+          </a:fontRef>
+        </p:style>
+        <p:txBody>
+          <a:bodyPr rtlCol="0" anchor="ctr"/>
+          <a:lstStyle/>
+          <a:p>
+            <a:pPr algn="ctr"/>
+            <a:endParaRPr kumimoji="1" lang="ja-JP" altLang="en-US"/>
+          </a:p>
+        </p:txBody>
+      </p:sp>
+      <p:sp>
+        <p:nvSpPr>
+          <p:cNvPr id="10" name="フリーフォーム: 図形 9">
+            <a:extLst>
+              <a:ext uri="{FF2B5EF4-FFF2-40B4-BE49-F238E27FC236}">
+                <a16:creationId xmlns:a16="http://schemas.microsoft.com/office/drawing/2014/main" id="{74E41885-CAEC-1466-EB34-DA49D560B9B9}"/>
+              </a:ext>
+            </a:extLst>
+          </p:cNvPr>
+          <p:cNvSpPr/>
+          <p:nvPr/>
+        </p:nvSpPr>
+        <p:spPr>
+          <a:xfrm>
+            <a:off x="3561974" y="3117056"/>
+            <a:ext cx="1459994" cy="595313"/>
+          </a:xfrm>
+          <a:custGeom>
+            <a:avLst/>
+            <a:gdLst>
+              <a:gd name="connsiteX0" fmla="*/ 0 w 916781"/>
+              <a:gd name="connsiteY0" fmla="*/ 0 h 389334"/>
+              <a:gd name="connsiteX1" fmla="*/ 916781 w 916781"/>
+              <a:gd name="connsiteY1" fmla="*/ 0 h 389334"/>
+              <a:gd name="connsiteX2" fmla="*/ 916781 w 916781"/>
+              <a:gd name="connsiteY2" fmla="*/ 129778 h 389334"/>
+              <a:gd name="connsiteX3" fmla="*/ 916781 w 916781"/>
+              <a:gd name="connsiteY3" fmla="*/ 259556 h 389334"/>
+              <a:gd name="connsiteX4" fmla="*/ 916781 w 916781"/>
+              <a:gd name="connsiteY4" fmla="*/ 389334 h 389334"/>
+              <a:gd name="connsiteX5" fmla="*/ 295275 w 916781"/>
+              <a:gd name="connsiteY5" fmla="*/ 389334 h 389334"/>
+              <a:gd name="connsiteX6" fmla="*/ 295275 w 916781"/>
+              <a:gd name="connsiteY6" fmla="*/ 259556 h 389334"/>
+              <a:gd name="connsiteX7" fmla="*/ 0 w 916781"/>
+              <a:gd name="connsiteY7" fmla="*/ 259556 h 389334"/>
+            </a:gdLst>
+            <a:ahLst/>
+            <a:cxnLst>
+              <a:cxn ang="0">
+                <a:pos x="connsiteX0" y="connsiteY0"/>
+              </a:cxn>
+              <a:cxn ang="0">
+                <a:pos x="connsiteX1" y="connsiteY1"/>
+              </a:cxn>
+              <a:cxn ang="0">
+                <a:pos x="connsiteX2" y="connsiteY2"/>
+              </a:cxn>
+              <a:cxn ang="0">
+                <a:pos x="connsiteX3" y="connsiteY3"/>
+              </a:cxn>
+              <a:cxn ang="0">
+                <a:pos x="connsiteX4" y="connsiteY4"/>
+              </a:cxn>
+              <a:cxn ang="0">
+                <a:pos x="connsiteX5" y="connsiteY5"/>
+              </a:cxn>
+              <a:cxn ang="0">
+                <a:pos x="connsiteX6" y="connsiteY6"/>
+              </a:cxn>
+              <a:cxn ang="0">
+                <a:pos x="connsiteX7" y="connsiteY7"/>
+              </a:cxn>
+            </a:cxnLst>
+            <a:rect l="l" t="t" r="r" b="b"/>
+            <a:pathLst>
+              <a:path w="916781" h="389334">
+                <a:moveTo>
+                  <a:pt x="0" y="0"/>
+                </a:moveTo>
+                <a:lnTo>
+                  <a:pt x="916781" y="0"/>
+                </a:lnTo>
+                <a:lnTo>
+                  <a:pt x="916781" y="129778"/>
+                </a:lnTo>
+                <a:lnTo>
+                  <a:pt x="916781" y="259556"/>
+                </a:lnTo>
+                <a:lnTo>
+                  <a:pt x="916781" y="389334"/>
+                </a:lnTo>
+                <a:lnTo>
+                  <a:pt x="295275" y="389334"/>
+                </a:lnTo>
+                <a:lnTo>
+                  <a:pt x="295275" y="259556"/>
+                </a:lnTo>
+                <a:lnTo>
+                  <a:pt x="0" y="259556"/>
+                </a:lnTo>
+                <a:close/>
+              </a:path>
+            </a:pathLst>
+          </a:custGeom>
+          <a:solidFill>
+            <a:srgbClr val="F8F8F8"/>
+          </a:solidFill>
+          <a:ln w="6350">
+            <a:solidFill>
+              <a:srgbClr val="505050"/>
+            </a:solidFill>
+          </a:ln>
+        </p:spPr>
+        <p:style>
+          <a:lnRef idx="2">
+            <a:schemeClr val="accent1">
+              <a:shade val="15000"/>
+            </a:schemeClr>
+          </a:lnRef>
+          <a:fillRef idx="1">
+            <a:schemeClr val="accent1"/>
+          </a:fillRef>
+          <a:effectRef idx="0">
+            <a:schemeClr val="accent1"/>
+          </a:effectRef>
+          <a:fontRef idx="minor">
+            <a:schemeClr val="lt1"/>
+          </a:fontRef>
+        </p:style>
+        <p:txBody>
+          <a:bodyPr wrap="square" rtlCol="0" anchor="ctr">
+            <a:noAutofit/>
+          </a:bodyPr>
+          <a:lstStyle/>
+          <a:p>
+            <a:pPr algn="ctr"/>
+            <a:endParaRPr kumimoji="1" lang="ja-JP" altLang="en-US"/>
+          </a:p>
+        </p:txBody>
+      </p:sp>
+      <p:sp>
+        <p:nvSpPr>
+          <p:cNvPr id="17" name="正方形/長方形 16">
+            <a:extLst>
+              <a:ext uri="{FF2B5EF4-FFF2-40B4-BE49-F238E27FC236}">
+                <a16:creationId xmlns:a16="http://schemas.microsoft.com/office/drawing/2014/main" id="{2E921190-5F58-8D45-093E-F8B5ECFB005A}"/>
+              </a:ext>
+            </a:extLst>
+          </p:cNvPr>
+          <p:cNvSpPr/>
+          <p:nvPr/>
+        </p:nvSpPr>
+        <p:spPr>
+          <a:xfrm>
+            <a:off x="3626444" y="2066581"/>
+            <a:ext cx="1395525" cy="405157"/>
+          </a:xfrm>
+          <a:prstGeom prst="rect">
+            <a:avLst/>
+          </a:prstGeom>
+          <a:solidFill>
+            <a:srgbClr val="F8F8F8"/>
+          </a:solidFill>
+          <a:ln w="6350">
+            <a:solidFill>
+              <a:srgbClr val="505050"/>
+            </a:solidFill>
+          </a:ln>
+        </p:spPr>
+        <p:style>
+          <a:lnRef idx="2">
+            <a:schemeClr val="accent1">
+              <a:shade val="15000"/>
+            </a:schemeClr>
+          </a:lnRef>
+          <a:fillRef idx="1">
+            <a:schemeClr val="accent1"/>
+          </a:fillRef>
+          <a:effectRef idx="0">
+            <a:schemeClr val="accent1"/>
+          </a:effectRef>
+          <a:fontRef idx="minor">
+            <a:schemeClr val="lt1"/>
+          </a:fontRef>
+        </p:style>
+        <p:txBody>
+          <a:bodyPr rtlCol="0" anchor="ctr"/>
+          <a:lstStyle/>
+          <a:p>
+            <a:pPr algn="ctr"/>
+            <a:endParaRPr kumimoji="1" lang="ja-JP" altLang="en-US"/>
+          </a:p>
+        </p:txBody>
+      </p:sp>
+      <p:sp>
+        <p:nvSpPr>
+          <p:cNvPr id="34" name="正方形/長方形 33">
+            <a:extLst>
+              <a:ext uri="{FF2B5EF4-FFF2-40B4-BE49-F238E27FC236}">
+                <a16:creationId xmlns:a16="http://schemas.microsoft.com/office/drawing/2014/main" id="{705E69AE-11C1-C9E8-1DDE-3FC64BAFD525}"/>
+              </a:ext>
+            </a:extLst>
+          </p:cNvPr>
+          <p:cNvSpPr/>
+          <p:nvPr/>
+        </p:nvSpPr>
+        <p:spPr>
+          <a:xfrm>
+            <a:off x="6736040" y="3161650"/>
+            <a:ext cx="800153" cy="273039"/>
+          </a:xfrm>
+          <a:prstGeom prst="rect">
+            <a:avLst/>
+          </a:prstGeom>
+          <a:solidFill>
+            <a:srgbClr val="F8F8F8"/>
+          </a:solidFill>
+          <a:ln w="6350">
+            <a:solidFill>
+              <a:srgbClr val="505050"/>
+            </a:solidFill>
+          </a:ln>
+        </p:spPr>
+        <p:style>
+          <a:lnRef idx="2">
+            <a:schemeClr val="accent1">
+              <a:shade val="15000"/>
+            </a:schemeClr>
+          </a:lnRef>
+          <a:fillRef idx="1">
+            <a:schemeClr val="accent1"/>
+          </a:fillRef>
+          <a:effectRef idx="0">
+            <a:schemeClr val="accent1"/>
+          </a:effectRef>
+          <a:fontRef idx="minor">
+            <a:schemeClr val="lt1"/>
+          </a:fontRef>
+        </p:style>
+        <p:txBody>
+          <a:bodyPr rtlCol="0" anchor="ctr"/>
+          <a:lstStyle/>
+          <a:p>
+            <a:pPr algn="ctr"/>
+            <a:endParaRPr kumimoji="1" lang="ja-JP" altLang="en-US"/>
+          </a:p>
+        </p:txBody>
+      </p:sp>
+      <p:sp>
+        <p:nvSpPr>
+          <p:cNvPr id="47" name="フリーフォーム: 図形 46">
+            <a:extLst>
+              <a:ext uri="{FF2B5EF4-FFF2-40B4-BE49-F238E27FC236}">
+                <a16:creationId xmlns:a16="http://schemas.microsoft.com/office/drawing/2014/main" id="{444EFE67-2899-5EDA-196E-FB82A7802053}"/>
+              </a:ext>
+            </a:extLst>
+          </p:cNvPr>
+          <p:cNvSpPr/>
+          <p:nvPr/>
+        </p:nvSpPr>
+        <p:spPr>
+          <a:xfrm>
+            <a:off x="6284769" y="298544"/>
+            <a:ext cx="1425863" cy="565038"/>
+          </a:xfrm>
+          <a:custGeom>
+            <a:avLst/>
+            <a:gdLst>
+              <a:gd name="connsiteX0" fmla="*/ 761999 w 895349"/>
+              <a:gd name="connsiteY0" fmla="*/ 0 h 354807"/>
+              <a:gd name="connsiteX1" fmla="*/ 895349 w 895349"/>
+              <a:gd name="connsiteY1" fmla="*/ 0 h 354807"/>
+              <a:gd name="connsiteX2" fmla="*/ 895349 w 895349"/>
+              <a:gd name="connsiteY2" fmla="*/ 230982 h 354807"/>
+              <a:gd name="connsiteX3" fmla="*/ 785813 w 895349"/>
+              <a:gd name="connsiteY3" fmla="*/ 230982 h 354807"/>
+              <a:gd name="connsiteX4" fmla="*/ 785813 w 895349"/>
+              <a:gd name="connsiteY4" fmla="*/ 258366 h 354807"/>
+              <a:gd name="connsiteX5" fmla="*/ 785813 w 895349"/>
+              <a:gd name="connsiteY5" fmla="*/ 261939 h 354807"/>
+              <a:gd name="connsiteX6" fmla="*/ 785814 w 895349"/>
+              <a:gd name="connsiteY6" fmla="*/ 261939 h 354807"/>
+              <a:gd name="connsiteX7" fmla="*/ 785814 w 895349"/>
+              <a:gd name="connsiteY7" fmla="*/ 354807 h 354807"/>
+              <a:gd name="connsiteX8" fmla="*/ 411956 w 895349"/>
+              <a:gd name="connsiteY8" fmla="*/ 354807 h 354807"/>
+              <a:gd name="connsiteX9" fmla="*/ 411956 w 895349"/>
+              <a:gd name="connsiteY9" fmla="*/ 309564 h 354807"/>
+              <a:gd name="connsiteX10" fmla="*/ 75604 w 895349"/>
+              <a:gd name="connsiteY10" fmla="*/ 309564 h 354807"/>
+              <a:gd name="connsiteX11" fmla="*/ 75604 w 895349"/>
+              <a:gd name="connsiteY11" fmla="*/ 261938 h 354807"/>
+              <a:gd name="connsiteX12" fmla="*/ 0 w 895349"/>
+              <a:gd name="connsiteY12" fmla="*/ 261938 h 354807"/>
+              <a:gd name="connsiteX13" fmla="*/ 0 w 895349"/>
+              <a:gd name="connsiteY13" fmla="*/ 119063 h 354807"/>
+              <a:gd name="connsiteX14" fmla="*/ 75604 w 895349"/>
+              <a:gd name="connsiteY14" fmla="*/ 119063 h 354807"/>
+              <a:gd name="connsiteX15" fmla="*/ 75604 w 895349"/>
+              <a:gd name="connsiteY15" fmla="*/ 64294 h 354807"/>
+              <a:gd name="connsiteX16" fmla="*/ 401240 w 895349"/>
+              <a:gd name="connsiteY16" fmla="*/ 64294 h 354807"/>
+              <a:gd name="connsiteX17" fmla="*/ 401240 w 895349"/>
+              <a:gd name="connsiteY17" fmla="*/ 27384 h 354807"/>
+              <a:gd name="connsiteX18" fmla="*/ 761999 w 895349"/>
+              <a:gd name="connsiteY18" fmla="*/ 27384 h 354807"/>
+            </a:gdLst>
+            <a:ahLst/>
+            <a:cxnLst>
+              <a:cxn ang="0">
+                <a:pos x="connsiteX0" y="connsiteY0"/>
+              </a:cxn>
+              <a:cxn ang="0">
+                <a:pos x="connsiteX1" y="connsiteY1"/>
+              </a:cxn>
+              <a:cxn ang="0">
+                <a:pos x="connsiteX2" y="connsiteY2"/>
+              </a:cxn>
+              <a:cxn ang="0">
+                <a:pos x="connsiteX3" y="connsiteY3"/>
+              </a:cxn>
+              <a:cxn ang="0">
+                <a:pos x="connsiteX4" y="connsiteY4"/>
+              </a:cxn>
+              <a:cxn ang="0">
+                <a:pos x="connsiteX5" y="connsiteY5"/>
+              </a:cxn>
+              <a:cxn ang="0">
+                <a:pos x="connsiteX6" y="connsiteY6"/>
+              </a:cxn>
+              <a:cxn ang="0">
+                <a:pos x="connsiteX7" y="connsiteY7"/>
+              </a:cxn>
+              <a:cxn ang="0">
+                <a:pos x="connsiteX8" y="connsiteY8"/>
+              </a:cxn>
+              <a:cxn ang="0">
+                <a:pos x="connsiteX9" y="connsiteY9"/>
+              </a:cxn>
+              <a:cxn ang="0">
+                <a:pos x="connsiteX10" y="connsiteY10"/>
+              </a:cxn>
+              <a:cxn ang="0">
+                <a:pos x="connsiteX11" y="connsiteY11"/>
+              </a:cxn>
+              <a:cxn ang="0">
+                <a:pos x="connsiteX12" y="connsiteY12"/>
+              </a:cxn>
+              <a:cxn ang="0">
+                <a:pos x="connsiteX13" y="connsiteY13"/>
+              </a:cxn>
+              <a:cxn ang="0">
+                <a:pos x="connsiteX14" y="connsiteY14"/>
+              </a:cxn>
+              <a:cxn ang="0">
+                <a:pos x="connsiteX15" y="connsiteY15"/>
+              </a:cxn>
+              <a:cxn ang="0">
+                <a:pos x="connsiteX16" y="connsiteY16"/>
+              </a:cxn>
+              <a:cxn ang="0">
+                <a:pos x="connsiteX17" y="connsiteY17"/>
+              </a:cxn>
+              <a:cxn ang="0">
+                <a:pos x="connsiteX18" y="connsiteY18"/>
+              </a:cxn>
+            </a:cxnLst>
+            <a:rect l="l" t="t" r="r" b="b"/>
+            <a:pathLst>
+              <a:path w="895349" h="354807">
+                <a:moveTo>
+                  <a:pt x="761999" y="0"/>
+                </a:moveTo>
+                <a:lnTo>
+                  <a:pt x="895349" y="0"/>
+                </a:lnTo>
+                <a:lnTo>
+                  <a:pt x="895349" y="230982"/>
+                </a:lnTo>
+                <a:lnTo>
+                  <a:pt x="785813" y="230982"/>
+                </a:lnTo>
+                <a:lnTo>
+                  <a:pt x="785813" y="258366"/>
+                </a:lnTo>
+                <a:lnTo>
+                  <a:pt x="785813" y="261939"/>
+                </a:lnTo>
+                <a:lnTo>
+                  <a:pt x="785814" y="261939"/>
+                </a:lnTo>
+                <a:lnTo>
+                  <a:pt x="785814" y="354807"/>
+                </a:lnTo>
+                <a:lnTo>
+                  <a:pt x="411956" y="354807"/>
+                </a:lnTo>
+                <a:lnTo>
+                  <a:pt x="411956" y="309564"/>
+                </a:lnTo>
+                <a:lnTo>
+                  <a:pt x="75604" y="309564"/>
+                </a:lnTo>
+                <a:lnTo>
+                  <a:pt x="75604" y="261938"/>
+                </a:lnTo>
+                <a:lnTo>
+                  <a:pt x="0" y="261938"/>
+                </a:lnTo>
+                <a:lnTo>
+                  <a:pt x="0" y="119063"/>
+                </a:lnTo>
+                <a:lnTo>
+                  <a:pt x="75604" y="119063"/>
+                </a:lnTo>
+                <a:lnTo>
+                  <a:pt x="75604" y="64294"/>
+                </a:lnTo>
+                <a:lnTo>
+                  <a:pt x="401240" y="64294"/>
+                </a:lnTo>
+                <a:lnTo>
+                  <a:pt x="401240" y="27384"/>
+                </a:lnTo>
+                <a:lnTo>
+                  <a:pt x="761999" y="27384"/>
+                </a:lnTo>
+                <a:close/>
+              </a:path>
+            </a:pathLst>
+          </a:custGeom>
+          <a:solidFill>
+            <a:srgbClr val="F8F8F8"/>
+          </a:solidFill>
+          <a:ln w="6350">
+            <a:solidFill>
+              <a:srgbClr val="505050"/>
+            </a:solidFill>
+          </a:ln>
+        </p:spPr>
+        <p:style>
+          <a:lnRef idx="2">
+            <a:schemeClr val="accent1">
+              <a:shade val="15000"/>
+            </a:schemeClr>
+          </a:lnRef>
+          <a:fillRef idx="1">
+            <a:schemeClr val="accent1"/>
+          </a:fillRef>
+          <a:effectRef idx="0">
+            <a:schemeClr val="accent1"/>
+          </a:effectRef>
+          <a:fontRef idx="minor">
+            <a:schemeClr val="lt1"/>
+          </a:fontRef>
+        </p:style>
+        <p:txBody>
+          <a:bodyPr wrap="square" rtlCol="0" anchor="ctr">
+            <a:noAutofit/>
+          </a:bodyPr>
+          <a:lstStyle/>
+          <a:p>
+            <a:pPr algn="ctr"/>
+            <a:endParaRPr kumimoji="1" lang="ja-JP" altLang="en-US"/>
+          </a:p>
+        </p:txBody>
+      </p:sp>
+      <p:sp>
+        <p:nvSpPr>
+          <p:cNvPr id="56" name="フリーフォーム: 図形 55">
+            <a:extLst>
+              <a:ext uri="{FF2B5EF4-FFF2-40B4-BE49-F238E27FC236}">
+                <a16:creationId xmlns:a16="http://schemas.microsoft.com/office/drawing/2014/main" id="{C78B2219-0AA3-403D-F031-37DB45A79A3A}"/>
+              </a:ext>
+            </a:extLst>
+          </p:cNvPr>
+          <p:cNvSpPr/>
+          <p:nvPr/>
+        </p:nvSpPr>
+        <p:spPr>
+          <a:xfrm>
+            <a:off x="3281347" y="893915"/>
+            <a:ext cx="4334476" cy="5665540"/>
+          </a:xfrm>
+          <a:custGeom>
+            <a:avLst/>
+            <a:gdLst>
+              <a:gd name="connsiteX0" fmla="*/ 1195650 w 2721768"/>
+              <a:gd name="connsiteY0" fmla="*/ 0 h 3557590"/>
+              <a:gd name="connsiteX1" fmla="*/ 1303336 w 2721768"/>
+              <a:gd name="connsiteY1" fmla="*/ 14145 h 3557590"/>
+              <a:gd name="connsiteX2" fmla="*/ 1301222 w 2721768"/>
+              <a:gd name="connsiteY2" fmla="*/ 88107 h 3557590"/>
+              <a:gd name="connsiteX3" fmla="*/ 1481137 w 2721768"/>
+              <a:gd name="connsiteY3" fmla="*/ 88107 h 3557590"/>
+              <a:gd name="connsiteX4" fmla="*/ 1481137 w 2721768"/>
+              <a:gd name="connsiteY4" fmla="*/ 233362 h 3557590"/>
+              <a:gd name="connsiteX5" fmla="*/ 2612227 w 2721768"/>
+              <a:gd name="connsiteY5" fmla="*/ 233362 h 3557590"/>
+              <a:gd name="connsiteX6" fmla="*/ 2612227 w 2721768"/>
+              <a:gd name="connsiteY6" fmla="*/ 550067 h 3557590"/>
+              <a:gd name="connsiteX7" fmla="*/ 1285873 w 2721768"/>
+              <a:gd name="connsiteY7" fmla="*/ 550067 h 3557590"/>
+              <a:gd name="connsiteX8" fmla="*/ 1285873 w 2721768"/>
+              <a:gd name="connsiteY8" fmla="*/ 773905 h 3557590"/>
+              <a:gd name="connsiteX9" fmla="*/ 1476373 w 2721768"/>
+              <a:gd name="connsiteY9" fmla="*/ 773905 h 3557590"/>
+              <a:gd name="connsiteX10" fmla="*/ 1476373 w 2721768"/>
+              <a:gd name="connsiteY10" fmla="*/ 1031080 h 3557590"/>
+              <a:gd name="connsiteX11" fmla="*/ 2395537 w 2721768"/>
+              <a:gd name="connsiteY11" fmla="*/ 1031080 h 3557590"/>
+              <a:gd name="connsiteX12" fmla="*/ 2395537 w 2721768"/>
+              <a:gd name="connsiteY12" fmla="*/ 864397 h 3557590"/>
+              <a:gd name="connsiteX13" fmla="*/ 2486024 w 2721768"/>
+              <a:gd name="connsiteY13" fmla="*/ 864397 h 3557590"/>
+              <a:gd name="connsiteX14" fmla="*/ 2486024 w 2721768"/>
+              <a:gd name="connsiteY14" fmla="*/ 1031080 h 3557590"/>
+              <a:gd name="connsiteX15" fmla="*/ 2695572 w 2721768"/>
+              <a:gd name="connsiteY15" fmla="*/ 1031080 h 3557590"/>
+              <a:gd name="connsiteX16" fmla="*/ 2695572 w 2721768"/>
+              <a:gd name="connsiteY16" fmla="*/ 1290636 h 3557590"/>
+              <a:gd name="connsiteX17" fmla="*/ 1276349 w 2721768"/>
+              <a:gd name="connsiteY17" fmla="*/ 1290636 h 3557590"/>
+              <a:gd name="connsiteX18" fmla="*/ 1276349 w 2721768"/>
+              <a:gd name="connsiteY18" fmla="*/ 1533525 h 3557590"/>
+              <a:gd name="connsiteX19" fmla="*/ 1714498 w 2721768"/>
+              <a:gd name="connsiteY19" fmla="*/ 1533525 h 3557590"/>
+              <a:gd name="connsiteX20" fmla="*/ 1714498 w 2721768"/>
+              <a:gd name="connsiteY20" fmla="*/ 1793082 h 3557590"/>
+              <a:gd name="connsiteX21" fmla="*/ 1276349 w 2721768"/>
+              <a:gd name="connsiteY21" fmla="*/ 1793082 h 3557590"/>
+              <a:gd name="connsiteX22" fmla="*/ 1276349 w 2721768"/>
+              <a:gd name="connsiteY22" fmla="*/ 1850232 h 3557590"/>
+              <a:gd name="connsiteX23" fmla="*/ 1803795 w 2721768"/>
+              <a:gd name="connsiteY23" fmla="*/ 1850232 h 3557590"/>
+              <a:gd name="connsiteX24" fmla="*/ 1803795 w 2721768"/>
+              <a:gd name="connsiteY24" fmla="*/ 1793082 h 3557590"/>
+              <a:gd name="connsiteX25" fmla="*/ 2189688 w 2721768"/>
+              <a:gd name="connsiteY25" fmla="*/ 1793082 h 3557590"/>
+              <a:gd name="connsiteX26" fmla="*/ 2189688 w 2721768"/>
+              <a:gd name="connsiteY26" fmla="*/ 1701999 h 3557590"/>
+              <a:gd name="connsiteX27" fmla="*/ 2450306 w 2721768"/>
+              <a:gd name="connsiteY27" fmla="*/ 1701999 h 3557590"/>
+              <a:gd name="connsiteX28" fmla="*/ 2450306 w 2721768"/>
+              <a:gd name="connsiteY28" fmla="*/ 1793082 h 3557590"/>
+              <a:gd name="connsiteX29" fmla="*/ 2721768 w 2721768"/>
+              <a:gd name="connsiteY29" fmla="*/ 1793082 h 3557590"/>
+              <a:gd name="connsiteX30" fmla="*/ 2721768 w 2721768"/>
+              <a:gd name="connsiteY30" fmla="*/ 1850232 h 3557590"/>
+              <a:gd name="connsiteX31" fmla="*/ 2721768 w 2721768"/>
+              <a:gd name="connsiteY31" fmla="*/ 2052639 h 3557590"/>
+              <a:gd name="connsiteX32" fmla="*/ 2721768 w 2721768"/>
+              <a:gd name="connsiteY32" fmla="*/ 2155032 h 3557590"/>
+              <a:gd name="connsiteX33" fmla="*/ 1276583 w 2721768"/>
+              <a:gd name="connsiteY33" fmla="*/ 2155032 h 3557590"/>
+              <a:gd name="connsiteX34" fmla="*/ 1337563 w 2721768"/>
+              <a:gd name="connsiteY34" fmla="*/ 2505073 h 3557590"/>
+              <a:gd name="connsiteX35" fmla="*/ 1373981 w 2721768"/>
+              <a:gd name="connsiteY35" fmla="*/ 2505073 h 3557590"/>
+              <a:gd name="connsiteX36" fmla="*/ 1373981 w 2721768"/>
+              <a:gd name="connsiteY36" fmla="*/ 2657474 h 3557590"/>
+              <a:gd name="connsiteX37" fmla="*/ 1373981 w 2721768"/>
+              <a:gd name="connsiteY37" fmla="*/ 2674142 h 3557590"/>
+              <a:gd name="connsiteX38" fmla="*/ 1502570 w 2721768"/>
+              <a:gd name="connsiteY38" fmla="*/ 2674142 h 3557590"/>
+              <a:gd name="connsiteX39" fmla="*/ 1502570 w 2721768"/>
+              <a:gd name="connsiteY39" fmla="*/ 2914652 h 3557590"/>
+              <a:gd name="connsiteX40" fmla="*/ 1596630 w 2721768"/>
+              <a:gd name="connsiteY40" fmla="*/ 2914652 h 3557590"/>
+              <a:gd name="connsiteX41" fmla="*/ 1596630 w 2721768"/>
+              <a:gd name="connsiteY41" fmla="*/ 3067052 h 3557590"/>
+              <a:gd name="connsiteX42" fmla="*/ 1502570 w 2721768"/>
+              <a:gd name="connsiteY42" fmla="*/ 3067052 h 3557590"/>
+              <a:gd name="connsiteX43" fmla="*/ 1398985 w 2721768"/>
+              <a:gd name="connsiteY43" fmla="*/ 3067052 h 3557590"/>
+              <a:gd name="connsiteX44" fmla="*/ 1373981 w 2721768"/>
+              <a:gd name="connsiteY44" fmla="*/ 3067052 h 3557590"/>
+              <a:gd name="connsiteX45" fmla="*/ 1373981 w 2721768"/>
+              <a:gd name="connsiteY45" fmla="*/ 3557590 h 3557590"/>
+              <a:gd name="connsiteX46" fmla="*/ 0 w 2721768"/>
+              <a:gd name="connsiteY46" fmla="*/ 3557590 h 3557590"/>
+              <a:gd name="connsiteX47" fmla="*/ 0 w 2721768"/>
+              <a:gd name="connsiteY47" fmla="*/ 2772965 h 3557590"/>
+              <a:gd name="connsiteX48" fmla="*/ 0 w 2721768"/>
+              <a:gd name="connsiteY48" fmla="*/ 2657474 h 3557590"/>
+              <a:gd name="connsiteX49" fmla="*/ 0 w 2721768"/>
+              <a:gd name="connsiteY49" fmla="*/ 2541983 h 3557590"/>
+              <a:gd name="connsiteX50" fmla="*/ 176209 w 2721768"/>
+              <a:gd name="connsiteY50" fmla="*/ 2541983 h 3557590"/>
+              <a:gd name="connsiteX51" fmla="*/ 176209 w 2721768"/>
+              <a:gd name="connsiteY51" fmla="*/ 2657474 h 3557590"/>
+              <a:gd name="connsiteX52" fmla="*/ 1176336 w 2721768"/>
+              <a:gd name="connsiteY52" fmla="*/ 2657474 h 3557590"/>
+              <a:gd name="connsiteX53" fmla="*/ 1176336 w 2721768"/>
+              <a:gd name="connsiteY53" fmla="*/ 2505073 h 3557590"/>
+              <a:gd name="connsiteX54" fmla="*/ 1219123 w 2721768"/>
+              <a:gd name="connsiteY54" fmla="*/ 2505073 h 3557590"/>
+              <a:gd name="connsiteX55" fmla="*/ 1158142 w 2721768"/>
+              <a:gd name="connsiteY55" fmla="*/ 2155032 h 3557590"/>
+              <a:gd name="connsiteX56" fmla="*/ 176210 w 2721768"/>
+              <a:gd name="connsiteY56" fmla="*/ 2155032 h 3557590"/>
+              <a:gd name="connsiteX57" fmla="*/ 176210 w 2721768"/>
+              <a:gd name="connsiteY57" fmla="*/ 1850232 h 3557590"/>
+              <a:gd name="connsiteX58" fmla="*/ 1159668 w 2721768"/>
+              <a:gd name="connsiteY58" fmla="*/ 1850232 h 3557590"/>
+              <a:gd name="connsiteX59" fmla="*/ 1159668 w 2721768"/>
+              <a:gd name="connsiteY59" fmla="*/ 1290636 h 3557590"/>
+              <a:gd name="connsiteX60" fmla="*/ 176210 w 2721768"/>
+              <a:gd name="connsiteY60" fmla="*/ 1290636 h 3557590"/>
+              <a:gd name="connsiteX61" fmla="*/ 176210 w 2721768"/>
+              <a:gd name="connsiteY61" fmla="*/ 1031080 h 3557590"/>
+              <a:gd name="connsiteX62" fmla="*/ 1133473 w 2721768"/>
+              <a:gd name="connsiteY62" fmla="*/ 1031080 h 3557590"/>
+              <a:gd name="connsiteX63" fmla="*/ 1133473 w 2721768"/>
+              <a:gd name="connsiteY63" fmla="*/ 550067 h 3557590"/>
+              <a:gd name="connsiteX64" fmla="*/ 200022 w 2721768"/>
+              <a:gd name="connsiteY64" fmla="*/ 550067 h 3557590"/>
+              <a:gd name="connsiteX65" fmla="*/ 200022 w 2721768"/>
+              <a:gd name="connsiteY65" fmla="*/ 233362 h 3557590"/>
+              <a:gd name="connsiteX66" fmla="*/ 1147635 w 2721768"/>
+              <a:gd name="connsiteY66" fmla="*/ 233362 h 3557590"/>
+            </a:gdLst>
+            <a:ahLst/>
+            <a:cxnLst>
+              <a:cxn ang="0">
+                <a:pos x="connsiteX0" y="connsiteY0"/>
+              </a:cxn>
+              <a:cxn ang="0">
+                <a:pos x="connsiteX1" y="connsiteY1"/>
+              </a:cxn>
+              <a:cxn ang="0">
+                <a:pos x="connsiteX2" y="connsiteY2"/>
+              </a:cxn>
+              <a:cxn ang="0">
+                <a:pos x="connsiteX3" y="connsiteY3"/>
+              </a:cxn>
+              <a:cxn ang="0">
+                <a:pos x="connsiteX4" y="connsiteY4"/>
+              </a:cxn>
+              <a:cxn ang="0">
+                <a:pos x="connsiteX5" y="connsiteY5"/>
+              </a:cxn>
+              <a:cxn ang="0">
+                <a:pos x="connsiteX6" y="connsiteY6"/>
+              </a:cxn>
+              <a:cxn ang="0">
+                <a:pos x="connsiteX7" y="connsiteY7"/>
+              </a:cxn>
+              <a:cxn ang="0">
+                <a:pos x="connsiteX8" y="connsiteY8"/>
+              </a:cxn>
+              <a:cxn ang="0">
+                <a:pos x="connsiteX9" y="connsiteY9"/>
+              </a:cxn>
+              <a:cxn ang="0">
+                <a:pos x="connsiteX10" y="connsiteY10"/>
+              </a:cxn>
+              <a:cxn ang="0">
+                <a:pos x="connsiteX11" y="connsiteY11"/>
+              </a:cxn>
+              <a:cxn ang="0">
+                <a:pos x="connsiteX12" y="connsiteY12"/>
+              </a:cxn>
+              <a:cxn ang="0">
+                <a:pos x="connsiteX13" y="connsiteY13"/>
+              </a:cxn>
+              <a:cxn ang="0">
+                <a:pos x="connsiteX14" y="connsiteY14"/>
+              </a:cxn>
+              <a:cxn ang="0">
+                <a:pos x="connsiteX15" y="connsiteY15"/>
+              </a:cxn>
+              <a:cxn ang="0">
+                <a:pos x="connsiteX16" y="connsiteY16"/>
+              </a:cxn>
+              <a:cxn ang="0">
+                <a:pos x="connsiteX17" y="connsiteY17"/>
+              </a:cxn>
+              <a:cxn ang="0">
+                <a:pos x="connsiteX18" y="connsiteY18"/>
+              </a:cxn>
+              <a:cxn ang="0">
+                <a:pos x="connsiteX19" y="connsiteY19"/>
+              </a:cxn>
+              <a:cxn ang="0">
+                <a:pos x="connsiteX20" y="connsiteY20"/>
+              </a:cxn>
+              <a:cxn ang="0">
+                <a:pos x="connsiteX21" y="connsiteY21"/>
+              </a:cxn>
+              <a:cxn ang="0">
+                <a:pos x="connsiteX22" y="connsiteY22"/>
+              </a:cxn>
+              <a:cxn ang="0">
+                <a:pos x="connsiteX23" y="connsiteY23"/>
+              </a:cxn>
+              <a:cxn ang="0">
+                <a:pos x="connsiteX24" y="connsiteY24"/>
+              </a:cxn>
+              <a:cxn ang="0">
+                <a:pos x="connsiteX25" y="connsiteY25"/>
+              </a:cxn>
+              <a:cxn ang="0">
+                <a:pos x="connsiteX26" y="connsiteY26"/>
+              </a:cxn>
+              <a:cxn ang="0">
+                <a:pos x="connsiteX27" y="connsiteY27"/>
+              </a:cxn>
+              <a:cxn ang="0">
+                <a:pos x="connsiteX28" y="connsiteY28"/>
+              </a:cxn>
+              <a:cxn ang="0">
+                <a:pos x="connsiteX29" y="connsiteY29"/>
+              </a:cxn>
+              <a:cxn ang="0">
+                <a:pos x="connsiteX30" y="connsiteY30"/>
+              </a:cxn>
+              <a:cxn ang="0">
+                <a:pos x="connsiteX31" y="connsiteY31"/>
+              </a:cxn>
+              <a:cxn ang="0">
+                <a:pos x="connsiteX32" y="connsiteY32"/>
+              </a:cxn>
+              <a:cxn ang="0">
+                <a:pos x="connsiteX33" y="connsiteY33"/>
+              </a:cxn>
+              <a:cxn ang="0">
+                <a:pos x="connsiteX34" y="connsiteY34"/>
+              </a:cxn>
+              <a:cxn ang="0">
+                <a:pos x="connsiteX35" y="connsiteY35"/>
+              </a:cxn>
+              <a:cxn ang="0">
+                <a:pos x="connsiteX36" y="connsiteY36"/>
+              </a:cxn>
+              <a:cxn ang="0">
+                <a:pos x="connsiteX37" y="connsiteY37"/>
+              </a:cxn>
+              <a:cxn ang="0">
+                <a:pos x="connsiteX38" y="connsiteY38"/>
+              </a:cxn>
+              <a:cxn ang="0">
+                <a:pos x="connsiteX39" y="connsiteY39"/>
+              </a:cxn>
+              <a:cxn ang="0">
+                <a:pos x="connsiteX40" y="connsiteY40"/>
+              </a:cxn>
+              <a:cxn ang="0">
+                <a:pos x="connsiteX41" y="connsiteY41"/>
+              </a:cxn>
+              <a:cxn ang="0">
+                <a:pos x="connsiteX42" y="connsiteY42"/>
+              </a:cxn>
+              <a:cxn ang="0">
+                <a:pos x="connsiteX43" y="connsiteY43"/>
+              </a:cxn>
+              <a:cxn ang="0">
+                <a:pos x="connsiteX44" y="connsiteY44"/>
+              </a:cxn>
+              <a:cxn ang="0">
+                <a:pos x="connsiteX45" y="connsiteY45"/>
+              </a:cxn>
+              <a:cxn ang="0">
+                <a:pos x="connsiteX46" y="connsiteY46"/>
+              </a:cxn>
+              <a:cxn ang="0">
+                <a:pos x="connsiteX47" y="connsiteY47"/>
+              </a:cxn>
+              <a:cxn ang="0">
+                <a:pos x="connsiteX48" y="connsiteY48"/>
+              </a:cxn>
+              <a:cxn ang="0">
+                <a:pos x="connsiteX49" y="connsiteY49"/>
+              </a:cxn>
+              <a:cxn ang="0">
+                <a:pos x="connsiteX50" y="connsiteY50"/>
+              </a:cxn>
+              <a:cxn ang="0">
+                <a:pos x="connsiteX51" y="connsiteY51"/>
+              </a:cxn>
+              <a:cxn ang="0">
+                <a:pos x="connsiteX52" y="connsiteY52"/>
+              </a:cxn>
+              <a:cxn ang="0">
+                <a:pos x="connsiteX53" y="connsiteY53"/>
+              </a:cxn>
+              <a:cxn ang="0">
+                <a:pos x="connsiteX54" y="connsiteY54"/>
+              </a:cxn>
+              <a:cxn ang="0">
+                <a:pos x="connsiteX55" y="connsiteY55"/>
+              </a:cxn>
+              <a:cxn ang="0">
+                <a:pos x="connsiteX56" y="connsiteY56"/>
+              </a:cxn>
+              <a:cxn ang="0">
+                <a:pos x="connsiteX57" y="connsiteY57"/>
+              </a:cxn>
+              <a:cxn ang="0">
+                <a:pos x="connsiteX58" y="connsiteY58"/>
+              </a:cxn>
+              <a:cxn ang="0">
+                <a:pos x="connsiteX59" y="connsiteY59"/>
+              </a:cxn>
+              <a:cxn ang="0">
+                <a:pos x="connsiteX60" y="connsiteY60"/>
+              </a:cxn>
+              <a:cxn ang="0">
+                <a:pos x="connsiteX61" y="connsiteY61"/>
+              </a:cxn>
+              <a:cxn ang="0">
+                <a:pos x="connsiteX62" y="connsiteY62"/>
+              </a:cxn>
+              <a:cxn ang="0">
+                <a:pos x="connsiteX63" y="connsiteY63"/>
+              </a:cxn>
+              <a:cxn ang="0">
+                <a:pos x="connsiteX64" y="connsiteY64"/>
+              </a:cxn>
+              <a:cxn ang="0">
+                <a:pos x="connsiteX65" y="connsiteY65"/>
+              </a:cxn>
+              <a:cxn ang="0">
+                <a:pos x="connsiteX66" y="connsiteY66"/>
+              </a:cxn>
+            </a:cxnLst>
+            <a:rect l="l" t="t" r="r" b="b"/>
+            <a:pathLst>
+              <a:path w="2721768" h="3557590">
+                <a:moveTo>
+                  <a:pt x="1195650" y="0"/>
+                </a:moveTo>
+                <a:lnTo>
+                  <a:pt x="1303336" y="14145"/>
+                </a:lnTo>
+                <a:lnTo>
+                  <a:pt x="1301222" y="88107"/>
+                </a:lnTo>
+                <a:lnTo>
+                  <a:pt x="1481137" y="88107"/>
+                </a:lnTo>
+                <a:lnTo>
+                  <a:pt x="1481137" y="233362"/>
+                </a:lnTo>
+                <a:lnTo>
+                  <a:pt x="2612227" y="233362"/>
+                </a:lnTo>
+                <a:lnTo>
+                  <a:pt x="2612227" y="550067"/>
+                </a:lnTo>
+                <a:lnTo>
+                  <a:pt x="1285873" y="550067"/>
+                </a:lnTo>
+                <a:lnTo>
+                  <a:pt x="1285873" y="773905"/>
+                </a:lnTo>
+                <a:lnTo>
+                  <a:pt x="1476373" y="773905"/>
+                </a:lnTo>
+                <a:lnTo>
+                  <a:pt x="1476373" y="1031080"/>
+                </a:lnTo>
+                <a:lnTo>
+                  <a:pt x="2395537" y="1031080"/>
+                </a:lnTo>
+                <a:lnTo>
+                  <a:pt x="2395537" y="864397"/>
+                </a:lnTo>
+                <a:lnTo>
+                  <a:pt x="2486024" y="864397"/>
+                </a:lnTo>
+                <a:lnTo>
+                  <a:pt x="2486024" y="1031080"/>
+                </a:lnTo>
+                <a:lnTo>
+                  <a:pt x="2695572" y="1031080"/>
+                </a:lnTo>
+                <a:lnTo>
+                  <a:pt x="2695572" y="1290636"/>
+                </a:lnTo>
+                <a:lnTo>
+                  <a:pt x="1276349" y="1290636"/>
+                </a:lnTo>
+                <a:lnTo>
+                  <a:pt x="1276349" y="1533525"/>
+                </a:lnTo>
+                <a:lnTo>
+                  <a:pt x="1714498" y="1533525"/>
+                </a:lnTo>
+                <a:lnTo>
+                  <a:pt x="1714498" y="1793082"/>
+                </a:lnTo>
+                <a:lnTo>
+                  <a:pt x="1276349" y="1793082"/>
+                </a:lnTo>
+                <a:lnTo>
+                  <a:pt x="1276349" y="1850232"/>
+                </a:lnTo>
+                <a:lnTo>
+                  <a:pt x="1803795" y="1850232"/>
+                </a:lnTo>
+                <a:lnTo>
+                  <a:pt x="1803795" y="1793082"/>
+                </a:lnTo>
+                <a:lnTo>
+                  <a:pt x="2189688" y="1793082"/>
+                </a:lnTo>
+                <a:lnTo>
+                  <a:pt x="2189688" y="1701999"/>
+                </a:lnTo>
+                <a:lnTo>
+                  <a:pt x="2450306" y="1701999"/>
+                </a:lnTo>
+                <a:lnTo>
+                  <a:pt x="2450306" y="1793082"/>
+                </a:lnTo>
+                <a:lnTo>
+                  <a:pt x="2721768" y="1793082"/>
+                </a:lnTo>
+                <a:lnTo>
+                  <a:pt x="2721768" y="1850232"/>
+                </a:lnTo>
+                <a:lnTo>
+                  <a:pt x="2721768" y="2052639"/>
+                </a:lnTo>
+                <a:lnTo>
+                  <a:pt x="2721768" y="2155032"/>
+                </a:lnTo>
+                <a:lnTo>
+                  <a:pt x="1276583" y="2155032"/>
+                </a:lnTo>
+                <a:lnTo>
+                  <a:pt x="1337563" y="2505073"/>
+                </a:lnTo>
+                <a:lnTo>
+                  <a:pt x="1373981" y="2505073"/>
+                </a:lnTo>
+                <a:lnTo>
+                  <a:pt x="1373981" y="2657474"/>
+                </a:lnTo>
+                <a:lnTo>
+                  <a:pt x="1373981" y="2674142"/>
+                </a:lnTo>
+                <a:lnTo>
+                  <a:pt x="1502570" y="2674142"/>
+                </a:lnTo>
+                <a:lnTo>
+                  <a:pt x="1502570" y="2914652"/>
+                </a:lnTo>
+                <a:lnTo>
+                  <a:pt x="1596630" y="2914652"/>
+                </a:lnTo>
+                <a:lnTo>
+                  <a:pt x="1596630" y="3067052"/>
+                </a:lnTo>
+                <a:lnTo>
+                  <a:pt x="1502570" y="3067052"/>
+                </a:lnTo>
+                <a:lnTo>
+                  <a:pt x="1398985" y="3067052"/>
+                </a:lnTo>
+                <a:lnTo>
+                  <a:pt x="1373981" y="3067052"/>
+                </a:lnTo>
+                <a:lnTo>
+                  <a:pt x="1373981" y="3557590"/>
+                </a:lnTo>
+                <a:lnTo>
+                  <a:pt x="0" y="3557590"/>
+                </a:lnTo>
+                <a:lnTo>
+                  <a:pt x="0" y="2772965"/>
+                </a:lnTo>
+                <a:lnTo>
+                  <a:pt x="0" y="2657474"/>
+                </a:lnTo>
+                <a:lnTo>
+                  <a:pt x="0" y="2541983"/>
+                </a:lnTo>
+                <a:lnTo>
+                  <a:pt x="176209" y="2541983"/>
+                </a:lnTo>
+                <a:lnTo>
+                  <a:pt x="176209" y="2657474"/>
+                </a:lnTo>
+                <a:lnTo>
+                  <a:pt x="1176336" y="2657474"/>
+                </a:lnTo>
+                <a:lnTo>
+                  <a:pt x="1176336" y="2505073"/>
+                </a:lnTo>
+                <a:lnTo>
+                  <a:pt x="1219123" y="2505073"/>
+                </a:lnTo>
+                <a:lnTo>
+                  <a:pt x="1158142" y="2155032"/>
+                </a:lnTo>
+                <a:lnTo>
+                  <a:pt x="176210" y="2155032"/>
+                </a:lnTo>
+                <a:lnTo>
+                  <a:pt x="176210" y="1850232"/>
+                </a:lnTo>
+                <a:lnTo>
+                  <a:pt x="1159668" y="1850232"/>
+                </a:lnTo>
+                <a:lnTo>
+                  <a:pt x="1159668" y="1290636"/>
+                </a:lnTo>
+                <a:lnTo>
+                  <a:pt x="176210" y="1290636"/>
+                </a:lnTo>
+                <a:lnTo>
+                  <a:pt x="176210" y="1031080"/>
+                </a:lnTo>
+                <a:lnTo>
+                  <a:pt x="1133473" y="1031080"/>
+                </a:lnTo>
+                <a:lnTo>
+                  <a:pt x="1133473" y="550067"/>
+                </a:lnTo>
+                <a:lnTo>
+                  <a:pt x="200022" y="550067"/>
+                </a:lnTo>
+                <a:lnTo>
+                  <a:pt x="200022" y="233362"/>
+                </a:lnTo>
+                <a:lnTo>
+                  <a:pt x="1147635" y="233362"/>
+                </a:lnTo>
+                <a:close/>
+              </a:path>
+            </a:pathLst>
+          </a:custGeom>
+          <a:solidFill>
+            <a:srgbClr val="F8F8F8"/>
+          </a:solidFill>
+          <a:ln w="6350">
+            <a:solidFill>
+              <a:srgbClr val="505050"/>
+            </a:solidFill>
+          </a:ln>
+        </p:spPr>
+        <p:style>
+          <a:lnRef idx="2">
+            <a:schemeClr val="accent1">
+              <a:shade val="15000"/>
+            </a:schemeClr>
+          </a:lnRef>
+          <a:fillRef idx="1">
+            <a:schemeClr val="accent1"/>
+          </a:fillRef>
+          <a:effectRef idx="0">
+            <a:schemeClr val="accent1"/>
+          </a:effectRef>
+          <a:fontRef idx="minor">
+            <a:schemeClr val="lt1"/>
+          </a:fontRef>
+        </p:style>
+        <p:txBody>
+          <a:bodyPr wrap="square" rtlCol="0" anchor="ctr">
+            <a:noAutofit/>
+          </a:bodyPr>
+          <a:lstStyle/>
+          <a:p>
+            <a:pPr algn="ctr"/>
+            <a:endParaRPr kumimoji="1" lang="ja-JP" altLang="en-US"/>
+          </a:p>
+        </p:txBody>
+      </p:sp>
+      <p:grpSp>
+        <p:nvGrpSpPr>
+          <p:cNvPr id="12" name="グループ化 11">
+            <a:extLst>
+              <a:ext uri="{FF2B5EF4-FFF2-40B4-BE49-F238E27FC236}">
+                <a16:creationId xmlns:a16="http://schemas.microsoft.com/office/drawing/2014/main" id="{DA51376D-79D3-9E4C-AED4-E9A99CF4ABA0}"/>
+              </a:ext>
+            </a:extLst>
+          </p:cNvPr>
+          <p:cNvGrpSpPr/>
+          <p:nvPr/>
+        </p:nvGrpSpPr>
+        <p:grpSpPr>
+          <a:xfrm>
+            <a:off x="6851450" y="5739532"/>
+            <a:ext cx="569332" cy="569332"/>
+            <a:chOff x="6696723" y="5857967"/>
+            <a:chExt cx="569332" cy="569332"/>
+          </a:xfrm>
+        </p:grpSpPr>
+        <p:sp>
+          <p:nvSpPr>
+            <p:cNvPr id="8" name="楕円 7">
+              <a:extLst>
+                <a:ext uri="{FF2B5EF4-FFF2-40B4-BE49-F238E27FC236}">
+                  <a16:creationId xmlns:a16="http://schemas.microsoft.com/office/drawing/2014/main" id="{2E46DA7F-C5FA-BC44-704F-D19953C151F2}"/>
+                </a:ext>
+              </a:extLst>
+            </p:cNvPr>
+            <p:cNvSpPr/>
+            <p:nvPr/>
+          </p:nvSpPr>
+          <p:spPr>
+            <a:xfrm>
+              <a:off x="6696723" y="5857967"/>
+              <a:ext cx="569332" cy="569332"/>
+            </a:xfrm>
+            <a:prstGeom prst="ellipse">
               <a:avLst/>
             </a:prstGeom>
             <a:solidFill>
@@ -5049,12 +13082,243 @@
             </a:p>
           </p:txBody>
         </p:sp>
+        <p:grpSp>
+          <p:nvGrpSpPr>
+            <p:cNvPr id="3" name="グループ化 2">
+              <a:extLst>
+                <a:ext uri="{FF2B5EF4-FFF2-40B4-BE49-F238E27FC236}">
+                  <a16:creationId xmlns:a16="http://schemas.microsoft.com/office/drawing/2014/main" id="{3F800B4C-BE27-F8F5-CBF6-31EC28534D1B}"/>
+                </a:ext>
+              </a:extLst>
+            </p:cNvPr>
+            <p:cNvGrpSpPr/>
+            <p:nvPr/>
+          </p:nvGrpSpPr>
+          <p:grpSpPr>
+            <a:xfrm>
+              <a:off x="6904752" y="5964085"/>
+              <a:ext cx="153274" cy="360356"/>
+              <a:chOff x="2993431" y="3395662"/>
+              <a:chExt cx="223838" cy="526256"/>
+            </a:xfrm>
+          </p:grpSpPr>
+          <p:sp>
+            <p:nvSpPr>
+              <p:cNvPr id="4" name="フリーフォーム: 図形 3">
+                <a:extLst>
+                  <a:ext uri="{FF2B5EF4-FFF2-40B4-BE49-F238E27FC236}">
+                    <a16:creationId xmlns:a16="http://schemas.microsoft.com/office/drawing/2014/main" id="{60644993-1A66-6642-BEBA-1B0039DE6B8B}"/>
+                  </a:ext>
+                </a:extLst>
+              </p:cNvPr>
+              <p:cNvSpPr/>
+              <p:nvPr/>
+            </p:nvSpPr>
+            <p:spPr>
+              <a:xfrm>
+                <a:off x="2993431" y="3395662"/>
+                <a:ext cx="223838" cy="526256"/>
+              </a:xfrm>
+              <a:custGeom>
+                <a:avLst/>
+                <a:gdLst>
+                  <a:gd name="connsiteX0" fmla="*/ 0 w 247650"/>
+                  <a:gd name="connsiteY0" fmla="*/ 583406 h 583406"/>
+                  <a:gd name="connsiteX1" fmla="*/ 247650 w 247650"/>
+                  <a:gd name="connsiteY1" fmla="*/ 0 h 583406"/>
+                  <a:gd name="connsiteX2" fmla="*/ 245269 w 247650"/>
+                  <a:gd name="connsiteY2" fmla="*/ 259556 h 583406"/>
+                  <a:gd name="connsiteX3" fmla="*/ 59531 w 247650"/>
+                  <a:gd name="connsiteY3" fmla="*/ 180975 h 583406"/>
+                  <a:gd name="connsiteX4" fmla="*/ 59531 w 247650"/>
+                  <a:gd name="connsiteY4" fmla="*/ 180975 h 583406"/>
+                  <a:gd name="connsiteX0" fmla="*/ 0 w 223838"/>
+                  <a:gd name="connsiteY0" fmla="*/ 526256 h 526256"/>
+                  <a:gd name="connsiteX1" fmla="*/ 223838 w 223838"/>
+                  <a:gd name="connsiteY1" fmla="*/ 0 h 526256"/>
+                  <a:gd name="connsiteX2" fmla="*/ 221457 w 223838"/>
+                  <a:gd name="connsiteY2" fmla="*/ 259556 h 526256"/>
+                  <a:gd name="connsiteX3" fmla="*/ 35719 w 223838"/>
+                  <a:gd name="connsiteY3" fmla="*/ 180975 h 526256"/>
+                  <a:gd name="connsiteX4" fmla="*/ 35719 w 223838"/>
+                  <a:gd name="connsiteY4" fmla="*/ 180975 h 526256"/>
+                </a:gdLst>
+                <a:ahLst/>
+                <a:cxnLst>
+                  <a:cxn ang="0">
+                    <a:pos x="connsiteX0" y="connsiteY0"/>
+                  </a:cxn>
+                  <a:cxn ang="0">
+                    <a:pos x="connsiteX1" y="connsiteY1"/>
+                  </a:cxn>
+                  <a:cxn ang="0">
+                    <a:pos x="connsiteX2" y="connsiteY2"/>
+                  </a:cxn>
+                  <a:cxn ang="0">
+                    <a:pos x="connsiteX3" y="connsiteY3"/>
+                  </a:cxn>
+                  <a:cxn ang="0">
+                    <a:pos x="connsiteX4" y="connsiteY4"/>
+                  </a:cxn>
+                </a:cxnLst>
+                <a:rect l="l" t="t" r="r" b="b"/>
+                <a:pathLst>
+                  <a:path w="223838" h="526256">
+                    <a:moveTo>
+                      <a:pt x="0" y="526256"/>
+                    </a:moveTo>
+                    <a:lnTo>
+                      <a:pt x="223838" y="0"/>
+                    </a:lnTo>
+                    <a:cubicBezTo>
+                      <a:pt x="223044" y="86519"/>
+                      <a:pt x="222251" y="173037"/>
+                      <a:pt x="221457" y="259556"/>
+                    </a:cubicBezTo>
+                    <a:lnTo>
+                      <a:pt x="35719" y="180975"/>
+                    </a:lnTo>
+                    <a:lnTo>
+                      <a:pt x="35719" y="180975"/>
+                    </a:lnTo>
+                  </a:path>
+                </a:pathLst>
+              </a:custGeom>
+              <a:noFill/>
+              <a:ln w="15875" cap="rnd">
+                <a:solidFill>
+                  <a:srgbClr val="505050"/>
+                </a:solidFill>
+                <a:round/>
+              </a:ln>
+            </p:spPr>
+            <p:style>
+              <a:lnRef idx="2">
+                <a:schemeClr val="accent1">
+                  <a:shade val="15000"/>
+                </a:schemeClr>
+              </a:lnRef>
+              <a:fillRef idx="1">
+                <a:schemeClr val="accent1"/>
+              </a:fillRef>
+              <a:effectRef idx="0">
+                <a:schemeClr val="accent1"/>
+              </a:effectRef>
+              <a:fontRef idx="minor">
+                <a:schemeClr val="lt1"/>
+              </a:fontRef>
+            </p:style>
+            <p:txBody>
+              <a:bodyPr rtlCol="0" anchor="ctr"/>
+              <a:lstStyle/>
+              <a:p>
+                <a:pPr algn="ctr"/>
+                <a:endParaRPr kumimoji="1" lang="ja-JP" altLang="en-US" dirty="0"/>
+              </a:p>
+            </p:txBody>
+          </p:sp>
+          <p:cxnSp>
+            <p:nvCxnSpPr>
+              <p:cNvPr id="7" name="直線コネクタ 6">
+                <a:extLst>
+                  <a:ext uri="{FF2B5EF4-FFF2-40B4-BE49-F238E27FC236}">
+                    <a16:creationId xmlns:a16="http://schemas.microsoft.com/office/drawing/2014/main" id="{BDAFCBF3-D077-13A6-84F3-C2E0534F4EFC}"/>
+                  </a:ext>
+                </a:extLst>
+              </p:cNvPr>
+              <p:cNvCxnSpPr>
+                <a:cxnSpLocks/>
+              </p:cNvCxnSpPr>
+              <p:nvPr/>
+            </p:nvCxnSpPr>
+            <p:spPr>
+              <a:xfrm>
+                <a:off x="2993431" y="3656409"/>
+                <a:ext cx="197444" cy="82154"/>
+              </a:xfrm>
+              <a:prstGeom prst="line">
+                <a:avLst/>
+              </a:prstGeom>
+              <a:ln w="15875" cap="rnd">
+                <a:solidFill>
+                  <a:srgbClr val="505050"/>
+                </a:solidFill>
+                <a:round/>
+              </a:ln>
+            </p:spPr>
+            <p:style>
+              <a:lnRef idx="1">
+                <a:schemeClr val="accent1"/>
+              </a:lnRef>
+              <a:fillRef idx="0">
+                <a:schemeClr val="accent1"/>
+              </a:fillRef>
+              <a:effectRef idx="0">
+                <a:schemeClr val="accent1"/>
+              </a:effectRef>
+              <a:fontRef idx="minor">
+                <a:schemeClr val="tx1"/>
+              </a:fontRef>
+            </p:style>
+          </p:cxnSp>
+        </p:grpSp>
+      </p:grpSp>
+    </p:spTree>
+    <p:extLst>
+      <p:ext uri="{BB962C8B-B14F-4D97-AF65-F5344CB8AC3E}">
+        <p14:creationId xmlns:p14="http://schemas.microsoft.com/office/powerpoint/2010/main" val="3189608107"/>
+      </p:ext>
+    </p:extLst>
+  </p:cSld>
+  <p:clrMapOvr>
+    <a:masterClrMapping/>
+  </p:clrMapOvr>
+</p:sld>
+</file>
+
+<file path=ppt/slides/slide5.xml><?xml version="1.0" encoding="utf-8"?>
+<p:sld xmlns:a="http://schemas.openxmlformats.org/drawingml/2006/main" xmlns:r="http://schemas.openxmlformats.org/officeDocument/2006/relationships" xmlns:p="http://schemas.openxmlformats.org/presentationml/2006/main">
+  <p:cSld>
+    <p:spTree>
+      <p:nvGrpSpPr>
+        <p:cNvPr id="1" name=""/>
+        <p:cNvGrpSpPr/>
+        <p:nvPr/>
+      </p:nvGrpSpPr>
+      <p:grpSpPr>
+        <a:xfrm>
+          <a:off x="0" y="0"/>
+          <a:ext cx="0" cy="0"/>
+          <a:chOff x="0" y="0"/>
+          <a:chExt cx="0" cy="0"/>
+        </a:xfrm>
+      </p:grpSpPr>
+      <p:grpSp>
+        <p:nvGrpSpPr>
+          <p:cNvPr id="6" name="グループ化 5">
+            <a:extLst>
+              <a:ext uri="{FF2B5EF4-FFF2-40B4-BE49-F238E27FC236}">
+                <a16:creationId xmlns:a16="http://schemas.microsoft.com/office/drawing/2014/main" id="{875EAF2E-3164-8711-EBDA-4642D2EEBA48}"/>
+              </a:ext>
+            </a:extLst>
+          </p:cNvPr>
+          <p:cNvGrpSpPr/>
+          <p:nvPr/>
+        </p:nvGrpSpPr>
+        <p:grpSpPr>
+          <a:xfrm>
+            <a:off x="3186546" y="298543"/>
+            <a:ext cx="4524086" cy="6260912"/>
+            <a:chOff x="3186546" y="298543"/>
+            <a:chExt cx="4524086" cy="6260912"/>
+          </a:xfrm>
+        </p:grpSpPr>
         <p:sp>
           <p:nvSpPr>
-            <p:cNvPr id="10" name="フリーフォーム: 図形 9">
+            <p:cNvPr id="5" name="正方形/長方形 4">
               <a:extLst>
                 <a:ext uri="{FF2B5EF4-FFF2-40B4-BE49-F238E27FC236}">
-                  <a16:creationId xmlns:a16="http://schemas.microsoft.com/office/drawing/2014/main" id="{74E41885-CAEC-1466-EB34-DA49D560B9B9}"/>
+                  <a16:creationId xmlns:a16="http://schemas.microsoft.com/office/drawing/2014/main" id="{6D44015A-8A95-1365-AF24-EC1CFECFDFE7}"/>
                 </a:ext>
               </a:extLst>
             </p:cNvPr>
@@ -5063,150 +13327,17 @@
           </p:nvSpPr>
           <p:spPr>
             <a:xfrm>
-              <a:off x="3561974" y="3117056"/>
-              <a:ext cx="1459994" cy="595313"/>
-            </a:xfrm>
-            <a:custGeom>
-              <a:avLst/>
-              <a:gdLst>
-                <a:gd name="connsiteX0" fmla="*/ 0 w 916781"/>
-                <a:gd name="connsiteY0" fmla="*/ 0 h 389334"/>
-                <a:gd name="connsiteX1" fmla="*/ 916781 w 916781"/>
-                <a:gd name="connsiteY1" fmla="*/ 0 h 389334"/>
-                <a:gd name="connsiteX2" fmla="*/ 916781 w 916781"/>
-                <a:gd name="connsiteY2" fmla="*/ 129778 h 389334"/>
-                <a:gd name="connsiteX3" fmla="*/ 916781 w 916781"/>
-                <a:gd name="connsiteY3" fmla="*/ 259556 h 389334"/>
-                <a:gd name="connsiteX4" fmla="*/ 916781 w 916781"/>
-                <a:gd name="connsiteY4" fmla="*/ 389334 h 389334"/>
-                <a:gd name="connsiteX5" fmla="*/ 295275 w 916781"/>
-                <a:gd name="connsiteY5" fmla="*/ 389334 h 389334"/>
-                <a:gd name="connsiteX6" fmla="*/ 295275 w 916781"/>
-                <a:gd name="connsiteY6" fmla="*/ 259556 h 389334"/>
-                <a:gd name="connsiteX7" fmla="*/ 0 w 916781"/>
-                <a:gd name="connsiteY7" fmla="*/ 259556 h 389334"/>
-              </a:gdLst>
-              <a:ahLst/>
-              <a:cxnLst>
-                <a:cxn ang="0">
-                  <a:pos x="connsiteX0" y="connsiteY0"/>
-                </a:cxn>
-                <a:cxn ang="0">
-                  <a:pos x="connsiteX1" y="connsiteY1"/>
-                </a:cxn>
-                <a:cxn ang="0">
-                  <a:pos x="connsiteX2" y="connsiteY2"/>
-                </a:cxn>
-                <a:cxn ang="0">
-                  <a:pos x="connsiteX3" y="connsiteY3"/>
-                </a:cxn>
-                <a:cxn ang="0">
-                  <a:pos x="connsiteX4" y="connsiteY4"/>
-                </a:cxn>
-                <a:cxn ang="0">
-                  <a:pos x="connsiteX5" y="connsiteY5"/>
-                </a:cxn>
-                <a:cxn ang="0">
-                  <a:pos x="connsiteX6" y="connsiteY6"/>
-                </a:cxn>
-                <a:cxn ang="0">
-                  <a:pos x="connsiteX7" y="connsiteY7"/>
-                </a:cxn>
-              </a:cxnLst>
-              <a:rect l="l" t="t" r="r" b="b"/>
-              <a:pathLst>
-                <a:path w="916781" h="389334">
-                  <a:moveTo>
-                    <a:pt x="0" y="0"/>
-                  </a:moveTo>
-                  <a:lnTo>
-                    <a:pt x="916781" y="0"/>
-                  </a:lnTo>
-                  <a:lnTo>
-                    <a:pt x="916781" y="129778"/>
-                  </a:lnTo>
-                  <a:lnTo>
-                    <a:pt x="916781" y="259556"/>
-                  </a:lnTo>
-                  <a:lnTo>
-                    <a:pt x="916781" y="389334"/>
-                  </a:lnTo>
-                  <a:lnTo>
-                    <a:pt x="295275" y="389334"/>
-                  </a:lnTo>
-                  <a:lnTo>
-                    <a:pt x="295275" y="259556"/>
-                  </a:lnTo>
-                  <a:lnTo>
-                    <a:pt x="0" y="259556"/>
-                  </a:lnTo>
-                  <a:close/>
-                </a:path>
-              </a:pathLst>
-            </a:custGeom>
-            <a:solidFill>
-              <a:srgbClr val="F8F8F8"/>
-            </a:solidFill>
-            <a:ln w="6350">
-              <a:solidFill>
-                <a:srgbClr val="505050"/>
-              </a:solidFill>
-            </a:ln>
-          </p:spPr>
-          <p:style>
-            <a:lnRef idx="2">
-              <a:schemeClr val="accent1">
-                <a:shade val="15000"/>
-              </a:schemeClr>
-            </a:lnRef>
-            <a:fillRef idx="1">
-              <a:schemeClr val="accent1"/>
-            </a:fillRef>
-            <a:effectRef idx="0">
-              <a:schemeClr val="accent1"/>
-            </a:effectRef>
-            <a:fontRef idx="minor">
-              <a:schemeClr val="lt1"/>
-            </a:fontRef>
-          </p:style>
-          <p:txBody>
-            <a:bodyPr wrap="square" rtlCol="0" anchor="ctr">
-              <a:noAutofit/>
-            </a:bodyPr>
-            <a:lstStyle/>
-            <a:p>
-              <a:pPr algn="ctr"/>
-              <a:endParaRPr kumimoji="1" lang="ja-JP" altLang="en-US"/>
-            </a:p>
-          </p:txBody>
-        </p:sp>
-        <p:sp>
-          <p:nvSpPr>
-            <p:cNvPr id="17" name="正方形/長方形 16">
-              <a:extLst>
-                <a:ext uri="{FF2B5EF4-FFF2-40B4-BE49-F238E27FC236}">
-                  <a16:creationId xmlns:a16="http://schemas.microsoft.com/office/drawing/2014/main" id="{2E921190-5F58-8D45-093E-F8B5ECFB005A}"/>
-                </a:ext>
-              </a:extLst>
-            </p:cNvPr>
-            <p:cNvSpPr/>
-            <p:nvPr/>
-          </p:nvSpPr>
-          <p:spPr>
-            <a:xfrm>
-              <a:off x="3626444" y="2066581"/>
-              <a:ext cx="1395525" cy="405157"/>
+              <a:off x="3186546" y="298543"/>
+              <a:ext cx="4524086" cy="6260911"/>
             </a:xfrm>
             <a:prstGeom prst="rect">
               <a:avLst/>
             </a:prstGeom>
             <a:solidFill>
-              <a:srgbClr val="F8F8F8"/>
+              <a:schemeClr val="bg1"/>
             </a:solidFill>
-            <a:ln w="6350">
-              <a:solidFill>
-                <a:srgbClr val="505050"/>
-              </a:solidFill>
+            <a:ln>
+              <a:noFill/>
             </a:ln>
           </p:spPr>
           <p:style>
@@ -6110,12 +14241,115 @@
             </a:p>
           </p:txBody>
         </p:sp>
+      </p:grpSp>
+    </p:spTree>
+    <p:extLst>
+      <p:ext uri="{BB962C8B-B14F-4D97-AF65-F5344CB8AC3E}">
+        <p14:creationId xmlns:p14="http://schemas.microsoft.com/office/powerpoint/2010/main" val="2184992078"/>
+      </p:ext>
+    </p:extLst>
+  </p:cSld>
+  <p:clrMapOvr>
+    <a:masterClrMapping/>
+  </p:clrMapOvr>
+</p:sld>
+</file>
+
+<file path=ppt/slides/slide6.xml><?xml version="1.0" encoding="utf-8"?>
+<p:sld xmlns:a="http://schemas.openxmlformats.org/drawingml/2006/main" xmlns:r="http://schemas.openxmlformats.org/officeDocument/2006/relationships" xmlns:p="http://schemas.openxmlformats.org/presentationml/2006/main">
+  <p:cSld>
+    <p:spTree>
+      <p:nvGrpSpPr>
+        <p:cNvPr id="1" name=""/>
+        <p:cNvGrpSpPr/>
+        <p:nvPr/>
+      </p:nvGrpSpPr>
+      <p:grpSpPr>
+        <a:xfrm>
+          <a:off x="0" y="0"/>
+          <a:ext cx="0" cy="0"/>
+          <a:chOff x="0" y="0"/>
+          <a:chExt cx="0" cy="0"/>
+        </a:xfrm>
+      </p:grpSpPr>
+      <p:grpSp>
+        <p:nvGrpSpPr>
+          <p:cNvPr id="6" name="グループ化 5">
+            <a:extLst>
+              <a:ext uri="{FF2B5EF4-FFF2-40B4-BE49-F238E27FC236}">
+                <a16:creationId xmlns:a16="http://schemas.microsoft.com/office/drawing/2014/main" id="{9992A891-388A-D3BF-BCE6-4529A219C052}"/>
+              </a:ext>
+            </a:extLst>
+          </p:cNvPr>
+          <p:cNvGrpSpPr/>
+          <p:nvPr/>
+        </p:nvGrpSpPr>
+        <p:grpSpPr>
+          <a:xfrm>
+            <a:off x="3186546" y="298543"/>
+            <a:ext cx="4524086" cy="6260912"/>
+            <a:chOff x="3186546" y="298543"/>
+            <a:chExt cx="4524086" cy="6260912"/>
+          </a:xfrm>
+        </p:grpSpPr>
+        <p:sp>
+          <p:nvSpPr>
+            <p:cNvPr id="5" name="正方形/長方形 4">
+              <a:extLst>
+                <a:ext uri="{FF2B5EF4-FFF2-40B4-BE49-F238E27FC236}">
+                  <a16:creationId xmlns:a16="http://schemas.microsoft.com/office/drawing/2014/main" id="{C66C09DC-D143-54A1-B57F-E9FFB29EF952}"/>
+                </a:ext>
+              </a:extLst>
+            </p:cNvPr>
+            <p:cNvSpPr/>
+            <p:nvPr/>
+          </p:nvSpPr>
+          <p:spPr>
+            <a:xfrm>
+              <a:off x="3186546" y="298543"/>
+              <a:ext cx="4524086" cy="6260911"/>
+            </a:xfrm>
+            <a:prstGeom prst="rect">
+              <a:avLst/>
+            </a:prstGeom>
+            <a:solidFill>
+              <a:schemeClr val="bg1"/>
+            </a:solidFill>
+            <a:ln>
+              <a:noFill/>
+            </a:ln>
+          </p:spPr>
+          <p:style>
+            <a:lnRef idx="2">
+              <a:schemeClr val="accent1">
+                <a:shade val="15000"/>
+              </a:schemeClr>
+            </a:lnRef>
+            <a:fillRef idx="1">
+              <a:schemeClr val="accent1"/>
+            </a:fillRef>
+            <a:effectRef idx="0">
+              <a:schemeClr val="accent1"/>
+            </a:effectRef>
+            <a:fontRef idx="minor">
+              <a:schemeClr val="lt1"/>
+            </a:fontRef>
+          </p:style>
+          <p:txBody>
+            <a:bodyPr rtlCol="0" anchor="ctr"/>
+            <a:lstStyle/>
+            <a:p>
+              <a:pPr algn="ctr"/>
+              <a:endParaRPr kumimoji="1" lang="ja-JP" altLang="en-US"/>
+            </a:p>
+          </p:txBody>
+        </p:sp>
         <p:grpSp>
           <p:nvGrpSpPr>
-            <p:cNvPr id="12" name="グループ化 11">
+            <p:cNvPr id="2" name="グループ化 1">
               <a:extLst>
                 <a:ext uri="{FF2B5EF4-FFF2-40B4-BE49-F238E27FC236}">
-                  <a16:creationId xmlns:a16="http://schemas.microsoft.com/office/drawing/2014/main" id="{DA51376D-79D3-9E4C-AED4-E9A99CF4ABA0}"/>
+                  <a16:creationId xmlns:a16="http://schemas.microsoft.com/office/drawing/2014/main" id="{884320F4-9A39-ABFF-777C-8C7D67F44377}"/>
                 </a:ext>
               </a:extLst>
             </p:cNvPr>
@@ -6124,18 +14358,18 @@
           </p:nvGrpSpPr>
           <p:grpSpPr>
             <a:xfrm>
-              <a:off x="6851450" y="5739532"/>
-              <a:ext cx="569332" cy="569332"/>
-              <a:chOff x="6696723" y="5857967"/>
-              <a:chExt cx="569332" cy="569332"/>
+              <a:off x="3281347" y="893915"/>
+              <a:ext cx="4334476" cy="5665540"/>
+              <a:chOff x="3281347" y="893915"/>
+              <a:chExt cx="4334476" cy="5665540"/>
             </a:xfrm>
           </p:grpSpPr>
           <p:sp>
             <p:nvSpPr>
-              <p:cNvPr id="8" name="楕円 7">
+              <p:cNvPr id="56" name="フリーフォーム: 図形 55">
                 <a:extLst>
                   <a:ext uri="{FF2B5EF4-FFF2-40B4-BE49-F238E27FC236}">
-                    <a16:creationId xmlns:a16="http://schemas.microsoft.com/office/drawing/2014/main" id="{2E46DA7F-C5FA-BC44-704F-D19953C151F2}"/>
+                    <a16:creationId xmlns:a16="http://schemas.microsoft.com/office/drawing/2014/main" id="{C78B2219-0AA3-403D-F031-37DB45A79A3A}"/>
                   </a:ext>
                 </a:extLst>
               </p:cNvPr>
@@ -6144,12 +14378,559 @@
             </p:nvSpPr>
             <p:spPr>
               <a:xfrm>
-                <a:off x="6696723" y="5857967"/>
-                <a:ext cx="569332" cy="569332"/>
+                <a:off x="3281347" y="893915"/>
+                <a:ext cx="4334476" cy="5665540"/>
               </a:xfrm>
-              <a:prstGeom prst="ellipse">
+              <a:custGeom>
                 <a:avLst/>
-              </a:prstGeom>
+                <a:gdLst>
+                  <a:gd name="connsiteX0" fmla="*/ 1195650 w 2721768"/>
+                  <a:gd name="connsiteY0" fmla="*/ 0 h 3557590"/>
+                  <a:gd name="connsiteX1" fmla="*/ 1303336 w 2721768"/>
+                  <a:gd name="connsiteY1" fmla="*/ 14145 h 3557590"/>
+                  <a:gd name="connsiteX2" fmla="*/ 1301222 w 2721768"/>
+                  <a:gd name="connsiteY2" fmla="*/ 88107 h 3557590"/>
+                  <a:gd name="connsiteX3" fmla="*/ 1481137 w 2721768"/>
+                  <a:gd name="connsiteY3" fmla="*/ 88107 h 3557590"/>
+                  <a:gd name="connsiteX4" fmla="*/ 1481137 w 2721768"/>
+                  <a:gd name="connsiteY4" fmla="*/ 233362 h 3557590"/>
+                  <a:gd name="connsiteX5" fmla="*/ 2612227 w 2721768"/>
+                  <a:gd name="connsiteY5" fmla="*/ 233362 h 3557590"/>
+                  <a:gd name="connsiteX6" fmla="*/ 2612227 w 2721768"/>
+                  <a:gd name="connsiteY6" fmla="*/ 550067 h 3557590"/>
+                  <a:gd name="connsiteX7" fmla="*/ 1285873 w 2721768"/>
+                  <a:gd name="connsiteY7" fmla="*/ 550067 h 3557590"/>
+                  <a:gd name="connsiteX8" fmla="*/ 1285873 w 2721768"/>
+                  <a:gd name="connsiteY8" fmla="*/ 773905 h 3557590"/>
+                  <a:gd name="connsiteX9" fmla="*/ 1476373 w 2721768"/>
+                  <a:gd name="connsiteY9" fmla="*/ 773905 h 3557590"/>
+                  <a:gd name="connsiteX10" fmla="*/ 1476373 w 2721768"/>
+                  <a:gd name="connsiteY10" fmla="*/ 1031080 h 3557590"/>
+                  <a:gd name="connsiteX11" fmla="*/ 2395537 w 2721768"/>
+                  <a:gd name="connsiteY11" fmla="*/ 1031080 h 3557590"/>
+                  <a:gd name="connsiteX12" fmla="*/ 2395537 w 2721768"/>
+                  <a:gd name="connsiteY12" fmla="*/ 864397 h 3557590"/>
+                  <a:gd name="connsiteX13" fmla="*/ 2486024 w 2721768"/>
+                  <a:gd name="connsiteY13" fmla="*/ 864397 h 3557590"/>
+                  <a:gd name="connsiteX14" fmla="*/ 2486024 w 2721768"/>
+                  <a:gd name="connsiteY14" fmla="*/ 1031080 h 3557590"/>
+                  <a:gd name="connsiteX15" fmla="*/ 2695572 w 2721768"/>
+                  <a:gd name="connsiteY15" fmla="*/ 1031080 h 3557590"/>
+                  <a:gd name="connsiteX16" fmla="*/ 2695572 w 2721768"/>
+                  <a:gd name="connsiteY16" fmla="*/ 1290636 h 3557590"/>
+                  <a:gd name="connsiteX17" fmla="*/ 1276349 w 2721768"/>
+                  <a:gd name="connsiteY17" fmla="*/ 1290636 h 3557590"/>
+                  <a:gd name="connsiteX18" fmla="*/ 1276349 w 2721768"/>
+                  <a:gd name="connsiteY18" fmla="*/ 1533525 h 3557590"/>
+                  <a:gd name="connsiteX19" fmla="*/ 1714498 w 2721768"/>
+                  <a:gd name="connsiteY19" fmla="*/ 1533525 h 3557590"/>
+                  <a:gd name="connsiteX20" fmla="*/ 1714498 w 2721768"/>
+                  <a:gd name="connsiteY20" fmla="*/ 1793082 h 3557590"/>
+                  <a:gd name="connsiteX21" fmla="*/ 1276349 w 2721768"/>
+                  <a:gd name="connsiteY21" fmla="*/ 1793082 h 3557590"/>
+                  <a:gd name="connsiteX22" fmla="*/ 1276349 w 2721768"/>
+                  <a:gd name="connsiteY22" fmla="*/ 1850232 h 3557590"/>
+                  <a:gd name="connsiteX23" fmla="*/ 1803795 w 2721768"/>
+                  <a:gd name="connsiteY23" fmla="*/ 1850232 h 3557590"/>
+                  <a:gd name="connsiteX24" fmla="*/ 1803795 w 2721768"/>
+                  <a:gd name="connsiteY24" fmla="*/ 1793082 h 3557590"/>
+                  <a:gd name="connsiteX25" fmla="*/ 2189688 w 2721768"/>
+                  <a:gd name="connsiteY25" fmla="*/ 1793082 h 3557590"/>
+                  <a:gd name="connsiteX26" fmla="*/ 2189688 w 2721768"/>
+                  <a:gd name="connsiteY26" fmla="*/ 1701999 h 3557590"/>
+                  <a:gd name="connsiteX27" fmla="*/ 2450306 w 2721768"/>
+                  <a:gd name="connsiteY27" fmla="*/ 1701999 h 3557590"/>
+                  <a:gd name="connsiteX28" fmla="*/ 2450306 w 2721768"/>
+                  <a:gd name="connsiteY28" fmla="*/ 1793082 h 3557590"/>
+                  <a:gd name="connsiteX29" fmla="*/ 2721768 w 2721768"/>
+                  <a:gd name="connsiteY29" fmla="*/ 1793082 h 3557590"/>
+                  <a:gd name="connsiteX30" fmla="*/ 2721768 w 2721768"/>
+                  <a:gd name="connsiteY30" fmla="*/ 1850232 h 3557590"/>
+                  <a:gd name="connsiteX31" fmla="*/ 2721768 w 2721768"/>
+                  <a:gd name="connsiteY31" fmla="*/ 2052639 h 3557590"/>
+                  <a:gd name="connsiteX32" fmla="*/ 2721768 w 2721768"/>
+                  <a:gd name="connsiteY32" fmla="*/ 2155032 h 3557590"/>
+                  <a:gd name="connsiteX33" fmla="*/ 1276583 w 2721768"/>
+                  <a:gd name="connsiteY33" fmla="*/ 2155032 h 3557590"/>
+                  <a:gd name="connsiteX34" fmla="*/ 1337563 w 2721768"/>
+                  <a:gd name="connsiteY34" fmla="*/ 2505073 h 3557590"/>
+                  <a:gd name="connsiteX35" fmla="*/ 1373981 w 2721768"/>
+                  <a:gd name="connsiteY35" fmla="*/ 2505073 h 3557590"/>
+                  <a:gd name="connsiteX36" fmla="*/ 1373981 w 2721768"/>
+                  <a:gd name="connsiteY36" fmla="*/ 2657474 h 3557590"/>
+                  <a:gd name="connsiteX37" fmla="*/ 1373981 w 2721768"/>
+                  <a:gd name="connsiteY37" fmla="*/ 2674142 h 3557590"/>
+                  <a:gd name="connsiteX38" fmla="*/ 1502570 w 2721768"/>
+                  <a:gd name="connsiteY38" fmla="*/ 2674142 h 3557590"/>
+                  <a:gd name="connsiteX39" fmla="*/ 1502570 w 2721768"/>
+                  <a:gd name="connsiteY39" fmla="*/ 2914652 h 3557590"/>
+                  <a:gd name="connsiteX40" fmla="*/ 1596630 w 2721768"/>
+                  <a:gd name="connsiteY40" fmla="*/ 2914652 h 3557590"/>
+                  <a:gd name="connsiteX41" fmla="*/ 1596630 w 2721768"/>
+                  <a:gd name="connsiteY41" fmla="*/ 3067052 h 3557590"/>
+                  <a:gd name="connsiteX42" fmla="*/ 1502570 w 2721768"/>
+                  <a:gd name="connsiteY42" fmla="*/ 3067052 h 3557590"/>
+                  <a:gd name="connsiteX43" fmla="*/ 1398985 w 2721768"/>
+                  <a:gd name="connsiteY43" fmla="*/ 3067052 h 3557590"/>
+                  <a:gd name="connsiteX44" fmla="*/ 1373981 w 2721768"/>
+                  <a:gd name="connsiteY44" fmla="*/ 3067052 h 3557590"/>
+                  <a:gd name="connsiteX45" fmla="*/ 1373981 w 2721768"/>
+                  <a:gd name="connsiteY45" fmla="*/ 3557590 h 3557590"/>
+                  <a:gd name="connsiteX46" fmla="*/ 0 w 2721768"/>
+                  <a:gd name="connsiteY46" fmla="*/ 3557590 h 3557590"/>
+                  <a:gd name="connsiteX47" fmla="*/ 0 w 2721768"/>
+                  <a:gd name="connsiteY47" fmla="*/ 2772965 h 3557590"/>
+                  <a:gd name="connsiteX48" fmla="*/ 0 w 2721768"/>
+                  <a:gd name="connsiteY48" fmla="*/ 2657474 h 3557590"/>
+                  <a:gd name="connsiteX49" fmla="*/ 0 w 2721768"/>
+                  <a:gd name="connsiteY49" fmla="*/ 2541983 h 3557590"/>
+                  <a:gd name="connsiteX50" fmla="*/ 176209 w 2721768"/>
+                  <a:gd name="connsiteY50" fmla="*/ 2541983 h 3557590"/>
+                  <a:gd name="connsiteX51" fmla="*/ 176209 w 2721768"/>
+                  <a:gd name="connsiteY51" fmla="*/ 2657474 h 3557590"/>
+                  <a:gd name="connsiteX52" fmla="*/ 1176336 w 2721768"/>
+                  <a:gd name="connsiteY52" fmla="*/ 2657474 h 3557590"/>
+                  <a:gd name="connsiteX53" fmla="*/ 1176336 w 2721768"/>
+                  <a:gd name="connsiteY53" fmla="*/ 2505073 h 3557590"/>
+                  <a:gd name="connsiteX54" fmla="*/ 1219123 w 2721768"/>
+                  <a:gd name="connsiteY54" fmla="*/ 2505073 h 3557590"/>
+                  <a:gd name="connsiteX55" fmla="*/ 1158142 w 2721768"/>
+                  <a:gd name="connsiteY55" fmla="*/ 2155032 h 3557590"/>
+                  <a:gd name="connsiteX56" fmla="*/ 176210 w 2721768"/>
+                  <a:gd name="connsiteY56" fmla="*/ 2155032 h 3557590"/>
+                  <a:gd name="connsiteX57" fmla="*/ 176210 w 2721768"/>
+                  <a:gd name="connsiteY57" fmla="*/ 1850232 h 3557590"/>
+                  <a:gd name="connsiteX58" fmla="*/ 1159668 w 2721768"/>
+                  <a:gd name="connsiteY58" fmla="*/ 1850232 h 3557590"/>
+                  <a:gd name="connsiteX59" fmla="*/ 1159668 w 2721768"/>
+                  <a:gd name="connsiteY59" fmla="*/ 1290636 h 3557590"/>
+                  <a:gd name="connsiteX60" fmla="*/ 176210 w 2721768"/>
+                  <a:gd name="connsiteY60" fmla="*/ 1290636 h 3557590"/>
+                  <a:gd name="connsiteX61" fmla="*/ 176210 w 2721768"/>
+                  <a:gd name="connsiteY61" fmla="*/ 1031080 h 3557590"/>
+                  <a:gd name="connsiteX62" fmla="*/ 1133473 w 2721768"/>
+                  <a:gd name="connsiteY62" fmla="*/ 1031080 h 3557590"/>
+                  <a:gd name="connsiteX63" fmla="*/ 1133473 w 2721768"/>
+                  <a:gd name="connsiteY63" fmla="*/ 550067 h 3557590"/>
+                  <a:gd name="connsiteX64" fmla="*/ 200022 w 2721768"/>
+                  <a:gd name="connsiteY64" fmla="*/ 550067 h 3557590"/>
+                  <a:gd name="connsiteX65" fmla="*/ 200022 w 2721768"/>
+                  <a:gd name="connsiteY65" fmla="*/ 233362 h 3557590"/>
+                  <a:gd name="connsiteX66" fmla="*/ 1147635 w 2721768"/>
+                  <a:gd name="connsiteY66" fmla="*/ 233362 h 3557590"/>
+                </a:gdLst>
+                <a:ahLst/>
+                <a:cxnLst>
+                  <a:cxn ang="0">
+                    <a:pos x="connsiteX0" y="connsiteY0"/>
+                  </a:cxn>
+                  <a:cxn ang="0">
+                    <a:pos x="connsiteX1" y="connsiteY1"/>
+                  </a:cxn>
+                  <a:cxn ang="0">
+                    <a:pos x="connsiteX2" y="connsiteY2"/>
+                  </a:cxn>
+                  <a:cxn ang="0">
+                    <a:pos x="connsiteX3" y="connsiteY3"/>
+                  </a:cxn>
+                  <a:cxn ang="0">
+                    <a:pos x="connsiteX4" y="connsiteY4"/>
+                  </a:cxn>
+                  <a:cxn ang="0">
+                    <a:pos x="connsiteX5" y="connsiteY5"/>
+                  </a:cxn>
+                  <a:cxn ang="0">
+                    <a:pos x="connsiteX6" y="connsiteY6"/>
+                  </a:cxn>
+                  <a:cxn ang="0">
+                    <a:pos x="connsiteX7" y="connsiteY7"/>
+                  </a:cxn>
+                  <a:cxn ang="0">
+                    <a:pos x="connsiteX8" y="connsiteY8"/>
+                  </a:cxn>
+                  <a:cxn ang="0">
+                    <a:pos x="connsiteX9" y="connsiteY9"/>
+                  </a:cxn>
+                  <a:cxn ang="0">
+                    <a:pos x="connsiteX10" y="connsiteY10"/>
+                  </a:cxn>
+                  <a:cxn ang="0">
+                    <a:pos x="connsiteX11" y="connsiteY11"/>
+                  </a:cxn>
+                  <a:cxn ang="0">
+                    <a:pos x="connsiteX12" y="connsiteY12"/>
+                  </a:cxn>
+                  <a:cxn ang="0">
+                    <a:pos x="connsiteX13" y="connsiteY13"/>
+                  </a:cxn>
+                  <a:cxn ang="0">
+                    <a:pos x="connsiteX14" y="connsiteY14"/>
+                  </a:cxn>
+                  <a:cxn ang="0">
+                    <a:pos x="connsiteX15" y="connsiteY15"/>
+                  </a:cxn>
+                  <a:cxn ang="0">
+                    <a:pos x="connsiteX16" y="connsiteY16"/>
+                  </a:cxn>
+                  <a:cxn ang="0">
+                    <a:pos x="connsiteX17" y="connsiteY17"/>
+                  </a:cxn>
+                  <a:cxn ang="0">
+                    <a:pos x="connsiteX18" y="connsiteY18"/>
+                  </a:cxn>
+                  <a:cxn ang="0">
+                    <a:pos x="connsiteX19" y="connsiteY19"/>
+                  </a:cxn>
+                  <a:cxn ang="0">
+                    <a:pos x="connsiteX20" y="connsiteY20"/>
+                  </a:cxn>
+                  <a:cxn ang="0">
+                    <a:pos x="connsiteX21" y="connsiteY21"/>
+                  </a:cxn>
+                  <a:cxn ang="0">
+                    <a:pos x="connsiteX22" y="connsiteY22"/>
+                  </a:cxn>
+                  <a:cxn ang="0">
+                    <a:pos x="connsiteX23" y="connsiteY23"/>
+                  </a:cxn>
+                  <a:cxn ang="0">
+                    <a:pos x="connsiteX24" y="connsiteY24"/>
+                  </a:cxn>
+                  <a:cxn ang="0">
+                    <a:pos x="connsiteX25" y="connsiteY25"/>
+                  </a:cxn>
+                  <a:cxn ang="0">
+                    <a:pos x="connsiteX26" y="connsiteY26"/>
+                  </a:cxn>
+                  <a:cxn ang="0">
+                    <a:pos x="connsiteX27" y="connsiteY27"/>
+                  </a:cxn>
+                  <a:cxn ang="0">
+                    <a:pos x="connsiteX28" y="connsiteY28"/>
+                  </a:cxn>
+                  <a:cxn ang="0">
+                    <a:pos x="connsiteX29" y="connsiteY29"/>
+                  </a:cxn>
+                  <a:cxn ang="0">
+                    <a:pos x="connsiteX30" y="connsiteY30"/>
+                  </a:cxn>
+                  <a:cxn ang="0">
+                    <a:pos x="connsiteX31" y="connsiteY31"/>
+                  </a:cxn>
+                  <a:cxn ang="0">
+                    <a:pos x="connsiteX32" y="connsiteY32"/>
+                  </a:cxn>
+                  <a:cxn ang="0">
+                    <a:pos x="connsiteX33" y="connsiteY33"/>
+                  </a:cxn>
+                  <a:cxn ang="0">
+                    <a:pos x="connsiteX34" y="connsiteY34"/>
+                  </a:cxn>
+                  <a:cxn ang="0">
+                    <a:pos x="connsiteX35" y="connsiteY35"/>
+                  </a:cxn>
+                  <a:cxn ang="0">
+                    <a:pos x="connsiteX36" y="connsiteY36"/>
+                  </a:cxn>
+                  <a:cxn ang="0">
+                    <a:pos x="connsiteX37" y="connsiteY37"/>
+                  </a:cxn>
+                  <a:cxn ang="0">
+                    <a:pos x="connsiteX38" y="connsiteY38"/>
+                  </a:cxn>
+                  <a:cxn ang="0">
+                    <a:pos x="connsiteX39" y="connsiteY39"/>
+                  </a:cxn>
+                  <a:cxn ang="0">
+                    <a:pos x="connsiteX40" y="connsiteY40"/>
+                  </a:cxn>
+                  <a:cxn ang="0">
+                    <a:pos x="connsiteX41" y="connsiteY41"/>
+                  </a:cxn>
+                  <a:cxn ang="0">
+                    <a:pos x="connsiteX42" y="connsiteY42"/>
+                  </a:cxn>
+                  <a:cxn ang="0">
+                    <a:pos x="connsiteX43" y="connsiteY43"/>
+                  </a:cxn>
+                  <a:cxn ang="0">
+                    <a:pos x="connsiteX44" y="connsiteY44"/>
+                  </a:cxn>
+                  <a:cxn ang="0">
+                    <a:pos x="connsiteX45" y="connsiteY45"/>
+                  </a:cxn>
+                  <a:cxn ang="0">
+                    <a:pos x="connsiteX46" y="connsiteY46"/>
+                  </a:cxn>
+                  <a:cxn ang="0">
+                    <a:pos x="connsiteX47" y="connsiteY47"/>
+                  </a:cxn>
+                  <a:cxn ang="0">
+                    <a:pos x="connsiteX48" y="connsiteY48"/>
+                  </a:cxn>
+                  <a:cxn ang="0">
+                    <a:pos x="connsiteX49" y="connsiteY49"/>
+                  </a:cxn>
+                  <a:cxn ang="0">
+                    <a:pos x="connsiteX50" y="connsiteY50"/>
+                  </a:cxn>
+                  <a:cxn ang="0">
+                    <a:pos x="connsiteX51" y="connsiteY51"/>
+                  </a:cxn>
+                  <a:cxn ang="0">
+                    <a:pos x="connsiteX52" y="connsiteY52"/>
+                  </a:cxn>
+                  <a:cxn ang="0">
+                    <a:pos x="connsiteX53" y="connsiteY53"/>
+                  </a:cxn>
+                  <a:cxn ang="0">
+                    <a:pos x="connsiteX54" y="connsiteY54"/>
+                  </a:cxn>
+                  <a:cxn ang="0">
+                    <a:pos x="connsiteX55" y="connsiteY55"/>
+                  </a:cxn>
+                  <a:cxn ang="0">
+                    <a:pos x="connsiteX56" y="connsiteY56"/>
+                  </a:cxn>
+                  <a:cxn ang="0">
+                    <a:pos x="connsiteX57" y="connsiteY57"/>
+                  </a:cxn>
+                  <a:cxn ang="0">
+                    <a:pos x="connsiteX58" y="connsiteY58"/>
+                  </a:cxn>
+                  <a:cxn ang="0">
+                    <a:pos x="connsiteX59" y="connsiteY59"/>
+                  </a:cxn>
+                  <a:cxn ang="0">
+                    <a:pos x="connsiteX60" y="connsiteY60"/>
+                  </a:cxn>
+                  <a:cxn ang="0">
+                    <a:pos x="connsiteX61" y="connsiteY61"/>
+                  </a:cxn>
+                  <a:cxn ang="0">
+                    <a:pos x="connsiteX62" y="connsiteY62"/>
+                  </a:cxn>
+                  <a:cxn ang="0">
+                    <a:pos x="connsiteX63" y="connsiteY63"/>
+                  </a:cxn>
+                  <a:cxn ang="0">
+                    <a:pos x="connsiteX64" y="connsiteY64"/>
+                  </a:cxn>
+                  <a:cxn ang="0">
+                    <a:pos x="connsiteX65" y="connsiteY65"/>
+                  </a:cxn>
+                  <a:cxn ang="0">
+                    <a:pos x="connsiteX66" y="connsiteY66"/>
+                  </a:cxn>
+                </a:cxnLst>
+                <a:rect l="l" t="t" r="r" b="b"/>
+                <a:pathLst>
+                  <a:path w="2721768" h="3557590">
+                    <a:moveTo>
+                      <a:pt x="1195650" y="0"/>
+                    </a:moveTo>
+                    <a:lnTo>
+                      <a:pt x="1303336" y="14145"/>
+                    </a:lnTo>
+                    <a:lnTo>
+                      <a:pt x="1301222" y="88107"/>
+                    </a:lnTo>
+                    <a:lnTo>
+                      <a:pt x="1481137" y="88107"/>
+                    </a:lnTo>
+                    <a:lnTo>
+                      <a:pt x="1481137" y="233362"/>
+                    </a:lnTo>
+                    <a:lnTo>
+                      <a:pt x="2612227" y="233362"/>
+                    </a:lnTo>
+                    <a:lnTo>
+                      <a:pt x="2612227" y="550067"/>
+                    </a:lnTo>
+                    <a:lnTo>
+                      <a:pt x="1285873" y="550067"/>
+                    </a:lnTo>
+                    <a:lnTo>
+                      <a:pt x="1285873" y="773905"/>
+                    </a:lnTo>
+                    <a:lnTo>
+                      <a:pt x="1476373" y="773905"/>
+                    </a:lnTo>
+                    <a:lnTo>
+                      <a:pt x="1476373" y="1031080"/>
+                    </a:lnTo>
+                    <a:lnTo>
+                      <a:pt x="2395537" y="1031080"/>
+                    </a:lnTo>
+                    <a:lnTo>
+                      <a:pt x="2395537" y="864397"/>
+                    </a:lnTo>
+                    <a:lnTo>
+                      <a:pt x="2486024" y="864397"/>
+                    </a:lnTo>
+                    <a:lnTo>
+                      <a:pt x="2486024" y="1031080"/>
+                    </a:lnTo>
+                    <a:lnTo>
+                      <a:pt x="2695572" y="1031080"/>
+                    </a:lnTo>
+                    <a:lnTo>
+                      <a:pt x="2695572" y="1290636"/>
+                    </a:lnTo>
+                    <a:lnTo>
+                      <a:pt x="1276349" y="1290636"/>
+                    </a:lnTo>
+                    <a:lnTo>
+                      <a:pt x="1276349" y="1533525"/>
+                    </a:lnTo>
+                    <a:lnTo>
+                      <a:pt x="1714498" y="1533525"/>
+                    </a:lnTo>
+                    <a:lnTo>
+                      <a:pt x="1714498" y="1793082"/>
+                    </a:lnTo>
+                    <a:lnTo>
+                      <a:pt x="1276349" y="1793082"/>
+                    </a:lnTo>
+                    <a:lnTo>
+                      <a:pt x="1276349" y="1850232"/>
+                    </a:lnTo>
+                    <a:lnTo>
+                      <a:pt x="1803795" y="1850232"/>
+                    </a:lnTo>
+                    <a:lnTo>
+                      <a:pt x="1803795" y="1793082"/>
+                    </a:lnTo>
+                    <a:lnTo>
+                      <a:pt x="2189688" y="1793082"/>
+                    </a:lnTo>
+                    <a:lnTo>
+                      <a:pt x="2189688" y="1701999"/>
+                    </a:lnTo>
+                    <a:lnTo>
+                      <a:pt x="2450306" y="1701999"/>
+                    </a:lnTo>
+                    <a:lnTo>
+                      <a:pt x="2450306" y="1793082"/>
+                    </a:lnTo>
+                    <a:lnTo>
+                      <a:pt x="2721768" y="1793082"/>
+                    </a:lnTo>
+                    <a:lnTo>
+                      <a:pt x="2721768" y="1850232"/>
+                    </a:lnTo>
+                    <a:lnTo>
+                      <a:pt x="2721768" y="2052639"/>
+                    </a:lnTo>
+                    <a:lnTo>
+                      <a:pt x="2721768" y="2155032"/>
+                    </a:lnTo>
+                    <a:lnTo>
+                      <a:pt x="1276583" y="2155032"/>
+                    </a:lnTo>
+                    <a:lnTo>
+                      <a:pt x="1337563" y="2505073"/>
+                    </a:lnTo>
+                    <a:lnTo>
+                      <a:pt x="1373981" y="2505073"/>
+                    </a:lnTo>
+                    <a:lnTo>
+                      <a:pt x="1373981" y="2657474"/>
+                    </a:lnTo>
+                    <a:lnTo>
+                      <a:pt x="1373981" y="2674142"/>
+                    </a:lnTo>
+                    <a:lnTo>
+                      <a:pt x="1502570" y="2674142"/>
+                    </a:lnTo>
+                    <a:lnTo>
+                      <a:pt x="1502570" y="2914652"/>
+                    </a:lnTo>
+                    <a:lnTo>
+                      <a:pt x="1596630" y="2914652"/>
+                    </a:lnTo>
+                    <a:lnTo>
+                      <a:pt x="1596630" y="3067052"/>
+                    </a:lnTo>
+                    <a:lnTo>
+                      <a:pt x="1502570" y="3067052"/>
+                    </a:lnTo>
+                    <a:lnTo>
+                      <a:pt x="1398985" y="3067052"/>
+                    </a:lnTo>
+                    <a:lnTo>
+                      <a:pt x="1373981" y="3067052"/>
+                    </a:lnTo>
+                    <a:lnTo>
+                      <a:pt x="1373981" y="3557590"/>
+                    </a:lnTo>
+                    <a:lnTo>
+                      <a:pt x="0" y="3557590"/>
+                    </a:lnTo>
+                    <a:lnTo>
+                      <a:pt x="0" y="2772965"/>
+                    </a:lnTo>
+                    <a:lnTo>
+                      <a:pt x="0" y="2657474"/>
+                    </a:lnTo>
+                    <a:lnTo>
+                      <a:pt x="0" y="2541983"/>
+                    </a:lnTo>
+                    <a:lnTo>
+                      <a:pt x="176209" y="2541983"/>
+                    </a:lnTo>
+                    <a:lnTo>
+                      <a:pt x="176209" y="2657474"/>
+                    </a:lnTo>
+                    <a:lnTo>
+                      <a:pt x="1176336" y="2657474"/>
+                    </a:lnTo>
+                    <a:lnTo>
+                      <a:pt x="1176336" y="2505073"/>
+                    </a:lnTo>
+                    <a:lnTo>
+                      <a:pt x="1219123" y="2505073"/>
+                    </a:lnTo>
+                    <a:lnTo>
+                      <a:pt x="1158142" y="2155032"/>
+                    </a:lnTo>
+                    <a:lnTo>
+                      <a:pt x="176210" y="2155032"/>
+                    </a:lnTo>
+                    <a:lnTo>
+                      <a:pt x="176210" y="1850232"/>
+                    </a:lnTo>
+                    <a:lnTo>
+                      <a:pt x="1159668" y="1850232"/>
+                    </a:lnTo>
+                    <a:lnTo>
+                      <a:pt x="1159668" y="1290636"/>
+                    </a:lnTo>
+                    <a:lnTo>
+                      <a:pt x="176210" y="1290636"/>
+                    </a:lnTo>
+                    <a:lnTo>
+                      <a:pt x="176210" y="1031080"/>
+                    </a:lnTo>
+                    <a:lnTo>
+                      <a:pt x="1133473" y="1031080"/>
+                    </a:lnTo>
+                    <a:lnTo>
+                      <a:pt x="1133473" y="550067"/>
+                    </a:lnTo>
+                    <a:lnTo>
+                      <a:pt x="200022" y="550067"/>
+                    </a:lnTo>
+                    <a:lnTo>
+                      <a:pt x="200022" y="233362"/>
+                    </a:lnTo>
+                    <a:lnTo>
+                      <a:pt x="1147635" y="233362"/>
+                    </a:lnTo>
+                    <a:close/>
+                  </a:path>
+                </a:pathLst>
+              </a:custGeom>
               <a:solidFill>
                 <a:srgbClr val="F8F8F8"/>
               </a:solidFill>
@@ -6176,7 +14957,9 @@
               </a:fontRef>
             </p:style>
             <p:txBody>
-              <a:bodyPr rtlCol="0" anchor="ctr"/>
+              <a:bodyPr wrap="square" rtlCol="0" anchor="ctr">
+                <a:noAutofit/>
+              </a:bodyPr>
               <a:lstStyle/>
               <a:p>
                 <a:pPr algn="ctr"/>
@@ -6186,10 +14969,10 @@
           </p:sp>
           <p:grpSp>
             <p:nvGrpSpPr>
-              <p:cNvPr id="3" name="グループ化 2">
+              <p:cNvPr id="12" name="グループ化 11">
                 <a:extLst>
                   <a:ext uri="{FF2B5EF4-FFF2-40B4-BE49-F238E27FC236}">
-                    <a16:creationId xmlns:a16="http://schemas.microsoft.com/office/drawing/2014/main" id="{3F800B4C-BE27-F8F5-CBF6-31EC28534D1B}"/>
+                    <a16:creationId xmlns:a16="http://schemas.microsoft.com/office/drawing/2014/main" id="{DA51376D-79D3-9E4C-AED4-E9A99CF4ABA0}"/>
                   </a:ext>
                 </a:extLst>
               </p:cNvPr>
@@ -6198,18 +14981,18 @@
             </p:nvGrpSpPr>
             <p:grpSpPr>
               <a:xfrm>
-                <a:off x="6904752" y="5964085"/>
-                <a:ext cx="153274" cy="360356"/>
-                <a:chOff x="2993431" y="3395662"/>
-                <a:chExt cx="223838" cy="526256"/>
+                <a:off x="6851450" y="5739532"/>
+                <a:ext cx="569332" cy="569332"/>
+                <a:chOff x="6696723" y="5857967"/>
+                <a:chExt cx="569332" cy="569332"/>
               </a:xfrm>
             </p:grpSpPr>
             <p:sp>
               <p:nvSpPr>
-                <p:cNvPr id="4" name="フリーフォーム: 図形 3">
+                <p:cNvPr id="8" name="楕円 7">
                   <a:extLst>
                     <a:ext uri="{FF2B5EF4-FFF2-40B4-BE49-F238E27FC236}">
-                      <a16:creationId xmlns:a16="http://schemas.microsoft.com/office/drawing/2014/main" id="{60644993-1A66-6642-BEBA-1B0039DE6B8B}"/>
+                      <a16:creationId xmlns:a16="http://schemas.microsoft.com/office/drawing/2014/main" id="{2E46DA7F-C5FA-BC44-704F-D19953C151F2}"/>
                     </a:ext>
                   </a:extLst>
                 </p:cNvPr>
@@ -6218,80 +15001,19 @@
               </p:nvSpPr>
               <p:spPr>
                 <a:xfrm>
-                  <a:off x="2993431" y="3395662"/>
-                  <a:ext cx="223838" cy="526256"/>
+                  <a:off x="6696723" y="5857967"/>
+                  <a:ext cx="569332" cy="569332"/>
                 </a:xfrm>
-                <a:custGeom>
+                <a:prstGeom prst="ellipse">
                   <a:avLst/>
-                  <a:gdLst>
-                    <a:gd name="connsiteX0" fmla="*/ 0 w 247650"/>
-                    <a:gd name="connsiteY0" fmla="*/ 583406 h 583406"/>
-                    <a:gd name="connsiteX1" fmla="*/ 247650 w 247650"/>
-                    <a:gd name="connsiteY1" fmla="*/ 0 h 583406"/>
-                    <a:gd name="connsiteX2" fmla="*/ 245269 w 247650"/>
-                    <a:gd name="connsiteY2" fmla="*/ 259556 h 583406"/>
-                    <a:gd name="connsiteX3" fmla="*/ 59531 w 247650"/>
-                    <a:gd name="connsiteY3" fmla="*/ 180975 h 583406"/>
-                    <a:gd name="connsiteX4" fmla="*/ 59531 w 247650"/>
-                    <a:gd name="connsiteY4" fmla="*/ 180975 h 583406"/>
-                    <a:gd name="connsiteX0" fmla="*/ 0 w 223838"/>
-                    <a:gd name="connsiteY0" fmla="*/ 526256 h 526256"/>
-                    <a:gd name="connsiteX1" fmla="*/ 223838 w 223838"/>
-                    <a:gd name="connsiteY1" fmla="*/ 0 h 526256"/>
-                    <a:gd name="connsiteX2" fmla="*/ 221457 w 223838"/>
-                    <a:gd name="connsiteY2" fmla="*/ 259556 h 526256"/>
-                    <a:gd name="connsiteX3" fmla="*/ 35719 w 223838"/>
-                    <a:gd name="connsiteY3" fmla="*/ 180975 h 526256"/>
-                    <a:gd name="connsiteX4" fmla="*/ 35719 w 223838"/>
-                    <a:gd name="connsiteY4" fmla="*/ 180975 h 526256"/>
-                  </a:gdLst>
-                  <a:ahLst/>
-                  <a:cxnLst>
-                    <a:cxn ang="0">
-                      <a:pos x="connsiteX0" y="connsiteY0"/>
-                    </a:cxn>
-                    <a:cxn ang="0">
-                      <a:pos x="connsiteX1" y="connsiteY1"/>
-                    </a:cxn>
-                    <a:cxn ang="0">
-                      <a:pos x="connsiteX2" y="connsiteY2"/>
-                    </a:cxn>
-                    <a:cxn ang="0">
-                      <a:pos x="connsiteX3" y="connsiteY3"/>
-                    </a:cxn>
-                    <a:cxn ang="0">
-                      <a:pos x="connsiteX4" y="connsiteY4"/>
-                    </a:cxn>
-                  </a:cxnLst>
-                  <a:rect l="l" t="t" r="r" b="b"/>
-                  <a:pathLst>
-                    <a:path w="223838" h="526256">
-                      <a:moveTo>
-                        <a:pt x="0" y="526256"/>
-                      </a:moveTo>
-                      <a:lnTo>
-                        <a:pt x="223838" y="0"/>
-                      </a:lnTo>
-                      <a:cubicBezTo>
-                        <a:pt x="223044" y="86519"/>
-                        <a:pt x="222251" y="173037"/>
-                        <a:pt x="221457" y="259556"/>
-                      </a:cubicBezTo>
-                      <a:lnTo>
-                        <a:pt x="35719" y="180975"/>
-                      </a:lnTo>
-                      <a:lnTo>
-                        <a:pt x="35719" y="180975"/>
-                      </a:lnTo>
-                    </a:path>
-                  </a:pathLst>
-                </a:custGeom>
-                <a:noFill/>
-                <a:ln w="15875" cap="rnd">
+                </a:prstGeom>
+                <a:solidFill>
+                  <a:srgbClr val="F8F8F8"/>
+                </a:solidFill>
+                <a:ln w="6350">
                   <a:solidFill>
                     <a:srgbClr val="505050"/>
                   </a:solidFill>
-                  <a:round/>
                 </a:ln>
               </p:spPr>
               <p:style>
@@ -6315,61 +15037,197 @@
                 <a:lstStyle/>
                 <a:p>
                   <a:pPr algn="ctr"/>
-                  <a:endParaRPr kumimoji="1" lang="ja-JP" altLang="en-US" dirty="0"/>
+                  <a:endParaRPr kumimoji="1" lang="ja-JP" altLang="en-US"/>
                 </a:p>
               </p:txBody>
             </p:sp>
-            <p:cxnSp>
-              <p:nvCxnSpPr>
-                <p:cNvPr id="7" name="直線コネクタ 6">
+            <p:grpSp>
+              <p:nvGrpSpPr>
+                <p:cNvPr id="3" name="グループ化 2">
                   <a:extLst>
                     <a:ext uri="{FF2B5EF4-FFF2-40B4-BE49-F238E27FC236}">
-                      <a16:creationId xmlns:a16="http://schemas.microsoft.com/office/drawing/2014/main" id="{BDAFCBF3-D077-13A6-84F3-C2E0534F4EFC}"/>
+                      <a16:creationId xmlns:a16="http://schemas.microsoft.com/office/drawing/2014/main" id="{3F800B4C-BE27-F8F5-CBF6-31EC28534D1B}"/>
                     </a:ext>
                   </a:extLst>
                 </p:cNvPr>
-                <p:cNvCxnSpPr>
-                  <a:cxnSpLocks/>
-                </p:cNvCxnSpPr>
+                <p:cNvGrpSpPr/>
                 <p:nvPr/>
-              </p:nvCxnSpPr>
-              <p:spPr>
+              </p:nvGrpSpPr>
+              <p:grpSpPr>
                 <a:xfrm>
-                  <a:off x="2993431" y="3656409"/>
-                  <a:ext cx="197444" cy="82154"/>
+                  <a:off x="6904752" y="5964085"/>
+                  <a:ext cx="153274" cy="360356"/>
+                  <a:chOff x="2993431" y="3395662"/>
+                  <a:chExt cx="223838" cy="526256"/>
                 </a:xfrm>
-                <a:prstGeom prst="line">
-                  <a:avLst/>
-                </a:prstGeom>
-                <a:ln w="15875" cap="rnd">
-                  <a:solidFill>
-                    <a:srgbClr val="505050"/>
-                  </a:solidFill>
-                  <a:round/>
-                </a:ln>
-              </p:spPr>
-              <p:style>
-                <a:lnRef idx="1">
-                  <a:schemeClr val="accent1"/>
-                </a:lnRef>
-                <a:fillRef idx="0">
-                  <a:schemeClr val="accent1"/>
-                </a:fillRef>
-                <a:effectRef idx="0">
-                  <a:schemeClr val="accent1"/>
-                </a:effectRef>
-                <a:fontRef idx="minor">
-                  <a:schemeClr val="tx1"/>
-                </a:fontRef>
-              </p:style>
-            </p:cxnSp>
+              </p:grpSpPr>
+              <p:sp>
+                <p:nvSpPr>
+                  <p:cNvPr id="4" name="フリーフォーム: 図形 3">
+                    <a:extLst>
+                      <a:ext uri="{FF2B5EF4-FFF2-40B4-BE49-F238E27FC236}">
+                        <a16:creationId xmlns:a16="http://schemas.microsoft.com/office/drawing/2014/main" id="{60644993-1A66-6642-BEBA-1B0039DE6B8B}"/>
+                      </a:ext>
+                    </a:extLst>
+                  </p:cNvPr>
+                  <p:cNvSpPr/>
+                  <p:nvPr/>
+                </p:nvSpPr>
+                <p:spPr>
+                  <a:xfrm>
+                    <a:off x="2993431" y="3395662"/>
+                    <a:ext cx="223838" cy="526256"/>
+                  </a:xfrm>
+                  <a:custGeom>
+                    <a:avLst/>
+                    <a:gdLst>
+                      <a:gd name="connsiteX0" fmla="*/ 0 w 247650"/>
+                      <a:gd name="connsiteY0" fmla="*/ 583406 h 583406"/>
+                      <a:gd name="connsiteX1" fmla="*/ 247650 w 247650"/>
+                      <a:gd name="connsiteY1" fmla="*/ 0 h 583406"/>
+                      <a:gd name="connsiteX2" fmla="*/ 245269 w 247650"/>
+                      <a:gd name="connsiteY2" fmla="*/ 259556 h 583406"/>
+                      <a:gd name="connsiteX3" fmla="*/ 59531 w 247650"/>
+                      <a:gd name="connsiteY3" fmla="*/ 180975 h 583406"/>
+                      <a:gd name="connsiteX4" fmla="*/ 59531 w 247650"/>
+                      <a:gd name="connsiteY4" fmla="*/ 180975 h 583406"/>
+                      <a:gd name="connsiteX0" fmla="*/ 0 w 223838"/>
+                      <a:gd name="connsiteY0" fmla="*/ 526256 h 526256"/>
+                      <a:gd name="connsiteX1" fmla="*/ 223838 w 223838"/>
+                      <a:gd name="connsiteY1" fmla="*/ 0 h 526256"/>
+                      <a:gd name="connsiteX2" fmla="*/ 221457 w 223838"/>
+                      <a:gd name="connsiteY2" fmla="*/ 259556 h 526256"/>
+                      <a:gd name="connsiteX3" fmla="*/ 35719 w 223838"/>
+                      <a:gd name="connsiteY3" fmla="*/ 180975 h 526256"/>
+                      <a:gd name="connsiteX4" fmla="*/ 35719 w 223838"/>
+                      <a:gd name="connsiteY4" fmla="*/ 180975 h 526256"/>
+                    </a:gdLst>
+                    <a:ahLst/>
+                    <a:cxnLst>
+                      <a:cxn ang="0">
+                        <a:pos x="connsiteX0" y="connsiteY0"/>
+                      </a:cxn>
+                      <a:cxn ang="0">
+                        <a:pos x="connsiteX1" y="connsiteY1"/>
+                      </a:cxn>
+                      <a:cxn ang="0">
+                        <a:pos x="connsiteX2" y="connsiteY2"/>
+                      </a:cxn>
+                      <a:cxn ang="0">
+                        <a:pos x="connsiteX3" y="connsiteY3"/>
+                      </a:cxn>
+                      <a:cxn ang="0">
+                        <a:pos x="connsiteX4" y="connsiteY4"/>
+                      </a:cxn>
+                    </a:cxnLst>
+                    <a:rect l="l" t="t" r="r" b="b"/>
+                    <a:pathLst>
+                      <a:path w="223838" h="526256">
+                        <a:moveTo>
+                          <a:pt x="0" y="526256"/>
+                        </a:moveTo>
+                        <a:lnTo>
+                          <a:pt x="223838" y="0"/>
+                        </a:lnTo>
+                        <a:cubicBezTo>
+                          <a:pt x="223044" y="86519"/>
+                          <a:pt x="222251" y="173037"/>
+                          <a:pt x="221457" y="259556"/>
+                        </a:cubicBezTo>
+                        <a:lnTo>
+                          <a:pt x="35719" y="180975"/>
+                        </a:lnTo>
+                        <a:lnTo>
+                          <a:pt x="35719" y="180975"/>
+                        </a:lnTo>
+                      </a:path>
+                    </a:pathLst>
+                  </a:custGeom>
+                  <a:noFill/>
+                  <a:ln w="15875" cap="rnd">
+                    <a:solidFill>
+                      <a:srgbClr val="505050"/>
+                    </a:solidFill>
+                    <a:round/>
+                  </a:ln>
+                </p:spPr>
+                <p:style>
+                  <a:lnRef idx="2">
+                    <a:schemeClr val="accent1">
+                      <a:shade val="15000"/>
+                    </a:schemeClr>
+                  </a:lnRef>
+                  <a:fillRef idx="1">
+                    <a:schemeClr val="accent1"/>
+                  </a:fillRef>
+                  <a:effectRef idx="0">
+                    <a:schemeClr val="accent1"/>
+                  </a:effectRef>
+                  <a:fontRef idx="minor">
+                    <a:schemeClr val="lt1"/>
+                  </a:fontRef>
+                </p:style>
+                <p:txBody>
+                  <a:bodyPr rtlCol="0" anchor="ctr"/>
+                  <a:lstStyle/>
+                  <a:p>
+                    <a:pPr algn="ctr"/>
+                    <a:endParaRPr kumimoji="1" lang="ja-JP" altLang="en-US" dirty="0"/>
+                  </a:p>
+                </p:txBody>
+              </p:sp>
+              <p:cxnSp>
+                <p:nvCxnSpPr>
+                  <p:cNvPr id="7" name="直線コネクタ 6">
+                    <a:extLst>
+                      <a:ext uri="{FF2B5EF4-FFF2-40B4-BE49-F238E27FC236}">
+                        <a16:creationId xmlns:a16="http://schemas.microsoft.com/office/drawing/2014/main" id="{BDAFCBF3-D077-13A6-84F3-C2E0534F4EFC}"/>
+                      </a:ext>
+                    </a:extLst>
+                  </p:cNvPr>
+                  <p:cNvCxnSpPr>
+                    <a:cxnSpLocks/>
+                  </p:cNvCxnSpPr>
+                  <p:nvPr/>
+                </p:nvCxnSpPr>
+                <p:spPr>
+                  <a:xfrm>
+                    <a:off x="2993431" y="3656409"/>
+                    <a:ext cx="197444" cy="82154"/>
+                  </a:xfrm>
+                  <a:prstGeom prst="line">
+                    <a:avLst/>
+                  </a:prstGeom>
+                  <a:ln w="15875" cap="rnd">
+                    <a:solidFill>
+                      <a:srgbClr val="505050"/>
+                    </a:solidFill>
+                    <a:round/>
+                  </a:ln>
+                </p:spPr>
+                <p:style>
+                  <a:lnRef idx="1">
+                    <a:schemeClr val="accent1"/>
+                  </a:lnRef>
+                  <a:fillRef idx="0">
+                    <a:schemeClr val="accent1"/>
+                  </a:fillRef>
+                  <a:effectRef idx="0">
+                    <a:schemeClr val="accent1"/>
+                  </a:effectRef>
+                  <a:fontRef idx="minor">
+                    <a:schemeClr val="tx1"/>
+                  </a:fontRef>
+                </p:style>
+              </p:cxnSp>
+            </p:grpSp>
           </p:grpSp>
         </p:grpSp>
       </p:grpSp>
     </p:spTree>
     <p:extLst>
       <p:ext uri="{BB962C8B-B14F-4D97-AF65-F5344CB8AC3E}">
-        <p14:creationId xmlns:p14="http://schemas.microsoft.com/office/powerpoint/2010/main" val="3189608107"/>
+        <p14:creationId xmlns:p14="http://schemas.microsoft.com/office/powerpoint/2010/main" val="2397047645"/>
       </p:ext>
     </p:extLst>
   </p:cSld>

--- a/2d/main.pptx
+++ b/2d/main.pptx
@@ -6,11 +6,12 @@
   </p:sldMasterIdLst>
   <p:sldIdLst>
     <p:sldId id="256" r:id="rId2"/>
-    <p:sldId id="260" r:id="rId3"/>
-    <p:sldId id="262" r:id="rId4"/>
-    <p:sldId id="257" r:id="rId5"/>
-    <p:sldId id="258" r:id="rId6"/>
-    <p:sldId id="259" r:id="rId7"/>
+    <p:sldId id="263" r:id="rId3"/>
+    <p:sldId id="260" r:id="rId4"/>
+    <p:sldId id="262" r:id="rId5"/>
+    <p:sldId id="257" r:id="rId6"/>
+    <p:sldId id="258" r:id="rId7"/>
+    <p:sldId id="259" r:id="rId8"/>
   </p:sldIdLst>
   <p:sldSz cx="12192000" cy="6858000"/>
   <p:notesSz cx="6858000" cy="9144000"/>
@@ -4954,6 +4955,330 @@
           </p:style>
         </p:cxnSp>
       </p:grpSp>
+      <p:sp>
+        <p:nvSpPr>
+          <p:cNvPr id="2" name="正方形/長方形 1">
+            <a:extLst>
+              <a:ext uri="{FF2B5EF4-FFF2-40B4-BE49-F238E27FC236}">
+                <a16:creationId xmlns:a16="http://schemas.microsoft.com/office/drawing/2014/main" id="{0E79E0BA-946C-50BC-CA1E-5ABFD4115C75}"/>
+              </a:ext>
+            </a:extLst>
+          </p:cNvPr>
+          <p:cNvSpPr/>
+          <p:nvPr/>
+        </p:nvSpPr>
+        <p:spPr>
+          <a:xfrm>
+            <a:off x="1856432" y="883920"/>
+            <a:ext cx="6017568" cy="99533"/>
+          </a:xfrm>
+          <a:prstGeom prst="rect">
+            <a:avLst/>
+          </a:prstGeom>
+          <a:solidFill>
+            <a:schemeClr val="bg1">
+              <a:lumMod val="75000"/>
+            </a:schemeClr>
+          </a:solidFill>
+          <a:ln>
+            <a:noFill/>
+          </a:ln>
+        </p:spPr>
+        <p:style>
+          <a:lnRef idx="2">
+            <a:schemeClr val="accent1">
+              <a:shade val="15000"/>
+            </a:schemeClr>
+          </a:lnRef>
+          <a:fillRef idx="1">
+            <a:schemeClr val="accent1"/>
+          </a:fillRef>
+          <a:effectRef idx="0">
+            <a:schemeClr val="accent1"/>
+          </a:effectRef>
+          <a:fontRef idx="minor">
+            <a:schemeClr val="lt1"/>
+          </a:fontRef>
+        </p:style>
+        <p:txBody>
+          <a:bodyPr rtlCol="0" anchor="ctr"/>
+          <a:lstStyle/>
+          <a:p>
+            <a:pPr algn="ctr"/>
+            <a:endParaRPr kumimoji="1" lang="ja-JP" altLang="en-US"/>
+          </a:p>
+        </p:txBody>
+      </p:sp>
+      <p:sp>
+        <p:nvSpPr>
+          <p:cNvPr id="3" name="正方形/長方形 2">
+            <a:extLst>
+              <a:ext uri="{FF2B5EF4-FFF2-40B4-BE49-F238E27FC236}">
+                <a16:creationId xmlns:a16="http://schemas.microsoft.com/office/drawing/2014/main" id="{386D90B9-D8EC-0C9C-9551-96DAFE727D97}"/>
+              </a:ext>
+            </a:extLst>
+          </p:cNvPr>
+          <p:cNvSpPr/>
+          <p:nvPr/>
+        </p:nvSpPr>
+        <p:spPr>
+          <a:xfrm rot="16200000">
+            <a:off x="282897" y="3014662"/>
+            <a:ext cx="6198392" cy="169067"/>
+          </a:xfrm>
+          <a:prstGeom prst="rect">
+            <a:avLst/>
+          </a:prstGeom>
+          <a:solidFill>
+            <a:schemeClr val="bg1">
+              <a:lumMod val="75000"/>
+            </a:schemeClr>
+          </a:solidFill>
+          <a:ln>
+            <a:noFill/>
+          </a:ln>
+        </p:spPr>
+        <p:style>
+          <a:lnRef idx="2">
+            <a:schemeClr val="accent1">
+              <a:shade val="15000"/>
+            </a:schemeClr>
+          </a:lnRef>
+          <a:fillRef idx="1">
+            <a:schemeClr val="accent1"/>
+          </a:fillRef>
+          <a:effectRef idx="0">
+            <a:schemeClr val="accent1"/>
+          </a:effectRef>
+          <a:fontRef idx="minor">
+            <a:schemeClr val="lt1"/>
+          </a:fontRef>
+        </p:style>
+        <p:txBody>
+          <a:bodyPr rtlCol="0" anchor="ctr"/>
+          <a:lstStyle/>
+          <a:p>
+            <a:pPr algn="ctr"/>
+            <a:endParaRPr kumimoji="1" lang="ja-JP" altLang="en-US"/>
+          </a:p>
+        </p:txBody>
+      </p:sp>
+      <p:sp>
+        <p:nvSpPr>
+          <p:cNvPr id="4" name="正方形/長方形 3">
+            <a:extLst>
+              <a:ext uri="{FF2B5EF4-FFF2-40B4-BE49-F238E27FC236}">
+                <a16:creationId xmlns:a16="http://schemas.microsoft.com/office/drawing/2014/main" id="{43522A1E-7FE8-F736-1DAD-50CC2465A14C}"/>
+              </a:ext>
+            </a:extLst>
+          </p:cNvPr>
+          <p:cNvSpPr/>
+          <p:nvPr/>
+        </p:nvSpPr>
+        <p:spPr>
+          <a:xfrm>
+            <a:off x="1856432" y="3275109"/>
+            <a:ext cx="1501131" cy="45719"/>
+          </a:xfrm>
+          <a:prstGeom prst="rect">
+            <a:avLst/>
+          </a:prstGeom>
+          <a:solidFill>
+            <a:schemeClr val="bg1">
+              <a:lumMod val="75000"/>
+            </a:schemeClr>
+          </a:solidFill>
+          <a:ln>
+            <a:noFill/>
+          </a:ln>
+        </p:spPr>
+        <p:style>
+          <a:lnRef idx="2">
+            <a:schemeClr val="accent1">
+              <a:shade val="15000"/>
+            </a:schemeClr>
+          </a:lnRef>
+          <a:fillRef idx="1">
+            <a:schemeClr val="accent1"/>
+          </a:fillRef>
+          <a:effectRef idx="0">
+            <a:schemeClr val="accent1"/>
+          </a:effectRef>
+          <a:fontRef idx="minor">
+            <a:schemeClr val="lt1"/>
+          </a:fontRef>
+        </p:style>
+        <p:txBody>
+          <a:bodyPr rtlCol="0" anchor="ctr"/>
+          <a:lstStyle/>
+          <a:p>
+            <a:pPr algn="ctr"/>
+            <a:endParaRPr kumimoji="1" lang="ja-JP" altLang="en-US"/>
+          </a:p>
+        </p:txBody>
+      </p:sp>
+      <p:sp>
+        <p:nvSpPr>
+          <p:cNvPr id="7" name="正方形/長方形 6">
+            <a:extLst>
+              <a:ext uri="{FF2B5EF4-FFF2-40B4-BE49-F238E27FC236}">
+                <a16:creationId xmlns:a16="http://schemas.microsoft.com/office/drawing/2014/main" id="{B714AF57-B94F-3386-F982-3C0631A4BF45}"/>
+              </a:ext>
+            </a:extLst>
+          </p:cNvPr>
+          <p:cNvSpPr/>
+          <p:nvPr/>
+        </p:nvSpPr>
+        <p:spPr>
+          <a:xfrm rot="16200000">
+            <a:off x="1336470" y="2052524"/>
+            <a:ext cx="2391186" cy="53975"/>
+          </a:xfrm>
+          <a:prstGeom prst="rect">
+            <a:avLst/>
+          </a:prstGeom>
+          <a:solidFill>
+            <a:schemeClr val="bg1">
+              <a:lumMod val="75000"/>
+            </a:schemeClr>
+          </a:solidFill>
+          <a:ln>
+            <a:noFill/>
+          </a:ln>
+        </p:spPr>
+        <p:style>
+          <a:lnRef idx="2">
+            <a:schemeClr val="accent1">
+              <a:shade val="15000"/>
+            </a:schemeClr>
+          </a:lnRef>
+          <a:fillRef idx="1">
+            <a:schemeClr val="accent1"/>
+          </a:fillRef>
+          <a:effectRef idx="0">
+            <a:schemeClr val="accent1"/>
+          </a:effectRef>
+          <a:fontRef idx="minor">
+            <a:schemeClr val="lt1"/>
+          </a:fontRef>
+        </p:style>
+        <p:txBody>
+          <a:bodyPr rtlCol="0" anchor="ctr"/>
+          <a:lstStyle/>
+          <a:p>
+            <a:pPr algn="ctr"/>
+            <a:endParaRPr kumimoji="1" lang="ja-JP" altLang="en-US"/>
+          </a:p>
+        </p:txBody>
+      </p:sp>
+      <p:sp>
+        <p:nvSpPr>
+          <p:cNvPr id="8" name="正方形/長方形 7">
+            <a:extLst>
+              <a:ext uri="{FF2B5EF4-FFF2-40B4-BE49-F238E27FC236}">
+                <a16:creationId xmlns:a16="http://schemas.microsoft.com/office/drawing/2014/main" id="{16FD0BD9-A4F5-3DE6-C987-B29A8F06E6C3}"/>
+              </a:ext>
+            </a:extLst>
+          </p:cNvPr>
+          <p:cNvSpPr/>
+          <p:nvPr/>
+        </p:nvSpPr>
+        <p:spPr>
+          <a:xfrm rot="16200000">
+            <a:off x="5719558" y="-360734"/>
+            <a:ext cx="2391186" cy="297181"/>
+          </a:xfrm>
+          <a:prstGeom prst="rect">
+            <a:avLst/>
+          </a:prstGeom>
+          <a:solidFill>
+            <a:schemeClr val="bg1">
+              <a:lumMod val="75000"/>
+            </a:schemeClr>
+          </a:solidFill>
+          <a:ln>
+            <a:noFill/>
+          </a:ln>
+        </p:spPr>
+        <p:style>
+          <a:lnRef idx="2">
+            <a:schemeClr val="accent1">
+              <a:shade val="15000"/>
+            </a:schemeClr>
+          </a:lnRef>
+          <a:fillRef idx="1">
+            <a:schemeClr val="accent1"/>
+          </a:fillRef>
+          <a:effectRef idx="0">
+            <a:schemeClr val="accent1"/>
+          </a:effectRef>
+          <a:fontRef idx="minor">
+            <a:schemeClr val="lt1"/>
+          </a:fontRef>
+        </p:style>
+        <p:txBody>
+          <a:bodyPr rtlCol="0" anchor="ctr"/>
+          <a:lstStyle/>
+          <a:p>
+            <a:pPr algn="ctr"/>
+            <a:endParaRPr kumimoji="1" lang="ja-JP" altLang="en-US"/>
+          </a:p>
+        </p:txBody>
+      </p:sp>
+      <p:sp>
+        <p:nvSpPr>
+          <p:cNvPr id="9" name="正方形/長方形 8">
+            <a:extLst>
+              <a:ext uri="{FF2B5EF4-FFF2-40B4-BE49-F238E27FC236}">
+                <a16:creationId xmlns:a16="http://schemas.microsoft.com/office/drawing/2014/main" id="{96E9ED7A-6F0A-FBC6-F683-1E2FFD1363C5}"/>
+              </a:ext>
+            </a:extLst>
+          </p:cNvPr>
+          <p:cNvSpPr/>
+          <p:nvPr/>
+        </p:nvSpPr>
+        <p:spPr>
+          <a:xfrm>
+            <a:off x="1856432" y="5692696"/>
+            <a:ext cx="5567988" cy="146129"/>
+          </a:xfrm>
+          <a:prstGeom prst="rect">
+            <a:avLst/>
+          </a:prstGeom>
+          <a:solidFill>
+            <a:schemeClr val="bg1">
+              <a:lumMod val="75000"/>
+            </a:schemeClr>
+          </a:solidFill>
+          <a:ln>
+            <a:noFill/>
+          </a:ln>
+        </p:spPr>
+        <p:style>
+          <a:lnRef idx="2">
+            <a:schemeClr val="accent1">
+              <a:shade val="15000"/>
+            </a:schemeClr>
+          </a:lnRef>
+          <a:fillRef idx="1">
+            <a:schemeClr val="accent1"/>
+          </a:fillRef>
+          <a:effectRef idx="0">
+            <a:schemeClr val="accent1"/>
+          </a:effectRef>
+          <a:fontRef idx="minor">
+            <a:schemeClr val="lt1"/>
+          </a:fontRef>
+        </p:style>
+        <p:txBody>
+          <a:bodyPr rtlCol="0" anchor="ctr"/>
+          <a:lstStyle/>
+          <a:p>
+            <a:pPr algn="ctr"/>
+            <a:endParaRPr kumimoji="1" lang="ja-JP" altLang="en-US"/>
+          </a:p>
+        </p:txBody>
+      </p:sp>
     </p:spTree>
     <p:extLst>
       <p:ext uri="{BB962C8B-B14F-4D97-AF65-F5344CB8AC3E}">
@@ -4968,6 +5293,2218 @@
 </file>
 
 <file path=ppt/slides/slide2.xml><?xml version="1.0" encoding="utf-8"?>
+<p:sld xmlns:a="http://schemas.openxmlformats.org/drawingml/2006/main" xmlns:r="http://schemas.openxmlformats.org/officeDocument/2006/relationships" xmlns:p="http://schemas.openxmlformats.org/presentationml/2006/main">
+  <p:cSld>
+    <p:spTree>
+      <p:nvGrpSpPr>
+        <p:cNvPr id="1" name=""/>
+        <p:cNvGrpSpPr/>
+        <p:nvPr/>
+      </p:nvGrpSpPr>
+      <p:grpSpPr>
+        <a:xfrm>
+          <a:off x="0" y="0"/>
+          <a:ext cx="0" cy="0"/>
+          <a:chOff x="0" y="0"/>
+          <a:chExt cx="0" cy="0"/>
+        </a:xfrm>
+      </p:grpSpPr>
+      <p:sp>
+        <p:nvSpPr>
+          <p:cNvPr id="44" name="フリーフォーム: 図形 43">
+            <a:extLst>
+              <a:ext uri="{FF2B5EF4-FFF2-40B4-BE49-F238E27FC236}">
+                <a16:creationId xmlns:a16="http://schemas.microsoft.com/office/drawing/2014/main" id="{CB287E0D-2D54-4BC9-62D4-0541FAFB7B3C}"/>
+              </a:ext>
+            </a:extLst>
+          </p:cNvPr>
+          <p:cNvSpPr/>
+          <p:nvPr/>
+        </p:nvSpPr>
+        <p:spPr>
+          <a:xfrm rot="5400000">
+            <a:off x="1914418" y="1507583"/>
+            <a:ext cx="5732852" cy="3735205"/>
+          </a:xfrm>
+          <a:custGeom>
+            <a:avLst/>
+            <a:gdLst>
+              <a:gd name="connsiteX0" fmla="*/ 0 w 5732852"/>
+              <a:gd name="connsiteY0" fmla="*/ 4002736 h 4002736"/>
+              <a:gd name="connsiteX1" fmla="*/ 0 w 5732852"/>
+              <a:gd name="connsiteY1" fmla="*/ 0 h 4002736"/>
+              <a:gd name="connsiteX2" fmla="*/ 267527 w 5732852"/>
+              <a:gd name="connsiteY2" fmla="*/ 0 h 4002736"/>
+              <a:gd name="connsiteX3" fmla="*/ 1824868 w 5732852"/>
+              <a:gd name="connsiteY3" fmla="*/ 0 h 4002736"/>
+              <a:gd name="connsiteX4" fmla="*/ 5015744 w 5732852"/>
+              <a:gd name="connsiteY4" fmla="*/ 0 h 4002736"/>
+              <a:gd name="connsiteX5" fmla="*/ 5465321 w 5732852"/>
+              <a:gd name="connsiteY5" fmla="*/ 0 h 4002736"/>
+              <a:gd name="connsiteX6" fmla="*/ 5732852 w 5732852"/>
+              <a:gd name="connsiteY6" fmla="*/ 0 h 4002736"/>
+              <a:gd name="connsiteX7" fmla="*/ 5732852 w 5732852"/>
+              <a:gd name="connsiteY7" fmla="*/ 4002736 h 4002736"/>
+              <a:gd name="connsiteX8" fmla="*/ 5015744 w 5732852"/>
+              <a:gd name="connsiteY8" fmla="*/ 4002736 h 4002736"/>
+              <a:gd name="connsiteX9" fmla="*/ 5015744 w 5732852"/>
+              <a:gd name="connsiteY9" fmla="*/ 4002735 h 4002736"/>
+              <a:gd name="connsiteX10" fmla="*/ 1824868 w 5732852"/>
+              <a:gd name="connsiteY10" fmla="*/ 4002735 h 4002736"/>
+              <a:gd name="connsiteX11" fmla="*/ 1824868 w 5732852"/>
+              <a:gd name="connsiteY11" fmla="*/ 4002736 h 4002736"/>
+            </a:gdLst>
+            <a:ahLst/>
+            <a:cxnLst>
+              <a:cxn ang="0">
+                <a:pos x="connsiteX0" y="connsiteY0"/>
+              </a:cxn>
+              <a:cxn ang="0">
+                <a:pos x="connsiteX1" y="connsiteY1"/>
+              </a:cxn>
+              <a:cxn ang="0">
+                <a:pos x="connsiteX2" y="connsiteY2"/>
+              </a:cxn>
+              <a:cxn ang="0">
+                <a:pos x="connsiteX3" y="connsiteY3"/>
+              </a:cxn>
+              <a:cxn ang="0">
+                <a:pos x="connsiteX4" y="connsiteY4"/>
+              </a:cxn>
+              <a:cxn ang="0">
+                <a:pos x="connsiteX5" y="connsiteY5"/>
+              </a:cxn>
+              <a:cxn ang="0">
+                <a:pos x="connsiteX6" y="connsiteY6"/>
+              </a:cxn>
+              <a:cxn ang="0">
+                <a:pos x="connsiteX7" y="connsiteY7"/>
+              </a:cxn>
+              <a:cxn ang="0">
+                <a:pos x="connsiteX8" y="connsiteY8"/>
+              </a:cxn>
+              <a:cxn ang="0">
+                <a:pos x="connsiteX9" y="connsiteY9"/>
+              </a:cxn>
+              <a:cxn ang="0">
+                <a:pos x="connsiteX10" y="connsiteY10"/>
+              </a:cxn>
+              <a:cxn ang="0">
+                <a:pos x="connsiteX11" y="connsiteY11"/>
+              </a:cxn>
+            </a:cxnLst>
+            <a:rect l="l" t="t" r="r" b="b"/>
+            <a:pathLst>
+              <a:path w="5732852" h="4002736">
+                <a:moveTo>
+                  <a:pt x="0" y="4002736"/>
+                </a:moveTo>
+                <a:lnTo>
+                  <a:pt x="0" y="0"/>
+                </a:lnTo>
+                <a:lnTo>
+                  <a:pt x="267527" y="0"/>
+                </a:lnTo>
+                <a:lnTo>
+                  <a:pt x="1824868" y="0"/>
+                </a:lnTo>
+                <a:lnTo>
+                  <a:pt x="5015744" y="0"/>
+                </a:lnTo>
+                <a:lnTo>
+                  <a:pt x="5465321" y="0"/>
+                </a:lnTo>
+                <a:lnTo>
+                  <a:pt x="5732852" y="0"/>
+                </a:lnTo>
+                <a:lnTo>
+                  <a:pt x="5732852" y="4002736"/>
+                </a:lnTo>
+                <a:lnTo>
+                  <a:pt x="5015744" y="4002736"/>
+                </a:lnTo>
+                <a:lnTo>
+                  <a:pt x="5015744" y="4002735"/>
+                </a:lnTo>
+                <a:lnTo>
+                  <a:pt x="1824868" y="4002735"/>
+                </a:lnTo>
+                <a:lnTo>
+                  <a:pt x="1824868" y="4002736"/>
+                </a:lnTo>
+                <a:close/>
+              </a:path>
+            </a:pathLst>
+          </a:custGeom>
+          <a:solidFill>
+            <a:srgbClr val="EEEEEE"/>
+          </a:solidFill>
+          <a:ln>
+            <a:noFill/>
+          </a:ln>
+        </p:spPr>
+        <p:style>
+          <a:lnRef idx="2">
+            <a:schemeClr val="accent1">
+              <a:shade val="15000"/>
+            </a:schemeClr>
+          </a:lnRef>
+          <a:fillRef idx="1">
+            <a:schemeClr val="accent1"/>
+          </a:fillRef>
+          <a:effectRef idx="0">
+            <a:schemeClr val="accent1"/>
+          </a:effectRef>
+          <a:fontRef idx="minor">
+            <a:schemeClr val="lt1"/>
+          </a:fontRef>
+        </p:style>
+        <p:txBody>
+          <a:bodyPr wrap="square" rtlCol="0" anchor="ctr">
+            <a:noAutofit/>
+          </a:bodyPr>
+          <a:lstStyle/>
+          <a:p>
+            <a:pPr algn="ctr"/>
+            <a:endParaRPr kumimoji="1" lang="ja-JP" altLang="en-US"/>
+          </a:p>
+        </p:txBody>
+      </p:sp>
+      <p:sp>
+        <p:nvSpPr>
+          <p:cNvPr id="46" name="フリーフォーム: 図形 45">
+            <a:extLst>
+              <a:ext uri="{FF2B5EF4-FFF2-40B4-BE49-F238E27FC236}">
+                <a16:creationId xmlns:a16="http://schemas.microsoft.com/office/drawing/2014/main" id="{371AEC0D-DE07-15A0-169C-EC30886B9E74}"/>
+              </a:ext>
+            </a:extLst>
+          </p:cNvPr>
+          <p:cNvSpPr/>
+          <p:nvPr/>
+        </p:nvSpPr>
+        <p:spPr>
+          <a:xfrm rot="5400000">
+            <a:off x="2605721" y="1712280"/>
+            <a:ext cx="4821553" cy="3263897"/>
+          </a:xfrm>
+          <a:custGeom>
+            <a:avLst/>
+            <a:gdLst>
+              <a:gd name="connsiteX0" fmla="*/ 0 w 5732852"/>
+              <a:gd name="connsiteY0" fmla="*/ 4002736 h 4002736"/>
+              <a:gd name="connsiteX1" fmla="*/ 0 w 5732852"/>
+              <a:gd name="connsiteY1" fmla="*/ 0 h 4002736"/>
+              <a:gd name="connsiteX2" fmla="*/ 267527 w 5732852"/>
+              <a:gd name="connsiteY2" fmla="*/ 0 h 4002736"/>
+              <a:gd name="connsiteX3" fmla="*/ 1824868 w 5732852"/>
+              <a:gd name="connsiteY3" fmla="*/ 0 h 4002736"/>
+              <a:gd name="connsiteX4" fmla="*/ 5015744 w 5732852"/>
+              <a:gd name="connsiteY4" fmla="*/ 0 h 4002736"/>
+              <a:gd name="connsiteX5" fmla="*/ 5465321 w 5732852"/>
+              <a:gd name="connsiteY5" fmla="*/ 0 h 4002736"/>
+              <a:gd name="connsiteX6" fmla="*/ 5732852 w 5732852"/>
+              <a:gd name="connsiteY6" fmla="*/ 0 h 4002736"/>
+              <a:gd name="connsiteX7" fmla="*/ 5732852 w 5732852"/>
+              <a:gd name="connsiteY7" fmla="*/ 4002736 h 4002736"/>
+              <a:gd name="connsiteX8" fmla="*/ 5015744 w 5732852"/>
+              <a:gd name="connsiteY8" fmla="*/ 4002736 h 4002736"/>
+              <a:gd name="connsiteX9" fmla="*/ 5015744 w 5732852"/>
+              <a:gd name="connsiteY9" fmla="*/ 4002735 h 4002736"/>
+              <a:gd name="connsiteX10" fmla="*/ 1824868 w 5732852"/>
+              <a:gd name="connsiteY10" fmla="*/ 4002735 h 4002736"/>
+              <a:gd name="connsiteX11" fmla="*/ 1824868 w 5732852"/>
+              <a:gd name="connsiteY11" fmla="*/ 4002736 h 4002736"/>
+            </a:gdLst>
+            <a:ahLst/>
+            <a:cxnLst>
+              <a:cxn ang="0">
+                <a:pos x="connsiteX0" y="connsiteY0"/>
+              </a:cxn>
+              <a:cxn ang="0">
+                <a:pos x="connsiteX1" y="connsiteY1"/>
+              </a:cxn>
+              <a:cxn ang="0">
+                <a:pos x="connsiteX2" y="connsiteY2"/>
+              </a:cxn>
+              <a:cxn ang="0">
+                <a:pos x="connsiteX3" y="connsiteY3"/>
+              </a:cxn>
+              <a:cxn ang="0">
+                <a:pos x="connsiteX4" y="connsiteY4"/>
+              </a:cxn>
+              <a:cxn ang="0">
+                <a:pos x="connsiteX5" y="connsiteY5"/>
+              </a:cxn>
+              <a:cxn ang="0">
+                <a:pos x="connsiteX6" y="connsiteY6"/>
+              </a:cxn>
+              <a:cxn ang="0">
+                <a:pos x="connsiteX7" y="connsiteY7"/>
+              </a:cxn>
+              <a:cxn ang="0">
+                <a:pos x="connsiteX8" y="connsiteY8"/>
+              </a:cxn>
+              <a:cxn ang="0">
+                <a:pos x="connsiteX9" y="connsiteY9"/>
+              </a:cxn>
+              <a:cxn ang="0">
+                <a:pos x="connsiteX10" y="connsiteY10"/>
+              </a:cxn>
+              <a:cxn ang="0">
+                <a:pos x="connsiteX11" y="connsiteY11"/>
+              </a:cxn>
+            </a:cxnLst>
+            <a:rect l="l" t="t" r="r" b="b"/>
+            <a:pathLst>
+              <a:path w="5732852" h="4002736">
+                <a:moveTo>
+                  <a:pt x="0" y="4002736"/>
+                </a:moveTo>
+                <a:lnTo>
+                  <a:pt x="0" y="0"/>
+                </a:lnTo>
+                <a:lnTo>
+                  <a:pt x="267527" y="0"/>
+                </a:lnTo>
+                <a:lnTo>
+                  <a:pt x="1824868" y="0"/>
+                </a:lnTo>
+                <a:lnTo>
+                  <a:pt x="5015744" y="0"/>
+                </a:lnTo>
+                <a:lnTo>
+                  <a:pt x="5465321" y="0"/>
+                </a:lnTo>
+                <a:lnTo>
+                  <a:pt x="5732852" y="0"/>
+                </a:lnTo>
+                <a:lnTo>
+                  <a:pt x="5732852" y="4002736"/>
+                </a:lnTo>
+                <a:lnTo>
+                  <a:pt x="5015744" y="4002736"/>
+                </a:lnTo>
+                <a:lnTo>
+                  <a:pt x="5015744" y="4002735"/>
+                </a:lnTo>
+                <a:lnTo>
+                  <a:pt x="1824868" y="4002735"/>
+                </a:lnTo>
+                <a:lnTo>
+                  <a:pt x="1824868" y="4002736"/>
+                </a:lnTo>
+                <a:close/>
+              </a:path>
+            </a:pathLst>
+          </a:custGeom>
+          <a:solidFill>
+            <a:srgbClr val="EBE2D5"/>
+          </a:solidFill>
+          <a:ln>
+            <a:noFill/>
+          </a:ln>
+        </p:spPr>
+        <p:style>
+          <a:lnRef idx="2">
+            <a:schemeClr val="accent1">
+              <a:shade val="15000"/>
+            </a:schemeClr>
+          </a:lnRef>
+          <a:fillRef idx="1">
+            <a:schemeClr val="accent1"/>
+          </a:fillRef>
+          <a:effectRef idx="0">
+            <a:schemeClr val="accent1"/>
+          </a:effectRef>
+          <a:fontRef idx="minor">
+            <a:schemeClr val="lt1"/>
+          </a:fontRef>
+        </p:style>
+        <p:txBody>
+          <a:bodyPr wrap="square" rtlCol="0" anchor="ctr">
+            <a:noAutofit/>
+          </a:bodyPr>
+          <a:lstStyle/>
+          <a:p>
+            <a:pPr algn="ctr"/>
+            <a:endParaRPr kumimoji="1" lang="ja-JP" altLang="en-US"/>
+          </a:p>
+        </p:txBody>
+      </p:sp>
+      <p:sp>
+        <p:nvSpPr>
+          <p:cNvPr id="4" name="正方形/長方形 3">
+            <a:extLst>
+              <a:ext uri="{FF2B5EF4-FFF2-40B4-BE49-F238E27FC236}">
+                <a16:creationId xmlns:a16="http://schemas.microsoft.com/office/drawing/2014/main" id="{B27CDA3D-BA53-BB80-87A5-348E7A38BD07}"/>
+              </a:ext>
+            </a:extLst>
+          </p:cNvPr>
+          <p:cNvSpPr/>
+          <p:nvPr/>
+        </p:nvSpPr>
+        <p:spPr>
+          <a:xfrm>
+            <a:off x="3601879" y="2086451"/>
+            <a:ext cx="169069" cy="1128713"/>
+          </a:xfrm>
+          <a:prstGeom prst="rect">
+            <a:avLst/>
+          </a:prstGeom>
+          <a:solidFill>
+            <a:schemeClr val="bg1">
+              <a:lumMod val="95000"/>
+            </a:schemeClr>
+          </a:solidFill>
+          <a:ln w="3175">
+            <a:noFill/>
+          </a:ln>
+        </p:spPr>
+        <p:style>
+          <a:lnRef idx="2">
+            <a:schemeClr val="accent1">
+              <a:shade val="15000"/>
+            </a:schemeClr>
+          </a:lnRef>
+          <a:fillRef idx="1">
+            <a:schemeClr val="accent1"/>
+          </a:fillRef>
+          <a:effectRef idx="0">
+            <a:schemeClr val="accent1"/>
+          </a:effectRef>
+          <a:fontRef idx="minor">
+            <a:schemeClr val="lt1"/>
+          </a:fontRef>
+        </p:style>
+        <p:txBody>
+          <a:bodyPr rtlCol="0" anchor="ctr"/>
+          <a:lstStyle/>
+          <a:p>
+            <a:pPr algn="ctr"/>
+            <a:endParaRPr kumimoji="1" lang="ja-JP" altLang="en-US"/>
+          </a:p>
+        </p:txBody>
+      </p:sp>
+      <p:sp>
+        <p:nvSpPr>
+          <p:cNvPr id="5" name="フリーフォーム: 図形 4">
+            <a:extLst>
+              <a:ext uri="{FF2B5EF4-FFF2-40B4-BE49-F238E27FC236}">
+                <a16:creationId xmlns:a16="http://schemas.microsoft.com/office/drawing/2014/main" id="{D55E3202-DF3C-D6C1-3EEE-E59112D5578A}"/>
+              </a:ext>
+            </a:extLst>
+          </p:cNvPr>
+          <p:cNvSpPr/>
+          <p:nvPr/>
+        </p:nvSpPr>
+        <p:spPr>
+          <a:xfrm>
+            <a:off x="3837623" y="2900839"/>
+            <a:ext cx="916781" cy="389334"/>
+          </a:xfrm>
+          <a:custGeom>
+            <a:avLst/>
+            <a:gdLst>
+              <a:gd name="connsiteX0" fmla="*/ 0 w 916781"/>
+              <a:gd name="connsiteY0" fmla="*/ 0 h 389334"/>
+              <a:gd name="connsiteX1" fmla="*/ 916781 w 916781"/>
+              <a:gd name="connsiteY1" fmla="*/ 0 h 389334"/>
+              <a:gd name="connsiteX2" fmla="*/ 916781 w 916781"/>
+              <a:gd name="connsiteY2" fmla="*/ 129778 h 389334"/>
+              <a:gd name="connsiteX3" fmla="*/ 916781 w 916781"/>
+              <a:gd name="connsiteY3" fmla="*/ 259556 h 389334"/>
+              <a:gd name="connsiteX4" fmla="*/ 916781 w 916781"/>
+              <a:gd name="connsiteY4" fmla="*/ 389334 h 389334"/>
+              <a:gd name="connsiteX5" fmla="*/ 295275 w 916781"/>
+              <a:gd name="connsiteY5" fmla="*/ 389334 h 389334"/>
+              <a:gd name="connsiteX6" fmla="*/ 295275 w 916781"/>
+              <a:gd name="connsiteY6" fmla="*/ 259556 h 389334"/>
+              <a:gd name="connsiteX7" fmla="*/ 0 w 916781"/>
+              <a:gd name="connsiteY7" fmla="*/ 259556 h 389334"/>
+            </a:gdLst>
+            <a:ahLst/>
+            <a:cxnLst>
+              <a:cxn ang="0">
+                <a:pos x="connsiteX0" y="connsiteY0"/>
+              </a:cxn>
+              <a:cxn ang="0">
+                <a:pos x="connsiteX1" y="connsiteY1"/>
+              </a:cxn>
+              <a:cxn ang="0">
+                <a:pos x="connsiteX2" y="connsiteY2"/>
+              </a:cxn>
+              <a:cxn ang="0">
+                <a:pos x="connsiteX3" y="connsiteY3"/>
+              </a:cxn>
+              <a:cxn ang="0">
+                <a:pos x="connsiteX4" y="connsiteY4"/>
+              </a:cxn>
+              <a:cxn ang="0">
+                <a:pos x="connsiteX5" y="connsiteY5"/>
+              </a:cxn>
+              <a:cxn ang="0">
+                <a:pos x="connsiteX6" y="connsiteY6"/>
+              </a:cxn>
+              <a:cxn ang="0">
+                <a:pos x="connsiteX7" y="connsiteY7"/>
+              </a:cxn>
+            </a:cxnLst>
+            <a:rect l="l" t="t" r="r" b="b"/>
+            <a:pathLst>
+              <a:path w="916781" h="389334">
+                <a:moveTo>
+                  <a:pt x="0" y="0"/>
+                </a:moveTo>
+                <a:lnTo>
+                  <a:pt x="916781" y="0"/>
+                </a:lnTo>
+                <a:lnTo>
+                  <a:pt x="916781" y="129778"/>
+                </a:lnTo>
+                <a:lnTo>
+                  <a:pt x="916781" y="259556"/>
+                </a:lnTo>
+                <a:lnTo>
+                  <a:pt x="916781" y="389334"/>
+                </a:lnTo>
+                <a:lnTo>
+                  <a:pt x="295275" y="389334"/>
+                </a:lnTo>
+                <a:lnTo>
+                  <a:pt x="295275" y="259556"/>
+                </a:lnTo>
+                <a:lnTo>
+                  <a:pt x="0" y="259556"/>
+                </a:lnTo>
+                <a:close/>
+              </a:path>
+            </a:pathLst>
+          </a:custGeom>
+          <a:solidFill>
+            <a:schemeClr val="bg1">
+              <a:lumMod val="95000"/>
+            </a:schemeClr>
+          </a:solidFill>
+          <a:ln w="3175">
+            <a:noFill/>
+          </a:ln>
+        </p:spPr>
+        <p:style>
+          <a:lnRef idx="2">
+            <a:schemeClr val="accent1">
+              <a:shade val="15000"/>
+            </a:schemeClr>
+          </a:lnRef>
+          <a:fillRef idx="1">
+            <a:schemeClr val="accent1"/>
+          </a:fillRef>
+          <a:effectRef idx="0">
+            <a:schemeClr val="accent1"/>
+          </a:effectRef>
+          <a:fontRef idx="minor">
+            <a:schemeClr val="lt1"/>
+          </a:fontRef>
+        </p:style>
+        <p:txBody>
+          <a:bodyPr wrap="square" rtlCol="0" anchor="ctr">
+            <a:noAutofit/>
+          </a:bodyPr>
+          <a:lstStyle/>
+          <a:p>
+            <a:pPr algn="ctr"/>
+            <a:endParaRPr kumimoji="1" lang="ja-JP" altLang="en-US"/>
+          </a:p>
+        </p:txBody>
+      </p:sp>
+      <p:sp>
+        <p:nvSpPr>
+          <p:cNvPr id="6" name="正方形/長方形 5">
+            <a:extLst>
+              <a:ext uri="{FF2B5EF4-FFF2-40B4-BE49-F238E27FC236}">
+                <a16:creationId xmlns:a16="http://schemas.microsoft.com/office/drawing/2014/main" id="{6FC516CD-AD07-0B59-7B87-345DC3282E01}"/>
+              </a:ext>
+            </a:extLst>
+          </p:cNvPr>
+          <p:cNvSpPr/>
+          <p:nvPr/>
+        </p:nvSpPr>
+        <p:spPr>
+          <a:xfrm>
+            <a:off x="3878104" y="2222178"/>
+            <a:ext cx="876299" cy="269085"/>
+          </a:xfrm>
+          <a:prstGeom prst="rect">
+            <a:avLst/>
+          </a:prstGeom>
+          <a:solidFill>
+            <a:schemeClr val="bg1">
+              <a:lumMod val="95000"/>
+            </a:schemeClr>
+          </a:solidFill>
+          <a:ln w="3175">
+            <a:noFill/>
+          </a:ln>
+        </p:spPr>
+        <p:style>
+          <a:lnRef idx="2">
+            <a:schemeClr val="accent1">
+              <a:shade val="15000"/>
+            </a:schemeClr>
+          </a:lnRef>
+          <a:fillRef idx="1">
+            <a:schemeClr val="accent1"/>
+          </a:fillRef>
+          <a:effectRef idx="0">
+            <a:schemeClr val="accent1"/>
+          </a:effectRef>
+          <a:fontRef idx="minor">
+            <a:schemeClr val="lt1"/>
+          </a:fontRef>
+        </p:style>
+        <p:txBody>
+          <a:bodyPr rtlCol="0" anchor="ctr"/>
+          <a:lstStyle/>
+          <a:p>
+            <a:pPr algn="ctr"/>
+            <a:endParaRPr kumimoji="1" lang="ja-JP" altLang="en-US"/>
+          </a:p>
+        </p:txBody>
+      </p:sp>
+      <p:sp>
+        <p:nvSpPr>
+          <p:cNvPr id="7" name="正方形/長方形 6">
+            <a:extLst>
+              <a:ext uri="{FF2B5EF4-FFF2-40B4-BE49-F238E27FC236}">
+                <a16:creationId xmlns:a16="http://schemas.microsoft.com/office/drawing/2014/main" id="{81083E7F-FD59-7844-14D8-07E05394F647}"/>
+              </a:ext>
+            </a:extLst>
+          </p:cNvPr>
+          <p:cNvSpPr/>
+          <p:nvPr/>
+        </p:nvSpPr>
+        <p:spPr>
+          <a:xfrm>
+            <a:off x="5830730" y="2900839"/>
+            <a:ext cx="502444" cy="171451"/>
+          </a:xfrm>
+          <a:prstGeom prst="rect">
+            <a:avLst/>
+          </a:prstGeom>
+          <a:solidFill>
+            <a:schemeClr val="bg1">
+              <a:lumMod val="95000"/>
+            </a:schemeClr>
+          </a:solidFill>
+          <a:ln w="3175">
+            <a:noFill/>
+          </a:ln>
+        </p:spPr>
+        <p:style>
+          <a:lnRef idx="2">
+            <a:schemeClr val="accent1">
+              <a:shade val="15000"/>
+            </a:schemeClr>
+          </a:lnRef>
+          <a:fillRef idx="1">
+            <a:schemeClr val="accent1"/>
+          </a:fillRef>
+          <a:effectRef idx="0">
+            <a:schemeClr val="accent1"/>
+          </a:effectRef>
+          <a:fontRef idx="minor">
+            <a:schemeClr val="lt1"/>
+          </a:fontRef>
+        </p:style>
+        <p:txBody>
+          <a:bodyPr rtlCol="0" anchor="ctr"/>
+          <a:lstStyle/>
+          <a:p>
+            <a:pPr algn="ctr"/>
+            <a:endParaRPr kumimoji="1" lang="ja-JP" altLang="en-US"/>
+          </a:p>
+        </p:txBody>
+      </p:sp>
+      <p:sp>
+        <p:nvSpPr>
+          <p:cNvPr id="8" name="フリーフォーム: 図形 7">
+            <a:extLst>
+              <a:ext uri="{FF2B5EF4-FFF2-40B4-BE49-F238E27FC236}">
+                <a16:creationId xmlns:a16="http://schemas.microsoft.com/office/drawing/2014/main" id="{1E7BD3AF-2C03-F26A-FA43-A708C9CF8185}"/>
+              </a:ext>
+            </a:extLst>
+          </p:cNvPr>
+          <p:cNvSpPr/>
+          <p:nvPr/>
+        </p:nvSpPr>
+        <p:spPr>
+          <a:xfrm>
+            <a:off x="5547361" y="1102995"/>
+            <a:ext cx="895349" cy="354807"/>
+          </a:xfrm>
+          <a:custGeom>
+            <a:avLst/>
+            <a:gdLst>
+              <a:gd name="connsiteX0" fmla="*/ 761999 w 895349"/>
+              <a:gd name="connsiteY0" fmla="*/ 0 h 354807"/>
+              <a:gd name="connsiteX1" fmla="*/ 895349 w 895349"/>
+              <a:gd name="connsiteY1" fmla="*/ 0 h 354807"/>
+              <a:gd name="connsiteX2" fmla="*/ 895349 w 895349"/>
+              <a:gd name="connsiteY2" fmla="*/ 230982 h 354807"/>
+              <a:gd name="connsiteX3" fmla="*/ 785813 w 895349"/>
+              <a:gd name="connsiteY3" fmla="*/ 230982 h 354807"/>
+              <a:gd name="connsiteX4" fmla="*/ 785813 w 895349"/>
+              <a:gd name="connsiteY4" fmla="*/ 258366 h 354807"/>
+              <a:gd name="connsiteX5" fmla="*/ 785813 w 895349"/>
+              <a:gd name="connsiteY5" fmla="*/ 261939 h 354807"/>
+              <a:gd name="connsiteX6" fmla="*/ 785814 w 895349"/>
+              <a:gd name="connsiteY6" fmla="*/ 261939 h 354807"/>
+              <a:gd name="connsiteX7" fmla="*/ 785814 w 895349"/>
+              <a:gd name="connsiteY7" fmla="*/ 354807 h 354807"/>
+              <a:gd name="connsiteX8" fmla="*/ 411956 w 895349"/>
+              <a:gd name="connsiteY8" fmla="*/ 354807 h 354807"/>
+              <a:gd name="connsiteX9" fmla="*/ 411956 w 895349"/>
+              <a:gd name="connsiteY9" fmla="*/ 309564 h 354807"/>
+              <a:gd name="connsiteX10" fmla="*/ 75604 w 895349"/>
+              <a:gd name="connsiteY10" fmla="*/ 309564 h 354807"/>
+              <a:gd name="connsiteX11" fmla="*/ 75604 w 895349"/>
+              <a:gd name="connsiteY11" fmla="*/ 261938 h 354807"/>
+              <a:gd name="connsiteX12" fmla="*/ 0 w 895349"/>
+              <a:gd name="connsiteY12" fmla="*/ 261938 h 354807"/>
+              <a:gd name="connsiteX13" fmla="*/ 0 w 895349"/>
+              <a:gd name="connsiteY13" fmla="*/ 119063 h 354807"/>
+              <a:gd name="connsiteX14" fmla="*/ 75604 w 895349"/>
+              <a:gd name="connsiteY14" fmla="*/ 119063 h 354807"/>
+              <a:gd name="connsiteX15" fmla="*/ 75604 w 895349"/>
+              <a:gd name="connsiteY15" fmla="*/ 64294 h 354807"/>
+              <a:gd name="connsiteX16" fmla="*/ 401240 w 895349"/>
+              <a:gd name="connsiteY16" fmla="*/ 64294 h 354807"/>
+              <a:gd name="connsiteX17" fmla="*/ 401240 w 895349"/>
+              <a:gd name="connsiteY17" fmla="*/ 27384 h 354807"/>
+              <a:gd name="connsiteX18" fmla="*/ 761999 w 895349"/>
+              <a:gd name="connsiteY18" fmla="*/ 27384 h 354807"/>
+            </a:gdLst>
+            <a:ahLst/>
+            <a:cxnLst>
+              <a:cxn ang="0">
+                <a:pos x="connsiteX0" y="connsiteY0"/>
+              </a:cxn>
+              <a:cxn ang="0">
+                <a:pos x="connsiteX1" y="connsiteY1"/>
+              </a:cxn>
+              <a:cxn ang="0">
+                <a:pos x="connsiteX2" y="connsiteY2"/>
+              </a:cxn>
+              <a:cxn ang="0">
+                <a:pos x="connsiteX3" y="connsiteY3"/>
+              </a:cxn>
+              <a:cxn ang="0">
+                <a:pos x="connsiteX4" y="connsiteY4"/>
+              </a:cxn>
+              <a:cxn ang="0">
+                <a:pos x="connsiteX5" y="connsiteY5"/>
+              </a:cxn>
+              <a:cxn ang="0">
+                <a:pos x="connsiteX6" y="connsiteY6"/>
+              </a:cxn>
+              <a:cxn ang="0">
+                <a:pos x="connsiteX7" y="connsiteY7"/>
+              </a:cxn>
+              <a:cxn ang="0">
+                <a:pos x="connsiteX8" y="connsiteY8"/>
+              </a:cxn>
+              <a:cxn ang="0">
+                <a:pos x="connsiteX9" y="connsiteY9"/>
+              </a:cxn>
+              <a:cxn ang="0">
+                <a:pos x="connsiteX10" y="connsiteY10"/>
+              </a:cxn>
+              <a:cxn ang="0">
+                <a:pos x="connsiteX11" y="connsiteY11"/>
+              </a:cxn>
+              <a:cxn ang="0">
+                <a:pos x="connsiteX12" y="connsiteY12"/>
+              </a:cxn>
+              <a:cxn ang="0">
+                <a:pos x="connsiteX13" y="connsiteY13"/>
+              </a:cxn>
+              <a:cxn ang="0">
+                <a:pos x="connsiteX14" y="connsiteY14"/>
+              </a:cxn>
+              <a:cxn ang="0">
+                <a:pos x="connsiteX15" y="connsiteY15"/>
+              </a:cxn>
+              <a:cxn ang="0">
+                <a:pos x="connsiteX16" y="connsiteY16"/>
+              </a:cxn>
+              <a:cxn ang="0">
+                <a:pos x="connsiteX17" y="connsiteY17"/>
+              </a:cxn>
+              <a:cxn ang="0">
+                <a:pos x="connsiteX18" y="connsiteY18"/>
+              </a:cxn>
+            </a:cxnLst>
+            <a:rect l="l" t="t" r="r" b="b"/>
+            <a:pathLst>
+              <a:path w="895349" h="354807">
+                <a:moveTo>
+                  <a:pt x="761999" y="0"/>
+                </a:moveTo>
+                <a:lnTo>
+                  <a:pt x="895349" y="0"/>
+                </a:lnTo>
+                <a:lnTo>
+                  <a:pt x="895349" y="230982"/>
+                </a:lnTo>
+                <a:lnTo>
+                  <a:pt x="785813" y="230982"/>
+                </a:lnTo>
+                <a:lnTo>
+                  <a:pt x="785813" y="258366"/>
+                </a:lnTo>
+                <a:lnTo>
+                  <a:pt x="785813" y="261939"/>
+                </a:lnTo>
+                <a:lnTo>
+                  <a:pt x="785814" y="261939"/>
+                </a:lnTo>
+                <a:lnTo>
+                  <a:pt x="785814" y="354807"/>
+                </a:lnTo>
+                <a:lnTo>
+                  <a:pt x="411956" y="354807"/>
+                </a:lnTo>
+                <a:lnTo>
+                  <a:pt x="411956" y="309564"/>
+                </a:lnTo>
+                <a:lnTo>
+                  <a:pt x="75604" y="309564"/>
+                </a:lnTo>
+                <a:lnTo>
+                  <a:pt x="75604" y="261938"/>
+                </a:lnTo>
+                <a:lnTo>
+                  <a:pt x="0" y="261938"/>
+                </a:lnTo>
+                <a:lnTo>
+                  <a:pt x="0" y="119063"/>
+                </a:lnTo>
+                <a:lnTo>
+                  <a:pt x="75604" y="119063"/>
+                </a:lnTo>
+                <a:lnTo>
+                  <a:pt x="75604" y="64294"/>
+                </a:lnTo>
+                <a:lnTo>
+                  <a:pt x="401240" y="64294"/>
+                </a:lnTo>
+                <a:lnTo>
+                  <a:pt x="401240" y="27384"/>
+                </a:lnTo>
+                <a:lnTo>
+                  <a:pt x="761999" y="27384"/>
+                </a:lnTo>
+                <a:close/>
+              </a:path>
+            </a:pathLst>
+          </a:custGeom>
+          <a:solidFill>
+            <a:schemeClr val="bg1">
+              <a:lumMod val="95000"/>
+            </a:schemeClr>
+          </a:solidFill>
+          <a:ln w="3175">
+            <a:noFill/>
+          </a:ln>
+        </p:spPr>
+        <p:style>
+          <a:lnRef idx="2">
+            <a:schemeClr val="accent1">
+              <a:shade val="15000"/>
+            </a:schemeClr>
+          </a:lnRef>
+          <a:fillRef idx="1">
+            <a:schemeClr val="accent1"/>
+          </a:fillRef>
+          <a:effectRef idx="0">
+            <a:schemeClr val="accent1"/>
+          </a:effectRef>
+          <a:fontRef idx="minor">
+            <a:schemeClr val="lt1"/>
+          </a:fontRef>
+        </p:style>
+        <p:txBody>
+          <a:bodyPr wrap="square" rtlCol="0" anchor="ctr">
+            <a:noAutofit/>
+          </a:bodyPr>
+          <a:lstStyle/>
+          <a:p>
+            <a:pPr algn="ctr"/>
+            <a:endParaRPr kumimoji="1" lang="ja-JP" altLang="en-US"/>
+          </a:p>
+        </p:txBody>
+      </p:sp>
+      <p:sp>
+        <p:nvSpPr>
+          <p:cNvPr id="9" name="フリーフォーム: 図形 8">
+            <a:extLst>
+              <a:ext uri="{FF2B5EF4-FFF2-40B4-BE49-F238E27FC236}">
+                <a16:creationId xmlns:a16="http://schemas.microsoft.com/office/drawing/2014/main" id="{C5857108-FEB4-0AD0-E356-3A245547D7C4}"/>
+              </a:ext>
+            </a:extLst>
+          </p:cNvPr>
+          <p:cNvSpPr/>
+          <p:nvPr/>
+        </p:nvSpPr>
+        <p:spPr>
+          <a:xfrm>
+            <a:off x="3661408" y="1476849"/>
+            <a:ext cx="2721768" cy="3557590"/>
+          </a:xfrm>
+          <a:custGeom>
+            <a:avLst/>
+            <a:gdLst>
+              <a:gd name="connsiteX0" fmla="*/ 1195650 w 2721768"/>
+              <a:gd name="connsiteY0" fmla="*/ 0 h 3557590"/>
+              <a:gd name="connsiteX1" fmla="*/ 1303336 w 2721768"/>
+              <a:gd name="connsiteY1" fmla="*/ 14145 h 3557590"/>
+              <a:gd name="connsiteX2" fmla="*/ 1301222 w 2721768"/>
+              <a:gd name="connsiteY2" fmla="*/ 88107 h 3557590"/>
+              <a:gd name="connsiteX3" fmla="*/ 1481137 w 2721768"/>
+              <a:gd name="connsiteY3" fmla="*/ 88107 h 3557590"/>
+              <a:gd name="connsiteX4" fmla="*/ 1481137 w 2721768"/>
+              <a:gd name="connsiteY4" fmla="*/ 233362 h 3557590"/>
+              <a:gd name="connsiteX5" fmla="*/ 2612227 w 2721768"/>
+              <a:gd name="connsiteY5" fmla="*/ 233362 h 3557590"/>
+              <a:gd name="connsiteX6" fmla="*/ 2612227 w 2721768"/>
+              <a:gd name="connsiteY6" fmla="*/ 550067 h 3557590"/>
+              <a:gd name="connsiteX7" fmla="*/ 1285873 w 2721768"/>
+              <a:gd name="connsiteY7" fmla="*/ 550067 h 3557590"/>
+              <a:gd name="connsiteX8" fmla="*/ 1285873 w 2721768"/>
+              <a:gd name="connsiteY8" fmla="*/ 773905 h 3557590"/>
+              <a:gd name="connsiteX9" fmla="*/ 1476373 w 2721768"/>
+              <a:gd name="connsiteY9" fmla="*/ 773905 h 3557590"/>
+              <a:gd name="connsiteX10" fmla="*/ 1476373 w 2721768"/>
+              <a:gd name="connsiteY10" fmla="*/ 1031080 h 3557590"/>
+              <a:gd name="connsiteX11" fmla="*/ 2395537 w 2721768"/>
+              <a:gd name="connsiteY11" fmla="*/ 1031080 h 3557590"/>
+              <a:gd name="connsiteX12" fmla="*/ 2395537 w 2721768"/>
+              <a:gd name="connsiteY12" fmla="*/ 864397 h 3557590"/>
+              <a:gd name="connsiteX13" fmla="*/ 2486024 w 2721768"/>
+              <a:gd name="connsiteY13" fmla="*/ 864397 h 3557590"/>
+              <a:gd name="connsiteX14" fmla="*/ 2486024 w 2721768"/>
+              <a:gd name="connsiteY14" fmla="*/ 1031080 h 3557590"/>
+              <a:gd name="connsiteX15" fmla="*/ 2695572 w 2721768"/>
+              <a:gd name="connsiteY15" fmla="*/ 1031080 h 3557590"/>
+              <a:gd name="connsiteX16" fmla="*/ 2695572 w 2721768"/>
+              <a:gd name="connsiteY16" fmla="*/ 1290636 h 3557590"/>
+              <a:gd name="connsiteX17" fmla="*/ 1276349 w 2721768"/>
+              <a:gd name="connsiteY17" fmla="*/ 1290636 h 3557590"/>
+              <a:gd name="connsiteX18" fmla="*/ 1276349 w 2721768"/>
+              <a:gd name="connsiteY18" fmla="*/ 1533525 h 3557590"/>
+              <a:gd name="connsiteX19" fmla="*/ 1714498 w 2721768"/>
+              <a:gd name="connsiteY19" fmla="*/ 1533525 h 3557590"/>
+              <a:gd name="connsiteX20" fmla="*/ 1714498 w 2721768"/>
+              <a:gd name="connsiteY20" fmla="*/ 1793082 h 3557590"/>
+              <a:gd name="connsiteX21" fmla="*/ 1276349 w 2721768"/>
+              <a:gd name="connsiteY21" fmla="*/ 1793082 h 3557590"/>
+              <a:gd name="connsiteX22" fmla="*/ 1276349 w 2721768"/>
+              <a:gd name="connsiteY22" fmla="*/ 1850232 h 3557590"/>
+              <a:gd name="connsiteX23" fmla="*/ 1803795 w 2721768"/>
+              <a:gd name="connsiteY23" fmla="*/ 1850232 h 3557590"/>
+              <a:gd name="connsiteX24" fmla="*/ 1803795 w 2721768"/>
+              <a:gd name="connsiteY24" fmla="*/ 1793082 h 3557590"/>
+              <a:gd name="connsiteX25" fmla="*/ 2189688 w 2721768"/>
+              <a:gd name="connsiteY25" fmla="*/ 1793082 h 3557590"/>
+              <a:gd name="connsiteX26" fmla="*/ 2189688 w 2721768"/>
+              <a:gd name="connsiteY26" fmla="*/ 1701999 h 3557590"/>
+              <a:gd name="connsiteX27" fmla="*/ 2450306 w 2721768"/>
+              <a:gd name="connsiteY27" fmla="*/ 1701999 h 3557590"/>
+              <a:gd name="connsiteX28" fmla="*/ 2450306 w 2721768"/>
+              <a:gd name="connsiteY28" fmla="*/ 1793082 h 3557590"/>
+              <a:gd name="connsiteX29" fmla="*/ 2721768 w 2721768"/>
+              <a:gd name="connsiteY29" fmla="*/ 1793082 h 3557590"/>
+              <a:gd name="connsiteX30" fmla="*/ 2721768 w 2721768"/>
+              <a:gd name="connsiteY30" fmla="*/ 1850232 h 3557590"/>
+              <a:gd name="connsiteX31" fmla="*/ 2721768 w 2721768"/>
+              <a:gd name="connsiteY31" fmla="*/ 2052639 h 3557590"/>
+              <a:gd name="connsiteX32" fmla="*/ 2721768 w 2721768"/>
+              <a:gd name="connsiteY32" fmla="*/ 2155032 h 3557590"/>
+              <a:gd name="connsiteX33" fmla="*/ 1276583 w 2721768"/>
+              <a:gd name="connsiteY33" fmla="*/ 2155032 h 3557590"/>
+              <a:gd name="connsiteX34" fmla="*/ 1337563 w 2721768"/>
+              <a:gd name="connsiteY34" fmla="*/ 2505073 h 3557590"/>
+              <a:gd name="connsiteX35" fmla="*/ 1373981 w 2721768"/>
+              <a:gd name="connsiteY35" fmla="*/ 2505073 h 3557590"/>
+              <a:gd name="connsiteX36" fmla="*/ 1373981 w 2721768"/>
+              <a:gd name="connsiteY36" fmla="*/ 2657474 h 3557590"/>
+              <a:gd name="connsiteX37" fmla="*/ 1373981 w 2721768"/>
+              <a:gd name="connsiteY37" fmla="*/ 2674142 h 3557590"/>
+              <a:gd name="connsiteX38" fmla="*/ 1502570 w 2721768"/>
+              <a:gd name="connsiteY38" fmla="*/ 2674142 h 3557590"/>
+              <a:gd name="connsiteX39" fmla="*/ 1502570 w 2721768"/>
+              <a:gd name="connsiteY39" fmla="*/ 2914652 h 3557590"/>
+              <a:gd name="connsiteX40" fmla="*/ 1596630 w 2721768"/>
+              <a:gd name="connsiteY40" fmla="*/ 2914652 h 3557590"/>
+              <a:gd name="connsiteX41" fmla="*/ 1596630 w 2721768"/>
+              <a:gd name="connsiteY41" fmla="*/ 3067052 h 3557590"/>
+              <a:gd name="connsiteX42" fmla="*/ 1502570 w 2721768"/>
+              <a:gd name="connsiteY42" fmla="*/ 3067052 h 3557590"/>
+              <a:gd name="connsiteX43" fmla="*/ 1398985 w 2721768"/>
+              <a:gd name="connsiteY43" fmla="*/ 3067052 h 3557590"/>
+              <a:gd name="connsiteX44" fmla="*/ 1373981 w 2721768"/>
+              <a:gd name="connsiteY44" fmla="*/ 3067052 h 3557590"/>
+              <a:gd name="connsiteX45" fmla="*/ 1373981 w 2721768"/>
+              <a:gd name="connsiteY45" fmla="*/ 3557590 h 3557590"/>
+              <a:gd name="connsiteX46" fmla="*/ 0 w 2721768"/>
+              <a:gd name="connsiteY46" fmla="*/ 3557590 h 3557590"/>
+              <a:gd name="connsiteX47" fmla="*/ 0 w 2721768"/>
+              <a:gd name="connsiteY47" fmla="*/ 2772965 h 3557590"/>
+              <a:gd name="connsiteX48" fmla="*/ 0 w 2721768"/>
+              <a:gd name="connsiteY48" fmla="*/ 2657474 h 3557590"/>
+              <a:gd name="connsiteX49" fmla="*/ 0 w 2721768"/>
+              <a:gd name="connsiteY49" fmla="*/ 2541983 h 3557590"/>
+              <a:gd name="connsiteX50" fmla="*/ 176209 w 2721768"/>
+              <a:gd name="connsiteY50" fmla="*/ 2541983 h 3557590"/>
+              <a:gd name="connsiteX51" fmla="*/ 176209 w 2721768"/>
+              <a:gd name="connsiteY51" fmla="*/ 2657474 h 3557590"/>
+              <a:gd name="connsiteX52" fmla="*/ 1176336 w 2721768"/>
+              <a:gd name="connsiteY52" fmla="*/ 2657474 h 3557590"/>
+              <a:gd name="connsiteX53" fmla="*/ 1176336 w 2721768"/>
+              <a:gd name="connsiteY53" fmla="*/ 2505073 h 3557590"/>
+              <a:gd name="connsiteX54" fmla="*/ 1219123 w 2721768"/>
+              <a:gd name="connsiteY54" fmla="*/ 2505073 h 3557590"/>
+              <a:gd name="connsiteX55" fmla="*/ 1158142 w 2721768"/>
+              <a:gd name="connsiteY55" fmla="*/ 2155032 h 3557590"/>
+              <a:gd name="connsiteX56" fmla="*/ 176210 w 2721768"/>
+              <a:gd name="connsiteY56" fmla="*/ 2155032 h 3557590"/>
+              <a:gd name="connsiteX57" fmla="*/ 176210 w 2721768"/>
+              <a:gd name="connsiteY57" fmla="*/ 1850232 h 3557590"/>
+              <a:gd name="connsiteX58" fmla="*/ 1159668 w 2721768"/>
+              <a:gd name="connsiteY58" fmla="*/ 1850232 h 3557590"/>
+              <a:gd name="connsiteX59" fmla="*/ 1159668 w 2721768"/>
+              <a:gd name="connsiteY59" fmla="*/ 1290636 h 3557590"/>
+              <a:gd name="connsiteX60" fmla="*/ 176210 w 2721768"/>
+              <a:gd name="connsiteY60" fmla="*/ 1290636 h 3557590"/>
+              <a:gd name="connsiteX61" fmla="*/ 176210 w 2721768"/>
+              <a:gd name="connsiteY61" fmla="*/ 1031080 h 3557590"/>
+              <a:gd name="connsiteX62" fmla="*/ 1133473 w 2721768"/>
+              <a:gd name="connsiteY62" fmla="*/ 1031080 h 3557590"/>
+              <a:gd name="connsiteX63" fmla="*/ 1133473 w 2721768"/>
+              <a:gd name="connsiteY63" fmla="*/ 550067 h 3557590"/>
+              <a:gd name="connsiteX64" fmla="*/ 200022 w 2721768"/>
+              <a:gd name="connsiteY64" fmla="*/ 550067 h 3557590"/>
+              <a:gd name="connsiteX65" fmla="*/ 200022 w 2721768"/>
+              <a:gd name="connsiteY65" fmla="*/ 233362 h 3557590"/>
+              <a:gd name="connsiteX66" fmla="*/ 1147635 w 2721768"/>
+              <a:gd name="connsiteY66" fmla="*/ 233362 h 3557590"/>
+            </a:gdLst>
+            <a:ahLst/>
+            <a:cxnLst>
+              <a:cxn ang="0">
+                <a:pos x="connsiteX0" y="connsiteY0"/>
+              </a:cxn>
+              <a:cxn ang="0">
+                <a:pos x="connsiteX1" y="connsiteY1"/>
+              </a:cxn>
+              <a:cxn ang="0">
+                <a:pos x="connsiteX2" y="connsiteY2"/>
+              </a:cxn>
+              <a:cxn ang="0">
+                <a:pos x="connsiteX3" y="connsiteY3"/>
+              </a:cxn>
+              <a:cxn ang="0">
+                <a:pos x="connsiteX4" y="connsiteY4"/>
+              </a:cxn>
+              <a:cxn ang="0">
+                <a:pos x="connsiteX5" y="connsiteY5"/>
+              </a:cxn>
+              <a:cxn ang="0">
+                <a:pos x="connsiteX6" y="connsiteY6"/>
+              </a:cxn>
+              <a:cxn ang="0">
+                <a:pos x="connsiteX7" y="connsiteY7"/>
+              </a:cxn>
+              <a:cxn ang="0">
+                <a:pos x="connsiteX8" y="connsiteY8"/>
+              </a:cxn>
+              <a:cxn ang="0">
+                <a:pos x="connsiteX9" y="connsiteY9"/>
+              </a:cxn>
+              <a:cxn ang="0">
+                <a:pos x="connsiteX10" y="connsiteY10"/>
+              </a:cxn>
+              <a:cxn ang="0">
+                <a:pos x="connsiteX11" y="connsiteY11"/>
+              </a:cxn>
+              <a:cxn ang="0">
+                <a:pos x="connsiteX12" y="connsiteY12"/>
+              </a:cxn>
+              <a:cxn ang="0">
+                <a:pos x="connsiteX13" y="connsiteY13"/>
+              </a:cxn>
+              <a:cxn ang="0">
+                <a:pos x="connsiteX14" y="connsiteY14"/>
+              </a:cxn>
+              <a:cxn ang="0">
+                <a:pos x="connsiteX15" y="connsiteY15"/>
+              </a:cxn>
+              <a:cxn ang="0">
+                <a:pos x="connsiteX16" y="connsiteY16"/>
+              </a:cxn>
+              <a:cxn ang="0">
+                <a:pos x="connsiteX17" y="connsiteY17"/>
+              </a:cxn>
+              <a:cxn ang="0">
+                <a:pos x="connsiteX18" y="connsiteY18"/>
+              </a:cxn>
+              <a:cxn ang="0">
+                <a:pos x="connsiteX19" y="connsiteY19"/>
+              </a:cxn>
+              <a:cxn ang="0">
+                <a:pos x="connsiteX20" y="connsiteY20"/>
+              </a:cxn>
+              <a:cxn ang="0">
+                <a:pos x="connsiteX21" y="connsiteY21"/>
+              </a:cxn>
+              <a:cxn ang="0">
+                <a:pos x="connsiteX22" y="connsiteY22"/>
+              </a:cxn>
+              <a:cxn ang="0">
+                <a:pos x="connsiteX23" y="connsiteY23"/>
+              </a:cxn>
+              <a:cxn ang="0">
+                <a:pos x="connsiteX24" y="connsiteY24"/>
+              </a:cxn>
+              <a:cxn ang="0">
+                <a:pos x="connsiteX25" y="connsiteY25"/>
+              </a:cxn>
+              <a:cxn ang="0">
+                <a:pos x="connsiteX26" y="connsiteY26"/>
+              </a:cxn>
+              <a:cxn ang="0">
+                <a:pos x="connsiteX27" y="connsiteY27"/>
+              </a:cxn>
+              <a:cxn ang="0">
+                <a:pos x="connsiteX28" y="connsiteY28"/>
+              </a:cxn>
+              <a:cxn ang="0">
+                <a:pos x="connsiteX29" y="connsiteY29"/>
+              </a:cxn>
+              <a:cxn ang="0">
+                <a:pos x="connsiteX30" y="connsiteY30"/>
+              </a:cxn>
+              <a:cxn ang="0">
+                <a:pos x="connsiteX31" y="connsiteY31"/>
+              </a:cxn>
+              <a:cxn ang="0">
+                <a:pos x="connsiteX32" y="connsiteY32"/>
+              </a:cxn>
+              <a:cxn ang="0">
+                <a:pos x="connsiteX33" y="connsiteY33"/>
+              </a:cxn>
+              <a:cxn ang="0">
+                <a:pos x="connsiteX34" y="connsiteY34"/>
+              </a:cxn>
+              <a:cxn ang="0">
+                <a:pos x="connsiteX35" y="connsiteY35"/>
+              </a:cxn>
+              <a:cxn ang="0">
+                <a:pos x="connsiteX36" y="connsiteY36"/>
+              </a:cxn>
+              <a:cxn ang="0">
+                <a:pos x="connsiteX37" y="connsiteY37"/>
+              </a:cxn>
+              <a:cxn ang="0">
+                <a:pos x="connsiteX38" y="connsiteY38"/>
+              </a:cxn>
+              <a:cxn ang="0">
+                <a:pos x="connsiteX39" y="connsiteY39"/>
+              </a:cxn>
+              <a:cxn ang="0">
+                <a:pos x="connsiteX40" y="connsiteY40"/>
+              </a:cxn>
+              <a:cxn ang="0">
+                <a:pos x="connsiteX41" y="connsiteY41"/>
+              </a:cxn>
+              <a:cxn ang="0">
+                <a:pos x="connsiteX42" y="connsiteY42"/>
+              </a:cxn>
+              <a:cxn ang="0">
+                <a:pos x="connsiteX43" y="connsiteY43"/>
+              </a:cxn>
+              <a:cxn ang="0">
+                <a:pos x="connsiteX44" y="connsiteY44"/>
+              </a:cxn>
+              <a:cxn ang="0">
+                <a:pos x="connsiteX45" y="connsiteY45"/>
+              </a:cxn>
+              <a:cxn ang="0">
+                <a:pos x="connsiteX46" y="connsiteY46"/>
+              </a:cxn>
+              <a:cxn ang="0">
+                <a:pos x="connsiteX47" y="connsiteY47"/>
+              </a:cxn>
+              <a:cxn ang="0">
+                <a:pos x="connsiteX48" y="connsiteY48"/>
+              </a:cxn>
+              <a:cxn ang="0">
+                <a:pos x="connsiteX49" y="connsiteY49"/>
+              </a:cxn>
+              <a:cxn ang="0">
+                <a:pos x="connsiteX50" y="connsiteY50"/>
+              </a:cxn>
+              <a:cxn ang="0">
+                <a:pos x="connsiteX51" y="connsiteY51"/>
+              </a:cxn>
+              <a:cxn ang="0">
+                <a:pos x="connsiteX52" y="connsiteY52"/>
+              </a:cxn>
+              <a:cxn ang="0">
+                <a:pos x="connsiteX53" y="connsiteY53"/>
+              </a:cxn>
+              <a:cxn ang="0">
+                <a:pos x="connsiteX54" y="connsiteY54"/>
+              </a:cxn>
+              <a:cxn ang="0">
+                <a:pos x="connsiteX55" y="connsiteY55"/>
+              </a:cxn>
+              <a:cxn ang="0">
+                <a:pos x="connsiteX56" y="connsiteY56"/>
+              </a:cxn>
+              <a:cxn ang="0">
+                <a:pos x="connsiteX57" y="connsiteY57"/>
+              </a:cxn>
+              <a:cxn ang="0">
+                <a:pos x="connsiteX58" y="connsiteY58"/>
+              </a:cxn>
+              <a:cxn ang="0">
+                <a:pos x="connsiteX59" y="connsiteY59"/>
+              </a:cxn>
+              <a:cxn ang="0">
+                <a:pos x="connsiteX60" y="connsiteY60"/>
+              </a:cxn>
+              <a:cxn ang="0">
+                <a:pos x="connsiteX61" y="connsiteY61"/>
+              </a:cxn>
+              <a:cxn ang="0">
+                <a:pos x="connsiteX62" y="connsiteY62"/>
+              </a:cxn>
+              <a:cxn ang="0">
+                <a:pos x="connsiteX63" y="connsiteY63"/>
+              </a:cxn>
+              <a:cxn ang="0">
+                <a:pos x="connsiteX64" y="connsiteY64"/>
+              </a:cxn>
+              <a:cxn ang="0">
+                <a:pos x="connsiteX65" y="connsiteY65"/>
+              </a:cxn>
+              <a:cxn ang="0">
+                <a:pos x="connsiteX66" y="connsiteY66"/>
+              </a:cxn>
+            </a:cxnLst>
+            <a:rect l="l" t="t" r="r" b="b"/>
+            <a:pathLst>
+              <a:path w="2721768" h="3557590">
+                <a:moveTo>
+                  <a:pt x="1195650" y="0"/>
+                </a:moveTo>
+                <a:lnTo>
+                  <a:pt x="1303336" y="14145"/>
+                </a:lnTo>
+                <a:lnTo>
+                  <a:pt x="1301222" y="88107"/>
+                </a:lnTo>
+                <a:lnTo>
+                  <a:pt x="1481137" y="88107"/>
+                </a:lnTo>
+                <a:lnTo>
+                  <a:pt x="1481137" y="233362"/>
+                </a:lnTo>
+                <a:lnTo>
+                  <a:pt x="2612227" y="233362"/>
+                </a:lnTo>
+                <a:lnTo>
+                  <a:pt x="2612227" y="550067"/>
+                </a:lnTo>
+                <a:lnTo>
+                  <a:pt x="1285873" y="550067"/>
+                </a:lnTo>
+                <a:lnTo>
+                  <a:pt x="1285873" y="773905"/>
+                </a:lnTo>
+                <a:lnTo>
+                  <a:pt x="1476373" y="773905"/>
+                </a:lnTo>
+                <a:lnTo>
+                  <a:pt x="1476373" y="1031080"/>
+                </a:lnTo>
+                <a:lnTo>
+                  <a:pt x="2395537" y="1031080"/>
+                </a:lnTo>
+                <a:lnTo>
+                  <a:pt x="2395537" y="864397"/>
+                </a:lnTo>
+                <a:lnTo>
+                  <a:pt x="2486024" y="864397"/>
+                </a:lnTo>
+                <a:lnTo>
+                  <a:pt x="2486024" y="1031080"/>
+                </a:lnTo>
+                <a:lnTo>
+                  <a:pt x="2695572" y="1031080"/>
+                </a:lnTo>
+                <a:lnTo>
+                  <a:pt x="2695572" y="1290636"/>
+                </a:lnTo>
+                <a:lnTo>
+                  <a:pt x="1276349" y="1290636"/>
+                </a:lnTo>
+                <a:lnTo>
+                  <a:pt x="1276349" y="1533525"/>
+                </a:lnTo>
+                <a:lnTo>
+                  <a:pt x="1714498" y="1533525"/>
+                </a:lnTo>
+                <a:lnTo>
+                  <a:pt x="1714498" y="1793082"/>
+                </a:lnTo>
+                <a:lnTo>
+                  <a:pt x="1276349" y="1793082"/>
+                </a:lnTo>
+                <a:lnTo>
+                  <a:pt x="1276349" y="1850232"/>
+                </a:lnTo>
+                <a:lnTo>
+                  <a:pt x="1803795" y="1850232"/>
+                </a:lnTo>
+                <a:lnTo>
+                  <a:pt x="1803795" y="1793082"/>
+                </a:lnTo>
+                <a:lnTo>
+                  <a:pt x="2189688" y="1793082"/>
+                </a:lnTo>
+                <a:lnTo>
+                  <a:pt x="2189688" y="1701999"/>
+                </a:lnTo>
+                <a:lnTo>
+                  <a:pt x="2450306" y="1701999"/>
+                </a:lnTo>
+                <a:lnTo>
+                  <a:pt x="2450306" y="1793082"/>
+                </a:lnTo>
+                <a:lnTo>
+                  <a:pt x="2721768" y="1793082"/>
+                </a:lnTo>
+                <a:lnTo>
+                  <a:pt x="2721768" y="1850232"/>
+                </a:lnTo>
+                <a:lnTo>
+                  <a:pt x="2721768" y="2052639"/>
+                </a:lnTo>
+                <a:lnTo>
+                  <a:pt x="2721768" y="2155032"/>
+                </a:lnTo>
+                <a:lnTo>
+                  <a:pt x="1276583" y="2155032"/>
+                </a:lnTo>
+                <a:lnTo>
+                  <a:pt x="1337563" y="2505073"/>
+                </a:lnTo>
+                <a:lnTo>
+                  <a:pt x="1373981" y="2505073"/>
+                </a:lnTo>
+                <a:lnTo>
+                  <a:pt x="1373981" y="2657474"/>
+                </a:lnTo>
+                <a:lnTo>
+                  <a:pt x="1373981" y="2674142"/>
+                </a:lnTo>
+                <a:lnTo>
+                  <a:pt x="1502570" y="2674142"/>
+                </a:lnTo>
+                <a:lnTo>
+                  <a:pt x="1502570" y="2914652"/>
+                </a:lnTo>
+                <a:lnTo>
+                  <a:pt x="1596630" y="2914652"/>
+                </a:lnTo>
+                <a:lnTo>
+                  <a:pt x="1596630" y="3067052"/>
+                </a:lnTo>
+                <a:lnTo>
+                  <a:pt x="1502570" y="3067052"/>
+                </a:lnTo>
+                <a:lnTo>
+                  <a:pt x="1398985" y="3067052"/>
+                </a:lnTo>
+                <a:lnTo>
+                  <a:pt x="1373981" y="3067052"/>
+                </a:lnTo>
+                <a:lnTo>
+                  <a:pt x="1373981" y="3557590"/>
+                </a:lnTo>
+                <a:lnTo>
+                  <a:pt x="0" y="3557590"/>
+                </a:lnTo>
+                <a:lnTo>
+                  <a:pt x="0" y="2772965"/>
+                </a:lnTo>
+                <a:lnTo>
+                  <a:pt x="0" y="2657474"/>
+                </a:lnTo>
+                <a:lnTo>
+                  <a:pt x="0" y="2541983"/>
+                </a:lnTo>
+                <a:lnTo>
+                  <a:pt x="176209" y="2541983"/>
+                </a:lnTo>
+                <a:lnTo>
+                  <a:pt x="176209" y="2657474"/>
+                </a:lnTo>
+                <a:lnTo>
+                  <a:pt x="1176336" y="2657474"/>
+                </a:lnTo>
+                <a:lnTo>
+                  <a:pt x="1176336" y="2505073"/>
+                </a:lnTo>
+                <a:lnTo>
+                  <a:pt x="1219123" y="2505073"/>
+                </a:lnTo>
+                <a:lnTo>
+                  <a:pt x="1158142" y="2155032"/>
+                </a:lnTo>
+                <a:lnTo>
+                  <a:pt x="176210" y="2155032"/>
+                </a:lnTo>
+                <a:lnTo>
+                  <a:pt x="176210" y="1850232"/>
+                </a:lnTo>
+                <a:lnTo>
+                  <a:pt x="1159668" y="1850232"/>
+                </a:lnTo>
+                <a:lnTo>
+                  <a:pt x="1159668" y="1290636"/>
+                </a:lnTo>
+                <a:lnTo>
+                  <a:pt x="176210" y="1290636"/>
+                </a:lnTo>
+                <a:lnTo>
+                  <a:pt x="176210" y="1031080"/>
+                </a:lnTo>
+                <a:lnTo>
+                  <a:pt x="1133473" y="1031080"/>
+                </a:lnTo>
+                <a:lnTo>
+                  <a:pt x="1133473" y="550067"/>
+                </a:lnTo>
+                <a:lnTo>
+                  <a:pt x="200022" y="550067"/>
+                </a:lnTo>
+                <a:lnTo>
+                  <a:pt x="200022" y="233362"/>
+                </a:lnTo>
+                <a:lnTo>
+                  <a:pt x="1147635" y="233362"/>
+                </a:lnTo>
+                <a:close/>
+              </a:path>
+            </a:pathLst>
+          </a:custGeom>
+          <a:solidFill>
+            <a:schemeClr val="bg1">
+              <a:lumMod val="95000"/>
+            </a:schemeClr>
+          </a:solidFill>
+          <a:ln w="3175">
+            <a:noFill/>
+          </a:ln>
+        </p:spPr>
+        <p:style>
+          <a:lnRef idx="2">
+            <a:schemeClr val="accent1">
+              <a:shade val="15000"/>
+            </a:schemeClr>
+          </a:lnRef>
+          <a:fillRef idx="1">
+            <a:schemeClr val="accent1"/>
+          </a:fillRef>
+          <a:effectRef idx="0">
+            <a:schemeClr val="accent1"/>
+          </a:effectRef>
+          <a:fontRef idx="minor">
+            <a:schemeClr val="lt1"/>
+          </a:fontRef>
+        </p:style>
+        <p:txBody>
+          <a:bodyPr wrap="square" rtlCol="0" anchor="ctr">
+            <a:noAutofit/>
+          </a:bodyPr>
+          <a:lstStyle/>
+          <a:p>
+            <a:pPr algn="ctr"/>
+            <a:endParaRPr kumimoji="1" lang="ja-JP" altLang="en-US"/>
+          </a:p>
+        </p:txBody>
+      </p:sp>
+      <p:sp>
+        <p:nvSpPr>
+          <p:cNvPr id="10" name="正方形/長方形 9">
+            <a:extLst>
+              <a:ext uri="{FF2B5EF4-FFF2-40B4-BE49-F238E27FC236}">
+                <a16:creationId xmlns:a16="http://schemas.microsoft.com/office/drawing/2014/main" id="{C1594741-0F8F-3A3F-EA2E-97A227B1D98A}"/>
+              </a:ext>
+            </a:extLst>
+          </p:cNvPr>
+          <p:cNvSpPr/>
+          <p:nvPr/>
+        </p:nvSpPr>
+        <p:spPr>
+          <a:xfrm>
+            <a:off x="3184525" y="883919"/>
+            <a:ext cx="3463923" cy="99532"/>
+          </a:xfrm>
+          <a:prstGeom prst="rect">
+            <a:avLst/>
+          </a:prstGeom>
+          <a:solidFill>
+            <a:schemeClr val="bg1">
+              <a:lumMod val="75000"/>
+            </a:schemeClr>
+          </a:solidFill>
+          <a:ln>
+            <a:noFill/>
+          </a:ln>
+        </p:spPr>
+        <p:style>
+          <a:lnRef idx="2">
+            <a:schemeClr val="accent1">
+              <a:shade val="15000"/>
+            </a:schemeClr>
+          </a:lnRef>
+          <a:fillRef idx="1">
+            <a:schemeClr val="accent1"/>
+          </a:fillRef>
+          <a:effectRef idx="0">
+            <a:schemeClr val="accent1"/>
+          </a:effectRef>
+          <a:fontRef idx="minor">
+            <a:schemeClr val="lt1"/>
+          </a:fontRef>
+        </p:style>
+        <p:txBody>
+          <a:bodyPr rtlCol="0" anchor="ctr"/>
+          <a:lstStyle/>
+          <a:p>
+            <a:pPr algn="ctr"/>
+            <a:endParaRPr kumimoji="1" lang="ja-JP" altLang="en-US"/>
+          </a:p>
+        </p:txBody>
+      </p:sp>
+      <p:sp>
+        <p:nvSpPr>
+          <p:cNvPr id="11" name="正方形/長方形 10">
+            <a:extLst>
+              <a:ext uri="{FF2B5EF4-FFF2-40B4-BE49-F238E27FC236}">
+                <a16:creationId xmlns:a16="http://schemas.microsoft.com/office/drawing/2014/main" id="{E7398195-0784-9866-852B-DDB7B969A5D2}"/>
+              </a:ext>
+            </a:extLst>
+          </p:cNvPr>
+          <p:cNvSpPr/>
+          <p:nvPr/>
+        </p:nvSpPr>
+        <p:spPr>
+          <a:xfrm rot="16200000">
+            <a:off x="783198" y="3290651"/>
+            <a:ext cx="5197793" cy="169067"/>
+          </a:xfrm>
+          <a:prstGeom prst="rect">
+            <a:avLst/>
+          </a:prstGeom>
+          <a:solidFill>
+            <a:schemeClr val="bg1">
+              <a:lumMod val="75000"/>
+            </a:schemeClr>
+          </a:solidFill>
+          <a:ln>
+            <a:noFill/>
+          </a:ln>
+        </p:spPr>
+        <p:style>
+          <a:lnRef idx="2">
+            <a:schemeClr val="accent1">
+              <a:shade val="15000"/>
+            </a:schemeClr>
+          </a:lnRef>
+          <a:fillRef idx="1">
+            <a:schemeClr val="accent1"/>
+          </a:fillRef>
+          <a:effectRef idx="0">
+            <a:schemeClr val="accent1"/>
+          </a:effectRef>
+          <a:fontRef idx="minor">
+            <a:schemeClr val="lt1"/>
+          </a:fontRef>
+        </p:style>
+        <p:txBody>
+          <a:bodyPr rtlCol="0" anchor="ctr"/>
+          <a:lstStyle/>
+          <a:p>
+            <a:pPr algn="ctr"/>
+            <a:endParaRPr kumimoji="1" lang="ja-JP" altLang="en-US"/>
+          </a:p>
+        </p:txBody>
+      </p:sp>
+      <p:sp>
+        <p:nvSpPr>
+          <p:cNvPr id="12" name="正方形/長方形 11">
+            <a:extLst>
+              <a:ext uri="{FF2B5EF4-FFF2-40B4-BE49-F238E27FC236}">
+                <a16:creationId xmlns:a16="http://schemas.microsoft.com/office/drawing/2014/main" id="{072195E0-2177-D32A-DD1C-A67584E7050C}"/>
+              </a:ext>
+            </a:extLst>
+          </p:cNvPr>
+          <p:cNvSpPr/>
+          <p:nvPr/>
+        </p:nvSpPr>
+        <p:spPr>
+          <a:xfrm>
+            <a:off x="3184525" y="3275105"/>
+            <a:ext cx="173038" cy="45723"/>
+          </a:xfrm>
+          <a:prstGeom prst="rect">
+            <a:avLst/>
+          </a:prstGeom>
+          <a:solidFill>
+            <a:schemeClr val="bg1">
+              <a:lumMod val="75000"/>
+            </a:schemeClr>
+          </a:solidFill>
+          <a:ln>
+            <a:noFill/>
+          </a:ln>
+        </p:spPr>
+        <p:style>
+          <a:lnRef idx="2">
+            <a:schemeClr val="accent1">
+              <a:shade val="15000"/>
+            </a:schemeClr>
+          </a:lnRef>
+          <a:fillRef idx="1">
+            <a:schemeClr val="accent1"/>
+          </a:fillRef>
+          <a:effectRef idx="0">
+            <a:schemeClr val="accent1"/>
+          </a:effectRef>
+          <a:fontRef idx="minor">
+            <a:schemeClr val="lt1"/>
+          </a:fontRef>
+        </p:style>
+        <p:txBody>
+          <a:bodyPr rtlCol="0" anchor="ctr"/>
+          <a:lstStyle/>
+          <a:p>
+            <a:pPr algn="ctr"/>
+            <a:endParaRPr kumimoji="1" lang="ja-JP" altLang="en-US"/>
+          </a:p>
+        </p:txBody>
+      </p:sp>
+      <p:sp>
+        <p:nvSpPr>
+          <p:cNvPr id="15" name="正方形/長方形 14">
+            <a:extLst>
+              <a:ext uri="{FF2B5EF4-FFF2-40B4-BE49-F238E27FC236}">
+                <a16:creationId xmlns:a16="http://schemas.microsoft.com/office/drawing/2014/main" id="{BC4E48AA-DF82-9B7F-841D-6C1E1672BEB5}"/>
+              </a:ext>
+            </a:extLst>
+          </p:cNvPr>
+          <p:cNvSpPr/>
+          <p:nvPr/>
+        </p:nvSpPr>
+        <p:spPr>
+          <a:xfrm>
+            <a:off x="3184524" y="5692696"/>
+            <a:ext cx="3463923" cy="146129"/>
+          </a:xfrm>
+          <a:prstGeom prst="rect">
+            <a:avLst/>
+          </a:prstGeom>
+          <a:solidFill>
+            <a:schemeClr val="bg1">
+              <a:lumMod val="75000"/>
+            </a:schemeClr>
+          </a:solidFill>
+          <a:ln>
+            <a:noFill/>
+          </a:ln>
+        </p:spPr>
+        <p:style>
+          <a:lnRef idx="2">
+            <a:schemeClr val="accent1">
+              <a:shade val="15000"/>
+            </a:schemeClr>
+          </a:lnRef>
+          <a:fillRef idx="1">
+            <a:schemeClr val="accent1"/>
+          </a:fillRef>
+          <a:effectRef idx="0">
+            <a:schemeClr val="accent1"/>
+          </a:effectRef>
+          <a:fontRef idx="minor">
+            <a:schemeClr val="lt1"/>
+          </a:fontRef>
+        </p:style>
+        <p:txBody>
+          <a:bodyPr rtlCol="0" anchor="ctr"/>
+          <a:lstStyle/>
+          <a:p>
+            <a:pPr algn="ctr"/>
+            <a:endParaRPr kumimoji="1" lang="ja-JP" altLang="en-US"/>
+          </a:p>
+        </p:txBody>
+      </p:sp>
+      <p:sp>
+        <p:nvSpPr>
+          <p:cNvPr id="16" name="正方形/長方形 15">
+            <a:extLst>
+              <a:ext uri="{FF2B5EF4-FFF2-40B4-BE49-F238E27FC236}">
+                <a16:creationId xmlns:a16="http://schemas.microsoft.com/office/drawing/2014/main" id="{6511C1C6-66AE-BE11-811F-54DB277030B9}"/>
+              </a:ext>
+            </a:extLst>
+          </p:cNvPr>
+          <p:cNvSpPr/>
+          <p:nvPr/>
+        </p:nvSpPr>
+        <p:spPr>
+          <a:xfrm>
+            <a:off x="3490439" y="1007261"/>
+            <a:ext cx="3158009" cy="45719"/>
+          </a:xfrm>
+          <a:prstGeom prst="rect">
+            <a:avLst/>
+          </a:prstGeom>
+          <a:solidFill>
+            <a:srgbClr val="DDAA88"/>
+          </a:solidFill>
+          <a:ln>
+            <a:noFill/>
+          </a:ln>
+        </p:spPr>
+        <p:style>
+          <a:lnRef idx="2">
+            <a:schemeClr val="accent1">
+              <a:shade val="15000"/>
+            </a:schemeClr>
+          </a:lnRef>
+          <a:fillRef idx="1">
+            <a:schemeClr val="accent1"/>
+          </a:fillRef>
+          <a:effectRef idx="0">
+            <a:schemeClr val="accent1"/>
+          </a:effectRef>
+          <a:fontRef idx="minor">
+            <a:schemeClr val="lt1"/>
+          </a:fontRef>
+        </p:style>
+        <p:txBody>
+          <a:bodyPr rtlCol="0" anchor="ctr"/>
+          <a:lstStyle/>
+          <a:p>
+            <a:pPr algn="ctr"/>
+            <a:endParaRPr kumimoji="1" lang="ja-JP" altLang="en-US"/>
+          </a:p>
+        </p:txBody>
+      </p:sp>
+      <p:sp>
+        <p:nvSpPr>
+          <p:cNvPr id="22" name="正方形/長方形 21">
+            <a:extLst>
+              <a:ext uri="{FF2B5EF4-FFF2-40B4-BE49-F238E27FC236}">
+                <a16:creationId xmlns:a16="http://schemas.microsoft.com/office/drawing/2014/main" id="{6855DFEF-B9B2-2E8A-3D2E-B1C18884C088}"/>
+              </a:ext>
+            </a:extLst>
+          </p:cNvPr>
+          <p:cNvSpPr/>
+          <p:nvPr/>
+        </p:nvSpPr>
+        <p:spPr>
+          <a:xfrm>
+            <a:off x="3490439" y="5622086"/>
+            <a:ext cx="3158009" cy="45719"/>
+          </a:xfrm>
+          <a:prstGeom prst="rect">
+            <a:avLst/>
+          </a:prstGeom>
+          <a:solidFill>
+            <a:srgbClr val="DDAA88"/>
+          </a:solidFill>
+          <a:ln>
+            <a:noFill/>
+          </a:ln>
+        </p:spPr>
+        <p:style>
+          <a:lnRef idx="2">
+            <a:schemeClr val="accent1">
+              <a:shade val="15000"/>
+            </a:schemeClr>
+          </a:lnRef>
+          <a:fillRef idx="1">
+            <a:schemeClr val="accent1"/>
+          </a:fillRef>
+          <a:effectRef idx="0">
+            <a:schemeClr val="accent1"/>
+          </a:effectRef>
+          <a:fontRef idx="minor">
+            <a:schemeClr val="lt1"/>
+          </a:fontRef>
+        </p:style>
+        <p:txBody>
+          <a:bodyPr rtlCol="0" anchor="ctr"/>
+          <a:lstStyle/>
+          <a:p>
+            <a:pPr algn="ctr"/>
+            <a:endParaRPr kumimoji="1" lang="ja-JP" altLang="en-US"/>
+          </a:p>
+        </p:txBody>
+      </p:sp>
+      <p:sp>
+        <p:nvSpPr>
+          <p:cNvPr id="27" name="フリーフォーム: 図形 26">
+            <a:extLst>
+              <a:ext uri="{FF2B5EF4-FFF2-40B4-BE49-F238E27FC236}">
+                <a16:creationId xmlns:a16="http://schemas.microsoft.com/office/drawing/2014/main" id="{9AFCB13C-2A08-892A-74BF-8C90A0A4C6A9}"/>
+              </a:ext>
+            </a:extLst>
+          </p:cNvPr>
+          <p:cNvSpPr/>
+          <p:nvPr/>
+        </p:nvSpPr>
+        <p:spPr>
+          <a:xfrm>
+            <a:off x="3490678" y="1007260"/>
+            <a:ext cx="46800" cy="131202"/>
+          </a:xfrm>
+          <a:custGeom>
+            <a:avLst/>
+            <a:gdLst>
+              <a:gd name="connsiteX0" fmla="*/ 0 w 46800"/>
+              <a:gd name="connsiteY0" fmla="*/ 0 h 131202"/>
+              <a:gd name="connsiteX1" fmla="*/ 46800 w 46800"/>
+              <a:gd name="connsiteY1" fmla="*/ 0 h 131202"/>
+              <a:gd name="connsiteX2" fmla="*/ 46800 w 46800"/>
+              <a:gd name="connsiteY2" fmla="*/ 131202 h 131202"/>
+              <a:gd name="connsiteX3" fmla="*/ 0 w 46800"/>
+              <a:gd name="connsiteY3" fmla="*/ 131202 h 131202"/>
+              <a:gd name="connsiteX4" fmla="*/ 0 w 46800"/>
+              <a:gd name="connsiteY4" fmla="*/ 0 h 131202"/>
+            </a:gdLst>
+            <a:ahLst/>
+            <a:cxnLst>
+              <a:cxn ang="0">
+                <a:pos x="connsiteX0" y="connsiteY0"/>
+              </a:cxn>
+              <a:cxn ang="0">
+                <a:pos x="connsiteX1" y="connsiteY1"/>
+              </a:cxn>
+              <a:cxn ang="0">
+                <a:pos x="connsiteX2" y="connsiteY2"/>
+              </a:cxn>
+              <a:cxn ang="0">
+                <a:pos x="connsiteX3" y="connsiteY3"/>
+              </a:cxn>
+              <a:cxn ang="0">
+                <a:pos x="connsiteX4" y="connsiteY4"/>
+              </a:cxn>
+            </a:cxnLst>
+            <a:rect l="l" t="t" r="r" b="b"/>
+            <a:pathLst>
+              <a:path w="46800" h="131202">
+                <a:moveTo>
+                  <a:pt x="0" y="0"/>
+                </a:moveTo>
+                <a:lnTo>
+                  <a:pt x="46800" y="0"/>
+                </a:lnTo>
+                <a:lnTo>
+                  <a:pt x="46800" y="131202"/>
+                </a:lnTo>
+                <a:lnTo>
+                  <a:pt x="0" y="131202"/>
+                </a:lnTo>
+                <a:lnTo>
+                  <a:pt x="0" y="0"/>
+                </a:lnTo>
+                <a:close/>
+              </a:path>
+            </a:pathLst>
+          </a:custGeom>
+          <a:solidFill>
+            <a:srgbClr val="DDAA88"/>
+          </a:solidFill>
+          <a:ln>
+            <a:noFill/>
+          </a:ln>
+        </p:spPr>
+        <p:style>
+          <a:lnRef idx="2">
+            <a:schemeClr val="accent1">
+              <a:shade val="15000"/>
+            </a:schemeClr>
+          </a:lnRef>
+          <a:fillRef idx="1">
+            <a:schemeClr val="accent1"/>
+          </a:fillRef>
+          <a:effectRef idx="0">
+            <a:schemeClr val="accent1"/>
+          </a:effectRef>
+          <a:fontRef idx="minor">
+            <a:schemeClr val="lt1"/>
+          </a:fontRef>
+        </p:style>
+        <p:txBody>
+          <a:bodyPr wrap="square" rtlCol="0" anchor="ctr">
+            <a:noAutofit/>
+          </a:bodyPr>
+          <a:lstStyle/>
+          <a:p>
+            <a:pPr algn="ctr"/>
+            <a:endParaRPr kumimoji="1" lang="ja-JP" altLang="en-US"/>
+          </a:p>
+        </p:txBody>
+      </p:sp>
+      <p:sp>
+        <p:nvSpPr>
+          <p:cNvPr id="29" name="二等辺三角形 28">
+            <a:extLst>
+              <a:ext uri="{FF2B5EF4-FFF2-40B4-BE49-F238E27FC236}">
+                <a16:creationId xmlns:a16="http://schemas.microsoft.com/office/drawing/2014/main" id="{E4D65671-CFDC-5F1C-F16F-0C0AD810EEF1}"/>
+              </a:ext>
+            </a:extLst>
+          </p:cNvPr>
+          <p:cNvSpPr/>
+          <p:nvPr/>
+        </p:nvSpPr>
+        <p:spPr>
+          <a:xfrm rot="5400000">
+            <a:off x="3416018" y="1253530"/>
+            <a:ext cx="196119" cy="169068"/>
+          </a:xfrm>
+          <a:prstGeom prst="triangle">
+            <a:avLst/>
+          </a:prstGeom>
+          <a:solidFill>
+            <a:srgbClr val="7FD9FB"/>
+          </a:solidFill>
+          <a:ln w="38100" cap="rnd">
+            <a:solidFill>
+              <a:srgbClr val="EBE2D5"/>
+            </a:solidFill>
+            <a:round/>
+          </a:ln>
+        </p:spPr>
+        <p:style>
+          <a:lnRef idx="2">
+            <a:schemeClr val="accent1">
+              <a:shade val="15000"/>
+            </a:schemeClr>
+          </a:lnRef>
+          <a:fillRef idx="1">
+            <a:schemeClr val="accent1"/>
+          </a:fillRef>
+          <a:effectRef idx="0">
+            <a:schemeClr val="accent1"/>
+          </a:effectRef>
+          <a:fontRef idx="minor">
+            <a:schemeClr val="lt1"/>
+          </a:fontRef>
+        </p:style>
+        <p:txBody>
+          <a:bodyPr rtlCol="0" anchor="ctr"/>
+          <a:lstStyle/>
+          <a:p>
+            <a:pPr algn="ctr"/>
+            <a:endParaRPr kumimoji="1" lang="ja-JP" altLang="en-US"/>
+          </a:p>
+        </p:txBody>
+      </p:sp>
+      <p:sp>
+        <p:nvSpPr>
+          <p:cNvPr id="35" name="フリーフォーム: 図形 34">
+            <a:extLst>
+              <a:ext uri="{FF2B5EF4-FFF2-40B4-BE49-F238E27FC236}">
+                <a16:creationId xmlns:a16="http://schemas.microsoft.com/office/drawing/2014/main" id="{BF5D72F5-C515-1001-5A36-8159AA1976DF}"/>
+              </a:ext>
+            </a:extLst>
+          </p:cNvPr>
+          <p:cNvSpPr/>
+          <p:nvPr/>
+        </p:nvSpPr>
+        <p:spPr>
+          <a:xfrm>
+            <a:off x="3490678" y="1533750"/>
+            <a:ext cx="46800" cy="2104798"/>
+          </a:xfrm>
+          <a:custGeom>
+            <a:avLst/>
+            <a:gdLst>
+              <a:gd name="connsiteX0" fmla="*/ 0 w 46800"/>
+              <a:gd name="connsiteY0" fmla="*/ 0 h 2104798"/>
+              <a:gd name="connsiteX1" fmla="*/ 46800 w 46800"/>
+              <a:gd name="connsiteY1" fmla="*/ 0 h 2104798"/>
+              <a:gd name="connsiteX2" fmla="*/ 46800 w 46800"/>
+              <a:gd name="connsiteY2" fmla="*/ 2104798 h 2104798"/>
+              <a:gd name="connsiteX3" fmla="*/ 0 w 46800"/>
+              <a:gd name="connsiteY3" fmla="*/ 2104798 h 2104798"/>
+              <a:gd name="connsiteX4" fmla="*/ 0 w 46800"/>
+              <a:gd name="connsiteY4" fmla="*/ 0 h 2104798"/>
+            </a:gdLst>
+            <a:ahLst/>
+            <a:cxnLst>
+              <a:cxn ang="0">
+                <a:pos x="connsiteX0" y="connsiteY0"/>
+              </a:cxn>
+              <a:cxn ang="0">
+                <a:pos x="connsiteX1" y="connsiteY1"/>
+              </a:cxn>
+              <a:cxn ang="0">
+                <a:pos x="connsiteX2" y="connsiteY2"/>
+              </a:cxn>
+              <a:cxn ang="0">
+                <a:pos x="connsiteX3" y="connsiteY3"/>
+              </a:cxn>
+              <a:cxn ang="0">
+                <a:pos x="connsiteX4" y="connsiteY4"/>
+              </a:cxn>
+            </a:cxnLst>
+            <a:rect l="l" t="t" r="r" b="b"/>
+            <a:pathLst>
+              <a:path w="46800" h="2104798">
+                <a:moveTo>
+                  <a:pt x="0" y="0"/>
+                </a:moveTo>
+                <a:lnTo>
+                  <a:pt x="46800" y="0"/>
+                </a:lnTo>
+                <a:lnTo>
+                  <a:pt x="46800" y="2104798"/>
+                </a:lnTo>
+                <a:lnTo>
+                  <a:pt x="0" y="2104798"/>
+                </a:lnTo>
+                <a:lnTo>
+                  <a:pt x="0" y="0"/>
+                </a:lnTo>
+                <a:close/>
+              </a:path>
+            </a:pathLst>
+          </a:custGeom>
+          <a:solidFill>
+            <a:srgbClr val="DDAA88"/>
+          </a:solidFill>
+          <a:ln>
+            <a:noFill/>
+          </a:ln>
+        </p:spPr>
+        <p:style>
+          <a:lnRef idx="2">
+            <a:schemeClr val="accent1">
+              <a:shade val="15000"/>
+            </a:schemeClr>
+          </a:lnRef>
+          <a:fillRef idx="1">
+            <a:schemeClr val="accent1"/>
+          </a:fillRef>
+          <a:effectRef idx="0">
+            <a:schemeClr val="accent1"/>
+          </a:effectRef>
+          <a:fontRef idx="minor">
+            <a:schemeClr val="lt1"/>
+          </a:fontRef>
+        </p:style>
+        <p:txBody>
+          <a:bodyPr wrap="square" rtlCol="0" anchor="ctr">
+            <a:noAutofit/>
+          </a:bodyPr>
+          <a:lstStyle/>
+          <a:p>
+            <a:pPr algn="ctr"/>
+            <a:endParaRPr kumimoji="1" lang="ja-JP" altLang="en-US"/>
+          </a:p>
+        </p:txBody>
+      </p:sp>
+      <p:sp>
+        <p:nvSpPr>
+          <p:cNvPr id="32" name="フリーフォーム: 図形 31">
+            <a:extLst>
+              <a:ext uri="{FF2B5EF4-FFF2-40B4-BE49-F238E27FC236}">
+                <a16:creationId xmlns:a16="http://schemas.microsoft.com/office/drawing/2014/main" id="{FB810AA8-191D-A514-FDA6-84A524E883CE}"/>
+              </a:ext>
+            </a:extLst>
+          </p:cNvPr>
+          <p:cNvSpPr/>
+          <p:nvPr/>
+        </p:nvSpPr>
+        <p:spPr>
+          <a:xfrm>
+            <a:off x="3490678" y="4081460"/>
+            <a:ext cx="46800" cy="1583534"/>
+          </a:xfrm>
+          <a:custGeom>
+            <a:avLst/>
+            <a:gdLst>
+              <a:gd name="connsiteX0" fmla="*/ 0 w 46800"/>
+              <a:gd name="connsiteY0" fmla="*/ 0 h 1583534"/>
+              <a:gd name="connsiteX1" fmla="*/ 46800 w 46800"/>
+              <a:gd name="connsiteY1" fmla="*/ 0 h 1583534"/>
+              <a:gd name="connsiteX2" fmla="*/ 46800 w 46800"/>
+              <a:gd name="connsiteY2" fmla="*/ 1583534 h 1583534"/>
+              <a:gd name="connsiteX3" fmla="*/ 0 w 46800"/>
+              <a:gd name="connsiteY3" fmla="*/ 1583534 h 1583534"/>
+              <a:gd name="connsiteX4" fmla="*/ 0 w 46800"/>
+              <a:gd name="connsiteY4" fmla="*/ 0 h 1583534"/>
+            </a:gdLst>
+            <a:ahLst/>
+            <a:cxnLst>
+              <a:cxn ang="0">
+                <a:pos x="connsiteX0" y="connsiteY0"/>
+              </a:cxn>
+              <a:cxn ang="0">
+                <a:pos x="connsiteX1" y="connsiteY1"/>
+              </a:cxn>
+              <a:cxn ang="0">
+                <a:pos x="connsiteX2" y="connsiteY2"/>
+              </a:cxn>
+              <a:cxn ang="0">
+                <a:pos x="connsiteX3" y="connsiteY3"/>
+              </a:cxn>
+              <a:cxn ang="0">
+                <a:pos x="connsiteX4" y="connsiteY4"/>
+              </a:cxn>
+            </a:cxnLst>
+            <a:rect l="l" t="t" r="r" b="b"/>
+            <a:pathLst>
+              <a:path w="46800" h="1583534">
+                <a:moveTo>
+                  <a:pt x="0" y="0"/>
+                </a:moveTo>
+                <a:lnTo>
+                  <a:pt x="46800" y="0"/>
+                </a:lnTo>
+                <a:lnTo>
+                  <a:pt x="46800" y="1583534"/>
+                </a:lnTo>
+                <a:lnTo>
+                  <a:pt x="0" y="1583534"/>
+                </a:lnTo>
+                <a:lnTo>
+                  <a:pt x="0" y="0"/>
+                </a:lnTo>
+                <a:close/>
+              </a:path>
+            </a:pathLst>
+          </a:custGeom>
+          <a:solidFill>
+            <a:srgbClr val="DDAA88"/>
+          </a:solidFill>
+          <a:ln>
+            <a:noFill/>
+          </a:ln>
+        </p:spPr>
+        <p:style>
+          <a:lnRef idx="2">
+            <a:schemeClr val="accent1">
+              <a:shade val="15000"/>
+            </a:schemeClr>
+          </a:lnRef>
+          <a:fillRef idx="1">
+            <a:schemeClr val="accent1"/>
+          </a:fillRef>
+          <a:effectRef idx="0">
+            <a:schemeClr val="accent1"/>
+          </a:effectRef>
+          <a:fontRef idx="minor">
+            <a:schemeClr val="lt1"/>
+          </a:fontRef>
+        </p:style>
+        <p:txBody>
+          <a:bodyPr wrap="square" rtlCol="0" anchor="ctr">
+            <a:noAutofit/>
+          </a:bodyPr>
+          <a:lstStyle/>
+          <a:p>
+            <a:pPr algn="ctr"/>
+            <a:endParaRPr kumimoji="1" lang="ja-JP" altLang="en-US"/>
+          </a:p>
+        </p:txBody>
+      </p:sp>
+      <p:sp>
+        <p:nvSpPr>
+          <p:cNvPr id="37" name="二等辺三角形 36">
+            <a:extLst>
+              <a:ext uri="{FF2B5EF4-FFF2-40B4-BE49-F238E27FC236}">
+                <a16:creationId xmlns:a16="http://schemas.microsoft.com/office/drawing/2014/main" id="{0E6737E5-0585-A590-D549-2AACCCF2DE99}"/>
+              </a:ext>
+            </a:extLst>
+          </p:cNvPr>
+          <p:cNvSpPr/>
+          <p:nvPr/>
+        </p:nvSpPr>
+        <p:spPr>
+          <a:xfrm rot="5400000">
+            <a:off x="3416018" y="3775470"/>
+            <a:ext cx="196119" cy="169068"/>
+          </a:xfrm>
+          <a:prstGeom prst="triangle">
+            <a:avLst/>
+          </a:prstGeom>
+          <a:solidFill>
+            <a:srgbClr val="7FD9FB"/>
+          </a:solidFill>
+          <a:ln w="38100" cap="rnd">
+            <a:solidFill>
+              <a:srgbClr val="EBE2D5"/>
+            </a:solidFill>
+            <a:round/>
+          </a:ln>
+        </p:spPr>
+        <p:style>
+          <a:lnRef idx="2">
+            <a:schemeClr val="accent1">
+              <a:shade val="15000"/>
+            </a:schemeClr>
+          </a:lnRef>
+          <a:fillRef idx="1">
+            <a:schemeClr val="accent1"/>
+          </a:fillRef>
+          <a:effectRef idx="0">
+            <a:schemeClr val="accent1"/>
+          </a:effectRef>
+          <a:fontRef idx="minor">
+            <a:schemeClr val="lt1"/>
+          </a:fontRef>
+        </p:style>
+        <p:txBody>
+          <a:bodyPr rtlCol="0" anchor="ctr"/>
+          <a:lstStyle/>
+          <a:p>
+            <a:pPr algn="ctr"/>
+            <a:endParaRPr kumimoji="1" lang="ja-JP" altLang="en-US"/>
+          </a:p>
+        </p:txBody>
+      </p:sp>
+    </p:spTree>
+    <p:extLst>
+      <p:ext uri="{BB962C8B-B14F-4D97-AF65-F5344CB8AC3E}">
+        <p14:creationId xmlns:p14="http://schemas.microsoft.com/office/powerpoint/2010/main" val="3111390623"/>
+      </p:ext>
+    </p:extLst>
+  </p:cSld>
+  <p:clrMapOvr>
+    <a:masterClrMapping/>
+  </p:clrMapOvr>
+</p:sld>
+</file>
+
+<file path=ppt/slides/slide3.xml><?xml version="1.0" encoding="utf-8"?>
 <p:sld xmlns:a="http://schemas.openxmlformats.org/drawingml/2006/main" xmlns:r="http://schemas.openxmlformats.org/officeDocument/2006/relationships" xmlns:p="http://schemas.openxmlformats.org/presentationml/2006/main">
   <p:cSld>
     <p:spTree>
@@ -7044,7 +9581,7 @@
 </p:sld>
 </file>
 
-<file path=ppt/slides/slide3.xml><?xml version="1.0" encoding="utf-8"?>
+<file path=ppt/slides/slide4.xml><?xml version="1.0" encoding="utf-8"?>
 <p:sld xmlns:a="http://schemas.openxmlformats.org/drawingml/2006/main" xmlns:r="http://schemas.openxmlformats.org/officeDocument/2006/relationships" xmlns:p="http://schemas.openxmlformats.org/presentationml/2006/main">
   <p:cSld>
     <p:spTree>
@@ -11824,7 +14361,7 @@
 </p:sld>
 </file>
 
-<file path=ppt/slides/slide4.xml><?xml version="1.0" encoding="utf-8"?>
+<file path=ppt/slides/slide5.xml><?xml version="1.0" encoding="utf-8"?>
 <p:sld xmlns:a="http://schemas.openxmlformats.org/drawingml/2006/main" xmlns:r="http://schemas.openxmlformats.org/officeDocument/2006/relationships" xmlns:p="http://schemas.openxmlformats.org/presentationml/2006/main">
   <p:cSld>
     <p:spTree>
@@ -11862,7 +14399,7 @@
             <a:avLst/>
           </a:prstGeom>
           <a:solidFill>
-            <a:schemeClr val="bg1"/>
+            <a:srgbClr val="EBE2D5"/>
           </a:solidFill>
           <a:ln>
             <a:noFill/>
@@ -13276,7 +15813,7 @@
 </p:sld>
 </file>
 
-<file path=ppt/slides/slide5.xml><?xml version="1.0" encoding="utf-8"?>
+<file path=ppt/slides/slide6.xml><?xml version="1.0" encoding="utf-8"?>
 <p:sld xmlns:a="http://schemas.openxmlformats.org/drawingml/2006/main" xmlns:r="http://schemas.openxmlformats.org/officeDocument/2006/relationships" xmlns:p="http://schemas.openxmlformats.org/presentationml/2006/main">
   <p:cSld>
     <p:spTree>
@@ -14255,7 +16792,7 @@
 </p:sld>
 </file>
 
-<file path=ppt/slides/slide6.xml><?xml version="1.0" encoding="utf-8"?>
+<file path=ppt/slides/slide7.xml><?xml version="1.0" encoding="utf-8"?>
 <p:sld xmlns:a="http://schemas.openxmlformats.org/drawingml/2006/main" xmlns:r="http://schemas.openxmlformats.org/officeDocument/2006/relationships" xmlns:p="http://schemas.openxmlformats.org/presentationml/2006/main">
   <p:cSld>
     <p:spTree>

--- a/2d/main.pptx
+++ b/2d/main.pptx
@@ -6712,8 +6712,8 @@
             </p:nvSpPr>
             <p:spPr>
               <a:xfrm>
-                <a:off x="4869192" y="2979095"/>
-                <a:ext cx="1210604" cy="613386"/>
+                <a:off x="4568825" y="2979095"/>
+                <a:ext cx="1510971" cy="613386"/>
               </a:xfrm>
               <a:prstGeom prst="rect">
                 <a:avLst/>
@@ -8004,8 +8004,8 @@
         </p:nvSpPr>
         <p:spPr>
           <a:xfrm>
-            <a:off x="4869192" y="2979095"/>
-            <a:ext cx="1210604" cy="613386"/>
+            <a:off x="4568825" y="2979095"/>
+            <a:ext cx="1510971" cy="613386"/>
           </a:xfrm>
           <a:prstGeom prst="rect">
             <a:avLst/>

--- a/2d/main.pptx
+++ b/2d/main.pptx
@@ -258,7 +258,7 @@
           <a:p>
             <a:fld id="{528E7D60-6D11-405A-8EEF-73F5412858C5}" type="datetimeFigureOut">
               <a:rPr kumimoji="1" lang="ja-JP" altLang="en-US" smtClean="0"/>
-              <a:t>2024/8/15</a:t>
+              <a:t>2024/8/17</a:t>
             </a:fld>
             <a:endParaRPr kumimoji="1" lang="ja-JP" altLang="en-US"/>
           </a:p>
@@ -460,7 +460,7 @@
           <a:p>
             <a:fld id="{528E7D60-6D11-405A-8EEF-73F5412858C5}" type="datetimeFigureOut">
               <a:rPr kumimoji="1" lang="ja-JP" altLang="en-US" smtClean="0"/>
-              <a:t>2024/8/15</a:t>
+              <a:t>2024/8/17</a:t>
             </a:fld>
             <a:endParaRPr kumimoji="1" lang="ja-JP" altLang="en-US"/>
           </a:p>
@@ -672,7 +672,7 @@
           <a:p>
             <a:fld id="{528E7D60-6D11-405A-8EEF-73F5412858C5}" type="datetimeFigureOut">
               <a:rPr kumimoji="1" lang="ja-JP" altLang="en-US" smtClean="0"/>
-              <a:t>2024/8/15</a:t>
+              <a:t>2024/8/17</a:t>
             </a:fld>
             <a:endParaRPr kumimoji="1" lang="ja-JP" altLang="en-US"/>
           </a:p>
@@ -874,7 +874,7 @@
           <a:p>
             <a:fld id="{528E7D60-6D11-405A-8EEF-73F5412858C5}" type="datetimeFigureOut">
               <a:rPr kumimoji="1" lang="ja-JP" altLang="en-US" smtClean="0"/>
-              <a:t>2024/8/15</a:t>
+              <a:t>2024/8/17</a:t>
             </a:fld>
             <a:endParaRPr kumimoji="1" lang="ja-JP" altLang="en-US"/>
           </a:p>
@@ -1118,7 +1118,7 @@
           <a:p>
             <a:fld id="{528E7D60-6D11-405A-8EEF-73F5412858C5}" type="datetimeFigureOut">
               <a:rPr kumimoji="1" lang="ja-JP" altLang="en-US" smtClean="0"/>
-              <a:t>2024/8/15</a:t>
+              <a:t>2024/8/17</a:t>
             </a:fld>
             <a:endParaRPr kumimoji="1" lang="ja-JP" altLang="en-US"/>
           </a:p>
@@ -1414,7 +1414,7 @@
           <a:p>
             <a:fld id="{528E7D60-6D11-405A-8EEF-73F5412858C5}" type="datetimeFigureOut">
               <a:rPr kumimoji="1" lang="ja-JP" altLang="en-US" smtClean="0"/>
-              <a:t>2024/8/15</a:t>
+              <a:t>2024/8/17</a:t>
             </a:fld>
             <a:endParaRPr kumimoji="1" lang="ja-JP" altLang="en-US"/>
           </a:p>
@@ -1845,7 +1845,7 @@
           <a:p>
             <a:fld id="{528E7D60-6D11-405A-8EEF-73F5412858C5}" type="datetimeFigureOut">
               <a:rPr kumimoji="1" lang="ja-JP" altLang="en-US" smtClean="0"/>
-              <a:t>2024/8/15</a:t>
+              <a:t>2024/8/17</a:t>
             </a:fld>
             <a:endParaRPr kumimoji="1" lang="ja-JP" altLang="en-US"/>
           </a:p>
@@ -1963,7 +1963,7 @@
           <a:p>
             <a:fld id="{528E7D60-6D11-405A-8EEF-73F5412858C5}" type="datetimeFigureOut">
               <a:rPr kumimoji="1" lang="ja-JP" altLang="en-US" smtClean="0"/>
-              <a:t>2024/8/15</a:t>
+              <a:t>2024/8/17</a:t>
             </a:fld>
             <a:endParaRPr kumimoji="1" lang="ja-JP" altLang="en-US"/>
           </a:p>
@@ -2058,7 +2058,7 @@
           <a:p>
             <a:fld id="{528E7D60-6D11-405A-8EEF-73F5412858C5}" type="datetimeFigureOut">
               <a:rPr kumimoji="1" lang="ja-JP" altLang="en-US" smtClean="0"/>
-              <a:t>2024/8/15</a:t>
+              <a:t>2024/8/17</a:t>
             </a:fld>
             <a:endParaRPr kumimoji="1" lang="ja-JP" altLang="en-US"/>
           </a:p>
@@ -2367,7 +2367,7 @@
           <a:p>
             <a:fld id="{528E7D60-6D11-405A-8EEF-73F5412858C5}" type="datetimeFigureOut">
               <a:rPr kumimoji="1" lang="ja-JP" altLang="en-US" smtClean="0"/>
-              <a:t>2024/8/15</a:t>
+              <a:t>2024/8/17</a:t>
             </a:fld>
             <a:endParaRPr kumimoji="1" lang="ja-JP" altLang="en-US"/>
           </a:p>
@@ -2624,7 +2624,7 @@
           <a:p>
             <a:fld id="{528E7D60-6D11-405A-8EEF-73F5412858C5}" type="datetimeFigureOut">
               <a:rPr kumimoji="1" lang="ja-JP" altLang="en-US" smtClean="0"/>
-              <a:t>2024/8/15</a:t>
+              <a:t>2024/8/17</a:t>
             </a:fld>
             <a:endParaRPr kumimoji="1" lang="ja-JP" altLang="en-US"/>
           </a:p>
@@ -2869,7 +2869,7 @@
           <a:p>
             <a:fld id="{528E7D60-6D11-405A-8EEF-73F5412858C5}" type="datetimeFigureOut">
               <a:rPr kumimoji="1" lang="ja-JP" altLang="en-US" smtClean="0"/>
-              <a:t>2024/8/15</a:t>
+              <a:t>2024/8/17</a:t>
             </a:fld>
             <a:endParaRPr kumimoji="1" lang="ja-JP" altLang="en-US"/>
           </a:p>
@@ -8944,6 +8944,257 @@
           </a:p>
         </p:txBody>
       </p:sp>
+      <p:sp>
+        <p:nvSpPr>
+          <p:cNvPr id="5" name="テキスト ボックス 4">
+            <a:extLst>
+              <a:ext uri="{FF2B5EF4-FFF2-40B4-BE49-F238E27FC236}">
+                <a16:creationId xmlns:a16="http://schemas.microsoft.com/office/drawing/2014/main" id="{A2C5691C-00B9-05BC-D5B3-A25E4F79DF3A}"/>
+              </a:ext>
+            </a:extLst>
+          </p:cNvPr>
+          <p:cNvSpPr txBox="1"/>
+          <p:nvPr/>
+        </p:nvSpPr>
+        <p:spPr>
+          <a:xfrm>
+            <a:off x="6483350" y="2030222"/>
+            <a:ext cx="405880" cy="261610"/>
+          </a:xfrm>
+          <a:prstGeom prst="rect">
+            <a:avLst/>
+          </a:prstGeom>
+          <a:noFill/>
+        </p:spPr>
+        <p:txBody>
+          <a:bodyPr wrap="none" rtlCol="0">
+            <a:spAutoFit/>
+          </a:bodyPr>
+          <a:lstStyle/>
+          <a:p>
+            <a:r>
+              <a:rPr kumimoji="1" lang="en-US" altLang="ja-JP" sz="1100" dirty="0">
+                <a:solidFill>
+                  <a:schemeClr val="bg1">
+                    <a:lumMod val="50000"/>
+                  </a:schemeClr>
+                </a:solidFill>
+                <a:latin typeface="Noto Sans JP Medium" panose="020B0600000000000000" pitchFamily="34" charset="-128"/>
+                <a:ea typeface="Noto Sans JP Medium" panose="020B0600000000000000" pitchFamily="34" charset="-128"/>
+              </a:rPr>
+              <a:t>1</a:t>
+            </a:r>
+            <a:r>
+              <a:rPr kumimoji="1" lang="ja-JP" altLang="en-US" sz="1100" dirty="0">
+                <a:solidFill>
+                  <a:schemeClr val="bg1">
+                    <a:lumMod val="50000"/>
+                  </a:schemeClr>
+                </a:solidFill>
+                <a:latin typeface="Noto Sans JP Medium" panose="020B0600000000000000" pitchFamily="34" charset="-128"/>
+                <a:ea typeface="Noto Sans JP Medium" panose="020B0600000000000000" pitchFamily="34" charset="-128"/>
+              </a:rPr>
+              <a:t>棟</a:t>
+            </a:r>
+          </a:p>
+        </p:txBody>
+      </p:sp>
+      <p:sp>
+        <p:nvSpPr>
+          <p:cNvPr id="13" name="テキスト ボックス 12">
+            <a:extLst>
+              <a:ext uri="{FF2B5EF4-FFF2-40B4-BE49-F238E27FC236}">
+                <a16:creationId xmlns:a16="http://schemas.microsoft.com/office/drawing/2014/main" id="{47F9DF22-881F-596C-CDC9-A1FD746EE9F8}"/>
+              </a:ext>
+            </a:extLst>
+          </p:cNvPr>
+          <p:cNvSpPr txBox="1"/>
+          <p:nvPr/>
+        </p:nvSpPr>
+        <p:spPr>
+          <a:xfrm>
+            <a:off x="6400800" y="4034239"/>
+            <a:ext cx="405880" cy="261610"/>
+          </a:xfrm>
+          <a:prstGeom prst="rect">
+            <a:avLst/>
+          </a:prstGeom>
+          <a:noFill/>
+        </p:spPr>
+        <p:txBody>
+          <a:bodyPr wrap="none" rtlCol="0">
+            <a:spAutoFit/>
+          </a:bodyPr>
+          <a:lstStyle/>
+          <a:p>
+            <a:r>
+              <a:rPr kumimoji="1" lang="en-US" altLang="ja-JP" sz="1100" dirty="0">
+                <a:solidFill>
+                  <a:schemeClr val="bg1">
+                    <a:lumMod val="50000"/>
+                  </a:schemeClr>
+                </a:solidFill>
+                <a:latin typeface="Noto Sans JP Medium" panose="020B0600000000000000" pitchFamily="34" charset="-128"/>
+                <a:ea typeface="Noto Sans JP Medium" panose="020B0600000000000000" pitchFamily="34" charset="-128"/>
+              </a:rPr>
+              <a:t>2</a:t>
+            </a:r>
+            <a:r>
+              <a:rPr kumimoji="1" lang="ja-JP" altLang="en-US" sz="1100" dirty="0">
+                <a:solidFill>
+                  <a:schemeClr val="bg1">
+                    <a:lumMod val="50000"/>
+                  </a:schemeClr>
+                </a:solidFill>
+                <a:latin typeface="Noto Sans JP Medium" panose="020B0600000000000000" pitchFamily="34" charset="-128"/>
+                <a:ea typeface="Noto Sans JP Medium" panose="020B0600000000000000" pitchFamily="34" charset="-128"/>
+              </a:rPr>
+              <a:t>棟</a:t>
+            </a:r>
+          </a:p>
+        </p:txBody>
+      </p:sp>
+      <p:sp>
+        <p:nvSpPr>
+          <p:cNvPr id="16" name="テキスト ボックス 15">
+            <a:extLst>
+              <a:ext uri="{FF2B5EF4-FFF2-40B4-BE49-F238E27FC236}">
+                <a16:creationId xmlns:a16="http://schemas.microsoft.com/office/drawing/2014/main" id="{470E5E06-FED8-09F2-AD33-6844B18E63EC}"/>
+              </a:ext>
+            </a:extLst>
+          </p:cNvPr>
+          <p:cNvSpPr txBox="1"/>
+          <p:nvPr/>
+        </p:nvSpPr>
+        <p:spPr>
+          <a:xfrm>
+            <a:off x="6350599" y="6038256"/>
+            <a:ext cx="405880" cy="261610"/>
+          </a:xfrm>
+          <a:prstGeom prst="rect">
+            <a:avLst/>
+          </a:prstGeom>
+          <a:noFill/>
+        </p:spPr>
+        <p:txBody>
+          <a:bodyPr wrap="none" rtlCol="0">
+            <a:spAutoFit/>
+          </a:bodyPr>
+          <a:lstStyle/>
+          <a:p>
+            <a:r>
+              <a:rPr kumimoji="1" lang="en-US" altLang="ja-JP" sz="1100" dirty="0">
+                <a:solidFill>
+                  <a:schemeClr val="bg1">
+                    <a:lumMod val="50000"/>
+                  </a:schemeClr>
+                </a:solidFill>
+                <a:latin typeface="Noto Sans JP Medium" panose="020B0600000000000000" pitchFamily="34" charset="-128"/>
+                <a:ea typeface="Noto Sans JP Medium" panose="020B0600000000000000" pitchFamily="34" charset="-128"/>
+              </a:rPr>
+              <a:t>3</a:t>
+            </a:r>
+            <a:r>
+              <a:rPr kumimoji="1" lang="ja-JP" altLang="en-US" sz="1100" dirty="0">
+                <a:solidFill>
+                  <a:schemeClr val="bg1">
+                    <a:lumMod val="50000"/>
+                  </a:schemeClr>
+                </a:solidFill>
+                <a:latin typeface="Noto Sans JP Medium" panose="020B0600000000000000" pitchFamily="34" charset="-128"/>
+                <a:ea typeface="Noto Sans JP Medium" panose="020B0600000000000000" pitchFamily="34" charset="-128"/>
+              </a:rPr>
+              <a:t>棟</a:t>
+            </a:r>
+          </a:p>
+        </p:txBody>
+      </p:sp>
+      <p:sp>
+        <p:nvSpPr>
+          <p:cNvPr id="17" name="テキスト ボックス 16">
+            <a:extLst>
+              <a:ext uri="{FF2B5EF4-FFF2-40B4-BE49-F238E27FC236}">
+                <a16:creationId xmlns:a16="http://schemas.microsoft.com/office/drawing/2014/main" id="{AA7DD3DF-BEEC-C6B9-72BB-4666E38DB676}"/>
+              </a:ext>
+            </a:extLst>
+          </p:cNvPr>
+          <p:cNvSpPr txBox="1"/>
+          <p:nvPr/>
+        </p:nvSpPr>
+        <p:spPr>
+          <a:xfrm>
+            <a:off x="5400510" y="8037897"/>
+            <a:ext cx="607859" cy="261610"/>
+          </a:xfrm>
+          <a:prstGeom prst="rect">
+            <a:avLst/>
+          </a:prstGeom>
+          <a:noFill/>
+        </p:spPr>
+        <p:txBody>
+          <a:bodyPr wrap="none" rtlCol="0">
+            <a:spAutoFit/>
+          </a:bodyPr>
+          <a:lstStyle/>
+          <a:p>
+            <a:r>
+              <a:rPr kumimoji="1" lang="ja-JP" altLang="en-US" sz="1100" dirty="0">
+                <a:solidFill>
+                  <a:schemeClr val="bg1">
+                    <a:lumMod val="50000"/>
+                  </a:schemeClr>
+                </a:solidFill>
+                <a:latin typeface="Noto Sans JP Medium" panose="020B0600000000000000" pitchFamily="34" charset="-128"/>
+                <a:ea typeface="Noto Sans JP Medium" panose="020B0600000000000000" pitchFamily="34" charset="-128"/>
+              </a:rPr>
+              <a:t>体育館</a:t>
+            </a:r>
+          </a:p>
+        </p:txBody>
+      </p:sp>
+      <p:sp>
+        <p:nvSpPr>
+          <p:cNvPr id="18" name="テキスト ボックス 17">
+            <a:extLst>
+              <a:ext uri="{FF2B5EF4-FFF2-40B4-BE49-F238E27FC236}">
+                <a16:creationId xmlns:a16="http://schemas.microsoft.com/office/drawing/2014/main" id="{A946B79E-680D-79D1-3A6E-44EBDAA5412E}"/>
+              </a:ext>
+            </a:extLst>
+          </p:cNvPr>
+          <p:cNvSpPr txBox="1"/>
+          <p:nvPr/>
+        </p:nvSpPr>
+        <p:spPr>
+          <a:xfrm>
+            <a:off x="7686724" y="984949"/>
+            <a:ext cx="748923" cy="261610"/>
+          </a:xfrm>
+          <a:prstGeom prst="rect">
+            <a:avLst/>
+          </a:prstGeom>
+          <a:noFill/>
+        </p:spPr>
+        <p:txBody>
+          <a:bodyPr wrap="none" rtlCol="0">
+            <a:spAutoFit/>
+          </a:bodyPr>
+          <a:lstStyle/>
+          <a:p>
+            <a:r>
+              <a:rPr kumimoji="1" lang="ja-JP" altLang="en-US" sz="1100" dirty="0">
+                <a:solidFill>
+                  <a:schemeClr val="bg1">
+                    <a:lumMod val="50000"/>
+                  </a:schemeClr>
+                </a:solidFill>
+                <a:latin typeface="Noto Sans JP Medium" panose="020B0600000000000000" pitchFamily="34" charset="-128"/>
+                <a:ea typeface="Noto Sans JP Medium" panose="020B0600000000000000" pitchFamily="34" charset="-128"/>
+              </a:rPr>
+              <a:t>同窓会館</a:t>
+            </a:r>
+          </a:p>
+        </p:txBody>
+      </p:sp>
     </p:spTree>
     <p:extLst>
       <p:ext uri="{BB962C8B-B14F-4D97-AF65-F5344CB8AC3E}">
@@ -10859,6 +11110,257 @@
           </a:p>
         </p:txBody>
       </p:sp>
+      <p:sp>
+        <p:nvSpPr>
+          <p:cNvPr id="3" name="テキスト ボックス 2">
+            <a:extLst>
+              <a:ext uri="{FF2B5EF4-FFF2-40B4-BE49-F238E27FC236}">
+                <a16:creationId xmlns:a16="http://schemas.microsoft.com/office/drawing/2014/main" id="{62AA0671-FC0E-28DD-0BED-0469F1418D84}"/>
+              </a:ext>
+            </a:extLst>
+          </p:cNvPr>
+          <p:cNvSpPr txBox="1"/>
+          <p:nvPr/>
+        </p:nvSpPr>
+        <p:spPr>
+          <a:xfrm>
+            <a:off x="6483350" y="2030222"/>
+            <a:ext cx="405880" cy="261610"/>
+          </a:xfrm>
+          <a:prstGeom prst="rect">
+            <a:avLst/>
+          </a:prstGeom>
+          <a:noFill/>
+        </p:spPr>
+        <p:txBody>
+          <a:bodyPr wrap="none" rtlCol="0">
+            <a:spAutoFit/>
+          </a:bodyPr>
+          <a:lstStyle/>
+          <a:p>
+            <a:r>
+              <a:rPr kumimoji="1" lang="en-US" altLang="ja-JP" sz="1100" dirty="0">
+                <a:solidFill>
+                  <a:schemeClr val="bg1">
+                    <a:lumMod val="50000"/>
+                  </a:schemeClr>
+                </a:solidFill>
+                <a:latin typeface="Noto Sans JP Medium" panose="020B0600000000000000" pitchFamily="34" charset="-128"/>
+                <a:ea typeface="Noto Sans JP Medium" panose="020B0600000000000000" pitchFamily="34" charset="-128"/>
+              </a:rPr>
+              <a:t>1</a:t>
+            </a:r>
+            <a:r>
+              <a:rPr kumimoji="1" lang="ja-JP" altLang="en-US" sz="1100" dirty="0">
+                <a:solidFill>
+                  <a:schemeClr val="bg1">
+                    <a:lumMod val="50000"/>
+                  </a:schemeClr>
+                </a:solidFill>
+                <a:latin typeface="Noto Sans JP Medium" panose="020B0600000000000000" pitchFamily="34" charset="-128"/>
+                <a:ea typeface="Noto Sans JP Medium" panose="020B0600000000000000" pitchFamily="34" charset="-128"/>
+              </a:rPr>
+              <a:t>棟</a:t>
+            </a:r>
+          </a:p>
+        </p:txBody>
+      </p:sp>
+      <p:sp>
+        <p:nvSpPr>
+          <p:cNvPr id="4" name="テキスト ボックス 3">
+            <a:extLst>
+              <a:ext uri="{FF2B5EF4-FFF2-40B4-BE49-F238E27FC236}">
+                <a16:creationId xmlns:a16="http://schemas.microsoft.com/office/drawing/2014/main" id="{919C7DC2-D832-C470-FCFA-0826BE23C1E8}"/>
+              </a:ext>
+            </a:extLst>
+          </p:cNvPr>
+          <p:cNvSpPr txBox="1"/>
+          <p:nvPr/>
+        </p:nvSpPr>
+        <p:spPr>
+          <a:xfrm>
+            <a:off x="6400800" y="4034239"/>
+            <a:ext cx="405880" cy="261610"/>
+          </a:xfrm>
+          <a:prstGeom prst="rect">
+            <a:avLst/>
+          </a:prstGeom>
+          <a:noFill/>
+        </p:spPr>
+        <p:txBody>
+          <a:bodyPr wrap="none" rtlCol="0">
+            <a:spAutoFit/>
+          </a:bodyPr>
+          <a:lstStyle/>
+          <a:p>
+            <a:r>
+              <a:rPr kumimoji="1" lang="en-US" altLang="ja-JP" sz="1100" dirty="0">
+                <a:solidFill>
+                  <a:schemeClr val="bg1">
+                    <a:lumMod val="50000"/>
+                  </a:schemeClr>
+                </a:solidFill>
+                <a:latin typeface="Noto Sans JP Medium" panose="020B0600000000000000" pitchFamily="34" charset="-128"/>
+                <a:ea typeface="Noto Sans JP Medium" panose="020B0600000000000000" pitchFamily="34" charset="-128"/>
+              </a:rPr>
+              <a:t>2</a:t>
+            </a:r>
+            <a:r>
+              <a:rPr kumimoji="1" lang="ja-JP" altLang="en-US" sz="1100" dirty="0">
+                <a:solidFill>
+                  <a:schemeClr val="bg1">
+                    <a:lumMod val="50000"/>
+                  </a:schemeClr>
+                </a:solidFill>
+                <a:latin typeface="Noto Sans JP Medium" panose="020B0600000000000000" pitchFamily="34" charset="-128"/>
+                <a:ea typeface="Noto Sans JP Medium" panose="020B0600000000000000" pitchFamily="34" charset="-128"/>
+              </a:rPr>
+              <a:t>棟</a:t>
+            </a:r>
+          </a:p>
+        </p:txBody>
+      </p:sp>
+      <p:sp>
+        <p:nvSpPr>
+          <p:cNvPr id="5" name="テキスト ボックス 4">
+            <a:extLst>
+              <a:ext uri="{FF2B5EF4-FFF2-40B4-BE49-F238E27FC236}">
+                <a16:creationId xmlns:a16="http://schemas.microsoft.com/office/drawing/2014/main" id="{CBB53965-72A1-2942-49C8-DD8224A88A32}"/>
+              </a:ext>
+            </a:extLst>
+          </p:cNvPr>
+          <p:cNvSpPr txBox="1"/>
+          <p:nvPr/>
+        </p:nvSpPr>
+        <p:spPr>
+          <a:xfrm>
+            <a:off x="6350599" y="6038256"/>
+            <a:ext cx="405880" cy="261610"/>
+          </a:xfrm>
+          <a:prstGeom prst="rect">
+            <a:avLst/>
+          </a:prstGeom>
+          <a:noFill/>
+        </p:spPr>
+        <p:txBody>
+          <a:bodyPr wrap="none" rtlCol="0">
+            <a:spAutoFit/>
+          </a:bodyPr>
+          <a:lstStyle/>
+          <a:p>
+            <a:r>
+              <a:rPr kumimoji="1" lang="en-US" altLang="ja-JP" sz="1100" dirty="0">
+                <a:solidFill>
+                  <a:schemeClr val="bg1">
+                    <a:lumMod val="50000"/>
+                  </a:schemeClr>
+                </a:solidFill>
+                <a:latin typeface="Noto Sans JP Medium" panose="020B0600000000000000" pitchFamily="34" charset="-128"/>
+                <a:ea typeface="Noto Sans JP Medium" panose="020B0600000000000000" pitchFamily="34" charset="-128"/>
+              </a:rPr>
+              <a:t>3</a:t>
+            </a:r>
+            <a:r>
+              <a:rPr kumimoji="1" lang="ja-JP" altLang="en-US" sz="1100" dirty="0">
+                <a:solidFill>
+                  <a:schemeClr val="bg1">
+                    <a:lumMod val="50000"/>
+                  </a:schemeClr>
+                </a:solidFill>
+                <a:latin typeface="Noto Sans JP Medium" panose="020B0600000000000000" pitchFamily="34" charset="-128"/>
+                <a:ea typeface="Noto Sans JP Medium" panose="020B0600000000000000" pitchFamily="34" charset="-128"/>
+              </a:rPr>
+              <a:t>棟</a:t>
+            </a:r>
+          </a:p>
+        </p:txBody>
+      </p:sp>
+      <p:sp>
+        <p:nvSpPr>
+          <p:cNvPr id="8" name="テキスト ボックス 7">
+            <a:extLst>
+              <a:ext uri="{FF2B5EF4-FFF2-40B4-BE49-F238E27FC236}">
+                <a16:creationId xmlns:a16="http://schemas.microsoft.com/office/drawing/2014/main" id="{8832FA90-A137-78C9-9414-5B81875DEA43}"/>
+              </a:ext>
+            </a:extLst>
+          </p:cNvPr>
+          <p:cNvSpPr txBox="1"/>
+          <p:nvPr/>
+        </p:nvSpPr>
+        <p:spPr>
+          <a:xfrm>
+            <a:off x="5400510" y="8037897"/>
+            <a:ext cx="607859" cy="261610"/>
+          </a:xfrm>
+          <a:prstGeom prst="rect">
+            <a:avLst/>
+          </a:prstGeom>
+          <a:noFill/>
+        </p:spPr>
+        <p:txBody>
+          <a:bodyPr wrap="none" rtlCol="0">
+            <a:spAutoFit/>
+          </a:bodyPr>
+          <a:lstStyle/>
+          <a:p>
+            <a:r>
+              <a:rPr kumimoji="1" lang="ja-JP" altLang="en-US" sz="1100" dirty="0">
+                <a:solidFill>
+                  <a:schemeClr val="bg1">
+                    <a:lumMod val="50000"/>
+                  </a:schemeClr>
+                </a:solidFill>
+                <a:latin typeface="Noto Sans JP Medium" panose="020B0600000000000000" pitchFamily="34" charset="-128"/>
+                <a:ea typeface="Noto Sans JP Medium" panose="020B0600000000000000" pitchFamily="34" charset="-128"/>
+              </a:rPr>
+              <a:t>体育館</a:t>
+            </a:r>
+          </a:p>
+        </p:txBody>
+      </p:sp>
+      <p:sp>
+        <p:nvSpPr>
+          <p:cNvPr id="9" name="テキスト ボックス 8">
+            <a:extLst>
+              <a:ext uri="{FF2B5EF4-FFF2-40B4-BE49-F238E27FC236}">
+                <a16:creationId xmlns:a16="http://schemas.microsoft.com/office/drawing/2014/main" id="{37C301B8-1389-6AF2-4C61-59750F424A31}"/>
+              </a:ext>
+            </a:extLst>
+          </p:cNvPr>
+          <p:cNvSpPr txBox="1"/>
+          <p:nvPr/>
+        </p:nvSpPr>
+        <p:spPr>
+          <a:xfrm>
+            <a:off x="7686724" y="984949"/>
+            <a:ext cx="748923" cy="261610"/>
+          </a:xfrm>
+          <a:prstGeom prst="rect">
+            <a:avLst/>
+          </a:prstGeom>
+          <a:noFill/>
+        </p:spPr>
+        <p:txBody>
+          <a:bodyPr wrap="none" rtlCol="0">
+            <a:spAutoFit/>
+          </a:bodyPr>
+          <a:lstStyle/>
+          <a:p>
+            <a:r>
+              <a:rPr kumimoji="1" lang="ja-JP" altLang="en-US" sz="1100" dirty="0">
+                <a:solidFill>
+                  <a:schemeClr val="bg1">
+                    <a:lumMod val="50000"/>
+                  </a:schemeClr>
+                </a:solidFill>
+                <a:latin typeface="Noto Sans JP Medium" panose="020B0600000000000000" pitchFamily="34" charset="-128"/>
+                <a:ea typeface="Noto Sans JP Medium" panose="020B0600000000000000" pitchFamily="34" charset="-128"/>
+              </a:rPr>
+              <a:t>同窓会館</a:t>
+            </a:r>
+          </a:p>
+        </p:txBody>
+      </p:sp>
     </p:spTree>
     <p:extLst>
       <p:ext uri="{BB962C8B-B14F-4D97-AF65-F5344CB8AC3E}">
@@ -12874,6 +13376,214 @@
           <a:p>
             <a:pPr algn="ctr"/>
             <a:endParaRPr lang="ja-JP" altLang="en-US" sz="2223"/>
+          </a:p>
+        </p:txBody>
+      </p:sp>
+      <p:sp>
+        <p:nvSpPr>
+          <p:cNvPr id="2" name="テキスト ボックス 1">
+            <a:extLst>
+              <a:ext uri="{FF2B5EF4-FFF2-40B4-BE49-F238E27FC236}">
+                <a16:creationId xmlns:a16="http://schemas.microsoft.com/office/drawing/2014/main" id="{F2D59095-996A-D4AD-7012-1D0B25B4100C}"/>
+              </a:ext>
+            </a:extLst>
+          </p:cNvPr>
+          <p:cNvSpPr txBox="1"/>
+          <p:nvPr/>
+        </p:nvSpPr>
+        <p:spPr>
+          <a:xfrm>
+            <a:off x="6483350" y="2030222"/>
+            <a:ext cx="405880" cy="261610"/>
+          </a:xfrm>
+          <a:prstGeom prst="rect">
+            <a:avLst/>
+          </a:prstGeom>
+          <a:noFill/>
+        </p:spPr>
+        <p:txBody>
+          <a:bodyPr wrap="none" rtlCol="0">
+            <a:spAutoFit/>
+          </a:bodyPr>
+          <a:lstStyle/>
+          <a:p>
+            <a:r>
+              <a:rPr kumimoji="1" lang="en-US" altLang="ja-JP" sz="1100" dirty="0">
+                <a:solidFill>
+                  <a:schemeClr val="bg1">
+                    <a:lumMod val="50000"/>
+                  </a:schemeClr>
+                </a:solidFill>
+                <a:latin typeface="Noto Sans JP Medium" panose="020B0600000000000000" pitchFamily="34" charset="-128"/>
+                <a:ea typeface="Noto Sans JP Medium" panose="020B0600000000000000" pitchFamily="34" charset="-128"/>
+              </a:rPr>
+              <a:t>1</a:t>
+            </a:r>
+            <a:r>
+              <a:rPr kumimoji="1" lang="ja-JP" altLang="en-US" sz="1100" dirty="0">
+                <a:solidFill>
+                  <a:schemeClr val="bg1">
+                    <a:lumMod val="50000"/>
+                  </a:schemeClr>
+                </a:solidFill>
+                <a:latin typeface="Noto Sans JP Medium" panose="020B0600000000000000" pitchFamily="34" charset="-128"/>
+                <a:ea typeface="Noto Sans JP Medium" panose="020B0600000000000000" pitchFamily="34" charset="-128"/>
+              </a:rPr>
+              <a:t>棟</a:t>
+            </a:r>
+          </a:p>
+        </p:txBody>
+      </p:sp>
+      <p:sp>
+        <p:nvSpPr>
+          <p:cNvPr id="3" name="テキスト ボックス 2">
+            <a:extLst>
+              <a:ext uri="{FF2B5EF4-FFF2-40B4-BE49-F238E27FC236}">
+                <a16:creationId xmlns:a16="http://schemas.microsoft.com/office/drawing/2014/main" id="{804DF3ED-95FD-C1A5-ADE0-64404C28B38A}"/>
+              </a:ext>
+            </a:extLst>
+          </p:cNvPr>
+          <p:cNvSpPr txBox="1"/>
+          <p:nvPr/>
+        </p:nvSpPr>
+        <p:spPr>
+          <a:xfrm>
+            <a:off x="6400800" y="4034239"/>
+            <a:ext cx="405880" cy="261610"/>
+          </a:xfrm>
+          <a:prstGeom prst="rect">
+            <a:avLst/>
+          </a:prstGeom>
+          <a:noFill/>
+        </p:spPr>
+        <p:txBody>
+          <a:bodyPr wrap="none" rtlCol="0">
+            <a:spAutoFit/>
+          </a:bodyPr>
+          <a:lstStyle/>
+          <a:p>
+            <a:r>
+              <a:rPr kumimoji="1" lang="en-US" altLang="ja-JP" sz="1100" dirty="0">
+                <a:solidFill>
+                  <a:schemeClr val="bg1">
+                    <a:lumMod val="50000"/>
+                  </a:schemeClr>
+                </a:solidFill>
+                <a:latin typeface="Noto Sans JP Medium" panose="020B0600000000000000" pitchFamily="34" charset="-128"/>
+                <a:ea typeface="Noto Sans JP Medium" panose="020B0600000000000000" pitchFamily="34" charset="-128"/>
+              </a:rPr>
+              <a:t>2</a:t>
+            </a:r>
+            <a:r>
+              <a:rPr kumimoji="1" lang="ja-JP" altLang="en-US" sz="1100" dirty="0">
+                <a:solidFill>
+                  <a:schemeClr val="bg1">
+                    <a:lumMod val="50000"/>
+                  </a:schemeClr>
+                </a:solidFill>
+                <a:latin typeface="Noto Sans JP Medium" panose="020B0600000000000000" pitchFamily="34" charset="-128"/>
+                <a:ea typeface="Noto Sans JP Medium" panose="020B0600000000000000" pitchFamily="34" charset="-128"/>
+              </a:rPr>
+              <a:t>棟</a:t>
+            </a:r>
+          </a:p>
+        </p:txBody>
+      </p:sp>
+      <p:sp>
+        <p:nvSpPr>
+          <p:cNvPr id="5" name="テキスト ボックス 4">
+            <a:extLst>
+              <a:ext uri="{FF2B5EF4-FFF2-40B4-BE49-F238E27FC236}">
+                <a16:creationId xmlns:a16="http://schemas.microsoft.com/office/drawing/2014/main" id="{6FA5A293-1290-6F68-CF54-FC0D2E4CED23}"/>
+              </a:ext>
+            </a:extLst>
+          </p:cNvPr>
+          <p:cNvSpPr txBox="1"/>
+          <p:nvPr/>
+        </p:nvSpPr>
+        <p:spPr>
+          <a:xfrm>
+            <a:off x="6350599" y="6038256"/>
+            <a:ext cx="405880" cy="261610"/>
+          </a:xfrm>
+          <a:prstGeom prst="rect">
+            <a:avLst/>
+          </a:prstGeom>
+          <a:noFill/>
+        </p:spPr>
+        <p:txBody>
+          <a:bodyPr wrap="none" rtlCol="0">
+            <a:spAutoFit/>
+          </a:bodyPr>
+          <a:lstStyle/>
+          <a:p>
+            <a:r>
+              <a:rPr kumimoji="1" lang="en-US" altLang="ja-JP" sz="1100" dirty="0">
+                <a:solidFill>
+                  <a:schemeClr val="bg1">
+                    <a:lumMod val="50000"/>
+                  </a:schemeClr>
+                </a:solidFill>
+                <a:latin typeface="Noto Sans JP Medium" panose="020B0600000000000000" pitchFamily="34" charset="-128"/>
+                <a:ea typeface="Noto Sans JP Medium" panose="020B0600000000000000" pitchFamily="34" charset="-128"/>
+              </a:rPr>
+              <a:t>3</a:t>
+            </a:r>
+            <a:r>
+              <a:rPr kumimoji="1" lang="ja-JP" altLang="en-US" sz="1100" dirty="0">
+                <a:solidFill>
+                  <a:schemeClr val="bg1">
+                    <a:lumMod val="50000"/>
+                  </a:schemeClr>
+                </a:solidFill>
+                <a:latin typeface="Noto Sans JP Medium" panose="020B0600000000000000" pitchFamily="34" charset="-128"/>
+                <a:ea typeface="Noto Sans JP Medium" panose="020B0600000000000000" pitchFamily="34" charset="-128"/>
+              </a:rPr>
+              <a:t>棟</a:t>
+            </a:r>
+          </a:p>
+        </p:txBody>
+      </p:sp>
+      <p:sp>
+        <p:nvSpPr>
+          <p:cNvPr id="6" name="テキスト ボックス 5">
+            <a:extLst>
+              <a:ext uri="{FF2B5EF4-FFF2-40B4-BE49-F238E27FC236}">
+                <a16:creationId xmlns:a16="http://schemas.microsoft.com/office/drawing/2014/main" id="{560DC0FA-843D-E179-17FF-73214858CE1A}"/>
+              </a:ext>
+            </a:extLst>
+          </p:cNvPr>
+          <p:cNvSpPr txBox="1"/>
+          <p:nvPr/>
+        </p:nvSpPr>
+        <p:spPr>
+          <a:xfrm>
+            <a:off x="5400510" y="8037897"/>
+            <a:ext cx="607859" cy="261610"/>
+          </a:xfrm>
+          <a:prstGeom prst="rect">
+            <a:avLst/>
+          </a:prstGeom>
+          <a:noFill/>
+        </p:spPr>
+        <p:txBody>
+          <a:bodyPr wrap="none" rtlCol="0">
+            <a:spAutoFit/>
+          </a:bodyPr>
+          <a:lstStyle/>
+          <a:p>
+            <a:r>
+              <a:rPr kumimoji="1" lang="ja-JP" altLang="en-US" sz="1100" dirty="0">
+                <a:solidFill>
+                  <a:schemeClr val="bg1">
+                    <a:lumMod val="50000"/>
+                  </a:schemeClr>
+                </a:solidFill>
+                <a:latin typeface="Noto Sans JP Medium" panose="020B0600000000000000" pitchFamily="34" charset="-128"/>
+                <a:ea typeface="Noto Sans JP Medium" panose="020B0600000000000000" pitchFamily="34" charset="-128"/>
+              </a:rPr>
+              <a:t>体育館</a:t>
+            </a:r>
           </a:p>
         </p:txBody>
       </p:sp>

--- a/2d/main.pptx
+++ b/2d/main.pptx
@@ -258,7 +258,7 @@
           <a:p>
             <a:fld id="{528E7D60-6D11-405A-8EEF-73F5412858C5}" type="datetimeFigureOut">
               <a:rPr kumimoji="1" lang="ja-JP" altLang="en-US" smtClean="0"/>
-              <a:t>2024/8/17</a:t>
+              <a:t>2024/8/22</a:t>
             </a:fld>
             <a:endParaRPr kumimoji="1" lang="ja-JP" altLang="en-US"/>
           </a:p>
@@ -460,7 +460,7 @@
           <a:p>
             <a:fld id="{528E7D60-6D11-405A-8EEF-73F5412858C5}" type="datetimeFigureOut">
               <a:rPr kumimoji="1" lang="ja-JP" altLang="en-US" smtClean="0"/>
-              <a:t>2024/8/17</a:t>
+              <a:t>2024/8/22</a:t>
             </a:fld>
             <a:endParaRPr kumimoji="1" lang="ja-JP" altLang="en-US"/>
           </a:p>
@@ -672,7 +672,7 @@
           <a:p>
             <a:fld id="{528E7D60-6D11-405A-8EEF-73F5412858C5}" type="datetimeFigureOut">
               <a:rPr kumimoji="1" lang="ja-JP" altLang="en-US" smtClean="0"/>
-              <a:t>2024/8/17</a:t>
+              <a:t>2024/8/22</a:t>
             </a:fld>
             <a:endParaRPr kumimoji="1" lang="ja-JP" altLang="en-US"/>
           </a:p>
@@ -874,7 +874,7 @@
           <a:p>
             <a:fld id="{528E7D60-6D11-405A-8EEF-73F5412858C5}" type="datetimeFigureOut">
               <a:rPr kumimoji="1" lang="ja-JP" altLang="en-US" smtClean="0"/>
-              <a:t>2024/8/17</a:t>
+              <a:t>2024/8/22</a:t>
             </a:fld>
             <a:endParaRPr kumimoji="1" lang="ja-JP" altLang="en-US"/>
           </a:p>
@@ -1118,7 +1118,7 @@
           <a:p>
             <a:fld id="{528E7D60-6D11-405A-8EEF-73F5412858C5}" type="datetimeFigureOut">
               <a:rPr kumimoji="1" lang="ja-JP" altLang="en-US" smtClean="0"/>
-              <a:t>2024/8/17</a:t>
+              <a:t>2024/8/22</a:t>
             </a:fld>
             <a:endParaRPr kumimoji="1" lang="ja-JP" altLang="en-US"/>
           </a:p>
@@ -1414,7 +1414,7 @@
           <a:p>
             <a:fld id="{528E7D60-6D11-405A-8EEF-73F5412858C5}" type="datetimeFigureOut">
               <a:rPr kumimoji="1" lang="ja-JP" altLang="en-US" smtClean="0"/>
-              <a:t>2024/8/17</a:t>
+              <a:t>2024/8/22</a:t>
             </a:fld>
             <a:endParaRPr kumimoji="1" lang="ja-JP" altLang="en-US"/>
           </a:p>
@@ -1845,7 +1845,7 @@
           <a:p>
             <a:fld id="{528E7D60-6D11-405A-8EEF-73F5412858C5}" type="datetimeFigureOut">
               <a:rPr kumimoji="1" lang="ja-JP" altLang="en-US" smtClean="0"/>
-              <a:t>2024/8/17</a:t>
+              <a:t>2024/8/22</a:t>
             </a:fld>
             <a:endParaRPr kumimoji="1" lang="ja-JP" altLang="en-US"/>
           </a:p>
@@ -1963,7 +1963,7 @@
           <a:p>
             <a:fld id="{528E7D60-6D11-405A-8EEF-73F5412858C5}" type="datetimeFigureOut">
               <a:rPr kumimoji="1" lang="ja-JP" altLang="en-US" smtClean="0"/>
-              <a:t>2024/8/17</a:t>
+              <a:t>2024/8/22</a:t>
             </a:fld>
             <a:endParaRPr kumimoji="1" lang="ja-JP" altLang="en-US"/>
           </a:p>
@@ -2058,7 +2058,7 @@
           <a:p>
             <a:fld id="{528E7D60-6D11-405A-8EEF-73F5412858C5}" type="datetimeFigureOut">
               <a:rPr kumimoji="1" lang="ja-JP" altLang="en-US" smtClean="0"/>
-              <a:t>2024/8/17</a:t>
+              <a:t>2024/8/22</a:t>
             </a:fld>
             <a:endParaRPr kumimoji="1" lang="ja-JP" altLang="en-US"/>
           </a:p>
@@ -2367,7 +2367,7 @@
           <a:p>
             <a:fld id="{528E7D60-6D11-405A-8EEF-73F5412858C5}" type="datetimeFigureOut">
               <a:rPr kumimoji="1" lang="ja-JP" altLang="en-US" smtClean="0"/>
-              <a:t>2024/8/17</a:t>
+              <a:t>2024/8/22</a:t>
             </a:fld>
             <a:endParaRPr kumimoji="1" lang="ja-JP" altLang="en-US"/>
           </a:p>
@@ -2624,7 +2624,7 @@
           <a:p>
             <a:fld id="{528E7D60-6D11-405A-8EEF-73F5412858C5}" type="datetimeFigureOut">
               <a:rPr kumimoji="1" lang="ja-JP" altLang="en-US" smtClean="0"/>
-              <a:t>2024/8/17</a:t>
+              <a:t>2024/8/22</a:t>
             </a:fld>
             <a:endParaRPr kumimoji="1" lang="ja-JP" altLang="en-US"/>
           </a:p>
@@ -2869,7 +2869,7 @@
           <a:p>
             <a:fld id="{528E7D60-6D11-405A-8EEF-73F5412858C5}" type="datetimeFigureOut">
               <a:rPr kumimoji="1" lang="ja-JP" altLang="en-US" smtClean="0"/>
-              <a:t>2024/8/17</a:t>
+              <a:t>2024/8/22</a:t>
             </a:fld>
             <a:endParaRPr kumimoji="1" lang="ja-JP" altLang="en-US"/>
           </a:p>
@@ -6665,10 +6665,7 @@
               </a:solidFill>
               <a:ln w="317500" cap="rnd">
                 <a:solidFill>
-                  <a:schemeClr val="accent6">
-                    <a:lumMod val="20000"/>
-                    <a:lumOff val="80000"/>
-                  </a:schemeClr>
+                  <a:srgbClr val="D8F4FE"/>
                 </a:solidFill>
                 <a:round/>
               </a:ln>
@@ -6723,10 +6720,7 @@
               </a:solidFill>
               <a:ln w="317500" cap="rnd">
                 <a:solidFill>
-                  <a:schemeClr val="accent6">
-                    <a:lumMod val="20000"/>
-                    <a:lumOff val="80000"/>
-                  </a:schemeClr>
+                  <a:srgbClr val="D8F4FE"/>
                 </a:solidFill>
                 <a:round/>
               </a:ln>
@@ -6781,10 +6775,7 @@
               </a:solidFill>
               <a:ln w="317500" cap="rnd">
                 <a:solidFill>
-                  <a:schemeClr val="accent6">
-                    <a:lumMod val="20000"/>
-                    <a:lumOff val="80000"/>
-                  </a:schemeClr>
+                  <a:srgbClr val="D8F4FE"/>
                 </a:solidFill>
                 <a:round/>
               </a:ln>
@@ -7442,10 +7433,7 @@
               </a:solidFill>
               <a:ln w="317500" cap="rnd">
                 <a:solidFill>
-                  <a:schemeClr val="accent6">
-                    <a:lumMod val="20000"/>
-                    <a:lumOff val="80000"/>
-                  </a:schemeClr>
+                  <a:srgbClr val="D8F4FE"/>
                 </a:solidFill>
                 <a:round/>
               </a:ln>
@@ -7633,10 +7621,7 @@
               </a:solidFill>
               <a:ln w="317500" cap="rnd">
                 <a:solidFill>
-                  <a:schemeClr val="accent6">
-                    <a:lumMod val="20000"/>
-                    <a:lumOff val="80000"/>
-                  </a:schemeClr>
+                  <a:srgbClr val="D8F4FE"/>
                 </a:solidFill>
                 <a:round/>
               </a:ln>
@@ -7769,10 +7754,7 @@
             </a:solidFill>
             <a:ln w="317500" cap="rnd">
               <a:solidFill>
-                <a:schemeClr val="accent6">
-                  <a:lumMod val="20000"/>
-                  <a:lumOff val="80000"/>
-                </a:schemeClr>
+                <a:srgbClr val="D8F4FE"/>
               </a:solidFill>
               <a:round/>
             </a:ln>
@@ -9322,10 +9304,7 @@
             </a:solidFill>
             <a:ln w="317500" cap="rnd">
               <a:solidFill>
-                <a:schemeClr val="accent6">
-                  <a:lumMod val="20000"/>
-                  <a:lumOff val="80000"/>
-                </a:schemeClr>
+                <a:srgbClr val="D8F4FE"/>
               </a:solidFill>
               <a:round/>
             </a:ln>
@@ -9983,10 +9962,7 @@
             </a:solidFill>
             <a:ln w="317500" cap="rnd">
               <a:solidFill>
-                <a:schemeClr val="accent6">
-                  <a:lumMod val="20000"/>
-                  <a:lumOff val="80000"/>
-                </a:schemeClr>
+                <a:srgbClr val="D8F4FE"/>
               </a:solidFill>
               <a:round/>
             </a:ln>
@@ -10174,10 +10150,7 @@
             </a:solidFill>
             <a:ln w="317500" cap="rnd">
               <a:solidFill>
-                <a:schemeClr val="accent6">
-                  <a:lumMod val="20000"/>
-                  <a:lumOff val="80000"/>
-                </a:schemeClr>
+                <a:srgbClr val="D8F4FE"/>
               </a:solidFill>
               <a:round/>
             </a:ln>
@@ -11599,10 +11572,7 @@
           </a:solidFill>
           <a:ln w="317500" cap="rnd">
             <a:solidFill>
-              <a:schemeClr val="accent6">
-                <a:lumMod val="20000"/>
-                <a:lumOff val="80000"/>
-              </a:schemeClr>
+              <a:srgbClr val="D8F4FE"/>
             </a:solidFill>
             <a:round/>
           </a:ln>
@@ -11854,10 +11824,7 @@
           </a:solidFill>
           <a:ln w="317500" cap="rnd">
             <a:solidFill>
-              <a:schemeClr val="accent6">
-                <a:lumMod val="20000"/>
-                <a:lumOff val="80000"/>
-              </a:schemeClr>
+              <a:srgbClr val="D8F4FE"/>
             </a:solidFill>
             <a:round/>
           </a:ln>
@@ -12125,10 +12092,7 @@
           </a:solidFill>
           <a:ln w="317500" cap="rnd">
             <a:solidFill>
-              <a:schemeClr val="accent6">
-                <a:lumMod val="20000"/>
-                <a:lumOff val="80000"/>
-              </a:schemeClr>
+              <a:srgbClr val="D8F4FE"/>
             </a:solidFill>
             <a:round/>
           </a:ln>
@@ -12388,10 +12352,7 @@
           </a:solidFill>
           <a:ln w="317500" cap="rnd">
             <a:solidFill>
-              <a:schemeClr val="accent6">
-                <a:lumMod val="20000"/>
-                <a:lumOff val="80000"/>
-              </a:schemeClr>
+              <a:srgbClr val="D8F4FE"/>
             </a:solidFill>
             <a:round/>
           </a:ln>

--- a/2d/main.pptx
+++ b/2d/main.pptx
@@ -28,7 +28,7 @@
     <a:defPPr>
       <a:defRPr lang="en-US"/>
     </a:defPPr>
-    <a:lvl1pPr marL="0" algn="l" defTabSz="457200" rtl="0" eaLnBrk="1" latinLnBrk="0" hangingPunct="1">
+    <a:lvl1pPr marL="0" algn="l" defTabSz="457145" rtl="0" eaLnBrk="1" latinLnBrk="0" hangingPunct="1">
       <a:defRPr sz="1800" kern="1200">
         <a:solidFill>
           <a:schemeClr val="tx1"/>
@@ -38,7 +38,7 @@
         <a:cs typeface="+mn-cs"/>
       </a:defRPr>
     </a:lvl1pPr>
-    <a:lvl2pPr marL="457200" algn="l" defTabSz="457200" rtl="0" eaLnBrk="1" latinLnBrk="0" hangingPunct="1">
+    <a:lvl2pPr marL="457145" algn="l" defTabSz="457145" rtl="0" eaLnBrk="1" latinLnBrk="0" hangingPunct="1">
       <a:defRPr sz="1800" kern="1200">
         <a:solidFill>
           <a:schemeClr val="tx1"/>
@@ -48,7 +48,7 @@
         <a:cs typeface="+mn-cs"/>
       </a:defRPr>
     </a:lvl2pPr>
-    <a:lvl3pPr marL="914400" algn="l" defTabSz="457200" rtl="0" eaLnBrk="1" latinLnBrk="0" hangingPunct="1">
+    <a:lvl3pPr marL="914290" algn="l" defTabSz="457145" rtl="0" eaLnBrk="1" latinLnBrk="0" hangingPunct="1">
       <a:defRPr sz="1800" kern="1200">
         <a:solidFill>
           <a:schemeClr val="tx1"/>
@@ -58,7 +58,7 @@
         <a:cs typeface="+mn-cs"/>
       </a:defRPr>
     </a:lvl3pPr>
-    <a:lvl4pPr marL="1371600" algn="l" defTabSz="457200" rtl="0" eaLnBrk="1" latinLnBrk="0" hangingPunct="1">
+    <a:lvl4pPr marL="1371435" algn="l" defTabSz="457145" rtl="0" eaLnBrk="1" latinLnBrk="0" hangingPunct="1">
       <a:defRPr sz="1800" kern="1200">
         <a:solidFill>
           <a:schemeClr val="tx1"/>
@@ -68,7 +68,7 @@
         <a:cs typeface="+mn-cs"/>
       </a:defRPr>
     </a:lvl4pPr>
-    <a:lvl5pPr marL="1828800" algn="l" defTabSz="457200" rtl="0" eaLnBrk="1" latinLnBrk="0" hangingPunct="1">
+    <a:lvl5pPr marL="1828581" algn="l" defTabSz="457145" rtl="0" eaLnBrk="1" latinLnBrk="0" hangingPunct="1">
       <a:defRPr sz="1800" kern="1200">
         <a:solidFill>
           <a:schemeClr val="tx1"/>
@@ -78,7 +78,7 @@
         <a:cs typeface="+mn-cs"/>
       </a:defRPr>
     </a:lvl5pPr>
-    <a:lvl6pPr marL="2286000" algn="l" defTabSz="457200" rtl="0" eaLnBrk="1" latinLnBrk="0" hangingPunct="1">
+    <a:lvl6pPr marL="2285726" algn="l" defTabSz="457145" rtl="0" eaLnBrk="1" latinLnBrk="0" hangingPunct="1">
       <a:defRPr sz="1800" kern="1200">
         <a:solidFill>
           <a:schemeClr val="tx1"/>
@@ -88,7 +88,7 @@
         <a:cs typeface="+mn-cs"/>
       </a:defRPr>
     </a:lvl6pPr>
-    <a:lvl7pPr marL="2743200" algn="l" defTabSz="457200" rtl="0" eaLnBrk="1" latinLnBrk="0" hangingPunct="1">
+    <a:lvl7pPr marL="2742871" algn="l" defTabSz="457145" rtl="0" eaLnBrk="1" latinLnBrk="0" hangingPunct="1">
       <a:defRPr sz="1800" kern="1200">
         <a:solidFill>
           <a:schemeClr val="tx1"/>
@@ -98,7 +98,7 @@
         <a:cs typeface="+mn-cs"/>
       </a:defRPr>
     </a:lvl7pPr>
-    <a:lvl8pPr marL="3200400" algn="l" defTabSz="457200" rtl="0" eaLnBrk="1" latinLnBrk="0" hangingPunct="1">
+    <a:lvl8pPr marL="3200016" algn="l" defTabSz="457145" rtl="0" eaLnBrk="1" latinLnBrk="0" hangingPunct="1">
       <a:defRPr sz="1800" kern="1200">
         <a:solidFill>
           <a:schemeClr val="tx1"/>
@@ -108,7 +108,7 @@
         <a:cs typeface="+mn-cs"/>
       </a:defRPr>
     </a:lvl8pPr>
-    <a:lvl9pPr marL="3657600" algn="l" defTabSz="457200" rtl="0" eaLnBrk="1" latinLnBrk="0" hangingPunct="1">
+    <a:lvl9pPr marL="3657161" algn="l" defTabSz="457145" rtl="0" eaLnBrk="1" latinLnBrk="0" hangingPunct="1">
       <a:defRPr sz="1800" kern="1200">
         <a:solidFill>
           <a:schemeClr val="tx1"/>
@@ -156,7 +156,7 @@
         </p:nvSpPr>
         <p:spPr>
           <a:xfrm>
-            <a:off x="2699981" y="5891626"/>
+            <a:off x="2699982" y="5891626"/>
             <a:ext cx="30599777" cy="12533242"/>
           </a:xfrm>
         </p:spPr>
@@ -164,7 +164,7 @@
           <a:bodyPr anchor="b"/>
           <a:lstStyle>
             <a:lvl1pPr algn="ctr">
-              <a:defRPr sz="23622"/>
+              <a:defRPr sz="23623"/>
             </a:lvl1pPr>
           </a:lstStyle>
           <a:p>
@@ -188,7 +188,7 @@
         </p:nvSpPr>
         <p:spPr>
           <a:xfrm>
-            <a:off x="4499967" y="18908198"/>
+            <a:off x="4499968" y="18908198"/>
             <a:ext cx="26999804" cy="8691601"/>
           </a:xfrm>
         </p:spPr>
@@ -199,35 +199,35 @@
               <a:buNone/>
               <a:defRPr sz="9449"/>
             </a:lvl1pPr>
-            <a:lvl2pPr marL="1799996" indent="0" algn="ctr">
+            <a:lvl2pPr marL="1800032" indent="0" algn="ctr">
               <a:buNone/>
               <a:defRPr sz="7874"/>
             </a:lvl2pPr>
-            <a:lvl3pPr marL="3599993" indent="0" algn="ctr">
+            <a:lvl3pPr marL="3600065" indent="0" algn="ctr">
               <a:buNone/>
               <a:defRPr sz="7087"/>
             </a:lvl3pPr>
-            <a:lvl4pPr marL="5399989" indent="0" algn="ctr">
+            <a:lvl4pPr marL="5400097" indent="0" algn="ctr">
               <a:buNone/>
               <a:defRPr sz="6299"/>
             </a:lvl4pPr>
-            <a:lvl5pPr marL="7199986" indent="0" algn="ctr">
+            <a:lvl5pPr marL="7200130" indent="0" algn="ctr">
               <a:buNone/>
               <a:defRPr sz="6299"/>
             </a:lvl5pPr>
-            <a:lvl6pPr marL="8999982" indent="0" algn="ctr">
+            <a:lvl6pPr marL="9000162" indent="0" algn="ctr">
               <a:buNone/>
               <a:defRPr sz="6299"/>
             </a:lvl6pPr>
-            <a:lvl7pPr marL="10799978" indent="0" algn="ctr">
+            <a:lvl7pPr marL="10800194" indent="0" algn="ctr">
               <a:buNone/>
               <a:defRPr sz="6299"/>
             </a:lvl7pPr>
-            <a:lvl8pPr marL="12599975" indent="0" algn="ctr">
+            <a:lvl8pPr marL="12600227" indent="0" algn="ctr">
               <a:buNone/>
               <a:defRPr sz="6299"/>
             </a:lvl8pPr>
-            <a:lvl9pPr marL="14399971" indent="0" algn="ctr">
+            <a:lvl9pPr marL="14400259" indent="0" algn="ctr">
               <a:buNone/>
               <a:defRPr sz="6299"/>
             </a:lvl9pPr>
@@ -258,7 +258,7 @@
           <a:p>
             <a:fld id="{528E7D60-6D11-405A-8EEF-73F5412858C5}" type="datetimeFigureOut">
               <a:rPr kumimoji="1" lang="ja-JP" altLang="en-US" smtClean="0"/>
-              <a:t>2024/8/26</a:t>
+              <a:t>2024/8/28</a:t>
             </a:fld>
             <a:endParaRPr kumimoji="1" lang="ja-JP" altLang="en-US"/>
           </a:p>
@@ -460,7 +460,7 @@
           <a:p>
             <a:fld id="{528E7D60-6D11-405A-8EEF-73F5412858C5}" type="datetimeFigureOut">
               <a:rPr kumimoji="1" lang="ja-JP" altLang="en-US" smtClean="0"/>
-              <a:t>2024/8/26</a:t>
+              <a:t>2024/8/28</a:t>
             </a:fld>
             <a:endParaRPr kumimoji="1" lang="ja-JP" altLang="en-US"/>
           </a:p>
@@ -672,7 +672,7 @@
           <a:p>
             <a:fld id="{528E7D60-6D11-405A-8EEF-73F5412858C5}" type="datetimeFigureOut">
               <a:rPr kumimoji="1" lang="ja-JP" altLang="en-US" smtClean="0"/>
-              <a:t>2024/8/26</a:t>
+              <a:t>2024/8/28</a:t>
             </a:fld>
             <a:endParaRPr kumimoji="1" lang="ja-JP" altLang="en-US"/>
           </a:p>
@@ -874,7 +874,7 @@
           <a:p>
             <a:fld id="{528E7D60-6D11-405A-8EEF-73F5412858C5}" type="datetimeFigureOut">
               <a:rPr kumimoji="1" lang="ja-JP" altLang="en-US" smtClean="0"/>
-              <a:t>2024/8/26</a:t>
+              <a:t>2024/8/28</a:t>
             </a:fld>
             <a:endParaRPr kumimoji="1" lang="ja-JP" altLang="en-US"/>
           </a:p>
@@ -972,7 +972,7 @@
           <a:bodyPr anchor="b"/>
           <a:lstStyle>
             <a:lvl1pPr>
-              <a:defRPr sz="23622"/>
+              <a:defRPr sz="23623"/>
             </a:lvl1pPr>
           </a:lstStyle>
           <a:p>
@@ -1011,7 +1011,7 @@
                 </a:solidFill>
               </a:defRPr>
             </a:lvl1pPr>
-            <a:lvl2pPr marL="1799996" indent="0">
+            <a:lvl2pPr marL="1800032" indent="0">
               <a:buNone/>
               <a:defRPr sz="7874">
                 <a:solidFill>
@@ -1021,7 +1021,7 @@
                 </a:solidFill>
               </a:defRPr>
             </a:lvl2pPr>
-            <a:lvl3pPr marL="3599993" indent="0">
+            <a:lvl3pPr marL="3600065" indent="0">
               <a:buNone/>
               <a:defRPr sz="7087">
                 <a:solidFill>
@@ -1031,7 +1031,7 @@
                 </a:solidFill>
               </a:defRPr>
             </a:lvl3pPr>
-            <a:lvl4pPr marL="5399989" indent="0">
+            <a:lvl4pPr marL="5400097" indent="0">
               <a:buNone/>
               <a:defRPr sz="6299">
                 <a:solidFill>
@@ -1041,7 +1041,7 @@
                 </a:solidFill>
               </a:defRPr>
             </a:lvl4pPr>
-            <a:lvl5pPr marL="7199986" indent="0">
+            <a:lvl5pPr marL="7200130" indent="0">
               <a:buNone/>
               <a:defRPr sz="6299">
                 <a:solidFill>
@@ -1051,7 +1051,7 @@
                 </a:solidFill>
               </a:defRPr>
             </a:lvl5pPr>
-            <a:lvl6pPr marL="8999982" indent="0">
+            <a:lvl6pPr marL="9000162" indent="0">
               <a:buNone/>
               <a:defRPr sz="6299">
                 <a:solidFill>
@@ -1061,7 +1061,7 @@
                 </a:solidFill>
               </a:defRPr>
             </a:lvl6pPr>
-            <a:lvl7pPr marL="10799978" indent="0">
+            <a:lvl7pPr marL="10800194" indent="0">
               <a:buNone/>
               <a:defRPr sz="6299">
                 <a:solidFill>
@@ -1071,7 +1071,7 @@
                 </a:solidFill>
               </a:defRPr>
             </a:lvl7pPr>
-            <a:lvl8pPr marL="12599975" indent="0">
+            <a:lvl8pPr marL="12600227" indent="0">
               <a:buNone/>
               <a:defRPr sz="6299">
                 <a:solidFill>
@@ -1081,7 +1081,7 @@
                 </a:solidFill>
               </a:defRPr>
             </a:lvl8pPr>
-            <a:lvl9pPr marL="14399971" indent="0">
+            <a:lvl9pPr marL="14400259" indent="0">
               <a:buNone/>
               <a:defRPr sz="6299">
                 <a:solidFill>
@@ -1118,7 +1118,7 @@
           <a:p>
             <a:fld id="{528E7D60-6D11-405A-8EEF-73F5412858C5}" type="datetimeFigureOut">
               <a:rPr kumimoji="1" lang="ja-JP" altLang="en-US" smtClean="0"/>
-              <a:t>2024/8/26</a:t>
+              <a:t>2024/8/28</a:t>
             </a:fld>
             <a:endParaRPr kumimoji="1" lang="ja-JP" altLang="en-US"/>
           </a:p>
@@ -1231,7 +1231,7 @@
         </p:nvSpPr>
         <p:spPr>
           <a:xfrm>
-            <a:off x="2474982" y="9583264"/>
+            <a:off x="2474983" y="9583265"/>
             <a:ext cx="15299889" cy="22841503"/>
           </a:xfrm>
         </p:spPr>
@@ -1320,7 +1320,7 @@
         </p:nvSpPr>
         <p:spPr>
           <a:xfrm>
-            <a:off x="18224867" y="9583264"/>
+            <a:off x="18224868" y="9583265"/>
             <a:ext cx="15299889" cy="22841503"/>
           </a:xfrm>
         </p:spPr>
@@ -1414,7 +1414,7 @@
           <a:p>
             <a:fld id="{528E7D60-6D11-405A-8EEF-73F5412858C5}" type="datetimeFigureOut">
               <a:rPr kumimoji="1" lang="ja-JP" altLang="en-US" smtClean="0"/>
-              <a:t>2024/8/26</a:t>
+              <a:t>2024/8/28</a:t>
             </a:fld>
             <a:endParaRPr kumimoji="1" lang="ja-JP" altLang="en-US"/>
           </a:p>
@@ -1543,35 +1543,35 @@
               <a:buNone/>
               <a:defRPr sz="9449" b="1"/>
             </a:lvl1pPr>
-            <a:lvl2pPr marL="1799996" indent="0">
+            <a:lvl2pPr marL="1800032" indent="0">
               <a:buNone/>
               <a:defRPr sz="7874" b="1"/>
             </a:lvl2pPr>
-            <a:lvl3pPr marL="3599993" indent="0">
+            <a:lvl3pPr marL="3600065" indent="0">
               <a:buNone/>
               <a:defRPr sz="7087" b="1"/>
             </a:lvl3pPr>
-            <a:lvl4pPr marL="5399989" indent="0">
+            <a:lvl4pPr marL="5400097" indent="0">
               <a:buNone/>
               <a:defRPr sz="6299" b="1"/>
             </a:lvl4pPr>
-            <a:lvl5pPr marL="7199986" indent="0">
+            <a:lvl5pPr marL="7200130" indent="0">
               <a:buNone/>
               <a:defRPr sz="6299" b="1"/>
             </a:lvl5pPr>
-            <a:lvl6pPr marL="8999982" indent="0">
+            <a:lvl6pPr marL="9000162" indent="0">
               <a:buNone/>
               <a:defRPr sz="6299" b="1"/>
             </a:lvl6pPr>
-            <a:lvl7pPr marL="10799978" indent="0">
+            <a:lvl7pPr marL="10800194" indent="0">
               <a:buNone/>
               <a:defRPr sz="6299" b="1"/>
             </a:lvl7pPr>
-            <a:lvl8pPr marL="12599975" indent="0">
+            <a:lvl8pPr marL="12600227" indent="0">
               <a:buNone/>
               <a:defRPr sz="6299" b="1"/>
             </a:lvl8pPr>
-            <a:lvl9pPr marL="14399971" indent="0">
+            <a:lvl9pPr marL="14400259" indent="0">
               <a:buNone/>
               <a:defRPr sz="6299" b="1"/>
             </a:lvl9pPr>
@@ -1597,7 +1597,7 @@
         </p:nvSpPr>
         <p:spPr>
           <a:xfrm>
-            <a:off x="2479675" y="13149904"/>
+            <a:off x="2479675" y="13149905"/>
             <a:ext cx="15229574" cy="19341529"/>
           </a:xfrm>
         </p:spPr>
@@ -1697,35 +1697,35 @@
               <a:buNone/>
               <a:defRPr sz="9449" b="1"/>
             </a:lvl1pPr>
-            <a:lvl2pPr marL="1799996" indent="0">
+            <a:lvl2pPr marL="1800032" indent="0">
               <a:buNone/>
               <a:defRPr sz="7874" b="1"/>
             </a:lvl2pPr>
-            <a:lvl3pPr marL="3599993" indent="0">
+            <a:lvl3pPr marL="3600065" indent="0">
               <a:buNone/>
               <a:defRPr sz="7087" b="1"/>
             </a:lvl3pPr>
-            <a:lvl4pPr marL="5399989" indent="0">
+            <a:lvl4pPr marL="5400097" indent="0">
               <a:buNone/>
               <a:defRPr sz="6299" b="1"/>
             </a:lvl4pPr>
-            <a:lvl5pPr marL="7199986" indent="0">
+            <a:lvl5pPr marL="7200130" indent="0">
               <a:buNone/>
               <a:defRPr sz="6299" b="1"/>
             </a:lvl5pPr>
-            <a:lvl6pPr marL="8999982" indent="0">
+            <a:lvl6pPr marL="9000162" indent="0">
               <a:buNone/>
               <a:defRPr sz="6299" b="1"/>
             </a:lvl6pPr>
-            <a:lvl7pPr marL="10799978" indent="0">
+            <a:lvl7pPr marL="10800194" indent="0">
               <a:buNone/>
               <a:defRPr sz="6299" b="1"/>
             </a:lvl7pPr>
-            <a:lvl8pPr marL="12599975" indent="0">
+            <a:lvl8pPr marL="12600227" indent="0">
               <a:buNone/>
               <a:defRPr sz="6299" b="1"/>
             </a:lvl8pPr>
-            <a:lvl9pPr marL="14399971" indent="0">
+            <a:lvl9pPr marL="14400259" indent="0">
               <a:buNone/>
               <a:defRPr sz="6299" b="1"/>
             </a:lvl9pPr>
@@ -1751,7 +1751,7 @@
         </p:nvSpPr>
         <p:spPr>
           <a:xfrm>
-            <a:off x="18224869" y="13149904"/>
+            <a:off x="18224869" y="13149905"/>
             <a:ext cx="15304578" cy="19341529"/>
           </a:xfrm>
         </p:spPr>
@@ -1845,7 +1845,7 @@
           <a:p>
             <a:fld id="{528E7D60-6D11-405A-8EEF-73F5412858C5}" type="datetimeFigureOut">
               <a:rPr kumimoji="1" lang="ja-JP" altLang="en-US" smtClean="0"/>
-              <a:t>2024/8/26</a:t>
+              <a:t>2024/8/28</a:t>
             </a:fld>
             <a:endParaRPr kumimoji="1" lang="ja-JP" altLang="en-US"/>
           </a:p>
@@ -1963,7 +1963,7 @@
           <a:p>
             <a:fld id="{528E7D60-6D11-405A-8EEF-73F5412858C5}" type="datetimeFigureOut">
               <a:rPr kumimoji="1" lang="ja-JP" altLang="en-US" smtClean="0"/>
-              <a:t>2024/8/26</a:t>
+              <a:t>2024/8/28</a:t>
             </a:fld>
             <a:endParaRPr kumimoji="1" lang="ja-JP" altLang="en-US"/>
           </a:p>
@@ -2058,7 +2058,7 @@
           <a:p>
             <a:fld id="{528E7D60-6D11-405A-8EEF-73F5412858C5}" type="datetimeFigureOut">
               <a:rPr kumimoji="1" lang="ja-JP" altLang="en-US" smtClean="0"/>
-              <a:t>2024/8/26</a:t>
+              <a:t>2024/8/28</a:t>
             </a:fld>
             <a:endParaRPr kumimoji="1" lang="ja-JP" altLang="en-US"/>
           </a:p>
@@ -2148,7 +2148,7 @@
         </p:nvSpPr>
         <p:spPr>
           <a:xfrm>
-            <a:off x="2479671" y="2399982"/>
+            <a:off x="2479671" y="2399983"/>
             <a:ext cx="11610853" cy="8399939"/>
           </a:xfrm>
         </p:spPr>
@@ -2180,7 +2180,7 @@
         </p:nvSpPr>
         <p:spPr>
           <a:xfrm>
-            <a:off x="15304578" y="5183304"/>
+            <a:off x="15304579" y="5183305"/>
             <a:ext cx="18224867" cy="25583147"/>
           </a:xfrm>
         </p:spPr>
@@ -2191,7 +2191,7 @@
               <a:defRPr sz="12598"/>
             </a:lvl1pPr>
             <a:lvl2pPr>
-              <a:defRPr sz="11024"/>
+              <a:defRPr sz="11025"/>
             </a:lvl2pPr>
             <a:lvl3pPr>
               <a:defRPr sz="9449"/>
@@ -2308,35 +2308,35 @@
               <a:buNone/>
               <a:defRPr sz="6299"/>
             </a:lvl1pPr>
-            <a:lvl2pPr marL="1799996" indent="0">
+            <a:lvl2pPr marL="1800032" indent="0">
               <a:buNone/>
               <a:defRPr sz="5512"/>
             </a:lvl2pPr>
-            <a:lvl3pPr marL="3599993" indent="0">
+            <a:lvl3pPr marL="3600065" indent="0">
               <a:buNone/>
               <a:defRPr sz="4724"/>
             </a:lvl3pPr>
-            <a:lvl4pPr marL="5399989" indent="0">
+            <a:lvl4pPr marL="5400097" indent="0">
               <a:buNone/>
               <a:defRPr sz="3937"/>
             </a:lvl4pPr>
-            <a:lvl5pPr marL="7199986" indent="0">
+            <a:lvl5pPr marL="7200130" indent="0">
               <a:buNone/>
               <a:defRPr sz="3937"/>
             </a:lvl5pPr>
-            <a:lvl6pPr marL="8999982" indent="0">
+            <a:lvl6pPr marL="9000162" indent="0">
               <a:buNone/>
               <a:defRPr sz="3937"/>
             </a:lvl6pPr>
-            <a:lvl7pPr marL="10799978" indent="0">
+            <a:lvl7pPr marL="10800194" indent="0">
               <a:buNone/>
               <a:defRPr sz="3937"/>
             </a:lvl7pPr>
-            <a:lvl8pPr marL="12599975" indent="0">
+            <a:lvl8pPr marL="12600227" indent="0">
               <a:buNone/>
               <a:defRPr sz="3937"/>
             </a:lvl8pPr>
-            <a:lvl9pPr marL="14399971" indent="0">
+            <a:lvl9pPr marL="14400259" indent="0">
               <a:buNone/>
               <a:defRPr sz="3937"/>
             </a:lvl9pPr>
@@ -2367,7 +2367,7 @@
           <a:p>
             <a:fld id="{528E7D60-6D11-405A-8EEF-73F5412858C5}" type="datetimeFigureOut">
               <a:rPr kumimoji="1" lang="ja-JP" altLang="en-US" smtClean="0"/>
-              <a:t>2024/8/26</a:t>
+              <a:t>2024/8/28</a:t>
             </a:fld>
             <a:endParaRPr kumimoji="1" lang="ja-JP" altLang="en-US"/>
           </a:p>
@@ -2457,7 +2457,7 @@
         </p:nvSpPr>
         <p:spPr>
           <a:xfrm>
-            <a:off x="2479671" y="2399982"/>
+            <a:off x="2479671" y="2399983"/>
             <a:ext cx="11610853" cy="8399939"/>
           </a:xfrm>
         </p:spPr>
@@ -2489,7 +2489,7 @@
         </p:nvSpPr>
         <p:spPr>
           <a:xfrm>
-            <a:off x="15304578" y="5183304"/>
+            <a:off x="15304579" y="5183305"/>
             <a:ext cx="18224867" cy="25583147"/>
           </a:xfrm>
         </p:spPr>
@@ -2500,35 +2500,35 @@
               <a:buNone/>
               <a:defRPr sz="12598"/>
             </a:lvl1pPr>
-            <a:lvl2pPr marL="1799996" indent="0">
+            <a:lvl2pPr marL="1800032" indent="0">
               <a:buNone/>
-              <a:defRPr sz="11024"/>
+              <a:defRPr sz="11025"/>
             </a:lvl2pPr>
-            <a:lvl3pPr marL="3599993" indent="0">
+            <a:lvl3pPr marL="3600065" indent="0">
               <a:buNone/>
               <a:defRPr sz="9449"/>
             </a:lvl3pPr>
-            <a:lvl4pPr marL="5399989" indent="0">
+            <a:lvl4pPr marL="5400097" indent="0">
               <a:buNone/>
               <a:defRPr sz="7874"/>
             </a:lvl4pPr>
-            <a:lvl5pPr marL="7199986" indent="0">
+            <a:lvl5pPr marL="7200130" indent="0">
               <a:buNone/>
               <a:defRPr sz="7874"/>
             </a:lvl5pPr>
-            <a:lvl6pPr marL="8999982" indent="0">
+            <a:lvl6pPr marL="9000162" indent="0">
               <a:buNone/>
               <a:defRPr sz="7874"/>
             </a:lvl6pPr>
-            <a:lvl7pPr marL="10799978" indent="0">
+            <a:lvl7pPr marL="10800194" indent="0">
               <a:buNone/>
               <a:defRPr sz="7874"/>
             </a:lvl7pPr>
-            <a:lvl8pPr marL="12599975" indent="0">
+            <a:lvl8pPr marL="12600227" indent="0">
               <a:buNone/>
               <a:defRPr sz="7874"/>
             </a:lvl8pPr>
-            <a:lvl9pPr marL="14399971" indent="0">
+            <a:lvl9pPr marL="14400259" indent="0">
               <a:buNone/>
               <a:defRPr sz="7874"/>
             </a:lvl9pPr>
@@ -2565,35 +2565,35 @@
               <a:buNone/>
               <a:defRPr sz="6299"/>
             </a:lvl1pPr>
-            <a:lvl2pPr marL="1799996" indent="0">
+            <a:lvl2pPr marL="1800032" indent="0">
               <a:buNone/>
               <a:defRPr sz="5512"/>
             </a:lvl2pPr>
-            <a:lvl3pPr marL="3599993" indent="0">
+            <a:lvl3pPr marL="3600065" indent="0">
               <a:buNone/>
               <a:defRPr sz="4724"/>
             </a:lvl3pPr>
-            <a:lvl4pPr marL="5399989" indent="0">
+            <a:lvl4pPr marL="5400097" indent="0">
               <a:buNone/>
               <a:defRPr sz="3937"/>
             </a:lvl4pPr>
-            <a:lvl5pPr marL="7199986" indent="0">
+            <a:lvl5pPr marL="7200130" indent="0">
               <a:buNone/>
               <a:defRPr sz="3937"/>
             </a:lvl5pPr>
-            <a:lvl6pPr marL="8999982" indent="0">
+            <a:lvl6pPr marL="9000162" indent="0">
               <a:buNone/>
               <a:defRPr sz="3937"/>
             </a:lvl6pPr>
-            <a:lvl7pPr marL="10799978" indent="0">
+            <a:lvl7pPr marL="10800194" indent="0">
               <a:buNone/>
               <a:defRPr sz="3937"/>
             </a:lvl7pPr>
-            <a:lvl8pPr marL="12599975" indent="0">
+            <a:lvl8pPr marL="12600227" indent="0">
               <a:buNone/>
               <a:defRPr sz="3937"/>
             </a:lvl8pPr>
-            <a:lvl9pPr marL="14399971" indent="0">
+            <a:lvl9pPr marL="14400259" indent="0">
               <a:buNone/>
               <a:defRPr sz="3937"/>
             </a:lvl9pPr>
@@ -2624,7 +2624,7 @@
           <a:p>
             <a:fld id="{528E7D60-6D11-405A-8EEF-73F5412858C5}" type="datetimeFigureOut">
               <a:rPr kumimoji="1" lang="ja-JP" altLang="en-US" smtClean="0"/>
-              <a:t>2024/8/26</a:t>
+              <a:t>2024/8/28</a:t>
             </a:fld>
             <a:endParaRPr kumimoji="1" lang="ja-JP" altLang="en-US"/>
           </a:p>
@@ -2719,7 +2719,7 @@
         </p:nvSpPr>
         <p:spPr>
           <a:xfrm>
-            <a:off x="2474982" y="1916661"/>
+            <a:off x="2474983" y="1916661"/>
             <a:ext cx="31049774" cy="6958285"/>
           </a:xfrm>
           <a:prstGeom prst="rect">
@@ -2752,7 +2752,7 @@
         </p:nvSpPr>
         <p:spPr>
           <a:xfrm>
-            <a:off x="2474982" y="9583264"/>
+            <a:off x="2474983" y="9583265"/>
             <a:ext cx="31049774" cy="22841503"/>
           </a:xfrm>
           <a:prstGeom prst="rect">
@@ -2846,7 +2846,7 @@
         </p:nvSpPr>
         <p:spPr>
           <a:xfrm>
-            <a:off x="2474982" y="33366432"/>
+            <a:off x="2474983" y="33366433"/>
             <a:ext cx="8099941" cy="1916653"/>
           </a:xfrm>
           <a:prstGeom prst="rect">
@@ -2869,7 +2869,7 @@
           <a:p>
             <a:fld id="{528E7D60-6D11-405A-8EEF-73F5412858C5}" type="datetimeFigureOut">
               <a:rPr kumimoji="1" lang="ja-JP" altLang="en-US" smtClean="0"/>
-              <a:t>2024/8/26</a:t>
+              <a:t>2024/8/28</a:t>
             </a:fld>
             <a:endParaRPr kumimoji="1" lang="ja-JP" altLang="en-US"/>
           </a:p>
@@ -2887,7 +2887,7 @@
         </p:nvSpPr>
         <p:spPr>
           <a:xfrm>
-            <a:off x="11924913" y="33366432"/>
+            <a:off x="11924913" y="33366433"/>
             <a:ext cx="12149912" cy="1916653"/>
           </a:xfrm>
           <a:prstGeom prst="rect">
@@ -2924,7 +2924,7 @@
         </p:nvSpPr>
         <p:spPr>
           <a:xfrm>
-            <a:off x="25424815" y="33366432"/>
+            <a:off x="25424816" y="33366433"/>
             <a:ext cx="8099941" cy="1916653"/>
           </a:xfrm>
           <a:prstGeom prst="rect">
@@ -2976,7 +2976,7 @@
   </p:sldLayoutIdLst>
   <p:txStyles>
     <p:titleStyle>
-      <a:lvl1pPr algn="l" defTabSz="3599993" rtl="0" eaLnBrk="1" latinLnBrk="0" hangingPunct="1">
+      <a:lvl1pPr algn="l" defTabSz="3600065" rtl="0" eaLnBrk="1" latinLnBrk="0" hangingPunct="1">
         <a:lnSpc>
           <a:spcPct val="90000"/>
         </a:lnSpc>
@@ -2995,7 +2995,7 @@
       </a:lvl1pPr>
     </p:titleStyle>
     <p:bodyStyle>
-      <a:lvl1pPr marL="899998" indent="-899998" algn="l" defTabSz="3599993" rtl="0" eaLnBrk="1" latinLnBrk="0" hangingPunct="1">
+      <a:lvl1pPr marL="900016" indent="-900016" algn="l" defTabSz="3600065" rtl="0" eaLnBrk="1" latinLnBrk="0" hangingPunct="1">
         <a:lnSpc>
           <a:spcPct val="90000"/>
         </a:lnSpc>
@@ -3004,7 +3004,7 @@
         </a:spcBef>
         <a:buFont typeface="Arial" panose="020B0604020202020204" pitchFamily="34" charset="0"/>
         <a:buChar char="•"/>
-        <a:defRPr kumimoji="1" sz="11024" kern="1200">
+        <a:defRPr kumimoji="1" sz="11025" kern="1200">
           <a:solidFill>
             <a:schemeClr val="tx1"/>
           </a:solidFill>
@@ -3013,7 +3013,7 @@
           <a:cs typeface="+mn-cs"/>
         </a:defRPr>
       </a:lvl1pPr>
-      <a:lvl2pPr marL="2699995" indent="-899998" algn="l" defTabSz="3599993" rtl="0" eaLnBrk="1" latinLnBrk="0" hangingPunct="1">
+      <a:lvl2pPr marL="2700049" indent="-900016" algn="l" defTabSz="3600065" rtl="0" eaLnBrk="1" latinLnBrk="0" hangingPunct="1">
         <a:lnSpc>
           <a:spcPct val="90000"/>
         </a:lnSpc>
@@ -3031,7 +3031,7 @@
           <a:cs typeface="+mn-cs"/>
         </a:defRPr>
       </a:lvl2pPr>
-      <a:lvl3pPr marL="4499991" indent="-899998" algn="l" defTabSz="3599993" rtl="0" eaLnBrk="1" latinLnBrk="0" hangingPunct="1">
+      <a:lvl3pPr marL="4500081" indent="-900016" algn="l" defTabSz="3600065" rtl="0" eaLnBrk="1" latinLnBrk="0" hangingPunct="1">
         <a:lnSpc>
           <a:spcPct val="90000"/>
         </a:lnSpc>
@@ -3049,7 +3049,7 @@
           <a:cs typeface="+mn-cs"/>
         </a:defRPr>
       </a:lvl3pPr>
-      <a:lvl4pPr marL="6299987" indent="-899998" algn="l" defTabSz="3599993" rtl="0" eaLnBrk="1" latinLnBrk="0" hangingPunct="1">
+      <a:lvl4pPr marL="6300113" indent="-900016" algn="l" defTabSz="3600065" rtl="0" eaLnBrk="1" latinLnBrk="0" hangingPunct="1">
         <a:lnSpc>
           <a:spcPct val="90000"/>
         </a:lnSpc>
@@ -3067,7 +3067,7 @@
           <a:cs typeface="+mn-cs"/>
         </a:defRPr>
       </a:lvl4pPr>
-      <a:lvl5pPr marL="8099984" indent="-899998" algn="l" defTabSz="3599993" rtl="0" eaLnBrk="1" latinLnBrk="0" hangingPunct="1">
+      <a:lvl5pPr marL="8100146" indent="-900016" algn="l" defTabSz="3600065" rtl="0" eaLnBrk="1" latinLnBrk="0" hangingPunct="1">
         <a:lnSpc>
           <a:spcPct val="90000"/>
         </a:lnSpc>
@@ -3085,7 +3085,7 @@
           <a:cs typeface="+mn-cs"/>
         </a:defRPr>
       </a:lvl5pPr>
-      <a:lvl6pPr marL="9899980" indent="-899998" algn="l" defTabSz="3599993" rtl="0" eaLnBrk="1" latinLnBrk="0" hangingPunct="1">
+      <a:lvl6pPr marL="9900178" indent="-900016" algn="l" defTabSz="3600065" rtl="0" eaLnBrk="1" latinLnBrk="0" hangingPunct="1">
         <a:lnSpc>
           <a:spcPct val="90000"/>
         </a:lnSpc>
@@ -3103,7 +3103,7 @@
           <a:cs typeface="+mn-cs"/>
         </a:defRPr>
       </a:lvl6pPr>
-      <a:lvl7pPr marL="11699977" indent="-899998" algn="l" defTabSz="3599993" rtl="0" eaLnBrk="1" latinLnBrk="0" hangingPunct="1">
+      <a:lvl7pPr marL="11700211" indent="-900016" algn="l" defTabSz="3600065" rtl="0" eaLnBrk="1" latinLnBrk="0" hangingPunct="1">
         <a:lnSpc>
           <a:spcPct val="90000"/>
         </a:lnSpc>
@@ -3121,7 +3121,7 @@
           <a:cs typeface="+mn-cs"/>
         </a:defRPr>
       </a:lvl7pPr>
-      <a:lvl8pPr marL="13499973" indent="-899998" algn="l" defTabSz="3599993" rtl="0" eaLnBrk="1" latinLnBrk="0" hangingPunct="1">
+      <a:lvl8pPr marL="13500243" indent="-900016" algn="l" defTabSz="3600065" rtl="0" eaLnBrk="1" latinLnBrk="0" hangingPunct="1">
         <a:lnSpc>
           <a:spcPct val="90000"/>
         </a:lnSpc>
@@ -3139,7 +3139,7 @@
           <a:cs typeface="+mn-cs"/>
         </a:defRPr>
       </a:lvl8pPr>
-      <a:lvl9pPr marL="15299969" indent="-899998" algn="l" defTabSz="3599993" rtl="0" eaLnBrk="1" latinLnBrk="0" hangingPunct="1">
+      <a:lvl9pPr marL="15300275" indent="-900016" algn="l" defTabSz="3600065" rtl="0" eaLnBrk="1" latinLnBrk="0" hangingPunct="1">
         <a:lnSpc>
           <a:spcPct val="90000"/>
         </a:lnSpc>
@@ -3162,7 +3162,7 @@
       <a:defPPr>
         <a:defRPr lang="en-US"/>
       </a:defPPr>
-      <a:lvl1pPr marL="0" algn="l" defTabSz="3599993" rtl="0" eaLnBrk="1" latinLnBrk="0" hangingPunct="1">
+      <a:lvl1pPr marL="0" algn="l" defTabSz="3600065" rtl="0" eaLnBrk="1" latinLnBrk="0" hangingPunct="1">
         <a:defRPr kumimoji="1" sz="7087" kern="1200">
           <a:solidFill>
             <a:schemeClr val="tx1"/>
@@ -3172,7 +3172,7 @@
           <a:cs typeface="+mn-cs"/>
         </a:defRPr>
       </a:lvl1pPr>
-      <a:lvl2pPr marL="1799996" algn="l" defTabSz="3599993" rtl="0" eaLnBrk="1" latinLnBrk="0" hangingPunct="1">
+      <a:lvl2pPr marL="1800032" algn="l" defTabSz="3600065" rtl="0" eaLnBrk="1" latinLnBrk="0" hangingPunct="1">
         <a:defRPr kumimoji="1" sz="7087" kern="1200">
           <a:solidFill>
             <a:schemeClr val="tx1"/>
@@ -3182,7 +3182,7 @@
           <a:cs typeface="+mn-cs"/>
         </a:defRPr>
       </a:lvl2pPr>
-      <a:lvl3pPr marL="3599993" algn="l" defTabSz="3599993" rtl="0" eaLnBrk="1" latinLnBrk="0" hangingPunct="1">
+      <a:lvl3pPr marL="3600065" algn="l" defTabSz="3600065" rtl="0" eaLnBrk="1" latinLnBrk="0" hangingPunct="1">
         <a:defRPr kumimoji="1" sz="7087" kern="1200">
           <a:solidFill>
             <a:schemeClr val="tx1"/>
@@ -3192,7 +3192,7 @@
           <a:cs typeface="+mn-cs"/>
         </a:defRPr>
       </a:lvl3pPr>
-      <a:lvl4pPr marL="5399989" algn="l" defTabSz="3599993" rtl="0" eaLnBrk="1" latinLnBrk="0" hangingPunct="1">
+      <a:lvl4pPr marL="5400097" algn="l" defTabSz="3600065" rtl="0" eaLnBrk="1" latinLnBrk="0" hangingPunct="1">
         <a:defRPr kumimoji="1" sz="7087" kern="1200">
           <a:solidFill>
             <a:schemeClr val="tx1"/>
@@ -3202,7 +3202,7 @@
           <a:cs typeface="+mn-cs"/>
         </a:defRPr>
       </a:lvl4pPr>
-      <a:lvl5pPr marL="7199986" algn="l" defTabSz="3599993" rtl="0" eaLnBrk="1" latinLnBrk="0" hangingPunct="1">
+      <a:lvl5pPr marL="7200130" algn="l" defTabSz="3600065" rtl="0" eaLnBrk="1" latinLnBrk="0" hangingPunct="1">
         <a:defRPr kumimoji="1" sz="7087" kern="1200">
           <a:solidFill>
             <a:schemeClr val="tx1"/>
@@ -3212,7 +3212,7 @@
           <a:cs typeface="+mn-cs"/>
         </a:defRPr>
       </a:lvl5pPr>
-      <a:lvl6pPr marL="8999982" algn="l" defTabSz="3599993" rtl="0" eaLnBrk="1" latinLnBrk="0" hangingPunct="1">
+      <a:lvl6pPr marL="9000162" algn="l" defTabSz="3600065" rtl="0" eaLnBrk="1" latinLnBrk="0" hangingPunct="1">
         <a:defRPr kumimoji="1" sz="7087" kern="1200">
           <a:solidFill>
             <a:schemeClr val="tx1"/>
@@ -3222,7 +3222,7 @@
           <a:cs typeface="+mn-cs"/>
         </a:defRPr>
       </a:lvl6pPr>
-      <a:lvl7pPr marL="10799978" algn="l" defTabSz="3599993" rtl="0" eaLnBrk="1" latinLnBrk="0" hangingPunct="1">
+      <a:lvl7pPr marL="10800194" algn="l" defTabSz="3600065" rtl="0" eaLnBrk="1" latinLnBrk="0" hangingPunct="1">
         <a:defRPr kumimoji="1" sz="7087" kern="1200">
           <a:solidFill>
             <a:schemeClr val="tx1"/>
@@ -3232,7 +3232,7 @@
           <a:cs typeface="+mn-cs"/>
         </a:defRPr>
       </a:lvl7pPr>
-      <a:lvl8pPr marL="12599975" algn="l" defTabSz="3599993" rtl="0" eaLnBrk="1" latinLnBrk="0" hangingPunct="1">
+      <a:lvl8pPr marL="12600227" algn="l" defTabSz="3600065" rtl="0" eaLnBrk="1" latinLnBrk="0" hangingPunct="1">
         <a:defRPr kumimoji="1" sz="7087" kern="1200">
           <a:solidFill>
             <a:schemeClr val="tx1"/>
@@ -3242,7 +3242,7 @@
           <a:cs typeface="+mn-cs"/>
         </a:defRPr>
       </a:lvl8pPr>
-      <a:lvl9pPr marL="14399971" algn="l" defTabSz="3599993" rtl="0" eaLnBrk="1" latinLnBrk="0" hangingPunct="1">
+      <a:lvl9pPr marL="14400259" algn="l" defTabSz="3600065" rtl="0" eaLnBrk="1" latinLnBrk="0" hangingPunct="1">
         <a:defRPr kumimoji="1" sz="7087" kern="1200">
           <a:solidFill>
             <a:schemeClr val="tx1"/>
@@ -3296,7 +3296,7 @@
         </p:blipFill>
         <p:spPr>
           <a:xfrm rot="1384403">
-            <a:off x="4367778" y="7874943"/>
+            <a:off x="4367779" y="7874944"/>
             <a:ext cx="27264183" cy="20249852"/>
           </a:xfrm>
           <a:prstGeom prst="rect">
@@ -3318,7 +3318,7 @@
         </p:nvSpPr>
         <p:spPr>
           <a:xfrm>
-            <a:off x="10342897" y="13788183"/>
+            <a:off x="10342898" y="13788184"/>
             <a:ext cx="499215" cy="3332791"/>
           </a:xfrm>
           <a:prstGeom prst="rect">
@@ -3374,7 +3374,7 @@
         </p:nvSpPr>
         <p:spPr>
           <a:xfrm>
-            <a:off x="11038986" y="16192853"/>
+            <a:off x="11038987" y="16192853"/>
             <a:ext cx="2707011" cy="1149601"/>
           </a:xfrm>
           <a:custGeom>
@@ -3563,7 +3563,7 @@
         </p:nvSpPr>
         <p:spPr>
           <a:xfrm>
-            <a:off x="16924101" y="16192852"/>
+            <a:off x="16924102" y="16192853"/>
             <a:ext cx="1483583" cy="506251"/>
           </a:xfrm>
           <a:prstGeom prst="rect">
@@ -3619,7 +3619,7 @@
         </p:nvSpPr>
         <p:spPr>
           <a:xfrm>
-            <a:off x="16087388" y="10884298"/>
+            <a:off x="16087389" y="10884298"/>
             <a:ext cx="2643727" cy="1047650"/>
           </a:xfrm>
           <a:custGeom>
@@ -3840,7 +3840,7 @@
         </p:nvSpPr>
         <p:spPr>
           <a:xfrm>
-            <a:off x="10518669" y="11988186"/>
+            <a:off x="10518670" y="11988187"/>
             <a:ext cx="8036657" cy="10504620"/>
           </a:xfrm>
           <a:custGeom>
@@ -4445,7 +4445,7 @@
         </p:nvGrpSpPr>
         <p:grpSpPr>
           <a:xfrm>
-            <a:off x="16924098" y="20487763"/>
+            <a:off x="16924098" y="20487764"/>
             <a:ext cx="660934" cy="1553895"/>
             <a:chOff x="2993431" y="3395662"/>
             <a:chExt cx="223838" cy="526256"/>
@@ -4623,7 +4623,7 @@
         </p:nvSpPr>
         <p:spPr>
           <a:xfrm>
-            <a:off x="5481552" y="10484924"/>
+            <a:off x="5481553" y="10484924"/>
             <a:ext cx="17768279" cy="293895"/>
           </a:xfrm>
           <a:prstGeom prst="rect">
@@ -4677,7 +4677,7 @@
         </p:nvSpPr>
         <p:spPr>
           <a:xfrm rot="16200000">
-            <a:off x="835320" y="16776441"/>
+            <a:off x="835320" y="16776442"/>
             <a:ext cx="18302206" cy="499209"/>
           </a:xfrm>
           <a:prstGeom prst="rect">
@@ -4785,7 +4785,7 @@
         </p:nvSpPr>
         <p:spPr>
           <a:xfrm rot="16200000">
-            <a:off x="3946244" y="13935503"/>
+            <a:off x="3946244" y="13935504"/>
             <a:ext cx="7060536" cy="159375"/>
           </a:xfrm>
           <a:prstGeom prst="rect">
@@ -4839,7 +4839,7 @@
         </p:nvSpPr>
         <p:spPr>
           <a:xfrm rot="16200000">
-            <a:off x="16888338" y="6809793"/>
+            <a:off x="16888339" y="6809793"/>
             <a:ext cx="7060536" cy="877496"/>
           </a:xfrm>
           <a:prstGeom prst="rect">
@@ -4977,7 +4977,7 @@
         </p:nvSpPr>
         <p:spPr>
           <a:xfrm>
-            <a:off x="10429031" y="19045425"/>
+            <a:off x="10429032" y="19045425"/>
             <a:ext cx="8175523" cy="1613776"/>
           </a:xfrm>
           <a:prstGeom prst="rect">
@@ -5031,7 +5031,7 @@
         </p:nvSpPr>
         <p:spPr>
           <a:xfrm>
-            <a:off x="10889571" y="20316847"/>
+            <a:off x="10889572" y="20316848"/>
             <a:ext cx="2462679" cy="541399"/>
           </a:xfrm>
           <a:prstGeom prst="rect">
@@ -5085,7 +5085,7 @@
         </p:nvSpPr>
         <p:spPr>
           <a:xfrm>
-            <a:off x="15848326" y="18862615"/>
+            <a:off x="15848326" y="18862616"/>
             <a:ext cx="2756231" cy="541399"/>
           </a:xfrm>
           <a:prstGeom prst="rect">
@@ -5139,7 +5139,7 @@
         </p:nvSpPr>
         <p:spPr>
           <a:xfrm>
-            <a:off x="16980347" y="18623558"/>
+            <a:off x="16980347" y="18623559"/>
             <a:ext cx="773434" cy="541399"/>
           </a:xfrm>
           <a:prstGeom prst="rect">
@@ -5322,7 +5322,7 @@
         </p:nvSpPr>
         <p:spPr>
           <a:xfrm>
-            <a:off x="16751826" y="16784452"/>
+            <a:off x="16751827" y="16784452"/>
             <a:ext cx="1792959" cy="660560"/>
           </a:xfrm>
           <a:prstGeom prst="rect">
@@ -5376,7 +5376,7 @@
         </p:nvSpPr>
         <p:spPr>
           <a:xfrm>
-            <a:off x="14208290" y="17953764"/>
+            <a:off x="14208291" y="17953765"/>
             <a:ext cx="1045895" cy="843734"/>
           </a:xfrm>
           <a:prstGeom prst="rect">
@@ -5430,7 +5430,7 @@
         </p:nvSpPr>
         <p:spPr>
           <a:xfrm>
-            <a:off x="13914741" y="16189349"/>
+            <a:off x="13914742" y="16189349"/>
             <a:ext cx="393749" cy="3109620"/>
           </a:xfrm>
           <a:prstGeom prst="rect">
@@ -5484,7 +5484,7 @@
         </p:nvSpPr>
         <p:spPr>
           <a:xfrm>
-            <a:off x="10273712" y="14965747"/>
+            <a:off x="10273713" y="14965747"/>
             <a:ext cx="8271073" cy="1604170"/>
           </a:xfrm>
           <a:prstGeom prst="rect">
@@ -5646,7 +5646,7 @@
         </p:nvSpPr>
         <p:spPr>
           <a:xfrm>
-            <a:off x="10889570" y="13470928"/>
+            <a:off x="10889571" y="13470928"/>
             <a:ext cx="2460919" cy="1246892"/>
           </a:xfrm>
           <a:prstGeom prst="rect">
@@ -5700,7 +5700,7 @@
         </p:nvSpPr>
         <p:spPr>
           <a:xfrm>
-            <a:off x="13862011" y="12528033"/>
+            <a:off x="13862012" y="12528033"/>
             <a:ext cx="499209" cy="2553890"/>
           </a:xfrm>
           <a:prstGeom prst="rect">
@@ -5808,7 +5808,7 @@
         </p:nvSpPr>
         <p:spPr>
           <a:xfrm rot="5400000" flipV="1">
-            <a:off x="13769309" y="10546073"/>
+            <a:off x="13769310" y="10546074"/>
             <a:ext cx="727683" cy="394615"/>
           </a:xfrm>
           <a:custGeom>
@@ -6289,7 +6289,7 @@
         </p:nvSpPr>
         <p:spPr>
           <a:xfrm flipH="1">
-            <a:off x="13893647" y="20230186"/>
+            <a:off x="13893647" y="20230187"/>
             <a:ext cx="618736" cy="2055365"/>
           </a:xfrm>
           <a:prstGeom prst="parallelogram">
@@ -6345,7 +6345,7 @@
         </p:nvSpPr>
         <p:spPr>
           <a:xfrm>
-            <a:off x="15848325" y="9069074"/>
+            <a:off x="15848325" y="9069075"/>
             <a:ext cx="3164153" cy="1259389"/>
           </a:xfrm>
           <a:custGeom>
@@ -9242,7 +9242,7 @@
         </p:nvSpPr>
         <p:spPr>
           <a:xfrm>
-            <a:off x="8508937" y="4712565"/>
+            <a:off x="8508938" y="4712566"/>
             <a:ext cx="18981864" cy="26574609"/>
           </a:xfrm>
           <a:prstGeom prst="rect">
@@ -9294,7 +9294,7 @@
         </p:nvGrpSpPr>
         <p:grpSpPr>
           <a:xfrm>
-            <a:off x="12560897" y="6788150"/>
+            <a:off x="12560898" y="6788150"/>
             <a:ext cx="12368923" cy="22423439"/>
             <a:chOff x="4466687" y="813683"/>
             <a:chExt cx="4398421" cy="7973833"/>
@@ -10931,7 +10931,7 @@
         </p:nvSpPr>
         <p:spPr>
           <a:xfrm>
-            <a:off x="20552611" y="6788150"/>
+            <a:off x="20552612" y="6788150"/>
             <a:ext cx="4377209" cy="1742206"/>
           </a:xfrm>
           <a:custGeom>
@@ -11118,7 +11118,7 @@
         </p:nvSpPr>
         <p:spPr>
           <a:xfrm>
-            <a:off x="18232011" y="10209213"/>
+            <a:off x="18232012" y="10209214"/>
             <a:ext cx="806631" cy="568297"/>
           </a:xfrm>
           <a:prstGeom prst="rect">
@@ -11173,7 +11173,7 @@
         </p:nvSpPr>
         <p:spPr>
           <a:xfrm>
-            <a:off x="17999870" y="15844765"/>
+            <a:off x="17999871" y="15844766"/>
             <a:ext cx="806631" cy="568297"/>
           </a:xfrm>
           <a:prstGeom prst="rect">
@@ -11228,7 +11228,7 @@
         </p:nvSpPr>
         <p:spPr>
           <a:xfrm>
-            <a:off x="17858699" y="21480317"/>
+            <a:off x="17858700" y="21480318"/>
             <a:ext cx="806631" cy="568297"/>
           </a:xfrm>
           <a:prstGeom prst="rect">
@@ -11283,7 +11283,7 @@
         </p:nvSpPr>
         <p:spPr>
           <a:xfrm>
-            <a:off x="15186926" y="27103564"/>
+            <a:off x="15186926" y="27103565"/>
             <a:ext cx="1372492" cy="568297"/>
           </a:xfrm>
           <a:prstGeom prst="rect">
@@ -11326,7 +11326,7 @@
         </p:nvSpPr>
         <p:spPr>
           <a:xfrm>
-            <a:off x="21616053" y="7269771"/>
+            <a:off x="21616053" y="7269772"/>
             <a:ext cx="1768433" cy="568297"/>
           </a:xfrm>
           <a:prstGeom prst="rect">
@@ -11399,7 +11399,7 @@
         </p:nvSpPr>
         <p:spPr>
           <a:xfrm>
-            <a:off x="8508937" y="4725956"/>
+            <a:off x="8508938" y="4725957"/>
             <a:ext cx="18981864" cy="26574609"/>
           </a:xfrm>
           <a:prstGeom prst="rect">
@@ -11451,7 +11451,7 @@
         </p:nvSpPr>
         <p:spPr>
           <a:xfrm flipH="1">
-            <a:off x="13692798" y="8601009"/>
+            <a:off x="13692799" y="8601010"/>
             <a:ext cx="10225283" cy="3178059"/>
           </a:xfrm>
           <a:custGeom>
@@ -11639,7 +11639,7 @@
         </p:nvSpPr>
         <p:spPr>
           <a:xfrm flipH="1">
-            <a:off x="12560897" y="13686710"/>
+            <a:off x="12560897" y="13686711"/>
             <a:ext cx="11721925" cy="3477913"/>
           </a:xfrm>
           <a:custGeom>
@@ -12159,7 +12159,7 @@
         </p:nvSpPr>
         <p:spPr>
           <a:xfrm flipH="1">
-            <a:off x="13204032" y="24850268"/>
+            <a:off x="13204033" y="24850269"/>
             <a:ext cx="6526657" cy="4361321"/>
           </a:xfrm>
           <a:custGeom>
@@ -12419,7 +12419,7 @@
         </p:nvSpPr>
         <p:spPr>
           <a:xfrm flipH="1">
-            <a:off x="13692798" y="8601009"/>
+            <a:off x="13692799" y="8601010"/>
             <a:ext cx="10225283" cy="3178059"/>
           </a:xfrm>
           <a:custGeom>
@@ -12606,7 +12606,7 @@
         </p:nvSpPr>
         <p:spPr>
           <a:xfrm flipH="1">
-            <a:off x="12560897" y="13686710"/>
+            <a:off x="12560897" y="13686711"/>
             <a:ext cx="11721925" cy="3477913"/>
           </a:xfrm>
           <a:custGeom>
@@ -13124,7 +13124,7 @@
         </p:nvSpPr>
         <p:spPr>
           <a:xfrm flipH="1">
-            <a:off x="13204032" y="24850268"/>
+            <a:off x="13204033" y="24850269"/>
             <a:ext cx="6526657" cy="4361321"/>
           </a:xfrm>
           <a:custGeom>
@@ -13375,7 +13375,7 @@
         </p:nvSpPr>
         <p:spPr>
           <a:xfrm>
-            <a:off x="18232011" y="10209213"/>
+            <a:off x="18232012" y="10209214"/>
             <a:ext cx="806631" cy="568297"/>
           </a:xfrm>
           <a:prstGeom prst="rect">
@@ -13430,7 +13430,7 @@
         </p:nvSpPr>
         <p:spPr>
           <a:xfrm>
-            <a:off x="17999870" y="15844765"/>
+            <a:off x="17999871" y="15844766"/>
             <a:ext cx="806631" cy="568297"/>
           </a:xfrm>
           <a:prstGeom prst="rect">
@@ -13485,7 +13485,7 @@
         </p:nvSpPr>
         <p:spPr>
           <a:xfrm>
-            <a:off x="17858699" y="21480317"/>
+            <a:off x="17858700" y="21480318"/>
             <a:ext cx="806631" cy="568297"/>
           </a:xfrm>
           <a:prstGeom prst="rect">
@@ -13540,7 +13540,7 @@
         </p:nvSpPr>
         <p:spPr>
           <a:xfrm>
-            <a:off x="15186926" y="27103564"/>
+            <a:off x="15186926" y="27103565"/>
             <a:ext cx="1372492" cy="568297"/>
           </a:xfrm>
           <a:prstGeom prst="rect">
@@ -15333,7 +15333,7 @@
         </p:nvSpPr>
         <p:spPr>
           <a:xfrm>
-            <a:off x="20838160" y="7839229"/>
+            <a:off x="20838160" y="7839230"/>
             <a:ext cx="3164153" cy="1259389"/>
           </a:xfrm>
           <a:custGeom>
@@ -15524,7 +15524,7 @@
         </p:nvSpPr>
         <p:spPr>
           <a:xfrm>
-            <a:off x="20838160" y="7839229"/>
+            <a:off x="20838160" y="7839230"/>
             <a:ext cx="3164153" cy="1259389"/>
           </a:xfrm>
           <a:custGeom>
@@ -15741,7 +15741,7 @@
         </p:nvSpPr>
         <p:spPr>
           <a:xfrm>
-            <a:off x="6785664" y="6714236"/>
+            <a:off x="6785664" y="6714237"/>
             <a:ext cx="24428396" cy="22928407"/>
           </a:xfrm>
           <a:prstGeom prst="rect">
@@ -16111,7 +16111,7 @@
         </p:nvSpPr>
         <p:spPr>
           <a:xfrm flipH="1">
-            <a:off x="10006854" y="11880102"/>
+            <a:off x="10006854" y="11880103"/>
             <a:ext cx="7997551" cy="11791607"/>
           </a:xfrm>
           <a:custGeom>
@@ -16956,7 +16956,7 @@
         </p:nvSpPr>
         <p:spPr>
           <a:xfrm>
-            <a:off x="18882217" y="11880102"/>
+            <a:off x="18882217" y="11880103"/>
             <a:ext cx="8296092" cy="9142875"/>
           </a:xfrm>
           <a:custGeom>
@@ -17120,7 +17120,7 @@
         </p:nvGrpSpPr>
         <p:grpSpPr>
           <a:xfrm>
-            <a:off x="10006854" y="10343950"/>
+            <a:off x="10006855" y="10343951"/>
             <a:ext cx="8144288" cy="13327757"/>
             <a:chOff x="3558463" y="2078135"/>
             <a:chExt cx="2896130" cy="4739385"/>
@@ -18319,7 +18319,7 @@
         </p:nvSpPr>
         <p:spPr>
           <a:xfrm>
-            <a:off x="9565940" y="9792026"/>
+            <a:off x="9565941" y="9792026"/>
             <a:ext cx="18166999" cy="17134360"/>
           </a:xfrm>
           <a:custGeom>
@@ -18642,7 +18642,7 @@
         </p:nvSpPr>
         <p:spPr>
           <a:xfrm rot="8100000">
-            <a:off x="3043287" y="3229285"/>
+            <a:off x="3043287" y="3229286"/>
             <a:ext cx="30113152" cy="29379617"/>
           </a:xfrm>
           <a:custGeom>
@@ -23455,7 +23455,7 @@
         </p:nvSpPr>
         <p:spPr>
           <a:xfrm rot="5400000">
-            <a:off x="5652770" y="12326439"/>
+            <a:off x="5652771" y="12326440"/>
             <a:ext cx="16927590" cy="11029067"/>
           </a:xfrm>
           <a:custGeom>
@@ -23616,7 +23616,7 @@
         </p:nvSpPr>
         <p:spPr>
           <a:xfrm rot="5400000">
-            <a:off x="7694004" y="12930851"/>
+            <a:off x="7694004" y="12930852"/>
             <a:ext cx="14236766" cy="9637421"/>
           </a:xfrm>
           <a:custGeom>
@@ -23777,7 +23777,7 @@
         </p:nvSpPr>
         <p:spPr>
           <a:xfrm>
-            <a:off x="10635395" y="14035681"/>
+            <a:off x="10635396" y="14035682"/>
             <a:ext cx="499215" cy="3332791"/>
           </a:xfrm>
           <a:prstGeom prst="rect">
@@ -23831,7 +23831,7 @@
         </p:nvSpPr>
         <p:spPr>
           <a:xfrm>
-            <a:off x="11331484" y="16440351"/>
+            <a:off x="11331485" y="16440352"/>
             <a:ext cx="2707011" cy="1149601"/>
           </a:xfrm>
           <a:custGeom>
@@ -23962,7 +23962,7 @@
         </p:nvSpPr>
         <p:spPr>
           <a:xfrm>
-            <a:off x="11451014" y="14436449"/>
+            <a:off x="11451014" y="14436450"/>
             <a:ext cx="2587478" cy="794536"/>
           </a:xfrm>
           <a:prstGeom prst="rect">
@@ -24016,7 +24016,7 @@
         </p:nvSpPr>
         <p:spPr>
           <a:xfrm>
-            <a:off x="17216599" y="16440350"/>
+            <a:off x="17216600" y="16440350"/>
             <a:ext cx="1483583" cy="506251"/>
           </a:xfrm>
           <a:prstGeom prst="rect">
@@ -24070,7 +24070,7 @@
         </p:nvSpPr>
         <p:spPr>
           <a:xfrm>
-            <a:off x="16379886" y="11131796"/>
+            <a:off x="16379887" y="11131796"/>
             <a:ext cx="2643727" cy="1047650"/>
           </a:xfrm>
           <a:custGeom>
@@ -24289,7 +24289,7 @@
         </p:nvSpPr>
         <p:spPr>
           <a:xfrm>
-            <a:off x="10811167" y="12235684"/>
+            <a:off x="10811168" y="12235684"/>
             <a:ext cx="8036657" cy="10504620"/>
           </a:xfrm>
           <a:custGeom>
@@ -24892,7 +24892,7 @@
         </p:nvSpPr>
         <p:spPr>
           <a:xfrm>
-            <a:off x="9403060" y="10484922"/>
+            <a:off x="9403060" y="10484923"/>
             <a:ext cx="10228044" cy="293893"/>
           </a:xfrm>
           <a:prstGeom prst="rect">
@@ -24946,7 +24946,7 @@
         </p:nvSpPr>
         <p:spPr>
           <a:xfrm rot="16200000">
-            <a:off x="2312578" y="17591362"/>
+            <a:off x="2312579" y="17591363"/>
             <a:ext cx="15347703" cy="499209"/>
           </a:xfrm>
           <a:prstGeom prst="rect">
@@ -25000,7 +25000,7 @@
         </p:nvSpPr>
         <p:spPr>
           <a:xfrm>
-            <a:off x="9403056" y="17545462"/>
+            <a:off x="9403056" y="17545463"/>
             <a:ext cx="510936" cy="135007"/>
           </a:xfrm>
           <a:prstGeom prst="rect">
@@ -25317,7 +25317,7 @@
         </p:nvSpPr>
         <p:spPr>
           <a:xfrm rot="5400000">
-            <a:off x="10086596" y="11576287"/>
+            <a:off x="10086597" y="11576288"/>
             <a:ext cx="579087" cy="499212"/>
           </a:xfrm>
           <a:prstGeom prst="triangle">
@@ -25582,7 +25582,7 @@
         </p:nvSpPr>
         <p:spPr>
           <a:xfrm rot="5400000">
-            <a:off x="10086596" y="19022906"/>
+            <a:off x="10086597" y="19022906"/>
             <a:ext cx="579087" cy="499212"/>
           </a:xfrm>
           <a:prstGeom prst="triangle">
@@ -25675,7 +25675,7 @@
         </p:blipFill>
         <p:spPr>
           <a:xfrm rot="1384403">
-            <a:off x="4367778" y="7874943"/>
+            <a:off x="4367779" y="7874944"/>
             <a:ext cx="27264183" cy="20249852"/>
           </a:xfrm>
           <a:prstGeom prst="rect">
@@ -25697,7 +25697,7 @@
         </p:nvSpPr>
         <p:spPr>
           <a:xfrm>
-            <a:off x="10536258" y="19377983"/>
+            <a:off x="10536259" y="19377983"/>
             <a:ext cx="4052319" cy="3149977"/>
           </a:xfrm>
           <a:custGeom>
@@ -25897,7 +25897,7 @@
         </p:nvSpPr>
         <p:spPr>
           <a:xfrm>
-            <a:off x="11158513" y="12693662"/>
+            <a:off x="11158514" y="12693662"/>
             <a:ext cx="7066355" cy="899993"/>
           </a:xfrm>
           <a:prstGeom prst="rect">
@@ -25956,7 +25956,7 @@
         </p:nvSpPr>
         <p:spPr>
           <a:xfrm>
-            <a:off x="10342897" y="13788183"/>
+            <a:off x="10342898" y="13788184"/>
             <a:ext cx="499215" cy="3332791"/>
           </a:xfrm>
           <a:prstGeom prst="rect">
@@ -26015,7 +26015,7 @@
         </p:nvSpPr>
         <p:spPr>
           <a:xfrm>
-            <a:off x="11038986" y="16192853"/>
+            <a:off x="11038987" y="16192853"/>
             <a:ext cx="2707011" cy="1149601"/>
           </a:xfrm>
           <a:custGeom>
@@ -26204,7 +26204,7 @@
         </p:nvSpPr>
         <p:spPr>
           <a:xfrm>
-            <a:off x="16924101" y="16192852"/>
+            <a:off x="16924102" y="16192853"/>
             <a:ext cx="1483583" cy="506251"/>
           </a:xfrm>
           <a:prstGeom prst="rect">
@@ -26260,7 +26260,7 @@
         </p:nvSpPr>
         <p:spPr>
           <a:xfrm>
-            <a:off x="16087388" y="10884298"/>
+            <a:off x="16087389" y="10884298"/>
             <a:ext cx="2643727" cy="1047650"/>
           </a:xfrm>
           <a:custGeom>
@@ -26481,7 +26481,7 @@
         </p:nvGrpSpPr>
         <p:grpSpPr>
           <a:xfrm>
-            <a:off x="16924098" y="20487763"/>
+            <a:off x="16924098" y="20487764"/>
             <a:ext cx="660934" cy="1553895"/>
             <a:chOff x="2993431" y="3395662"/>
             <a:chExt cx="223838" cy="526256"/>
@@ -26972,7 +26972,7 @@
         </p:nvSpPr>
         <p:spPr>
           <a:xfrm>
-            <a:off x="17585035" y="14520590"/>
+            <a:off x="17585035" y="14520591"/>
             <a:ext cx="281241" cy="516799"/>
           </a:xfrm>
           <a:prstGeom prst="rect">
@@ -27031,7 +27031,7 @@
         </p:nvSpPr>
         <p:spPr>
           <a:xfrm>
-            <a:off x="13942868" y="15843646"/>
+            <a:off x="13942868" y="15843647"/>
             <a:ext cx="323434" cy="2465598"/>
           </a:xfrm>
           <a:custGeom>
@@ -27143,7 +27143,7 @@
         </p:nvSpPr>
         <p:spPr>
           <a:xfrm>
-            <a:off x="11038983" y="17444406"/>
+            <a:off x="11038983" y="17444407"/>
             <a:ext cx="2903888" cy="998457"/>
           </a:xfrm>
           <a:custGeom>
@@ -27354,7 +27354,7 @@
         </p:nvSpPr>
         <p:spPr>
           <a:xfrm>
-            <a:off x="14266302" y="17275662"/>
+            <a:off x="14266302" y="17275663"/>
             <a:ext cx="4303090" cy="1033581"/>
           </a:xfrm>
           <a:custGeom>
@@ -27490,7 +27490,7 @@
         </p:nvSpPr>
         <p:spPr>
           <a:xfrm>
-            <a:off x="16994796" y="16987377"/>
+            <a:off x="16994797" y="16987377"/>
             <a:ext cx="822263" cy="288282"/>
           </a:xfrm>
           <a:custGeom>
@@ -27744,7 +27744,7 @@
         </p:nvSpPr>
         <p:spPr>
           <a:xfrm>
-            <a:off x="12308946" y="21800490"/>
+            <a:off x="12308947" y="21800491"/>
             <a:ext cx="5764277" cy="4480729"/>
           </a:xfrm>
           <a:custGeom>
@@ -27939,7 +27939,7 @@
         </p:nvSpPr>
         <p:spPr>
           <a:xfrm>
-            <a:off x="13194086" y="12292277"/>
+            <a:off x="13194086" y="12292278"/>
             <a:ext cx="10051636" cy="1280207"/>
           </a:xfrm>
           <a:prstGeom prst="rect">
@@ -27993,7 +27993,7 @@
         </p:nvSpPr>
         <p:spPr>
           <a:xfrm>
-            <a:off x="12033897" y="13849191"/>
+            <a:off x="12033898" y="13849192"/>
             <a:ext cx="710119" cy="4740775"/>
           </a:xfrm>
           <a:prstGeom prst="rect">
@@ -28047,7 +28047,7 @@
         </p:nvSpPr>
         <p:spPr>
           <a:xfrm>
-            <a:off x="13024059" y="17269748"/>
+            <a:off x="13024059" y="17269749"/>
             <a:ext cx="3850624" cy="1540253"/>
           </a:xfrm>
           <a:custGeom>
@@ -28178,7 +28178,7 @@
         </p:nvSpPr>
         <p:spPr>
           <a:xfrm>
-            <a:off x="13165957" y="14297790"/>
+            <a:off x="13165958" y="14297790"/>
             <a:ext cx="3680595" cy="1130200"/>
           </a:xfrm>
           <a:prstGeom prst="rect">
@@ -28286,7 +28286,7 @@
         </p:nvSpPr>
         <p:spPr>
           <a:xfrm>
-            <a:off x="20205230" y="9718519"/>
+            <a:off x="20205230" y="9718520"/>
             <a:ext cx="3760608" cy="1490245"/>
           </a:xfrm>
           <a:custGeom>
@@ -28505,7 +28505,7 @@
         </p:nvGrpSpPr>
         <p:grpSpPr>
           <a:xfrm>
-            <a:off x="21395426" y="23379106"/>
+            <a:off x="21395427" y="23379106"/>
             <a:ext cx="940156" cy="2210358"/>
             <a:chOff x="2993431" y="3395662"/>
             <a:chExt cx="223838" cy="526256"/>
@@ -28687,7 +28687,7 @@
         </p:nvSpPr>
         <p:spPr>
           <a:xfrm>
-            <a:off x="17093502" y="11302115"/>
+            <a:off x="17093502" y="11302116"/>
             <a:ext cx="1333120" cy="990159"/>
           </a:xfrm>
           <a:custGeom>
@@ -28818,7 +28818,7 @@
         </p:nvSpPr>
         <p:spPr>
           <a:xfrm>
-            <a:off x="13024056" y="15626149"/>
+            <a:off x="13024057" y="15626149"/>
             <a:ext cx="4008987" cy="1130200"/>
           </a:xfrm>
           <a:custGeom>
@@ -28925,7 +28925,7 @@
         </p:nvSpPr>
         <p:spPr>
           <a:xfrm>
-            <a:off x="17701498" y="15626149"/>
+            <a:off x="17701499" y="15626149"/>
             <a:ext cx="5930955" cy="1130200"/>
           </a:xfrm>
           <a:custGeom>
@@ -29032,7 +29032,7 @@
         </p:nvSpPr>
         <p:spPr>
           <a:xfrm>
-            <a:off x="17701496" y="14562649"/>
+            <a:off x="17701497" y="14562649"/>
             <a:ext cx="823459" cy="1063499"/>
           </a:xfrm>
           <a:prstGeom prst="rect">
@@ -29140,7 +29140,7 @@
         </p:nvSpPr>
         <p:spPr>
           <a:xfrm>
-            <a:off x="13024056" y="19050038"/>
+            <a:off x="13024057" y="19050039"/>
             <a:ext cx="4130679" cy="1420271"/>
           </a:xfrm>
           <a:custGeom>
@@ -29579,7 +29579,7 @@
         </p:nvSpPr>
         <p:spPr>
           <a:xfrm>
-            <a:off x="17033047" y="13572488"/>
+            <a:off x="17033048" y="13572488"/>
             <a:ext cx="847297" cy="8227994"/>
           </a:xfrm>
           <a:custGeom>
@@ -29743,7 +29743,7 @@
         </p:nvSpPr>
         <p:spPr>
           <a:xfrm>
-            <a:off x="13417398" y="12719442"/>
+            <a:off x="13417399" y="12719443"/>
             <a:ext cx="1465965" cy="853045"/>
           </a:xfrm>
           <a:prstGeom prst="rect">
@@ -29797,7 +29797,7 @@
         </p:nvSpPr>
         <p:spPr>
           <a:xfrm>
-            <a:off x="14883363" y="12719439"/>
+            <a:off x="14883364" y="12719440"/>
             <a:ext cx="1465965" cy="853045"/>
           </a:xfrm>
           <a:prstGeom prst="rect">
@@ -29851,7 +29851,7 @@
         </p:nvGrpSpPr>
         <p:grpSpPr>
           <a:xfrm>
-            <a:off x="16345116" y="12719442"/>
+            <a:off x="16345116" y="12719443"/>
             <a:ext cx="687928" cy="853045"/>
             <a:chOff x="5535586" y="1640682"/>
             <a:chExt cx="232980" cy="288900"/>
@@ -31109,7 +31109,7 @@
         </p:nvGrpSpPr>
         <p:grpSpPr>
           <a:xfrm>
-            <a:off x="19992612" y="12716090"/>
+            <a:off x="19992612" y="12716091"/>
             <a:ext cx="687928" cy="853045"/>
             <a:chOff x="5535586" y="1640682"/>
             <a:chExt cx="232980" cy="288900"/>
@@ -31738,7 +31738,7 @@
         </p:nvSpPr>
         <p:spPr>
           <a:xfrm>
-            <a:off x="21777652" y="12292914"/>
+            <a:off x="21777652" y="12292915"/>
             <a:ext cx="1465965" cy="1279563"/>
           </a:xfrm>
           <a:prstGeom prst="rect">
@@ -31792,7 +31792,7 @@
         </p:nvSpPr>
         <p:spPr>
           <a:xfrm>
-            <a:off x="17695633" y="12719439"/>
+            <a:off x="17695634" y="12719440"/>
             <a:ext cx="342973" cy="853045"/>
           </a:xfrm>
           <a:prstGeom prst="rect">
@@ -31846,7 +31846,7 @@
         </p:nvSpPr>
         <p:spPr>
           <a:xfrm>
-            <a:off x="18038716" y="12716090"/>
+            <a:off x="18038717" y="12716091"/>
             <a:ext cx="1953889" cy="853045"/>
           </a:xfrm>
           <a:prstGeom prst="rect">
@@ -31900,7 +31900,7 @@
         </p:nvSpPr>
         <p:spPr>
           <a:xfrm>
-            <a:off x="20680050" y="12716090"/>
+            <a:off x="20680051" y="12716091"/>
             <a:ext cx="416097" cy="853045"/>
           </a:xfrm>
           <a:prstGeom prst="rect">
@@ -31954,7 +31954,7 @@
         </p:nvSpPr>
         <p:spPr>
           <a:xfrm>
-            <a:off x="21093937" y="12719434"/>
+            <a:off x="21093938" y="12719435"/>
             <a:ext cx="681151" cy="853045"/>
           </a:xfrm>
           <a:prstGeom prst="rect">
@@ -32008,7 +32008,7 @@
         </p:nvSpPr>
         <p:spPr>
           <a:xfrm>
-            <a:off x="17695636" y="16002049"/>
+            <a:off x="17695637" y="16002050"/>
             <a:ext cx="1128473" cy="754635"/>
           </a:xfrm>
           <a:prstGeom prst="rect">
@@ -32116,7 +32116,7 @@
         </p:nvSpPr>
         <p:spPr>
           <a:xfrm>
-            <a:off x="20021458" y="16000378"/>
+            <a:off x="20021459" y="16000378"/>
             <a:ext cx="1203729" cy="754635"/>
           </a:xfrm>
           <a:prstGeom prst="rect">
@@ -32224,7 +32224,7 @@
         </p:nvSpPr>
         <p:spPr>
           <a:xfrm>
-            <a:off x="22429527" y="16003053"/>
+            <a:off x="22429527" y="16003054"/>
             <a:ext cx="1203664" cy="754635"/>
           </a:xfrm>
           <a:prstGeom prst="rect">
@@ -32386,7 +32386,7 @@
         </p:nvSpPr>
         <p:spPr>
           <a:xfrm>
-            <a:off x="15046766" y="16006072"/>
+            <a:off x="15046767" y="16006072"/>
             <a:ext cx="1011680" cy="748940"/>
           </a:xfrm>
           <a:prstGeom prst="rect">
@@ -32524,7 +32524,7 @@
         </p:nvSpPr>
         <p:spPr>
           <a:xfrm>
-            <a:off x="9409024" y="8756462"/>
+            <a:off x="9409025" y="8756462"/>
             <a:ext cx="13358423" cy="18486808"/>
           </a:xfrm>
           <a:prstGeom prst="rect">
@@ -32576,7 +32576,7 @@
         </p:nvSpPr>
         <p:spPr>
           <a:xfrm>
-            <a:off x="9409023" y="13380964"/>
+            <a:off x="9409024" y="13380964"/>
             <a:ext cx="795011" cy="5307540"/>
           </a:xfrm>
           <a:prstGeom prst="rect">
@@ -32630,7 +32630,7 @@
         </p:nvSpPr>
         <p:spPr>
           <a:xfrm>
-            <a:off x="10517564" y="17078783"/>
+            <a:off x="10517565" y="17078783"/>
             <a:ext cx="4310975" cy="1757802"/>
           </a:xfrm>
           <a:custGeom>
@@ -32815,7 +32815,7 @@
         </p:nvSpPr>
         <p:spPr>
           <a:xfrm>
-            <a:off x="19889739" y="17210458"/>
+            <a:off x="19889740" y="17210458"/>
             <a:ext cx="2362640" cy="806212"/>
           </a:xfrm>
           <a:prstGeom prst="rect">
@@ -32869,7 +32869,7 @@
         </p:nvSpPr>
         <p:spPr>
           <a:xfrm>
-            <a:off x="18557255" y="8756464"/>
+            <a:off x="18557255" y="8756465"/>
             <a:ext cx="4210194" cy="1668407"/>
           </a:xfrm>
           <a:custGeom>
@@ -33088,7 +33088,7 @@
         </p:nvSpPr>
         <p:spPr>
           <a:xfrm>
-            <a:off x="9688945" y="10514438"/>
+            <a:off x="9688946" y="10514439"/>
             <a:ext cx="12798557" cy="16728835"/>
           </a:xfrm>
           <a:custGeom>
@@ -33691,7 +33691,7 @@
         </p:nvGrpSpPr>
         <p:grpSpPr>
           <a:xfrm>
-            <a:off x="20230512" y="24822256"/>
+            <a:off x="20230513" y="24822257"/>
             <a:ext cx="1681087" cy="1681087"/>
             <a:chOff x="6696723" y="5857967"/>
             <a:chExt cx="569332" cy="569332"/>
@@ -33976,7 +33976,7 @@
         </p:nvGrpSpPr>
         <p:grpSpPr>
           <a:xfrm>
-            <a:off x="9409024" y="8756461"/>
+            <a:off x="9409025" y="8756461"/>
             <a:ext cx="13358423" cy="18486811"/>
             <a:chOff x="3186546" y="298543"/>
             <a:chExt cx="4524086" cy="6260912"/>
@@ -34955,7 +34955,7 @@
         </p:nvGrpSpPr>
         <p:grpSpPr>
           <a:xfrm>
-            <a:off x="9409024" y="8756461"/>
+            <a:off x="9409025" y="8756461"/>
             <a:ext cx="13358423" cy="18486811"/>
             <a:chOff x="3186546" y="298543"/>
             <a:chExt cx="4524086" cy="6260912"/>
@@ -35945,7 +35945,7 @@
         </p:blipFill>
         <p:spPr>
           <a:xfrm rot="1384403">
-            <a:off x="4367778" y="7874943"/>
+            <a:off x="4367779" y="7874944"/>
             <a:ext cx="27264183" cy="20249852"/>
           </a:xfrm>
           <a:prstGeom prst="rect">
@@ -35967,7 +35967,7 @@
         </p:nvGrpSpPr>
         <p:grpSpPr>
           <a:xfrm>
-            <a:off x="11046014" y="17015509"/>
+            <a:off x="11046015" y="17015510"/>
             <a:ext cx="7558539" cy="1413263"/>
             <a:chOff x="3740944" y="3095627"/>
             <a:chExt cx="2559844" cy="478629"/>
@@ -36196,7 +36196,7 @@
         </p:nvGrpSpPr>
         <p:grpSpPr>
           <a:xfrm>
-            <a:off x="11046015" y="16171761"/>
+            <a:off x="11046016" y="16171761"/>
             <a:ext cx="2756231" cy="1174210"/>
             <a:chOff x="3740944" y="2809875"/>
             <a:chExt cx="933450" cy="397669"/>
@@ -36321,7 +36321,7 @@
         </p:nvSpPr>
         <p:spPr>
           <a:xfrm>
-            <a:off x="16931128" y="16199884"/>
+            <a:off x="16931128" y="16199885"/>
             <a:ext cx="1469522" cy="541399"/>
           </a:xfrm>
           <a:prstGeom prst="rect">
@@ -36425,7 +36425,7 @@
         </p:nvSpPr>
         <p:spPr>
           <a:xfrm>
-            <a:off x="13914741" y="15792091"/>
+            <a:off x="13914742" y="15792092"/>
             <a:ext cx="393749" cy="1645283"/>
           </a:xfrm>
           <a:prstGeom prst="rect">
@@ -36477,7 +36477,7 @@
         </p:nvGrpSpPr>
         <p:grpSpPr>
           <a:xfrm>
-            <a:off x="10975702" y="14519428"/>
+            <a:off x="10975702" y="14519429"/>
             <a:ext cx="7569084" cy="1279681"/>
             <a:chOff x="3717131" y="2250281"/>
             <a:chExt cx="2563415" cy="433389"/>
@@ -36654,7 +36654,7 @@
         </p:nvSpPr>
         <p:spPr>
           <a:xfrm>
-            <a:off x="11165546" y="14196009"/>
+            <a:off x="11165546" y="14196010"/>
             <a:ext cx="2580454" cy="769907"/>
           </a:xfrm>
           <a:prstGeom prst="rect">
@@ -36706,7 +36706,7 @@
         </p:nvSpPr>
         <p:spPr>
           <a:xfrm>
-            <a:off x="13865529" y="13577251"/>
+            <a:off x="13865530" y="13577251"/>
             <a:ext cx="499209" cy="1427332"/>
           </a:xfrm>
           <a:prstGeom prst="rect">
@@ -36810,7 +36810,7 @@
         </p:nvGrpSpPr>
         <p:grpSpPr>
           <a:xfrm>
-            <a:off x="11133902" y="11987350"/>
+            <a:off x="11133902" y="11987351"/>
             <a:ext cx="7126121" cy="1589901"/>
             <a:chOff x="3770708" y="1392745"/>
             <a:chExt cx="2413397" cy="538450"/>
@@ -37040,7 +37040,7 @@
         </p:nvSpPr>
         <p:spPr>
           <a:xfrm>
-            <a:off x="10356961" y="13784682"/>
+            <a:off x="10356962" y="13784682"/>
             <a:ext cx="499209" cy="3350350"/>
           </a:xfrm>
           <a:prstGeom prst="rect">
@@ -37427,7 +37427,7 @@
         </p:nvGrpSpPr>
         <p:grpSpPr>
           <a:xfrm>
-            <a:off x="19124863" y="12266839"/>
+            <a:off x="19124864" y="12266840"/>
             <a:ext cx="8465563" cy="8239639"/>
             <a:chOff x="6477000" y="1487399"/>
             <a:chExt cx="2867025" cy="2790511"/>
@@ -37540,7 +37540,7 @@
         </p:nvGrpSpPr>
         <p:grpSpPr>
           <a:xfrm>
-            <a:off x="16083002" y="10865022"/>
+            <a:off x="16083002" y="10865023"/>
             <a:ext cx="2680616" cy="1066933"/>
             <a:chOff x="5446816" y="1012647"/>
             <a:chExt cx="907842" cy="361337"/>
@@ -37769,7 +37769,7 @@
         </p:nvSpPr>
         <p:spPr>
           <a:xfrm>
-            <a:off x="25654145" y="19356413"/>
+            <a:off x="25654145" y="19356414"/>
             <a:ext cx="1936282" cy="1150068"/>
           </a:xfrm>
           <a:prstGeom prst="rect">
@@ -37845,7 +37845,7 @@
         </p:nvSpPr>
         <p:spPr>
           <a:xfrm flipH="1">
-            <a:off x="9935085" y="11426337"/>
+            <a:off x="9935085" y="11426338"/>
             <a:ext cx="8669464" cy="12782275"/>
           </a:xfrm>
           <a:custGeom>
@@ -38690,7 +38690,7 @@
         </p:nvSpPr>
         <p:spPr>
           <a:xfrm>
-            <a:off x="11046014" y="18219934"/>
+            <a:off x="11046015" y="18219935"/>
             <a:ext cx="7558539" cy="1184769"/>
           </a:xfrm>
           <a:prstGeom prst="rect">
@@ -38744,7 +38744,7 @@
         </p:nvSpPr>
         <p:spPr>
           <a:xfrm>
-            <a:off x="11418668" y="19024334"/>
+            <a:off x="11418669" y="19024335"/>
             <a:ext cx="1933580" cy="541399"/>
           </a:xfrm>
           <a:prstGeom prst="rect">
@@ -38798,7 +38798,7 @@
         </p:nvSpPr>
         <p:spPr>
           <a:xfrm>
-            <a:off x="15848326" y="18037123"/>
+            <a:off x="15848326" y="18037124"/>
             <a:ext cx="2756231" cy="541399"/>
           </a:xfrm>
           <a:prstGeom prst="rect">
@@ -38852,7 +38852,7 @@
         </p:nvSpPr>
         <p:spPr>
           <a:xfrm>
-            <a:off x="16980347" y="17798067"/>
+            <a:off x="16980347" y="17798068"/>
             <a:ext cx="773434" cy="541399"/>
           </a:xfrm>
           <a:prstGeom prst="rect">
@@ -38906,7 +38906,7 @@
         </p:nvSpPr>
         <p:spPr>
           <a:xfrm>
-            <a:off x="10940549" y="16643518"/>
+            <a:off x="10940550" y="16643519"/>
             <a:ext cx="2685917" cy="843751"/>
           </a:xfrm>
           <a:prstGeom prst="rect">
@@ -38960,7 +38960,7 @@
         </p:nvSpPr>
         <p:spPr>
           <a:xfrm>
-            <a:off x="11742211" y="16973979"/>
+            <a:off x="11742211" y="16973980"/>
             <a:ext cx="1884252" cy="843751"/>
           </a:xfrm>
           <a:prstGeom prst="rect">
@@ -39014,7 +39014,7 @@
         </p:nvSpPr>
         <p:spPr>
           <a:xfrm>
-            <a:off x="16829175" y="16302220"/>
+            <a:off x="16829175" y="16302221"/>
             <a:ext cx="1469522" cy="541399"/>
           </a:xfrm>
           <a:prstGeom prst="rect">
@@ -39068,7 +39068,7 @@
         </p:nvSpPr>
         <p:spPr>
           <a:xfrm>
-            <a:off x="14308494" y="17010970"/>
+            <a:off x="14308494" y="17010971"/>
             <a:ext cx="1321866" cy="843734"/>
           </a:xfrm>
           <a:prstGeom prst="rect">
@@ -39122,7 +39122,7 @@
         </p:nvSpPr>
         <p:spPr>
           <a:xfrm>
-            <a:off x="13914741" y="16189349"/>
+            <a:off x="13914742" y="16189349"/>
             <a:ext cx="393749" cy="2030584"/>
           </a:xfrm>
           <a:prstGeom prst="rect">
@@ -39176,7 +39176,7 @@
         </p:nvSpPr>
         <p:spPr>
           <a:xfrm>
-            <a:off x="11046014" y="15004582"/>
+            <a:off x="11046014" y="15004583"/>
             <a:ext cx="7498770" cy="1184766"/>
           </a:xfrm>
           <a:prstGeom prst="rect">
@@ -39230,7 +39230,7 @@
         </p:nvSpPr>
         <p:spPr>
           <a:xfrm>
-            <a:off x="10961640" y="15156206"/>
+            <a:off x="10961641" y="15156206"/>
             <a:ext cx="1462489" cy="451628"/>
           </a:xfrm>
           <a:prstGeom prst="rect">
@@ -39338,7 +39338,7 @@
         </p:nvSpPr>
         <p:spPr>
           <a:xfrm>
-            <a:off x="11154999" y="14055839"/>
+            <a:off x="11154999" y="14055840"/>
             <a:ext cx="2460919" cy="769907"/>
           </a:xfrm>
           <a:prstGeom prst="rect">
@@ -39392,7 +39392,7 @@
         </p:nvSpPr>
         <p:spPr>
           <a:xfrm>
-            <a:off x="13862011" y="13211623"/>
+            <a:off x="13862012" y="13211624"/>
             <a:ext cx="499209" cy="1870299"/>
           </a:xfrm>
           <a:prstGeom prst="rect">
@@ -39500,7 +39500,7 @@
         </p:nvSpPr>
         <p:spPr>
           <a:xfrm rot="5400000" flipV="1">
-            <a:off x="13769309" y="11592874"/>
+            <a:off x="13769310" y="11592874"/>
             <a:ext cx="727683" cy="394615"/>
           </a:xfrm>
           <a:custGeom>
@@ -39715,7 +39715,7 @@
         </p:nvSpPr>
         <p:spPr>
           <a:xfrm>
-            <a:off x="9935091" y="13784682"/>
+            <a:off x="9935092" y="13784682"/>
             <a:ext cx="499209" cy="3350350"/>
           </a:xfrm>
           <a:prstGeom prst="rect">
@@ -39769,7 +39769,7 @@
         </p:nvSpPr>
         <p:spPr>
           <a:xfrm>
-            <a:off x="10536259" y="21059976"/>
+            <a:off x="10536259" y="21059977"/>
             <a:ext cx="4717924" cy="3148638"/>
           </a:xfrm>
           <a:custGeom>
@@ -39981,7 +39981,7 @@
         </p:nvSpPr>
         <p:spPr>
           <a:xfrm flipH="1">
-            <a:off x="13893647" y="19404697"/>
+            <a:off x="13893647" y="19404698"/>
             <a:ext cx="618736" cy="1724057"/>
           </a:xfrm>
           <a:prstGeom prst="parallelogram">

--- a/2d/main.pptx
+++ b/2d/main.pptx
@@ -258,7 +258,7 @@
           <a:p>
             <a:fld id="{528E7D60-6D11-405A-8EEF-73F5412858C5}" type="datetimeFigureOut">
               <a:rPr kumimoji="1" lang="ja-JP" altLang="en-US" smtClean="0"/>
-              <a:t>2024/8/28</a:t>
+              <a:t>2024/9/5</a:t>
             </a:fld>
             <a:endParaRPr kumimoji="1" lang="ja-JP" altLang="en-US"/>
           </a:p>
@@ -460,7 +460,7 @@
           <a:p>
             <a:fld id="{528E7D60-6D11-405A-8EEF-73F5412858C5}" type="datetimeFigureOut">
               <a:rPr kumimoji="1" lang="ja-JP" altLang="en-US" smtClean="0"/>
-              <a:t>2024/8/28</a:t>
+              <a:t>2024/9/5</a:t>
             </a:fld>
             <a:endParaRPr kumimoji="1" lang="ja-JP" altLang="en-US"/>
           </a:p>
@@ -672,7 +672,7 @@
           <a:p>
             <a:fld id="{528E7D60-6D11-405A-8EEF-73F5412858C5}" type="datetimeFigureOut">
               <a:rPr kumimoji="1" lang="ja-JP" altLang="en-US" smtClean="0"/>
-              <a:t>2024/8/28</a:t>
+              <a:t>2024/9/5</a:t>
             </a:fld>
             <a:endParaRPr kumimoji="1" lang="ja-JP" altLang="en-US"/>
           </a:p>
@@ -874,7 +874,7 @@
           <a:p>
             <a:fld id="{528E7D60-6D11-405A-8EEF-73F5412858C5}" type="datetimeFigureOut">
               <a:rPr kumimoji="1" lang="ja-JP" altLang="en-US" smtClean="0"/>
-              <a:t>2024/8/28</a:t>
+              <a:t>2024/9/5</a:t>
             </a:fld>
             <a:endParaRPr kumimoji="1" lang="ja-JP" altLang="en-US"/>
           </a:p>
@@ -1118,7 +1118,7 @@
           <a:p>
             <a:fld id="{528E7D60-6D11-405A-8EEF-73F5412858C5}" type="datetimeFigureOut">
               <a:rPr kumimoji="1" lang="ja-JP" altLang="en-US" smtClean="0"/>
-              <a:t>2024/8/28</a:t>
+              <a:t>2024/9/5</a:t>
             </a:fld>
             <a:endParaRPr kumimoji="1" lang="ja-JP" altLang="en-US"/>
           </a:p>
@@ -1414,7 +1414,7 @@
           <a:p>
             <a:fld id="{528E7D60-6D11-405A-8EEF-73F5412858C5}" type="datetimeFigureOut">
               <a:rPr kumimoji="1" lang="ja-JP" altLang="en-US" smtClean="0"/>
-              <a:t>2024/8/28</a:t>
+              <a:t>2024/9/5</a:t>
             </a:fld>
             <a:endParaRPr kumimoji="1" lang="ja-JP" altLang="en-US"/>
           </a:p>
@@ -1845,7 +1845,7 @@
           <a:p>
             <a:fld id="{528E7D60-6D11-405A-8EEF-73F5412858C5}" type="datetimeFigureOut">
               <a:rPr kumimoji="1" lang="ja-JP" altLang="en-US" smtClean="0"/>
-              <a:t>2024/8/28</a:t>
+              <a:t>2024/9/5</a:t>
             </a:fld>
             <a:endParaRPr kumimoji="1" lang="ja-JP" altLang="en-US"/>
           </a:p>
@@ -1963,7 +1963,7 @@
           <a:p>
             <a:fld id="{528E7D60-6D11-405A-8EEF-73F5412858C5}" type="datetimeFigureOut">
               <a:rPr kumimoji="1" lang="ja-JP" altLang="en-US" smtClean="0"/>
-              <a:t>2024/8/28</a:t>
+              <a:t>2024/9/5</a:t>
             </a:fld>
             <a:endParaRPr kumimoji="1" lang="ja-JP" altLang="en-US"/>
           </a:p>
@@ -2058,7 +2058,7 @@
           <a:p>
             <a:fld id="{528E7D60-6D11-405A-8EEF-73F5412858C5}" type="datetimeFigureOut">
               <a:rPr kumimoji="1" lang="ja-JP" altLang="en-US" smtClean="0"/>
-              <a:t>2024/8/28</a:t>
+              <a:t>2024/9/5</a:t>
             </a:fld>
             <a:endParaRPr kumimoji="1" lang="ja-JP" altLang="en-US"/>
           </a:p>
@@ -2367,7 +2367,7 @@
           <a:p>
             <a:fld id="{528E7D60-6D11-405A-8EEF-73F5412858C5}" type="datetimeFigureOut">
               <a:rPr kumimoji="1" lang="ja-JP" altLang="en-US" smtClean="0"/>
-              <a:t>2024/8/28</a:t>
+              <a:t>2024/9/5</a:t>
             </a:fld>
             <a:endParaRPr kumimoji="1" lang="ja-JP" altLang="en-US"/>
           </a:p>
@@ -2624,7 +2624,7 @@
           <a:p>
             <a:fld id="{528E7D60-6D11-405A-8EEF-73F5412858C5}" type="datetimeFigureOut">
               <a:rPr kumimoji="1" lang="ja-JP" altLang="en-US" smtClean="0"/>
-              <a:t>2024/8/28</a:t>
+              <a:t>2024/9/5</a:t>
             </a:fld>
             <a:endParaRPr kumimoji="1" lang="ja-JP" altLang="en-US"/>
           </a:p>
@@ -2869,7 +2869,7 @@
           <a:p>
             <a:fld id="{528E7D60-6D11-405A-8EEF-73F5412858C5}" type="datetimeFigureOut">
               <a:rPr kumimoji="1" lang="ja-JP" altLang="en-US" smtClean="0"/>
-              <a:t>2024/8/28</a:t>
+              <a:t>2024/9/5</a:t>
             </a:fld>
             <a:endParaRPr kumimoji="1" lang="ja-JP" altLang="en-US"/>
           </a:p>
@@ -6564,8 +6564,8 @@
           <a:xfrm>
             <a:off x="0" y="1"/>
             <a:ext cx="35999738" cy="35999738"/>
-            <a:chOff x="4712564" y="4712565"/>
-            <a:chExt cx="26574609" cy="26574609"/>
+            <a:chOff x="4712563" y="4712565"/>
+            <a:chExt cx="26574607" cy="26574607"/>
           </a:xfrm>
         </p:grpSpPr>
         <p:sp>
@@ -6582,8 +6582,8 @@
           </p:nvSpPr>
           <p:spPr>
             <a:xfrm>
-              <a:off x="4712564" y="4712565"/>
-              <a:ext cx="26574609" cy="26574609"/>
+              <a:off x="4712563" y="4712565"/>
+              <a:ext cx="26574607" cy="26574607"/>
             </a:xfrm>
             <a:prstGeom prst="rect">
               <a:avLst/>
@@ -6634,10 +6634,10 @@
           </p:nvGrpSpPr>
           <p:grpSpPr>
             <a:xfrm>
-              <a:off x="11069920" y="6788150"/>
-              <a:ext cx="13859899" cy="22423439"/>
-              <a:chOff x="3936492" y="813683"/>
-              <a:chExt cx="4928616" cy="7973833"/>
+              <a:off x="11187079" y="6679280"/>
+              <a:ext cx="13851606" cy="22436919"/>
+              <a:chOff x="3978156" y="774968"/>
+              <a:chExt cx="4925667" cy="7978628"/>
             </a:xfrm>
           </p:grpSpPr>
           <p:grpSp>
@@ -6654,10 +6654,10 @@
             </p:nvGrpSpPr>
             <p:grpSpPr>
               <a:xfrm>
-                <a:off x="3936492" y="813683"/>
-                <a:ext cx="4928616" cy="7973833"/>
-                <a:chOff x="3936492" y="813683"/>
-                <a:chExt cx="4928616" cy="7973833"/>
+                <a:off x="3978156" y="774968"/>
+                <a:ext cx="4925667" cy="7978628"/>
+                <a:chOff x="3978156" y="774968"/>
+                <a:chExt cx="4925667" cy="7978626"/>
               </a:xfrm>
             </p:grpSpPr>
             <p:sp>
@@ -6674,7 +6674,7 @@
               </p:nvSpPr>
               <p:spPr>
                 <a:xfrm>
-                  <a:off x="7753021" y="4609121"/>
+                  <a:off x="7791736" y="4570405"/>
                   <a:ext cx="882014" cy="324951"/>
                 </a:xfrm>
                 <a:prstGeom prst="rect">
@@ -6685,7 +6685,9 @@
                 </a:solidFill>
                 <a:ln w="317500" cap="rnd">
                   <a:solidFill>
-                    <a:srgbClr val="D8F4FE"/>
+                    <a:schemeClr val="bg1">
+                      <a:lumMod val="85000"/>
+                    </a:schemeClr>
                   </a:solidFill>
                   <a:round/>
                 </a:ln>
@@ -6729,7 +6731,7 @@
               </p:nvSpPr>
               <p:spPr>
                 <a:xfrm>
-                  <a:off x="4568825" y="2979095"/>
+                  <a:off x="4607540" y="2940379"/>
                   <a:ext cx="1510971" cy="613386"/>
                 </a:xfrm>
                 <a:prstGeom prst="rect">
@@ -6740,7 +6742,9 @@
                 </a:solidFill>
                 <a:ln w="317500" cap="rnd">
                   <a:solidFill>
-                    <a:srgbClr val="D8F4FE"/>
+                    <a:schemeClr val="bg1">
+                      <a:lumMod val="85000"/>
+                    </a:schemeClr>
                   </a:solidFill>
                   <a:round/>
                 </a:ln>
@@ -6784,7 +6788,7 @@
               </p:nvSpPr>
               <p:spPr>
                 <a:xfrm>
-                  <a:off x="3936492" y="2901111"/>
+                  <a:off x="3978156" y="2867189"/>
                   <a:ext cx="252498" cy="2820254"/>
                 </a:xfrm>
                 <a:prstGeom prst="rect">
@@ -6795,7 +6799,9 @@
                 </a:solidFill>
                 <a:ln w="317500" cap="rnd">
                   <a:solidFill>
-                    <a:srgbClr val="D8F4FE"/>
+                    <a:schemeClr val="bg1">
+                      <a:lumMod val="85000"/>
+                    </a:schemeClr>
                   </a:solidFill>
                   <a:round/>
                 </a:ln>
@@ -6839,8 +6845,8 @@
               </p:nvSpPr>
               <p:spPr>
                 <a:xfrm flipH="1">
-                  <a:off x="4466687" y="1458341"/>
-                  <a:ext cx="4197751" cy="7329175"/>
+                  <a:off x="4508351" y="1424420"/>
+                  <a:ext cx="4197751" cy="7329174"/>
                 </a:xfrm>
                 <a:custGeom>
                   <a:avLst/>
@@ -7453,7 +7459,9 @@
                 </a:solidFill>
                 <a:ln w="317500" cap="rnd">
                   <a:solidFill>
-                    <a:srgbClr val="D8F4FE"/>
+                    <a:schemeClr val="bg1">
+                      <a:lumMod val="85000"/>
+                    </a:schemeClr>
                   </a:solidFill>
                   <a:round/>
                 </a:ln>
@@ -7499,7 +7507,7 @@
               </p:nvSpPr>
               <p:spPr>
                 <a:xfrm>
-                  <a:off x="7308561" y="813683"/>
+                  <a:off x="7347276" y="774968"/>
                   <a:ext cx="1556547" cy="619533"/>
                 </a:xfrm>
                 <a:custGeom>
@@ -7641,7 +7649,9 @@
                 </a:solidFill>
                 <a:ln w="317500" cap="rnd">
                   <a:solidFill>
-                    <a:srgbClr val="D8F4FE"/>
+                    <a:schemeClr val="bg1">
+                      <a:lumMod val="85000"/>
+                    </a:schemeClr>
                   </a:solidFill>
                   <a:round/>
                 </a:ln>
@@ -7688,7 +7698,7 @@
             </p:nvSpPr>
             <p:spPr>
               <a:xfrm>
-                <a:off x="4466687" y="4863349"/>
+                <a:off x="4508351" y="4829428"/>
                 <a:ext cx="1613112" cy="736052"/>
               </a:xfrm>
               <a:custGeom>
@@ -7774,7 +7784,9 @@
               </a:solidFill>
               <a:ln w="317500" cap="rnd">
                 <a:solidFill>
-                  <a:srgbClr val="D8F4FE"/>
+                  <a:schemeClr val="bg1">
+                    <a:lumMod val="85000"/>
+                  </a:schemeClr>
                 </a:solidFill>
                 <a:round/>
               </a:ln>
@@ -7821,8 +7833,8 @@
           </p:nvSpPr>
           <p:spPr>
             <a:xfrm>
-              <a:off x="12560896" y="18176327"/>
-              <a:ext cx="4536277" cy="2069872"/>
+              <a:off x="12560895" y="18176326"/>
+              <a:ext cx="4536276" cy="2069872"/>
             </a:xfrm>
             <a:custGeom>
               <a:avLst/>
@@ -7952,7 +7964,7 @@
           </p:nvSpPr>
           <p:spPr>
             <a:xfrm>
-              <a:off x="21802488" y="17461407"/>
+              <a:off x="21802486" y="17461406"/>
               <a:ext cx="2480336" cy="913804"/>
             </a:xfrm>
             <a:prstGeom prst="rect">
@@ -8006,8 +8018,8 @@
           </p:nvSpPr>
           <p:spPr>
             <a:xfrm>
-              <a:off x="12848122" y="12877564"/>
-              <a:ext cx="4249044" cy="1724920"/>
+              <a:off x="12848121" y="12877563"/>
+              <a:ext cx="4249043" cy="1724920"/>
             </a:xfrm>
             <a:prstGeom prst="rect">
               <a:avLst/>
@@ -8060,8 +8072,8 @@
           </p:nvSpPr>
           <p:spPr>
             <a:xfrm>
-              <a:off x="11069919" y="12658263"/>
-              <a:ext cx="710057" cy="7930915"/>
+              <a:off x="11069917" y="12658263"/>
+              <a:ext cx="710057" cy="7930914"/>
             </a:xfrm>
             <a:prstGeom prst="rect">
               <a:avLst/>
@@ -8114,8 +8126,8 @@
           </p:nvSpPr>
           <p:spPr>
             <a:xfrm flipH="1">
-              <a:off x="12560897" y="8601010"/>
-              <a:ext cx="11804613" cy="20610578"/>
+              <a:off x="12560895" y="8601010"/>
+              <a:ext cx="11804612" cy="20610576"/>
             </a:xfrm>
             <a:custGeom>
               <a:avLst/>
@@ -8773,8 +8785,8 @@
           </p:nvSpPr>
           <p:spPr>
             <a:xfrm>
-              <a:off x="20552611" y="6788150"/>
-              <a:ext cx="4377209" cy="1742206"/>
+              <a:off x="20552610" y="6788150"/>
+              <a:ext cx="4377209" cy="1742205"/>
             </a:xfrm>
             <a:custGeom>
               <a:avLst/>
@@ -8960,7 +8972,7 @@
           </p:nvSpPr>
           <p:spPr>
             <a:xfrm>
-              <a:off x="18232011" y="10209213"/>
+              <a:off x="18232010" y="10209212"/>
               <a:ext cx="1178133" cy="636152"/>
             </a:xfrm>
             <a:prstGeom prst="rect">
@@ -9015,7 +9027,7 @@
           </p:nvSpPr>
           <p:spPr>
             <a:xfrm>
-              <a:off x="17999869" y="15844765"/>
+              <a:off x="17999868" y="15844764"/>
               <a:ext cx="1178133" cy="636152"/>
             </a:xfrm>
             <a:prstGeom prst="rect">
@@ -9070,7 +9082,7 @@
           </p:nvSpPr>
           <p:spPr>
             <a:xfrm>
-              <a:off x="17858699" y="21480317"/>
+              <a:off x="17858698" y="21480315"/>
               <a:ext cx="1551446" cy="636152"/>
             </a:xfrm>
             <a:prstGeom prst="rect">
@@ -9125,7 +9137,7 @@
           </p:nvSpPr>
           <p:spPr>
             <a:xfrm>
-              <a:off x="15186926" y="27103564"/>
+              <a:off x="15186925" y="27103562"/>
               <a:ext cx="1910240" cy="636152"/>
             </a:xfrm>
             <a:prstGeom prst="rect">
@@ -9242,8 +9254,8 @@
         </p:nvSpPr>
         <p:spPr>
           <a:xfrm>
-            <a:off x="8508938" y="4712566"/>
-            <a:ext cx="18981864" cy="26574609"/>
+            <a:off x="0" y="0"/>
+            <a:ext cx="35999738" cy="35999738"/>
           </a:xfrm>
           <a:prstGeom prst="rect">
             <a:avLst/>
@@ -9294,8 +9306,8 @@
         </p:nvGrpSpPr>
         <p:grpSpPr>
           <a:xfrm>
-            <a:off x="12560898" y="6788150"/>
-            <a:ext cx="12368923" cy="22423439"/>
+            <a:off x="10784276" y="2659325"/>
+            <a:ext cx="16755769" cy="30376286"/>
             <a:chOff x="4466687" y="813683"/>
             <a:chExt cx="4398421" cy="7973833"/>
           </a:xfrm>
@@ -9325,7 +9337,9 @@
             </a:solidFill>
             <a:ln w="317500" cap="rnd">
               <a:solidFill>
-                <a:srgbClr val="D8F4FE"/>
+                <a:schemeClr val="bg1">
+                  <a:lumMod val="85000"/>
+                </a:schemeClr>
               </a:solidFill>
               <a:round/>
             </a:ln>
@@ -9983,7 +9997,9 @@
             </a:solidFill>
             <a:ln w="317500" cap="rnd">
               <a:solidFill>
-                <a:srgbClr val="D8F4FE"/>
+                <a:schemeClr val="bg1">
+                  <a:lumMod val="85000"/>
+                </a:schemeClr>
               </a:solidFill>
               <a:round/>
             </a:ln>
@@ -10171,7 +10187,9 @@
             </a:solidFill>
             <a:ln w="317500" cap="rnd">
               <a:solidFill>
-                <a:srgbClr val="D8F4FE"/>
+                <a:schemeClr val="bg1">
+                  <a:lumMod val="85000"/>
+                </a:schemeClr>
               </a:solidFill>
               <a:round/>
             </a:ln>
@@ -10218,8 +10236,8 @@
         </p:nvSpPr>
         <p:spPr>
           <a:xfrm>
-            <a:off x="21802488" y="17461407"/>
-            <a:ext cx="2480336" cy="913804"/>
+            <a:off x="23151151" y="17270430"/>
+            <a:ext cx="3360029" cy="1237900"/>
           </a:xfrm>
           <a:prstGeom prst="rect">
             <a:avLst/>
@@ -10272,8 +10290,8 @@
         </p:nvSpPr>
         <p:spPr>
           <a:xfrm flipH="1">
-            <a:off x="12560897" y="8601010"/>
-            <a:ext cx="11804613" cy="20610578"/>
+            <a:off x="10631875" y="5267546"/>
+            <a:ext cx="15991317" cy="27920464"/>
           </a:xfrm>
           <a:custGeom>
             <a:avLst/>
@@ -10913,7 +10931,7 @@
           <a:lstStyle/>
           <a:p>
             <a:pPr algn="ctr"/>
-            <a:endParaRPr lang="ja-JP" altLang="en-US" sz="6251"/>
+            <a:endParaRPr lang="ja-JP" altLang="en-US" sz="6251" dirty="0"/>
           </a:p>
         </p:txBody>
       </p:sp>
@@ -10931,8 +10949,8 @@
         </p:nvSpPr>
         <p:spPr>
           <a:xfrm>
-            <a:off x="20552612" y="6788150"/>
-            <a:ext cx="4377209" cy="1742206"/>
+            <a:off x="21457986" y="2811725"/>
+            <a:ext cx="5929659" cy="2360108"/>
           </a:xfrm>
           <a:custGeom>
             <a:avLst/>
@@ -11106,10 +11124,10 @@
       </p:sp>
       <p:sp>
         <p:nvSpPr>
-          <p:cNvPr id="3" name="テキスト ボックス 2">
+          <p:cNvPr id="15" name="テキスト ボックス 14">
             <a:extLst>
               <a:ext uri="{FF2B5EF4-FFF2-40B4-BE49-F238E27FC236}">
-                <a16:creationId xmlns:a16="http://schemas.microsoft.com/office/drawing/2014/main" id="{62AA0671-FC0E-28DD-0BED-0469F1418D84}"/>
+                <a16:creationId xmlns:a16="http://schemas.microsoft.com/office/drawing/2014/main" id="{CEC9FC2C-2F36-7486-B7BD-91C2D49B4BFE}"/>
               </a:ext>
             </a:extLst>
           </p:cNvPr>
@@ -11118,8 +11136,8 @@
         </p:nvSpPr>
         <p:spPr>
           <a:xfrm>
-            <a:off x="18232012" y="10209214"/>
-            <a:ext cx="806631" cy="568297"/>
+            <a:off x="18314346" y="7446126"/>
+            <a:ext cx="1595978" cy="861774"/>
           </a:xfrm>
           <a:prstGeom prst="rect">
             <a:avLst/>
@@ -11127,13 +11145,13 @@
           <a:noFill/>
         </p:spPr>
         <p:txBody>
-          <a:bodyPr wrap="none" rtlCol="0">
+          <a:bodyPr wrap="square" rtlCol="0">
             <a:spAutoFit/>
           </a:bodyPr>
           <a:lstStyle/>
           <a:p>
             <a:r>
-              <a:rPr kumimoji="1" lang="en-US" altLang="ja-JP" sz="3093" dirty="0">
+              <a:rPr kumimoji="1" lang="en-US" altLang="ja-JP" sz="5000" dirty="0">
                 <a:solidFill>
                   <a:schemeClr val="bg1">
                     <a:lumMod val="50000"/>
@@ -11145,7 +11163,7 @@
               <a:t>1</a:t>
             </a:r>
             <a:r>
-              <a:rPr kumimoji="1" lang="ja-JP" altLang="en-US" sz="3093" dirty="0">
+              <a:rPr kumimoji="1" lang="ja-JP" altLang="en-US" sz="5000" dirty="0">
                 <a:solidFill>
                   <a:schemeClr val="bg1">
                     <a:lumMod val="50000"/>
@@ -11161,10 +11179,10 @@
       </p:sp>
       <p:sp>
         <p:nvSpPr>
-          <p:cNvPr id="4" name="テキスト ボックス 3">
+          <p:cNvPr id="16" name="テキスト ボックス 15">
             <a:extLst>
               <a:ext uri="{FF2B5EF4-FFF2-40B4-BE49-F238E27FC236}">
-                <a16:creationId xmlns:a16="http://schemas.microsoft.com/office/drawing/2014/main" id="{919C7DC2-D832-C470-FCFA-0826BE23C1E8}"/>
+                <a16:creationId xmlns:a16="http://schemas.microsoft.com/office/drawing/2014/main" id="{C4F16F11-4BC9-5CE9-AB72-2461CE19D8CA}"/>
               </a:ext>
             </a:extLst>
           </p:cNvPr>
@@ -11173,8 +11191,8 @@
         </p:nvSpPr>
         <p:spPr>
           <a:xfrm>
-            <a:off x="17999871" y="15844766"/>
-            <a:ext cx="806631" cy="568297"/>
+            <a:off x="17999871" y="15080421"/>
+            <a:ext cx="1595978" cy="861774"/>
           </a:xfrm>
           <a:prstGeom prst="rect">
             <a:avLst/>
@@ -11182,13 +11200,13 @@
           <a:noFill/>
         </p:spPr>
         <p:txBody>
-          <a:bodyPr wrap="none" rtlCol="0">
+          <a:bodyPr wrap="square" rtlCol="0">
             <a:spAutoFit/>
           </a:bodyPr>
           <a:lstStyle/>
           <a:p>
             <a:r>
-              <a:rPr kumimoji="1" lang="en-US" altLang="ja-JP" sz="3093" dirty="0">
+              <a:rPr kumimoji="1" lang="en-US" altLang="ja-JP" sz="5000" dirty="0">
                 <a:solidFill>
                   <a:schemeClr val="bg1">
                     <a:lumMod val="50000"/>
@@ -11200,7 +11218,7 @@
               <a:t>2</a:t>
             </a:r>
             <a:r>
-              <a:rPr kumimoji="1" lang="ja-JP" altLang="en-US" sz="3093" dirty="0">
+              <a:rPr kumimoji="1" lang="ja-JP" altLang="en-US" sz="5000" dirty="0">
                 <a:solidFill>
                   <a:schemeClr val="bg1">
                     <a:lumMod val="50000"/>
@@ -11216,10 +11234,10 @@
       </p:sp>
       <p:sp>
         <p:nvSpPr>
-          <p:cNvPr id="5" name="テキスト ボックス 4">
+          <p:cNvPr id="17" name="テキスト ボックス 16">
             <a:extLst>
               <a:ext uri="{FF2B5EF4-FFF2-40B4-BE49-F238E27FC236}">
-                <a16:creationId xmlns:a16="http://schemas.microsoft.com/office/drawing/2014/main" id="{CBB53965-72A1-2942-49C8-DD8224A88A32}"/>
+                <a16:creationId xmlns:a16="http://schemas.microsoft.com/office/drawing/2014/main" id="{96A6D5FC-0545-A496-836D-B491F12B10D3}"/>
               </a:ext>
             </a:extLst>
           </p:cNvPr>
@@ -11228,8 +11246,8 @@
         </p:nvSpPr>
         <p:spPr>
           <a:xfrm>
-            <a:off x="17858700" y="21480318"/>
-            <a:ext cx="806631" cy="568297"/>
+            <a:off x="17808633" y="22714715"/>
+            <a:ext cx="2101692" cy="861774"/>
           </a:xfrm>
           <a:prstGeom prst="rect">
             <a:avLst/>
@@ -11237,13 +11255,13 @@
           <a:noFill/>
         </p:spPr>
         <p:txBody>
-          <a:bodyPr wrap="none" rtlCol="0">
+          <a:bodyPr wrap="square" rtlCol="0">
             <a:spAutoFit/>
           </a:bodyPr>
           <a:lstStyle/>
           <a:p>
             <a:r>
-              <a:rPr kumimoji="1" lang="en-US" altLang="ja-JP" sz="3093" dirty="0">
+              <a:rPr kumimoji="1" lang="en-US" altLang="ja-JP" sz="5000" dirty="0">
                 <a:solidFill>
                   <a:schemeClr val="bg1">
                     <a:lumMod val="50000"/>
@@ -11255,7 +11273,7 @@
               <a:t>3</a:t>
             </a:r>
             <a:r>
-              <a:rPr kumimoji="1" lang="ja-JP" altLang="en-US" sz="3093" dirty="0">
+              <a:rPr kumimoji="1" lang="ja-JP" altLang="en-US" sz="5000" dirty="0">
                 <a:solidFill>
                   <a:schemeClr val="bg1">
                     <a:lumMod val="50000"/>
@@ -11271,10 +11289,10 @@
       </p:sp>
       <p:sp>
         <p:nvSpPr>
-          <p:cNvPr id="8" name="テキスト ボックス 7">
+          <p:cNvPr id="18" name="テキスト ボックス 17">
             <a:extLst>
               <a:ext uri="{FF2B5EF4-FFF2-40B4-BE49-F238E27FC236}">
-                <a16:creationId xmlns:a16="http://schemas.microsoft.com/office/drawing/2014/main" id="{8832FA90-A137-78C9-9414-5B81875DEA43}"/>
+                <a16:creationId xmlns:a16="http://schemas.microsoft.com/office/drawing/2014/main" id="{A9BC2621-4920-F010-78E3-516F10EA283D}"/>
               </a:ext>
             </a:extLst>
           </p:cNvPr>
@@ -11283,8 +11301,8 @@
         </p:nvSpPr>
         <p:spPr>
           <a:xfrm>
-            <a:off x="15186926" y="27103565"/>
-            <a:ext cx="1372492" cy="568297"/>
+            <a:off x="14189271" y="30332341"/>
+            <a:ext cx="2587739" cy="861774"/>
           </a:xfrm>
           <a:prstGeom prst="rect">
             <a:avLst/>
@@ -11292,13 +11310,13 @@
           <a:noFill/>
         </p:spPr>
         <p:txBody>
-          <a:bodyPr wrap="none" rtlCol="0">
+          <a:bodyPr wrap="square" rtlCol="0">
             <a:spAutoFit/>
           </a:bodyPr>
           <a:lstStyle/>
           <a:p>
             <a:r>
-              <a:rPr kumimoji="1" lang="ja-JP" altLang="en-US" sz="3093" dirty="0">
+              <a:rPr kumimoji="1" lang="ja-JP" altLang="en-US" sz="5000" dirty="0">
                 <a:solidFill>
                   <a:schemeClr val="bg1">
                     <a:lumMod val="50000"/>
@@ -11314,10 +11332,10 @@
       </p:sp>
       <p:sp>
         <p:nvSpPr>
-          <p:cNvPr id="9" name="テキスト ボックス 8">
+          <p:cNvPr id="19" name="テキスト ボックス 18">
             <a:extLst>
               <a:ext uri="{FF2B5EF4-FFF2-40B4-BE49-F238E27FC236}">
-                <a16:creationId xmlns:a16="http://schemas.microsoft.com/office/drawing/2014/main" id="{37C301B8-1389-6AF2-4C61-59750F424A31}"/>
+                <a16:creationId xmlns:a16="http://schemas.microsoft.com/office/drawing/2014/main" id="{6AD02C5A-E920-E24E-DCD6-806280A5C7FA}"/>
               </a:ext>
             </a:extLst>
           </p:cNvPr>
@@ -11326,8 +11344,8 @@
         </p:nvSpPr>
         <p:spPr>
           <a:xfrm>
-            <a:off x="21616053" y="7269772"/>
-            <a:ext cx="1768433" cy="568297"/>
+            <a:off x="22898597" y="3641145"/>
+            <a:ext cx="3612586" cy="861774"/>
           </a:xfrm>
           <a:prstGeom prst="rect">
             <a:avLst/>
@@ -11335,13 +11353,13 @@
           <a:noFill/>
         </p:spPr>
         <p:txBody>
-          <a:bodyPr wrap="none" rtlCol="0">
+          <a:bodyPr wrap="square" rtlCol="0">
             <a:spAutoFit/>
           </a:bodyPr>
           <a:lstStyle/>
           <a:p>
             <a:r>
-              <a:rPr kumimoji="1" lang="ja-JP" altLang="en-US" sz="3093" dirty="0">
+              <a:rPr kumimoji="1" lang="ja-JP" altLang="en-US" sz="5000" dirty="0">
                 <a:solidFill>
                   <a:schemeClr val="bg1">
                     <a:lumMod val="50000"/>
@@ -11399,8 +11417,8 @@
         </p:nvSpPr>
         <p:spPr>
           <a:xfrm>
-            <a:off x="8508938" y="4725957"/>
-            <a:ext cx="18981864" cy="26574609"/>
+            <a:off x="1" y="0"/>
+            <a:ext cx="35999738" cy="35999737"/>
           </a:xfrm>
           <a:prstGeom prst="rect">
             <a:avLst/>
@@ -11451,8 +11469,8 @@
         </p:nvSpPr>
         <p:spPr>
           <a:xfrm flipH="1">
-            <a:off x="13692799" y="8601010"/>
-            <a:ext cx="10225283" cy="3178059"/>
+            <a:off x="12308057" y="5097005"/>
+            <a:ext cx="13851850" cy="4305211"/>
           </a:xfrm>
           <a:custGeom>
             <a:avLst/>
@@ -11593,7 +11611,9 @@
           </a:solidFill>
           <a:ln w="317500" cap="rnd">
             <a:solidFill>
-              <a:srgbClr val="D8F4FE"/>
+              <a:schemeClr val="bg1">
+                <a:lumMod val="85000"/>
+              </a:schemeClr>
             </a:solidFill>
             <a:round/>
           </a:ln>
@@ -11639,8 +11659,8 @@
         </p:nvSpPr>
         <p:spPr>
           <a:xfrm flipH="1">
-            <a:off x="12560897" y="13686711"/>
-            <a:ext cx="11721925" cy="3477913"/>
+            <a:off x="10774707" y="11986435"/>
+            <a:ext cx="15879301" cy="4711413"/>
           </a:xfrm>
           <a:custGeom>
             <a:avLst/>
@@ -11845,7 +11865,9 @@
           </a:solidFill>
           <a:ln w="317500" cap="rnd">
             <a:solidFill>
-              <a:srgbClr val="D8F4FE"/>
+              <a:schemeClr val="bg1">
+                <a:lumMod val="85000"/>
+              </a:schemeClr>
             </a:solidFill>
             <a:round/>
           </a:ln>
@@ -11891,8 +11913,8 @@
         </p:nvSpPr>
         <p:spPr>
           <a:xfrm flipH="1">
-            <a:off x="13055697" y="20005574"/>
-            <a:ext cx="11309813" cy="3091412"/>
+            <a:off x="11444996" y="20546388"/>
+            <a:ext cx="15321027" cy="4187833"/>
           </a:xfrm>
           <a:custGeom>
             <a:avLst/>
@@ -12113,7 +12135,9 @@
           </a:solidFill>
           <a:ln w="317500" cap="rnd">
             <a:solidFill>
-              <a:srgbClr val="D8F4FE"/>
+              <a:schemeClr val="bg1">
+                <a:lumMod val="85000"/>
+              </a:schemeClr>
             </a:solidFill>
             <a:round/>
           </a:ln>
@@ -12159,8 +12183,8 @@
         </p:nvSpPr>
         <p:spPr>
           <a:xfrm flipH="1">
-            <a:off x="13204033" y="24850269"/>
-            <a:ext cx="6526657" cy="4361321"/>
+            <a:off x="11645942" y="27109335"/>
+            <a:ext cx="8841445" cy="5908136"/>
           </a:xfrm>
           <a:custGeom>
             <a:avLst/>
@@ -12373,7 +12397,9 @@
           </a:solidFill>
           <a:ln w="317500" cap="rnd">
             <a:solidFill>
-              <a:srgbClr val="D8F4FE"/>
+              <a:schemeClr val="bg1">
+                <a:lumMod val="85000"/>
+              </a:schemeClr>
             </a:solidFill>
             <a:round/>
           </a:ln>
@@ -12419,8 +12445,8 @@
         </p:nvSpPr>
         <p:spPr>
           <a:xfrm flipH="1">
-            <a:off x="13692799" y="8601010"/>
-            <a:ext cx="10225283" cy="3178059"/>
+            <a:off x="12155657" y="5249405"/>
+            <a:ext cx="13851850" cy="4305211"/>
           </a:xfrm>
           <a:custGeom>
             <a:avLst/>
@@ -12606,8 +12632,8 @@
         </p:nvSpPr>
         <p:spPr>
           <a:xfrm flipH="1">
-            <a:off x="12560897" y="13686711"/>
-            <a:ext cx="11721925" cy="3477913"/>
+            <a:off x="10622307" y="12138835"/>
+            <a:ext cx="15879301" cy="4711413"/>
           </a:xfrm>
           <a:custGeom>
             <a:avLst/>
@@ -12857,8 +12883,8 @@
         </p:nvSpPr>
         <p:spPr>
           <a:xfrm flipH="1">
-            <a:off x="13055697" y="20005574"/>
-            <a:ext cx="11309813" cy="3091412"/>
+            <a:off x="11292596" y="20698788"/>
+            <a:ext cx="15321027" cy="4187833"/>
           </a:xfrm>
           <a:custGeom>
             <a:avLst/>
@@ -13124,8 +13150,8 @@
         </p:nvSpPr>
         <p:spPr>
           <a:xfrm flipH="1">
-            <a:off x="13204033" y="24850269"/>
-            <a:ext cx="6526657" cy="4361321"/>
+            <a:off x="11493542" y="27261735"/>
+            <a:ext cx="8841445" cy="5908136"/>
           </a:xfrm>
           <a:custGeom>
             <a:avLst/>
@@ -13363,10 +13389,10 @@
       </p:sp>
       <p:sp>
         <p:nvSpPr>
-          <p:cNvPr id="2" name="テキスト ボックス 1">
+          <p:cNvPr id="8" name="テキスト ボックス 7">
             <a:extLst>
               <a:ext uri="{FF2B5EF4-FFF2-40B4-BE49-F238E27FC236}">
-                <a16:creationId xmlns:a16="http://schemas.microsoft.com/office/drawing/2014/main" id="{F2D59095-996A-D4AD-7012-1D0B25B4100C}"/>
+                <a16:creationId xmlns:a16="http://schemas.microsoft.com/office/drawing/2014/main" id="{214947FC-1AF8-3C94-846C-F407F5721C47}"/>
               </a:ext>
             </a:extLst>
           </p:cNvPr>
@@ -13375,8 +13401,8 @@
         </p:nvSpPr>
         <p:spPr>
           <a:xfrm>
-            <a:off x="18232012" y="10209214"/>
-            <a:ext cx="806631" cy="568297"/>
+            <a:off x="18314346" y="7446126"/>
+            <a:ext cx="1595978" cy="861774"/>
           </a:xfrm>
           <a:prstGeom prst="rect">
             <a:avLst/>
@@ -13384,13 +13410,13 @@
           <a:noFill/>
         </p:spPr>
         <p:txBody>
-          <a:bodyPr wrap="none" rtlCol="0">
+          <a:bodyPr wrap="square" rtlCol="0">
             <a:spAutoFit/>
           </a:bodyPr>
           <a:lstStyle/>
           <a:p>
             <a:r>
-              <a:rPr kumimoji="1" lang="en-US" altLang="ja-JP" sz="3093" dirty="0">
+              <a:rPr kumimoji="1" lang="en-US" altLang="ja-JP" sz="5000" dirty="0">
                 <a:solidFill>
                   <a:schemeClr val="bg1">
                     <a:lumMod val="50000"/>
@@ -13402,7 +13428,7 @@
               <a:t>1</a:t>
             </a:r>
             <a:r>
-              <a:rPr kumimoji="1" lang="ja-JP" altLang="en-US" sz="3093" dirty="0">
+              <a:rPr kumimoji="1" lang="ja-JP" altLang="en-US" sz="5000" dirty="0">
                 <a:solidFill>
                   <a:schemeClr val="bg1">
                     <a:lumMod val="50000"/>
@@ -13418,10 +13444,10 @@
       </p:sp>
       <p:sp>
         <p:nvSpPr>
-          <p:cNvPr id="3" name="テキスト ボックス 2">
+          <p:cNvPr id="9" name="テキスト ボックス 8">
             <a:extLst>
               <a:ext uri="{FF2B5EF4-FFF2-40B4-BE49-F238E27FC236}">
-                <a16:creationId xmlns:a16="http://schemas.microsoft.com/office/drawing/2014/main" id="{804DF3ED-95FD-C1A5-ADE0-64404C28B38A}"/>
+                <a16:creationId xmlns:a16="http://schemas.microsoft.com/office/drawing/2014/main" id="{57ACA872-A0B6-4F6B-63BD-8252966AF1AD}"/>
               </a:ext>
             </a:extLst>
           </p:cNvPr>
@@ -13430,8 +13456,8 @@
         </p:nvSpPr>
         <p:spPr>
           <a:xfrm>
-            <a:off x="17999871" y="15844766"/>
-            <a:ext cx="806631" cy="568297"/>
+            <a:off x="17999871" y="15080421"/>
+            <a:ext cx="1595978" cy="861774"/>
           </a:xfrm>
           <a:prstGeom prst="rect">
             <a:avLst/>
@@ -13439,13 +13465,13 @@
           <a:noFill/>
         </p:spPr>
         <p:txBody>
-          <a:bodyPr wrap="none" rtlCol="0">
+          <a:bodyPr wrap="square" rtlCol="0">
             <a:spAutoFit/>
           </a:bodyPr>
           <a:lstStyle/>
           <a:p>
             <a:r>
-              <a:rPr kumimoji="1" lang="en-US" altLang="ja-JP" sz="3093" dirty="0">
+              <a:rPr kumimoji="1" lang="en-US" altLang="ja-JP" sz="5000" dirty="0">
                 <a:solidFill>
                   <a:schemeClr val="bg1">
                     <a:lumMod val="50000"/>
@@ -13457,7 +13483,7 @@
               <a:t>2</a:t>
             </a:r>
             <a:r>
-              <a:rPr kumimoji="1" lang="ja-JP" altLang="en-US" sz="3093" dirty="0">
+              <a:rPr kumimoji="1" lang="ja-JP" altLang="en-US" sz="5000" dirty="0">
                 <a:solidFill>
                   <a:schemeClr val="bg1">
                     <a:lumMod val="50000"/>
@@ -13473,10 +13499,10 @@
       </p:sp>
       <p:sp>
         <p:nvSpPr>
-          <p:cNvPr id="5" name="テキスト ボックス 4">
+          <p:cNvPr id="10" name="テキスト ボックス 9">
             <a:extLst>
               <a:ext uri="{FF2B5EF4-FFF2-40B4-BE49-F238E27FC236}">
-                <a16:creationId xmlns:a16="http://schemas.microsoft.com/office/drawing/2014/main" id="{6FA5A293-1290-6F68-CF54-FC0D2E4CED23}"/>
+                <a16:creationId xmlns:a16="http://schemas.microsoft.com/office/drawing/2014/main" id="{333D2D1C-7DB6-1A70-9A4F-083D90B58F08}"/>
               </a:ext>
             </a:extLst>
           </p:cNvPr>
@@ -13485,8 +13511,8 @@
         </p:nvSpPr>
         <p:spPr>
           <a:xfrm>
-            <a:off x="17858700" y="21480318"/>
-            <a:ext cx="806631" cy="568297"/>
+            <a:off x="17808633" y="22714715"/>
+            <a:ext cx="2101692" cy="861774"/>
           </a:xfrm>
           <a:prstGeom prst="rect">
             <a:avLst/>
@@ -13494,13 +13520,13 @@
           <a:noFill/>
         </p:spPr>
         <p:txBody>
-          <a:bodyPr wrap="none" rtlCol="0">
+          <a:bodyPr wrap="square" rtlCol="0">
             <a:spAutoFit/>
           </a:bodyPr>
           <a:lstStyle/>
           <a:p>
             <a:r>
-              <a:rPr kumimoji="1" lang="en-US" altLang="ja-JP" sz="3093" dirty="0">
+              <a:rPr kumimoji="1" lang="en-US" altLang="ja-JP" sz="5000" dirty="0">
                 <a:solidFill>
                   <a:schemeClr val="bg1">
                     <a:lumMod val="50000"/>
@@ -13512,7 +13538,7 @@
               <a:t>3</a:t>
             </a:r>
             <a:r>
-              <a:rPr kumimoji="1" lang="ja-JP" altLang="en-US" sz="3093" dirty="0">
+              <a:rPr kumimoji="1" lang="ja-JP" altLang="en-US" sz="5000" dirty="0">
                 <a:solidFill>
                   <a:schemeClr val="bg1">
                     <a:lumMod val="50000"/>
@@ -13528,10 +13554,10 @@
       </p:sp>
       <p:sp>
         <p:nvSpPr>
-          <p:cNvPr id="6" name="テキスト ボックス 5">
+          <p:cNvPr id="11" name="テキスト ボックス 10">
             <a:extLst>
               <a:ext uri="{FF2B5EF4-FFF2-40B4-BE49-F238E27FC236}">
-                <a16:creationId xmlns:a16="http://schemas.microsoft.com/office/drawing/2014/main" id="{560DC0FA-843D-E179-17FF-73214858CE1A}"/>
+                <a16:creationId xmlns:a16="http://schemas.microsoft.com/office/drawing/2014/main" id="{3ACE6E1B-24CE-B49A-21C7-0AFBF210C3DE}"/>
               </a:ext>
             </a:extLst>
           </p:cNvPr>
@@ -13540,8 +13566,8 @@
         </p:nvSpPr>
         <p:spPr>
           <a:xfrm>
-            <a:off x="15186926" y="27103565"/>
-            <a:ext cx="1372492" cy="568297"/>
+            <a:off x="14189271" y="30332341"/>
+            <a:ext cx="2587739" cy="861774"/>
           </a:xfrm>
           <a:prstGeom prst="rect">
             <a:avLst/>
@@ -13549,13 +13575,13 @@
           <a:noFill/>
         </p:spPr>
         <p:txBody>
-          <a:bodyPr wrap="none" rtlCol="0">
+          <a:bodyPr wrap="square" rtlCol="0">
             <a:spAutoFit/>
           </a:bodyPr>
           <a:lstStyle/>
           <a:p>
             <a:r>
-              <a:rPr kumimoji="1" lang="ja-JP" altLang="en-US" sz="3093" dirty="0">
+              <a:rPr kumimoji="1" lang="ja-JP" altLang="en-US" sz="5000" dirty="0">
                 <a:solidFill>
                   <a:schemeClr val="bg1">
                     <a:lumMod val="50000"/>
